--- a/docs/node js.pptx
+++ b/docs/node js.pptx
@@ -21,6 +21,9 @@
     <p:sldId id="269" r:id="rId15"/>
     <p:sldId id="270" r:id="rId16"/>
     <p:sldId id="271" r:id="rId17"/>
+    <p:sldId id="272" r:id="rId18"/>
+    <p:sldId id="273" r:id="rId19"/>
+    <p:sldId id="274" r:id="rId20"/>
   </p:sldIdLst>
   <p:sldSz cx="12192000" cy="6858000"/>
   <p:notesSz cx="6858000" cy="9144000"/>
@@ -188,7 +191,7 @@
           <a:noFill/>
           <a:extLst>
             <a:ext uri="{909E8E84-426E-40dd-AFC4-6F175D3DCCD1}">
-              <a14:hiddenFill xmlns:a14="http://schemas.microsoft.com/office/drawing/2010/main" xmlns="">
+              <a14:hiddenFill xmlns="" xmlns:a14="http://schemas.microsoft.com/office/drawing/2010/main">
                 <a:solidFill>
                   <a:srgbClr val="FFFFFF"/>
                 </a:solidFill>
@@ -248,7 +251,7 @@
             </a:ln>
             <a:extLst>
               <a:ext uri="{91240B29-F687-4f45-9708-019B960494DF}">
-                <a14:hiddenLine xmlns:a14="http://schemas.microsoft.com/office/drawing/2010/main" xmlns="" w="9525">
+                <a14:hiddenLine xmlns="" xmlns:a14="http://schemas.microsoft.com/office/drawing/2010/main" w="9525">
                   <a:solidFill>
                     <a:srgbClr val="000000"/>
                   </a:solidFill>
@@ -338,7 +341,7 @@
             </a:ln>
             <a:extLst>
               <a:ext uri="{91240B29-F687-4f45-9708-019B960494DF}">
-                <a14:hiddenLine xmlns:a14="http://schemas.microsoft.com/office/drawing/2010/main" xmlns="" w="9525">
+                <a14:hiddenLine xmlns="" xmlns:a14="http://schemas.microsoft.com/office/drawing/2010/main" w="9525">
                   <a:solidFill>
                     <a:srgbClr val="000000"/>
                   </a:solidFill>
@@ -428,7 +431,7 @@
             </a:ln>
             <a:extLst>
               <a:ext uri="{91240B29-F687-4f45-9708-019B960494DF}">
-                <a14:hiddenLine xmlns:a14="http://schemas.microsoft.com/office/drawing/2010/main" xmlns="" w="9525">
+                <a14:hiddenLine xmlns="" xmlns:a14="http://schemas.microsoft.com/office/drawing/2010/main" w="9525">
                   <a:solidFill>
                     <a:srgbClr val="000000"/>
                   </a:solidFill>
@@ -462,7 +465,7 @@
             </a:ln>
             <a:extLst>
               <a:ext uri="{91240B29-F687-4f45-9708-019B960494DF}">
-                <a14:hiddenLine xmlns:a14="http://schemas.microsoft.com/office/drawing/2010/main" xmlns="" w="9525">
+                <a14:hiddenLine xmlns="" xmlns:a14="http://schemas.microsoft.com/office/drawing/2010/main" w="9525">
                   <a:solidFill>
                     <a:srgbClr val="000000"/>
                   </a:solidFill>
@@ -552,7 +555,7 @@
             </a:ln>
             <a:extLst>
               <a:ext uri="{91240B29-F687-4f45-9708-019B960494DF}">
-                <a14:hiddenLine xmlns:a14="http://schemas.microsoft.com/office/drawing/2010/main" xmlns="" w="9525">
+                <a14:hiddenLine xmlns="" xmlns:a14="http://schemas.microsoft.com/office/drawing/2010/main" w="9525">
                   <a:solidFill>
                     <a:srgbClr val="000000"/>
                   </a:solidFill>
@@ -614,7 +617,7 @@
             </a:ln>
             <a:extLst>
               <a:ext uri="{91240B29-F687-4f45-9708-019B960494DF}">
-                <a14:hiddenLine xmlns:a14="http://schemas.microsoft.com/office/drawing/2010/main" xmlns="" w="9525">
+                <a14:hiddenLine xmlns="" xmlns:a14="http://schemas.microsoft.com/office/drawing/2010/main" w="9525">
                   <a:solidFill>
                     <a:srgbClr val="000000"/>
                   </a:solidFill>
@@ -676,7 +679,7 @@
             </a:ln>
             <a:extLst>
               <a:ext uri="{91240B29-F687-4f45-9708-019B960494DF}">
-                <a14:hiddenLine xmlns:a14="http://schemas.microsoft.com/office/drawing/2010/main" xmlns="" w="9525">
+                <a14:hiddenLine xmlns="" xmlns:a14="http://schemas.microsoft.com/office/drawing/2010/main" w="9525">
                   <a:solidFill>
                     <a:srgbClr val="000000"/>
                   </a:solidFill>
@@ -766,7 +769,7 @@
             </a:ln>
             <a:extLst>
               <a:ext uri="{91240B29-F687-4f45-9708-019B960494DF}">
-                <a14:hiddenLine xmlns:a14="http://schemas.microsoft.com/office/drawing/2010/main" xmlns="" w="9525">
+                <a14:hiddenLine xmlns="" xmlns:a14="http://schemas.microsoft.com/office/drawing/2010/main" w="9525">
                   <a:solidFill>
                     <a:srgbClr val="000000"/>
                   </a:solidFill>
@@ -828,7 +831,7 @@
             </a:ln>
             <a:extLst>
               <a:ext uri="{91240B29-F687-4f45-9708-019B960494DF}">
-                <a14:hiddenLine xmlns:a14="http://schemas.microsoft.com/office/drawing/2010/main" xmlns="" w="9525">
+                <a14:hiddenLine xmlns="" xmlns:a14="http://schemas.microsoft.com/office/drawing/2010/main" w="9525">
                   <a:solidFill>
                     <a:srgbClr val="000000"/>
                   </a:solidFill>
@@ -890,7 +893,7 @@
             </a:ln>
             <a:extLst>
               <a:ext uri="{91240B29-F687-4f45-9708-019B960494DF}">
-                <a14:hiddenLine xmlns:a14="http://schemas.microsoft.com/office/drawing/2010/main" xmlns="" w="9525">
+                <a14:hiddenLine xmlns="" xmlns:a14="http://schemas.microsoft.com/office/drawing/2010/main" w="9525">
                   <a:solidFill>
                     <a:srgbClr val="000000"/>
                   </a:solidFill>
@@ -980,7 +983,7 @@
             </a:ln>
             <a:extLst>
               <a:ext uri="{91240B29-F687-4f45-9708-019B960494DF}">
-                <a14:hiddenLine xmlns:a14="http://schemas.microsoft.com/office/drawing/2010/main" xmlns="" w="9525">
+                <a14:hiddenLine xmlns="" xmlns:a14="http://schemas.microsoft.com/office/drawing/2010/main" w="9525">
                   <a:solidFill>
                     <a:srgbClr val="000000"/>
                   </a:solidFill>
@@ -1070,7 +1073,7 @@
             </a:ln>
             <a:extLst>
               <a:ext uri="{91240B29-F687-4f45-9708-019B960494DF}">
-                <a14:hiddenLine xmlns:a14="http://schemas.microsoft.com/office/drawing/2010/main" xmlns="" w="9525">
+                <a14:hiddenLine xmlns="" xmlns:a14="http://schemas.microsoft.com/office/drawing/2010/main" w="9525">
                   <a:solidFill>
                     <a:srgbClr val="000000"/>
                   </a:solidFill>
@@ -1132,7 +1135,7 @@
             </a:ln>
             <a:extLst>
               <a:ext uri="{91240B29-F687-4f45-9708-019B960494DF}">
-                <a14:hiddenLine xmlns:a14="http://schemas.microsoft.com/office/drawing/2010/main" xmlns="" w="9525">
+                <a14:hiddenLine xmlns="" xmlns:a14="http://schemas.microsoft.com/office/drawing/2010/main" w="9525">
                   <a:solidFill>
                     <a:srgbClr val="000000"/>
                   </a:solidFill>
@@ -1242,7 +1245,7 @@
             </a:ln>
             <a:extLst>
               <a:ext uri="{91240B29-F687-4f45-9708-019B960494DF}">
-                <a14:hiddenLine xmlns:a14="http://schemas.microsoft.com/office/drawing/2010/main" xmlns="" w="9525">
+                <a14:hiddenLine xmlns="" xmlns:a14="http://schemas.microsoft.com/office/drawing/2010/main" w="9525">
                   <a:solidFill>
                     <a:srgbClr val="000000"/>
                   </a:solidFill>
@@ -1304,7 +1307,7 @@
             </a:ln>
             <a:extLst>
               <a:ext uri="{91240B29-F687-4f45-9708-019B960494DF}">
-                <a14:hiddenLine xmlns:a14="http://schemas.microsoft.com/office/drawing/2010/main" xmlns="" w="9525">
+                <a14:hiddenLine xmlns="" xmlns:a14="http://schemas.microsoft.com/office/drawing/2010/main" w="9525">
                   <a:solidFill>
                     <a:srgbClr val="000000"/>
                   </a:solidFill>
@@ -1394,7 +1397,7 @@
             </a:ln>
             <a:extLst>
               <a:ext uri="{91240B29-F687-4f45-9708-019B960494DF}">
-                <a14:hiddenLine xmlns:a14="http://schemas.microsoft.com/office/drawing/2010/main" xmlns="" w="9525">
+                <a14:hiddenLine xmlns="" xmlns:a14="http://schemas.microsoft.com/office/drawing/2010/main" w="9525">
                   <a:solidFill>
                     <a:srgbClr val="000000"/>
                   </a:solidFill>
@@ -1484,7 +1487,7 @@
             </a:ln>
             <a:extLst>
               <a:ext uri="{91240B29-F687-4f45-9708-019B960494DF}">
-                <a14:hiddenLine xmlns:a14="http://schemas.microsoft.com/office/drawing/2010/main" xmlns="" w="9525">
+                <a14:hiddenLine xmlns="" xmlns:a14="http://schemas.microsoft.com/office/drawing/2010/main" w="9525">
                   <a:solidFill>
                     <a:srgbClr val="000000"/>
                   </a:solidFill>
@@ -1546,7 +1549,7 @@
             </a:ln>
             <a:extLst>
               <a:ext uri="{91240B29-F687-4f45-9708-019B960494DF}">
-                <a14:hiddenLine xmlns:a14="http://schemas.microsoft.com/office/drawing/2010/main" xmlns="" w="9525">
+                <a14:hiddenLine xmlns="" xmlns:a14="http://schemas.microsoft.com/office/drawing/2010/main" w="9525">
                   <a:solidFill>
                     <a:srgbClr val="000000"/>
                   </a:solidFill>
@@ -1636,7 +1639,7 @@
             </a:ln>
             <a:extLst>
               <a:ext uri="{91240B29-F687-4f45-9708-019B960494DF}">
-                <a14:hiddenLine xmlns:a14="http://schemas.microsoft.com/office/drawing/2010/main" xmlns="" w="9525">
+                <a14:hiddenLine xmlns="" xmlns:a14="http://schemas.microsoft.com/office/drawing/2010/main" w="9525">
                   <a:solidFill>
                     <a:srgbClr val="000000"/>
                   </a:solidFill>
@@ -1726,7 +1729,7 @@
             </a:ln>
             <a:extLst>
               <a:ext uri="{91240B29-F687-4f45-9708-019B960494DF}">
-                <a14:hiddenLine xmlns:a14="http://schemas.microsoft.com/office/drawing/2010/main" xmlns="" w="9525">
+                <a14:hiddenLine xmlns="" xmlns:a14="http://schemas.microsoft.com/office/drawing/2010/main" w="9525">
                   <a:solidFill>
                     <a:srgbClr val="000000"/>
                   </a:solidFill>
@@ -1782,7 +1785,7 @@
             </a:ln>
             <a:extLst>
               <a:ext uri="{91240B29-F687-4f45-9708-019B960494DF}">
-                <a14:hiddenLine xmlns:a14="http://schemas.microsoft.com/office/drawing/2010/main" xmlns="" w="9525">
+                <a14:hiddenLine xmlns="" xmlns:a14="http://schemas.microsoft.com/office/drawing/2010/main" w="9525">
                   <a:solidFill>
                     <a:srgbClr val="000000"/>
                   </a:solidFill>
@@ -1872,7 +1875,7 @@
             </a:ln>
             <a:extLst>
               <a:ext uri="{91240B29-F687-4f45-9708-019B960494DF}">
-                <a14:hiddenLine xmlns:a14="http://schemas.microsoft.com/office/drawing/2010/main" xmlns="" w="9525">
+                <a14:hiddenLine xmlns="" xmlns:a14="http://schemas.microsoft.com/office/drawing/2010/main" w="9525">
                   <a:solidFill>
                     <a:srgbClr val="000000"/>
                   </a:solidFill>
@@ -1928,7 +1931,7 @@
             </a:ln>
             <a:extLst>
               <a:ext uri="{91240B29-F687-4f45-9708-019B960494DF}">
-                <a14:hiddenLine xmlns:a14="http://schemas.microsoft.com/office/drawing/2010/main" xmlns="" w="9525">
+                <a14:hiddenLine xmlns="" xmlns:a14="http://schemas.microsoft.com/office/drawing/2010/main" w="9525">
                   <a:solidFill>
                     <a:srgbClr val="000000"/>
                   </a:solidFill>
@@ -2018,7 +2021,7 @@
             </a:ln>
             <a:extLst>
               <a:ext uri="{91240B29-F687-4f45-9708-019B960494DF}">
-                <a14:hiddenLine xmlns:a14="http://schemas.microsoft.com/office/drawing/2010/main" xmlns="" w="9525">
+                <a14:hiddenLine xmlns="" xmlns:a14="http://schemas.microsoft.com/office/drawing/2010/main" w="9525">
                   <a:solidFill>
                     <a:srgbClr val="000000"/>
                   </a:solidFill>
@@ -2086,7 +2089,7 @@
             </a:ln>
             <a:extLst>
               <a:ext uri="{91240B29-F687-4f45-9708-019B960494DF}">
-                <a14:hiddenLine xmlns:a14="http://schemas.microsoft.com/office/drawing/2010/main" xmlns="" w="9525">
+                <a14:hiddenLine xmlns="" xmlns:a14="http://schemas.microsoft.com/office/drawing/2010/main" w="9525">
                   <a:solidFill>
                     <a:srgbClr val="000000"/>
                   </a:solidFill>
@@ -2176,7 +2179,7 @@
             </a:ln>
             <a:extLst>
               <a:ext uri="{91240B29-F687-4f45-9708-019B960494DF}">
-                <a14:hiddenLine xmlns:a14="http://schemas.microsoft.com/office/drawing/2010/main" xmlns="" w="9525">
+                <a14:hiddenLine xmlns="" xmlns:a14="http://schemas.microsoft.com/office/drawing/2010/main" w="9525">
                   <a:solidFill>
                     <a:srgbClr val="000000"/>
                   </a:solidFill>
@@ -2244,7 +2247,7 @@
             </a:ln>
             <a:extLst>
               <a:ext uri="{91240B29-F687-4f45-9708-019B960494DF}">
-                <a14:hiddenLine xmlns:a14="http://schemas.microsoft.com/office/drawing/2010/main" xmlns="" w="9525">
+                <a14:hiddenLine xmlns="" xmlns:a14="http://schemas.microsoft.com/office/drawing/2010/main" w="9525">
                   <a:solidFill>
                     <a:srgbClr val="000000"/>
                   </a:solidFill>
@@ -2334,7 +2337,7 @@
             </a:ln>
             <a:extLst>
               <a:ext uri="{91240B29-F687-4f45-9708-019B960494DF}">
-                <a14:hiddenLine xmlns:a14="http://schemas.microsoft.com/office/drawing/2010/main" xmlns="" w="9525">
+                <a14:hiddenLine xmlns="" xmlns:a14="http://schemas.microsoft.com/office/drawing/2010/main" w="9525">
                   <a:solidFill>
                     <a:srgbClr val="000000"/>
                   </a:solidFill>
@@ -2368,7 +2371,7 @@
             </a:ln>
             <a:extLst>
               <a:ext uri="{91240B29-F687-4f45-9708-019B960494DF}">
-                <a14:hiddenLine xmlns:a14="http://schemas.microsoft.com/office/drawing/2010/main" xmlns="" w="9525">
+                <a14:hiddenLine xmlns="" xmlns:a14="http://schemas.microsoft.com/office/drawing/2010/main" w="9525">
                   <a:solidFill>
                     <a:srgbClr val="000000"/>
                   </a:solidFill>
@@ -2458,7 +2461,7 @@
             </a:ln>
             <a:extLst>
               <a:ext uri="{91240B29-F687-4f45-9708-019B960494DF}">
-                <a14:hiddenLine xmlns:a14="http://schemas.microsoft.com/office/drawing/2010/main" xmlns="" w="9525">
+                <a14:hiddenLine xmlns="" xmlns:a14="http://schemas.microsoft.com/office/drawing/2010/main" w="9525">
                   <a:solidFill>
                     <a:srgbClr val="000000"/>
                   </a:solidFill>
@@ -2520,7 +2523,7 @@
             </a:ln>
             <a:extLst>
               <a:ext uri="{91240B29-F687-4f45-9708-019B960494DF}">
-                <a14:hiddenLine xmlns:a14="http://schemas.microsoft.com/office/drawing/2010/main" xmlns="" w="9525">
+                <a14:hiddenLine xmlns="" xmlns:a14="http://schemas.microsoft.com/office/drawing/2010/main" w="9525">
                   <a:solidFill>
                     <a:srgbClr val="000000"/>
                   </a:solidFill>
@@ -2582,7 +2585,7 @@
             </a:ln>
             <a:extLst>
               <a:ext uri="{91240B29-F687-4f45-9708-019B960494DF}">
-                <a14:hiddenLine xmlns:a14="http://schemas.microsoft.com/office/drawing/2010/main" xmlns="" w="9525">
+                <a14:hiddenLine xmlns="" xmlns:a14="http://schemas.microsoft.com/office/drawing/2010/main" w="9525">
                   <a:solidFill>
                     <a:srgbClr val="000000"/>
                   </a:solidFill>
@@ -2672,7 +2675,7 @@
             </a:ln>
             <a:extLst>
               <a:ext uri="{91240B29-F687-4f45-9708-019B960494DF}">
-                <a14:hiddenLine xmlns:a14="http://schemas.microsoft.com/office/drawing/2010/main" xmlns="" w="9525">
+                <a14:hiddenLine xmlns="" xmlns:a14="http://schemas.microsoft.com/office/drawing/2010/main" w="9525">
                   <a:solidFill>
                     <a:srgbClr val="000000"/>
                   </a:solidFill>
@@ -2740,7 +2743,7 @@
             </a:ln>
             <a:extLst>
               <a:ext uri="{91240B29-F687-4f45-9708-019B960494DF}">
-                <a14:hiddenLine xmlns:a14="http://schemas.microsoft.com/office/drawing/2010/main" xmlns="" w="9525">
+                <a14:hiddenLine xmlns="" xmlns:a14="http://schemas.microsoft.com/office/drawing/2010/main" w="9525">
                   <a:solidFill>
                     <a:srgbClr val="000000"/>
                   </a:solidFill>
@@ -2802,7 +2805,7 @@
             </a:ln>
             <a:extLst>
               <a:ext uri="{91240B29-F687-4f45-9708-019B960494DF}">
-                <a14:hiddenLine xmlns:a14="http://schemas.microsoft.com/office/drawing/2010/main" xmlns="" w="9525">
+                <a14:hiddenLine xmlns="" xmlns:a14="http://schemas.microsoft.com/office/drawing/2010/main" w="9525">
                   <a:solidFill>
                     <a:srgbClr val="000000"/>
                   </a:solidFill>
@@ -2892,7 +2895,7 @@
             </a:ln>
             <a:extLst>
               <a:ext uri="{91240B29-F687-4f45-9708-019B960494DF}">
-                <a14:hiddenLine xmlns:a14="http://schemas.microsoft.com/office/drawing/2010/main" xmlns="" w="9525">
+                <a14:hiddenLine xmlns="" xmlns:a14="http://schemas.microsoft.com/office/drawing/2010/main" w="9525">
                   <a:solidFill>
                     <a:srgbClr val="000000"/>
                   </a:solidFill>
@@ -2954,7 +2957,7 @@
             </a:ln>
             <a:extLst>
               <a:ext uri="{91240B29-F687-4f45-9708-019B960494DF}">
-                <a14:hiddenLine xmlns:a14="http://schemas.microsoft.com/office/drawing/2010/main" xmlns="" w="9525">
+                <a14:hiddenLine xmlns="" xmlns:a14="http://schemas.microsoft.com/office/drawing/2010/main" w="9525">
                   <a:solidFill>
                     <a:srgbClr val="000000"/>
                   </a:solidFill>
@@ -3044,7 +3047,7 @@
             </a:ln>
             <a:extLst>
               <a:ext uri="{91240B29-F687-4f45-9708-019B960494DF}">
-                <a14:hiddenLine xmlns:a14="http://schemas.microsoft.com/office/drawing/2010/main" xmlns="" w="9525">
+                <a14:hiddenLine xmlns="" xmlns:a14="http://schemas.microsoft.com/office/drawing/2010/main" w="9525">
                   <a:solidFill>
                     <a:srgbClr val="000000"/>
                   </a:solidFill>
@@ -3106,7 +3109,7 @@
             </a:ln>
             <a:extLst>
               <a:ext uri="{91240B29-F687-4f45-9708-019B960494DF}">
-                <a14:hiddenLine xmlns:a14="http://schemas.microsoft.com/office/drawing/2010/main" xmlns="" w="9525">
+                <a14:hiddenLine xmlns="" xmlns:a14="http://schemas.microsoft.com/office/drawing/2010/main" w="9525">
                   <a:solidFill>
                     <a:srgbClr val="000000"/>
                   </a:solidFill>
@@ -3196,7 +3199,7 @@
             </a:ln>
             <a:extLst>
               <a:ext uri="{91240B29-F687-4f45-9708-019B960494DF}">
-                <a14:hiddenLine xmlns:a14="http://schemas.microsoft.com/office/drawing/2010/main" xmlns="" w="9525">
+                <a14:hiddenLine xmlns="" xmlns:a14="http://schemas.microsoft.com/office/drawing/2010/main" w="9525">
                   <a:solidFill>
                     <a:srgbClr val="000000"/>
                   </a:solidFill>
@@ -3230,7 +3233,7 @@
             </a:ln>
             <a:extLst>
               <a:ext uri="{91240B29-F687-4f45-9708-019B960494DF}">
-                <a14:hiddenLine xmlns:a14="http://schemas.microsoft.com/office/drawing/2010/main" xmlns="" w="9525">
+                <a14:hiddenLine xmlns="" xmlns:a14="http://schemas.microsoft.com/office/drawing/2010/main" w="9525">
                   <a:solidFill>
                     <a:srgbClr val="000000"/>
                   </a:solidFill>
@@ -3295,7 +3298,7 @@
             </a:ln>
             <a:extLst>
               <a:ext uri="{91240B29-F687-4f45-9708-019B960494DF}">
-                <a14:hiddenLine xmlns:a14="http://schemas.microsoft.com/office/drawing/2010/main" xmlns="" w="9525">
+                <a14:hiddenLine xmlns="" xmlns:a14="http://schemas.microsoft.com/office/drawing/2010/main" w="9525">
                   <a:solidFill>
                     <a:srgbClr val="000000"/>
                   </a:solidFill>
@@ -3385,7 +3388,7 @@
             </a:ln>
             <a:extLst>
               <a:ext uri="{91240B29-F687-4f45-9708-019B960494DF}">
-                <a14:hiddenLine xmlns:a14="http://schemas.microsoft.com/office/drawing/2010/main" xmlns="" w="9525">
+                <a14:hiddenLine xmlns="" xmlns:a14="http://schemas.microsoft.com/office/drawing/2010/main" w="9525">
                   <a:solidFill>
                     <a:srgbClr val="000000"/>
                   </a:solidFill>
@@ -3447,7 +3450,7 @@
             </a:ln>
             <a:extLst>
               <a:ext uri="{91240B29-F687-4f45-9708-019B960494DF}">
-                <a14:hiddenLine xmlns:a14="http://schemas.microsoft.com/office/drawing/2010/main" xmlns="" w="9525">
+                <a14:hiddenLine xmlns="" xmlns:a14="http://schemas.microsoft.com/office/drawing/2010/main" w="9525">
                   <a:solidFill>
                     <a:srgbClr val="000000"/>
                   </a:solidFill>
@@ -3537,7 +3540,7 @@
             </a:ln>
             <a:extLst>
               <a:ext uri="{91240B29-F687-4f45-9708-019B960494DF}">
-                <a14:hiddenLine xmlns:a14="http://schemas.microsoft.com/office/drawing/2010/main" xmlns="" w="9525">
+                <a14:hiddenLine xmlns="" xmlns:a14="http://schemas.microsoft.com/office/drawing/2010/main" w="9525">
                   <a:solidFill>
                     <a:srgbClr val="000000"/>
                   </a:solidFill>
@@ -3627,7 +3630,7 @@
             </a:ln>
             <a:extLst>
               <a:ext uri="{91240B29-F687-4f45-9708-019B960494DF}">
-                <a14:hiddenLine xmlns:a14="http://schemas.microsoft.com/office/drawing/2010/main" xmlns="" w="9525">
+                <a14:hiddenLine xmlns="" xmlns:a14="http://schemas.microsoft.com/office/drawing/2010/main" w="9525">
                   <a:solidFill>
                     <a:srgbClr val="000000"/>
                   </a:solidFill>
@@ -3692,7 +3695,7 @@
             </a:ln>
             <a:extLst>
               <a:ext uri="{91240B29-F687-4f45-9708-019B960494DF}">
-                <a14:hiddenLine xmlns:a14="http://schemas.microsoft.com/office/drawing/2010/main" xmlns="" w="9525">
+                <a14:hiddenLine xmlns="" xmlns:a14="http://schemas.microsoft.com/office/drawing/2010/main" w="9525">
                   <a:solidFill>
                     <a:srgbClr val="000000"/>
                   </a:solidFill>
@@ -3754,7 +3757,7 @@
             </a:ln>
             <a:extLst>
               <a:ext uri="{91240B29-F687-4f45-9708-019B960494DF}">
-                <a14:hiddenLine xmlns:a14="http://schemas.microsoft.com/office/drawing/2010/main" xmlns="" w="9525">
+                <a14:hiddenLine xmlns="" xmlns:a14="http://schemas.microsoft.com/office/drawing/2010/main" w="9525">
                   <a:solidFill>
                     <a:srgbClr val="000000"/>
                   </a:solidFill>
@@ -3844,7 +3847,7 @@
             </a:ln>
             <a:extLst>
               <a:ext uri="{91240B29-F687-4f45-9708-019B960494DF}">
-                <a14:hiddenLine xmlns:a14="http://schemas.microsoft.com/office/drawing/2010/main" xmlns="" w="9525">
+                <a14:hiddenLine xmlns="" xmlns:a14="http://schemas.microsoft.com/office/drawing/2010/main" w="9525">
                   <a:solidFill>
                     <a:srgbClr val="000000"/>
                   </a:solidFill>
@@ -3934,7 +3937,7 @@
             </a:ln>
             <a:extLst>
               <a:ext uri="{91240B29-F687-4f45-9708-019B960494DF}">
-                <a14:hiddenLine xmlns:a14="http://schemas.microsoft.com/office/drawing/2010/main" xmlns="" w="9525">
+                <a14:hiddenLine xmlns="" xmlns:a14="http://schemas.microsoft.com/office/drawing/2010/main" w="9525">
                   <a:solidFill>
                     <a:srgbClr val="000000"/>
                   </a:solidFill>
@@ -3996,7 +3999,7 @@
             </a:ln>
             <a:extLst>
               <a:ext uri="{91240B29-F687-4f45-9708-019B960494DF}">
-                <a14:hiddenLine xmlns:a14="http://schemas.microsoft.com/office/drawing/2010/main" xmlns="" w="9525">
+                <a14:hiddenLine xmlns="" xmlns:a14="http://schemas.microsoft.com/office/drawing/2010/main" w="9525">
                   <a:solidFill>
                     <a:srgbClr val="000000"/>
                   </a:solidFill>
@@ -4116,7 +4119,7 @@
             </a:ln>
             <a:extLst>
               <a:ext uri="{91240B29-F687-4f45-9708-019B960494DF}">
-                <a14:hiddenLine xmlns:a14="http://schemas.microsoft.com/office/drawing/2010/main" xmlns="" w="9525">
+                <a14:hiddenLine xmlns="" xmlns:a14="http://schemas.microsoft.com/office/drawing/2010/main" w="9525">
                   <a:solidFill>
                     <a:srgbClr val="000000"/>
                   </a:solidFill>
@@ -4184,7 +4187,7 @@
             </a:ln>
             <a:extLst>
               <a:ext uri="{91240B29-F687-4f45-9708-019B960494DF}">
-                <a14:hiddenLine xmlns:a14="http://schemas.microsoft.com/office/drawing/2010/main" xmlns="" w="9525">
+                <a14:hiddenLine xmlns="" xmlns:a14="http://schemas.microsoft.com/office/drawing/2010/main" w="9525">
                   <a:solidFill>
                     <a:srgbClr val="000000"/>
                   </a:solidFill>
@@ -4274,7 +4277,7 @@
             </a:ln>
             <a:extLst>
               <a:ext uri="{91240B29-F687-4f45-9708-019B960494DF}">
-                <a14:hiddenLine xmlns:a14="http://schemas.microsoft.com/office/drawing/2010/main" xmlns="" w="9525">
+                <a14:hiddenLine xmlns="" xmlns:a14="http://schemas.microsoft.com/office/drawing/2010/main" w="9525">
                   <a:solidFill>
                     <a:srgbClr val="000000"/>
                   </a:solidFill>
@@ -9081,7 +9084,7 @@
           <a:noFill/>
           <a:extLst>
             <a:ext uri="{909E8E84-426E-40dd-AFC4-6F175D3DCCD1}">
-              <a14:hiddenFill xmlns:a14="http://schemas.microsoft.com/office/drawing/2010/main" xmlns="">
+              <a14:hiddenFill xmlns="" xmlns:a14="http://schemas.microsoft.com/office/drawing/2010/main">
                 <a:solidFill>
                   <a:srgbClr val="FFFFFF"/>
                 </a:solidFill>
@@ -9155,7 +9158,7 @@
               </a:ln>
               <a:extLst>
                 <a:ext uri="{91240B29-F687-4f45-9708-019B960494DF}">
-                  <a14:hiddenLine xmlns:a14="http://schemas.microsoft.com/office/drawing/2010/main" xmlns="" w="9525">
+                  <a14:hiddenLine xmlns="" xmlns:a14="http://schemas.microsoft.com/office/drawing/2010/main" w="9525">
                     <a:solidFill>
                       <a:srgbClr val="000000"/>
                     </a:solidFill>
@@ -9245,7 +9248,7 @@
               </a:ln>
               <a:extLst>
                 <a:ext uri="{91240B29-F687-4f45-9708-019B960494DF}">
-                  <a14:hiddenLine xmlns:a14="http://schemas.microsoft.com/office/drawing/2010/main" xmlns="" w="9525">
+                  <a14:hiddenLine xmlns="" xmlns:a14="http://schemas.microsoft.com/office/drawing/2010/main" w="9525">
                     <a:solidFill>
                       <a:srgbClr val="000000"/>
                     </a:solidFill>
@@ -9335,7 +9338,7 @@
               </a:ln>
               <a:extLst>
                 <a:ext uri="{91240B29-F687-4f45-9708-019B960494DF}">
-                  <a14:hiddenLine xmlns:a14="http://schemas.microsoft.com/office/drawing/2010/main" xmlns="" w="9525">
+                  <a14:hiddenLine xmlns="" xmlns:a14="http://schemas.microsoft.com/office/drawing/2010/main" w="9525">
                     <a:solidFill>
                       <a:srgbClr val="000000"/>
                     </a:solidFill>
@@ -9397,7 +9400,7 @@
               </a:ln>
               <a:extLst>
                 <a:ext uri="{91240B29-F687-4f45-9708-019B960494DF}">
-                  <a14:hiddenLine xmlns:a14="http://schemas.microsoft.com/office/drawing/2010/main" xmlns="" w="9525">
+                  <a14:hiddenLine xmlns="" xmlns:a14="http://schemas.microsoft.com/office/drawing/2010/main" w="9525">
                     <a:solidFill>
                       <a:srgbClr val="000000"/>
                     </a:solidFill>
@@ -9487,7 +9490,7 @@
               </a:ln>
               <a:extLst>
                 <a:ext uri="{91240B29-F687-4f45-9708-019B960494DF}">
-                  <a14:hiddenLine xmlns:a14="http://schemas.microsoft.com/office/drawing/2010/main" xmlns="" w="9525">
+                  <a14:hiddenLine xmlns="" xmlns:a14="http://schemas.microsoft.com/office/drawing/2010/main" w="9525">
                     <a:solidFill>
                       <a:srgbClr val="000000"/>
                     </a:solidFill>
@@ -9549,7 +9552,7 @@
               </a:ln>
               <a:extLst>
                 <a:ext uri="{91240B29-F687-4f45-9708-019B960494DF}">
-                  <a14:hiddenLine xmlns:a14="http://schemas.microsoft.com/office/drawing/2010/main" xmlns="" w="9525">
+                  <a14:hiddenLine xmlns="" xmlns:a14="http://schemas.microsoft.com/office/drawing/2010/main" w="9525">
                     <a:solidFill>
                       <a:srgbClr val="000000"/>
                     </a:solidFill>
@@ -9611,7 +9614,7 @@
               </a:ln>
               <a:extLst>
                 <a:ext uri="{91240B29-F687-4f45-9708-019B960494DF}">
-                  <a14:hiddenLine xmlns:a14="http://schemas.microsoft.com/office/drawing/2010/main" xmlns="" w="9525">
+                  <a14:hiddenLine xmlns="" xmlns:a14="http://schemas.microsoft.com/office/drawing/2010/main" w="9525">
                     <a:solidFill>
                       <a:srgbClr val="000000"/>
                     </a:solidFill>
@@ -9701,7 +9704,7 @@
               </a:ln>
               <a:extLst>
                 <a:ext uri="{91240B29-F687-4f45-9708-019B960494DF}">
-                  <a14:hiddenLine xmlns:a14="http://schemas.microsoft.com/office/drawing/2010/main" xmlns="" w="9525">
+                  <a14:hiddenLine xmlns="" xmlns:a14="http://schemas.microsoft.com/office/drawing/2010/main" w="9525">
                     <a:solidFill>
                       <a:srgbClr val="000000"/>
                     </a:solidFill>
@@ -9791,7 +9794,7 @@
               </a:ln>
               <a:extLst>
                 <a:ext uri="{91240B29-F687-4f45-9708-019B960494DF}">
-                  <a14:hiddenLine xmlns:a14="http://schemas.microsoft.com/office/drawing/2010/main" xmlns="" w="9525">
+                  <a14:hiddenLine xmlns="" xmlns:a14="http://schemas.microsoft.com/office/drawing/2010/main" w="9525">
                     <a:solidFill>
                       <a:srgbClr val="000000"/>
                     </a:solidFill>
@@ -9853,7 +9856,7 @@
               </a:ln>
               <a:extLst>
                 <a:ext uri="{91240B29-F687-4f45-9708-019B960494DF}">
-                  <a14:hiddenLine xmlns:a14="http://schemas.microsoft.com/office/drawing/2010/main" xmlns="" w="9525">
+                  <a14:hiddenLine xmlns="" xmlns:a14="http://schemas.microsoft.com/office/drawing/2010/main" w="9525">
                     <a:solidFill>
                       <a:srgbClr val="000000"/>
                     </a:solidFill>
@@ -9963,7 +9966,7 @@
               </a:ln>
               <a:extLst>
                 <a:ext uri="{91240B29-F687-4f45-9708-019B960494DF}">
-                  <a14:hiddenLine xmlns:a14="http://schemas.microsoft.com/office/drawing/2010/main" xmlns="" w="9525">
+                  <a14:hiddenLine xmlns="" xmlns:a14="http://schemas.microsoft.com/office/drawing/2010/main" w="9525">
                     <a:solidFill>
                       <a:srgbClr val="000000"/>
                     </a:solidFill>
@@ -10047,7 +10050,7 @@
               </a:ln>
               <a:extLst>
                 <a:ext uri="{91240B29-F687-4f45-9708-019B960494DF}">
-                  <a14:hiddenLine xmlns:a14="http://schemas.microsoft.com/office/drawing/2010/main" xmlns="" w="9525">
+                  <a14:hiddenLine xmlns="" xmlns:a14="http://schemas.microsoft.com/office/drawing/2010/main" w="9525">
                     <a:solidFill>
                       <a:srgbClr val="000000"/>
                     </a:solidFill>
@@ -10109,7 +10112,7 @@
               </a:ln>
               <a:extLst>
                 <a:ext uri="{91240B29-F687-4f45-9708-019B960494DF}">
-                  <a14:hiddenLine xmlns:a14="http://schemas.microsoft.com/office/drawing/2010/main" xmlns="" w="9525">
+                  <a14:hiddenLine xmlns="" xmlns:a14="http://schemas.microsoft.com/office/drawing/2010/main" w="9525">
                     <a:solidFill>
                       <a:srgbClr val="000000"/>
                     </a:solidFill>
@@ -10171,7 +10174,7 @@
               </a:ln>
               <a:extLst>
                 <a:ext uri="{91240B29-F687-4f45-9708-019B960494DF}">
-                  <a14:hiddenLine xmlns:a14="http://schemas.microsoft.com/office/drawing/2010/main" xmlns="" w="9525">
+                  <a14:hiddenLine xmlns="" xmlns:a14="http://schemas.microsoft.com/office/drawing/2010/main" w="9525">
                     <a:solidFill>
                       <a:srgbClr val="000000"/>
                     </a:solidFill>
@@ -10261,7 +10264,7 @@
               </a:ln>
               <a:extLst>
                 <a:ext uri="{91240B29-F687-4f45-9708-019B960494DF}">
-                  <a14:hiddenLine xmlns:a14="http://schemas.microsoft.com/office/drawing/2010/main" xmlns="" w="9525">
+                  <a14:hiddenLine xmlns="" xmlns:a14="http://schemas.microsoft.com/office/drawing/2010/main" w="9525">
                     <a:solidFill>
                       <a:srgbClr val="000000"/>
                     </a:solidFill>
@@ -10295,7 +10298,7 @@
               </a:ln>
               <a:extLst>
                 <a:ext uri="{91240B29-F687-4f45-9708-019B960494DF}">
-                  <a14:hiddenLine xmlns:a14="http://schemas.microsoft.com/office/drawing/2010/main" xmlns="" w="9525">
+                  <a14:hiddenLine xmlns="" xmlns:a14="http://schemas.microsoft.com/office/drawing/2010/main" w="9525">
                     <a:solidFill>
                       <a:srgbClr val="000000"/>
                     </a:solidFill>
@@ -10360,7 +10363,7 @@
               </a:ln>
               <a:extLst>
                 <a:ext uri="{91240B29-F687-4f45-9708-019B960494DF}">
-                  <a14:hiddenLine xmlns:a14="http://schemas.microsoft.com/office/drawing/2010/main" xmlns="" w="9525">
+                  <a14:hiddenLine xmlns="" xmlns:a14="http://schemas.microsoft.com/office/drawing/2010/main" w="9525">
                     <a:solidFill>
                       <a:srgbClr val="000000"/>
                     </a:solidFill>
@@ -10450,7 +10453,7 @@
               </a:ln>
               <a:extLst>
                 <a:ext uri="{91240B29-F687-4f45-9708-019B960494DF}">
-                  <a14:hiddenLine xmlns:a14="http://schemas.microsoft.com/office/drawing/2010/main" xmlns="" w="9525">
+                  <a14:hiddenLine xmlns="" xmlns:a14="http://schemas.microsoft.com/office/drawing/2010/main" w="9525">
                     <a:solidFill>
                       <a:srgbClr val="000000"/>
                     </a:solidFill>
@@ -10512,7 +10515,7 @@
               </a:ln>
               <a:extLst>
                 <a:ext uri="{91240B29-F687-4f45-9708-019B960494DF}">
-                  <a14:hiddenLine xmlns:a14="http://schemas.microsoft.com/office/drawing/2010/main" xmlns="" w="9525">
+                  <a14:hiddenLine xmlns="" xmlns:a14="http://schemas.microsoft.com/office/drawing/2010/main" w="9525">
                     <a:solidFill>
                       <a:srgbClr val="000000"/>
                     </a:solidFill>
@@ -10602,7 +10605,7 @@
               </a:ln>
               <a:extLst>
                 <a:ext uri="{91240B29-F687-4f45-9708-019B960494DF}">
-                  <a14:hiddenLine xmlns:a14="http://schemas.microsoft.com/office/drawing/2010/main" xmlns="" w="9525">
+                  <a14:hiddenLine xmlns="" xmlns:a14="http://schemas.microsoft.com/office/drawing/2010/main" w="9525">
                     <a:solidFill>
                       <a:srgbClr val="000000"/>
                     </a:solidFill>
@@ -10667,7 +10670,7 @@
               </a:ln>
               <a:extLst>
                 <a:ext uri="{91240B29-F687-4f45-9708-019B960494DF}">
-                  <a14:hiddenLine xmlns:a14="http://schemas.microsoft.com/office/drawing/2010/main" xmlns="" w="9525">
+                  <a14:hiddenLine xmlns="" xmlns:a14="http://schemas.microsoft.com/office/drawing/2010/main" w="9525">
                     <a:solidFill>
                       <a:srgbClr val="000000"/>
                     </a:solidFill>
@@ -10729,7 +10732,7 @@
               </a:ln>
               <a:extLst>
                 <a:ext uri="{91240B29-F687-4f45-9708-019B960494DF}">
-                  <a14:hiddenLine xmlns:a14="http://schemas.microsoft.com/office/drawing/2010/main" xmlns="" w="9525">
+                  <a14:hiddenLine xmlns="" xmlns:a14="http://schemas.microsoft.com/office/drawing/2010/main" w="9525">
                     <a:solidFill>
                       <a:srgbClr val="000000"/>
                     </a:solidFill>
@@ -10819,7 +10822,7 @@
               </a:ln>
               <a:extLst>
                 <a:ext uri="{91240B29-F687-4f45-9708-019B960494DF}">
-                  <a14:hiddenLine xmlns:a14="http://schemas.microsoft.com/office/drawing/2010/main" xmlns="" w="9525">
+                  <a14:hiddenLine xmlns="" xmlns:a14="http://schemas.microsoft.com/office/drawing/2010/main" w="9525">
                     <a:solidFill>
                       <a:srgbClr val="000000"/>
                     </a:solidFill>
@@ -10909,7 +10912,7 @@
               </a:ln>
               <a:extLst>
                 <a:ext uri="{91240B29-F687-4f45-9708-019B960494DF}">
-                  <a14:hiddenLine xmlns:a14="http://schemas.microsoft.com/office/drawing/2010/main" xmlns="" w="9525">
+                  <a14:hiddenLine xmlns="" xmlns:a14="http://schemas.microsoft.com/office/drawing/2010/main" w="9525">
                     <a:solidFill>
                       <a:srgbClr val="000000"/>
                     </a:solidFill>
@@ -10974,7 +10977,7 @@
               </a:ln>
               <a:extLst>
                 <a:ext uri="{91240B29-F687-4f45-9708-019B960494DF}">
-                  <a14:hiddenLine xmlns:a14="http://schemas.microsoft.com/office/drawing/2010/main" xmlns="" w="9525">
+                  <a14:hiddenLine xmlns="" xmlns:a14="http://schemas.microsoft.com/office/drawing/2010/main" w="9525">
                     <a:solidFill>
                       <a:srgbClr val="000000"/>
                     </a:solidFill>
@@ -11094,7 +11097,7 @@
               </a:ln>
               <a:extLst>
                 <a:ext uri="{91240B29-F687-4f45-9708-019B960494DF}">
-                  <a14:hiddenLine xmlns:a14="http://schemas.microsoft.com/office/drawing/2010/main" xmlns="" w="9525">
+                  <a14:hiddenLine xmlns="" xmlns:a14="http://schemas.microsoft.com/office/drawing/2010/main" w="9525">
                     <a:solidFill>
                       <a:srgbClr val="000000"/>
                     </a:solidFill>
@@ -11192,7 +11195,7 @@
               </a:ln>
               <a:extLst>
                 <a:ext uri="{91240B29-F687-4f45-9708-019B960494DF}">
-                  <a14:hiddenLine xmlns:a14="http://schemas.microsoft.com/office/drawing/2010/main" xmlns="" w="9525">
+                  <a14:hiddenLine xmlns="" xmlns:a14="http://schemas.microsoft.com/office/drawing/2010/main" w="9525">
                     <a:solidFill>
                       <a:srgbClr val="000000"/>
                     </a:solidFill>
@@ -11307,7 +11310,7 @@
               </a:ln>
               <a:extLst>
                 <a:ext uri="{91240B29-F687-4f45-9708-019B960494DF}">
-                  <a14:hiddenLine xmlns:a14="http://schemas.microsoft.com/office/drawing/2010/main" xmlns="" w="9525">
+                  <a14:hiddenLine xmlns="" xmlns:a14="http://schemas.microsoft.com/office/drawing/2010/main" w="9525">
                     <a:solidFill>
                       <a:srgbClr val="000000"/>
                     </a:solidFill>
@@ -11397,7 +11400,7 @@
               </a:ln>
               <a:extLst>
                 <a:ext uri="{91240B29-F687-4f45-9708-019B960494DF}">
-                  <a14:hiddenLine xmlns:a14="http://schemas.microsoft.com/office/drawing/2010/main" xmlns="" w="9525">
+                  <a14:hiddenLine xmlns="" xmlns:a14="http://schemas.microsoft.com/office/drawing/2010/main" w="9525">
                     <a:solidFill>
                       <a:srgbClr val="000000"/>
                     </a:solidFill>
@@ -11462,7 +11465,7 @@
               </a:ln>
               <a:extLst>
                 <a:ext uri="{91240B29-F687-4f45-9708-019B960494DF}">
-                  <a14:hiddenLine xmlns:a14="http://schemas.microsoft.com/office/drawing/2010/main" xmlns="" w="9525">
+                  <a14:hiddenLine xmlns="" xmlns:a14="http://schemas.microsoft.com/office/drawing/2010/main" w="9525">
                     <a:solidFill>
                       <a:srgbClr val="000000"/>
                     </a:solidFill>
@@ -11552,7 +11555,7 @@
               </a:ln>
               <a:extLst>
                 <a:ext uri="{91240B29-F687-4f45-9708-019B960494DF}">
-                  <a14:hiddenLine xmlns:a14="http://schemas.microsoft.com/office/drawing/2010/main" xmlns="" w="9525">
+                  <a14:hiddenLine xmlns="" xmlns:a14="http://schemas.microsoft.com/office/drawing/2010/main" w="9525">
                     <a:solidFill>
                       <a:srgbClr val="000000"/>
                     </a:solidFill>
@@ -11620,7 +11623,7 @@
               </a:ln>
               <a:extLst>
                 <a:ext uri="{91240B29-F687-4f45-9708-019B960494DF}">
-                  <a14:hiddenLine xmlns:a14="http://schemas.microsoft.com/office/drawing/2010/main" xmlns="" w="9525">
+                  <a14:hiddenLine xmlns="" xmlns:a14="http://schemas.microsoft.com/office/drawing/2010/main" w="9525">
                     <a:solidFill>
                       <a:srgbClr val="000000"/>
                     </a:solidFill>
@@ -11710,7 +11713,7 @@
               </a:ln>
               <a:extLst>
                 <a:ext uri="{91240B29-F687-4f45-9708-019B960494DF}">
-                  <a14:hiddenLine xmlns:a14="http://schemas.microsoft.com/office/drawing/2010/main" xmlns="" w="9525">
+                  <a14:hiddenLine xmlns="" xmlns:a14="http://schemas.microsoft.com/office/drawing/2010/main" w="9525">
                     <a:solidFill>
                       <a:srgbClr val="000000"/>
                     </a:solidFill>
@@ -11778,7 +11781,7 @@
               </a:ln>
               <a:extLst>
                 <a:ext uri="{91240B29-F687-4f45-9708-019B960494DF}">
-                  <a14:hiddenLine xmlns:a14="http://schemas.microsoft.com/office/drawing/2010/main" xmlns="" w="9525">
+                  <a14:hiddenLine xmlns="" xmlns:a14="http://schemas.microsoft.com/office/drawing/2010/main" w="9525">
                     <a:solidFill>
                       <a:srgbClr val="000000"/>
                     </a:solidFill>
@@ -11868,7 +11871,7 @@
               </a:ln>
               <a:extLst>
                 <a:ext uri="{91240B29-F687-4f45-9708-019B960494DF}">
-                  <a14:hiddenLine xmlns:a14="http://schemas.microsoft.com/office/drawing/2010/main" xmlns="" w="9525">
+                  <a14:hiddenLine xmlns="" xmlns:a14="http://schemas.microsoft.com/office/drawing/2010/main" w="9525">
                     <a:solidFill>
                       <a:srgbClr val="000000"/>
                     </a:solidFill>
@@ -11902,7 +11905,7 @@
               </a:ln>
               <a:extLst>
                 <a:ext uri="{91240B29-F687-4f45-9708-019B960494DF}">
-                  <a14:hiddenLine xmlns:a14="http://schemas.microsoft.com/office/drawing/2010/main" xmlns="" w="9525">
+                  <a14:hiddenLine xmlns="" xmlns:a14="http://schemas.microsoft.com/office/drawing/2010/main" w="9525">
                     <a:solidFill>
                       <a:srgbClr val="000000"/>
                     </a:solidFill>
@@ -13396,6 +13399,319 @@
 </p:sld>
 </file>
 
+<file path=ppt/slides/slide17.xml><?xml version="1.0" encoding="utf-8"?>
+<p:sld xmlns:a="http://schemas.openxmlformats.org/drawingml/2006/main" xmlns:r="http://schemas.openxmlformats.org/officeDocument/2006/relationships" xmlns:p="http://schemas.openxmlformats.org/presentationml/2006/main">
+  <p:cSld>
+    <p:spTree>
+      <p:nvGrpSpPr>
+        <p:cNvPr id="1" name=""/>
+        <p:cNvGrpSpPr/>
+        <p:nvPr/>
+      </p:nvGrpSpPr>
+      <p:grpSpPr>
+        <a:xfrm>
+          <a:off x="0" y="0"/>
+          <a:ext cx="0" cy="0"/>
+          <a:chOff x="0" y="0"/>
+          <a:chExt cx="0" cy="0"/>
+        </a:xfrm>
+      </p:grpSpPr>
+      <p:sp>
+        <p:nvSpPr>
+          <p:cNvPr id="2" name="Title 1">
+            <a:extLst>
+              <a:ext uri="{FF2B5EF4-FFF2-40B4-BE49-F238E27FC236}">
+                <a16:creationId xmlns:a16="http://schemas.microsoft.com/office/drawing/2014/main" id="{2951B7D3-0B63-6DDE-99D6-C393511A6DD1}"/>
+              </a:ext>
+            </a:extLst>
+          </p:cNvPr>
+          <p:cNvSpPr>
+            <a:spLocks noGrp="1"/>
+          </p:cNvSpPr>
+          <p:nvPr>
+            <p:ph type="title"/>
+          </p:nvPr>
+        </p:nvSpPr>
+        <p:spPr/>
+        <p:txBody>
+          <a:bodyPr/>
+          <a:lstStyle/>
+          <a:p>
+            <a:r>
+              <a:rPr lang="en-US" dirty="0"/>
+              <a:t>TK 1</a:t>
+            </a:r>
+          </a:p>
+        </p:txBody>
+      </p:sp>
+      <p:sp>
+        <p:nvSpPr>
+          <p:cNvPr id="3" name="Content Placeholder 2">
+            <a:extLst>
+              <a:ext uri="{FF2B5EF4-FFF2-40B4-BE49-F238E27FC236}">
+                <a16:creationId xmlns:a16="http://schemas.microsoft.com/office/drawing/2014/main" id="{70E3FECE-CC23-C136-A538-471BAE259B66}"/>
+              </a:ext>
+            </a:extLst>
+          </p:cNvPr>
+          <p:cNvSpPr>
+            <a:spLocks noGrp="1"/>
+          </p:cNvSpPr>
+          <p:nvPr>
+            <p:ph idx="1"/>
+          </p:nvPr>
+        </p:nvSpPr>
+        <p:spPr/>
+        <p:txBody>
+          <a:bodyPr>
+            <a:normAutofit/>
+          </a:bodyPr>
+          <a:lstStyle/>
+          <a:p>
+            <a:r>
+              <a:rPr lang="en-US" dirty="0"/>
+              <a:t>create </a:t>
+            </a:r>
+            <a:r>
+              <a:rPr lang="en-US" dirty="0" err="1"/>
+              <a:t>api</a:t>
+            </a:r>
+            <a:r>
+              <a:rPr lang="en-US" dirty="0"/>
+              <a:t> that will send obj of user</a:t>
+            </a:r>
+          </a:p>
+        </p:txBody>
+      </p:sp>
+    </p:spTree>
+    <p:extLst>
+      <p:ext uri="{BB962C8B-B14F-4D97-AF65-F5344CB8AC3E}">
+        <p14:creationId xmlns:p14="http://schemas.microsoft.com/office/powerpoint/2010/main" val="586508185"/>
+      </p:ext>
+    </p:extLst>
+  </p:cSld>
+  <p:clrMapOvr>
+    <a:masterClrMapping/>
+  </p:clrMapOvr>
+</p:sld>
+</file>
+
+<file path=ppt/slides/slide18.xml><?xml version="1.0" encoding="utf-8"?>
+<p:sld xmlns:a="http://schemas.openxmlformats.org/drawingml/2006/main" xmlns:r="http://schemas.openxmlformats.org/officeDocument/2006/relationships" xmlns:p="http://schemas.openxmlformats.org/presentationml/2006/main">
+  <p:cSld>
+    <p:spTree>
+      <p:nvGrpSpPr>
+        <p:cNvPr id="1" name=""/>
+        <p:cNvGrpSpPr/>
+        <p:nvPr/>
+      </p:nvGrpSpPr>
+      <p:grpSpPr>
+        <a:xfrm>
+          <a:off x="0" y="0"/>
+          <a:ext cx="0" cy="0"/>
+          <a:chOff x="0" y="0"/>
+          <a:chExt cx="0" cy="0"/>
+        </a:xfrm>
+      </p:grpSpPr>
+      <p:sp>
+        <p:nvSpPr>
+          <p:cNvPr id="2" name="Title 1">
+            <a:extLst>
+              <a:ext uri="{FF2B5EF4-FFF2-40B4-BE49-F238E27FC236}">
+                <a16:creationId xmlns:a16="http://schemas.microsoft.com/office/drawing/2014/main" id="{2951B7D3-0B63-6DDE-99D6-C393511A6DD1}"/>
+              </a:ext>
+            </a:extLst>
+          </p:cNvPr>
+          <p:cNvSpPr>
+            <a:spLocks noGrp="1"/>
+          </p:cNvSpPr>
+          <p:nvPr>
+            <p:ph type="title"/>
+          </p:nvPr>
+        </p:nvSpPr>
+        <p:spPr/>
+        <p:txBody>
+          <a:bodyPr/>
+          <a:lstStyle/>
+          <a:p>
+            <a:r>
+              <a:rPr lang="en-US" dirty="0"/>
+              <a:t>MVC</a:t>
+            </a:r>
+          </a:p>
+        </p:txBody>
+      </p:sp>
+      <p:sp>
+        <p:nvSpPr>
+          <p:cNvPr id="3" name="Content Placeholder 2">
+            <a:extLst>
+              <a:ext uri="{FF2B5EF4-FFF2-40B4-BE49-F238E27FC236}">
+                <a16:creationId xmlns:a16="http://schemas.microsoft.com/office/drawing/2014/main" id="{70E3FECE-CC23-C136-A538-471BAE259B66}"/>
+              </a:ext>
+            </a:extLst>
+          </p:cNvPr>
+          <p:cNvSpPr>
+            <a:spLocks noGrp="1"/>
+          </p:cNvSpPr>
+          <p:nvPr>
+            <p:ph idx="1"/>
+          </p:nvPr>
+        </p:nvSpPr>
+        <p:spPr/>
+        <p:txBody>
+          <a:bodyPr>
+            <a:normAutofit/>
+          </a:bodyPr>
+          <a:lstStyle/>
+          <a:p>
+            <a:r>
+              <a:rPr lang="en-US" dirty="0"/>
+              <a:t>Module – code related to database only</a:t>
+            </a:r>
+          </a:p>
+          <a:p>
+            <a:r>
+              <a:rPr lang="en-US" dirty="0"/>
+              <a:t>View - react</a:t>
+            </a:r>
+          </a:p>
+          <a:p>
+            <a:r>
+              <a:rPr lang="en-US" dirty="0"/>
+              <a:t>Controller – code that connecting module to view</a:t>
+            </a:r>
+          </a:p>
+        </p:txBody>
+      </p:sp>
+    </p:spTree>
+    <p:extLst>
+      <p:ext uri="{BB962C8B-B14F-4D97-AF65-F5344CB8AC3E}">
+        <p14:creationId xmlns:p14="http://schemas.microsoft.com/office/powerpoint/2010/main" val="3689318142"/>
+      </p:ext>
+    </p:extLst>
+  </p:cSld>
+  <p:clrMapOvr>
+    <a:masterClrMapping/>
+  </p:clrMapOvr>
+</p:sld>
+</file>
+
+<file path=ppt/slides/slide19.xml><?xml version="1.0" encoding="utf-8"?>
+<p:sld xmlns:a="http://schemas.openxmlformats.org/drawingml/2006/main" xmlns:r="http://schemas.openxmlformats.org/officeDocument/2006/relationships" xmlns:p="http://schemas.openxmlformats.org/presentationml/2006/main">
+  <p:cSld>
+    <p:spTree>
+      <p:nvGrpSpPr>
+        <p:cNvPr id="1" name=""/>
+        <p:cNvGrpSpPr/>
+        <p:nvPr/>
+      </p:nvGrpSpPr>
+      <p:grpSpPr>
+        <a:xfrm>
+          <a:off x="0" y="0"/>
+          <a:ext cx="0" cy="0"/>
+          <a:chOff x="0" y="0"/>
+          <a:chExt cx="0" cy="0"/>
+        </a:xfrm>
+      </p:grpSpPr>
+      <p:sp>
+        <p:nvSpPr>
+          <p:cNvPr id="2" name="Title 1">
+            <a:extLst>
+              <a:ext uri="{FF2B5EF4-FFF2-40B4-BE49-F238E27FC236}">
+                <a16:creationId xmlns:a16="http://schemas.microsoft.com/office/drawing/2014/main" id="{2951B7D3-0B63-6DDE-99D6-C393511A6DD1}"/>
+              </a:ext>
+            </a:extLst>
+          </p:cNvPr>
+          <p:cNvSpPr>
+            <a:spLocks noGrp="1"/>
+          </p:cNvSpPr>
+          <p:nvPr>
+            <p:ph type="title"/>
+          </p:nvPr>
+        </p:nvSpPr>
+        <p:spPr/>
+        <p:txBody>
+          <a:bodyPr/>
+          <a:lstStyle/>
+          <a:p>
+            <a:r>
+              <a:rPr lang="en-US" dirty="0"/>
+              <a:t>TK </a:t>
+            </a:r>
+            <a:r>
+              <a:rPr lang="en-US" dirty="0" err="1"/>
+              <a:t>apis</a:t>
+            </a:r>
+            <a:endParaRPr lang="en-US" dirty="0"/>
+          </a:p>
+        </p:txBody>
+      </p:sp>
+      <p:sp>
+        <p:nvSpPr>
+          <p:cNvPr id="3" name="Content Placeholder 2">
+            <a:extLst>
+              <a:ext uri="{FF2B5EF4-FFF2-40B4-BE49-F238E27FC236}">
+                <a16:creationId xmlns:a16="http://schemas.microsoft.com/office/drawing/2014/main" id="{70E3FECE-CC23-C136-A538-471BAE259B66}"/>
+              </a:ext>
+            </a:extLst>
+          </p:cNvPr>
+          <p:cNvSpPr>
+            <a:spLocks noGrp="1"/>
+          </p:cNvSpPr>
+          <p:nvPr>
+            <p:ph idx="1"/>
+          </p:nvPr>
+        </p:nvSpPr>
+        <p:spPr/>
+        <p:txBody>
+          <a:bodyPr>
+            <a:normAutofit/>
+          </a:bodyPr>
+          <a:lstStyle/>
+          <a:p>
+            <a:r>
+              <a:rPr lang="en-US" dirty="0"/>
+              <a:t>create </a:t>
+            </a:r>
+            <a:r>
+              <a:rPr lang="en-US" dirty="0" err="1"/>
+              <a:t>api</a:t>
+            </a:r>
+            <a:r>
+              <a:rPr lang="en-US" dirty="0"/>
+              <a:t> for animals</a:t>
+            </a:r>
+          </a:p>
+          <a:p>
+            <a:r>
+              <a:rPr lang="en-US"/>
+              <a:t>get all </a:t>
+            </a:r>
+            <a:r>
+              <a:rPr lang="en-US" dirty="0"/>
+              <a:t>animals</a:t>
+            </a:r>
+          </a:p>
+          <a:p>
+            <a:r>
+              <a:rPr lang="en-US" dirty="0"/>
+              <a:t>add new animal</a:t>
+            </a:r>
+          </a:p>
+        </p:txBody>
+      </p:sp>
+    </p:spTree>
+    <p:extLst>
+      <p:ext uri="{BB962C8B-B14F-4D97-AF65-F5344CB8AC3E}">
+        <p14:creationId xmlns:p14="http://schemas.microsoft.com/office/powerpoint/2010/main" val="2780138003"/>
+      </p:ext>
+    </p:extLst>
+  </p:cSld>
+  <p:clrMapOvr>
+    <a:masterClrMapping/>
+  </p:clrMapOvr>
+</p:sld>
+</file>
+
 <file path=ppt/slides/slide2.xml><?xml version="1.0" encoding="utf-8"?>
 <p:sld xmlns:a="http://schemas.openxmlformats.org/drawingml/2006/main" xmlns:r="http://schemas.openxmlformats.org/officeDocument/2006/relationships" xmlns:p="http://schemas.openxmlformats.org/presentationml/2006/main">
   <p:cSld>

--- a/docs/node js.pptx
+++ b/docs/node js.pptx
@@ -24,6 +24,8 @@
     <p:sldId id="272" r:id="rId18"/>
     <p:sldId id="273" r:id="rId19"/>
     <p:sldId id="274" r:id="rId20"/>
+    <p:sldId id="275" r:id="rId21"/>
+    <p:sldId id="276" r:id="rId22"/>
   </p:sldIdLst>
   <p:sldSz cx="12192000" cy="6858000"/>
   <p:notesSz cx="6858000" cy="9144000"/>
@@ -13683,12 +13685,8 @@
           </a:p>
           <a:p>
             <a:r>
-              <a:rPr lang="en-US"/>
-              <a:t>get all </a:t>
-            </a:r>
-            <a:r>
               <a:rPr lang="en-US" dirty="0"/>
-              <a:t>animals</a:t>
+              <a:t>get all animals</a:t>
             </a:r>
           </a:p>
           <a:p>
@@ -13819,6 +13817,365 @@
     <p:extLst>
       <p:ext uri="{BB962C8B-B14F-4D97-AF65-F5344CB8AC3E}">
         <p14:creationId xmlns:p14="http://schemas.microsoft.com/office/powerpoint/2010/main" val="1983926731"/>
+      </p:ext>
+    </p:extLst>
+  </p:cSld>
+  <p:clrMapOvr>
+    <a:masterClrMapping/>
+  </p:clrMapOvr>
+</p:sld>
+</file>
+
+<file path=ppt/slides/slide20.xml><?xml version="1.0" encoding="utf-8"?>
+<p:sld xmlns:a="http://schemas.openxmlformats.org/drawingml/2006/main" xmlns:r="http://schemas.openxmlformats.org/officeDocument/2006/relationships" xmlns:p="http://schemas.openxmlformats.org/presentationml/2006/main">
+  <p:cSld>
+    <p:spTree>
+      <p:nvGrpSpPr>
+        <p:cNvPr id="1" name=""/>
+        <p:cNvGrpSpPr/>
+        <p:nvPr/>
+      </p:nvGrpSpPr>
+      <p:grpSpPr>
+        <a:xfrm>
+          <a:off x="0" y="0"/>
+          <a:ext cx="0" cy="0"/>
+          <a:chOff x="0" y="0"/>
+          <a:chExt cx="0" cy="0"/>
+        </a:xfrm>
+      </p:grpSpPr>
+      <p:sp>
+        <p:nvSpPr>
+          <p:cNvPr id="2" name="Title 1">
+            <a:extLst>
+              <a:ext uri="{FF2B5EF4-FFF2-40B4-BE49-F238E27FC236}">
+                <a16:creationId xmlns:a16="http://schemas.microsoft.com/office/drawing/2014/main" id="{2951B7D3-0B63-6DDE-99D6-C393511A6DD1}"/>
+              </a:ext>
+            </a:extLst>
+          </p:cNvPr>
+          <p:cNvSpPr>
+            <a:spLocks noGrp="1"/>
+          </p:cNvSpPr>
+          <p:nvPr>
+            <p:ph type="title"/>
+          </p:nvPr>
+        </p:nvSpPr>
+        <p:spPr/>
+        <p:txBody>
+          <a:bodyPr/>
+          <a:lstStyle/>
+          <a:p>
+            <a:r>
+              <a:rPr lang="en-US" dirty="0"/>
+              <a:t>create new </a:t>
+            </a:r>
+            <a:r>
+              <a:rPr lang="en-US" dirty="0" err="1"/>
+              <a:t>api</a:t>
+            </a:r>
+            <a:endParaRPr lang="en-US" dirty="0"/>
+          </a:p>
+        </p:txBody>
+      </p:sp>
+      <p:sp>
+        <p:nvSpPr>
+          <p:cNvPr id="3" name="Content Placeholder 2">
+            <a:extLst>
+              <a:ext uri="{FF2B5EF4-FFF2-40B4-BE49-F238E27FC236}">
+                <a16:creationId xmlns:a16="http://schemas.microsoft.com/office/drawing/2014/main" id="{70E3FECE-CC23-C136-A538-471BAE259B66}"/>
+              </a:ext>
+            </a:extLst>
+          </p:cNvPr>
+          <p:cNvSpPr>
+            <a:spLocks noGrp="1"/>
+          </p:cNvSpPr>
+          <p:nvPr>
+            <p:ph idx="1"/>
+          </p:nvPr>
+        </p:nvSpPr>
+        <p:spPr/>
+        <p:txBody>
+          <a:bodyPr>
+            <a:normAutofit fontScale="85000" lnSpcReduction="20000"/>
+          </a:bodyPr>
+          <a:lstStyle/>
+          <a:p>
+            <a:r>
+              <a:rPr lang="en-US" dirty="0"/>
+              <a:t>create new </a:t>
+            </a:r>
+            <a:r>
+              <a:rPr lang="en-US" dirty="0" err="1"/>
+              <a:t>api</a:t>
+            </a:r>
+            <a:r>
+              <a:rPr lang="en-US" dirty="0"/>
+              <a:t> we will need to create new file</a:t>
+            </a:r>
+          </a:p>
+          <a:p>
+            <a:r>
+              <a:rPr lang="en-US" dirty="0"/>
+              <a:t>in the new </a:t>
+            </a:r>
+            <a:r>
+              <a:rPr lang="en-US" dirty="0" err="1"/>
+              <a:t>api</a:t>
+            </a:r>
+            <a:r>
+              <a:rPr lang="en-US" dirty="0"/>
+              <a:t> file we will use this code</a:t>
+            </a:r>
+          </a:p>
+          <a:p>
+            <a:pPr marL="0" indent="0">
+              <a:buNone/>
+            </a:pPr>
+            <a:r>
+              <a:rPr lang="en-US" dirty="0"/>
+              <a:t>const express = require("express");</a:t>
+            </a:r>
+          </a:p>
+          <a:p>
+            <a:pPr marL="0" indent="0">
+              <a:buNone/>
+            </a:pPr>
+            <a:r>
+              <a:rPr lang="en-US" dirty="0"/>
+              <a:t>const router = </a:t>
+            </a:r>
+            <a:r>
+              <a:rPr lang="en-US" dirty="0" err="1"/>
+              <a:t>express.Router</a:t>
+            </a:r>
+            <a:r>
+              <a:rPr lang="en-US" dirty="0"/>
+              <a:t>();</a:t>
+            </a:r>
+          </a:p>
+          <a:p>
+            <a:pPr marL="0" indent="0">
+              <a:buNone/>
+            </a:pPr>
+            <a:r>
+              <a:rPr lang="en-US" dirty="0" err="1"/>
+              <a:t>router.get</a:t>
+            </a:r>
+            <a:r>
+              <a:rPr lang="en-US" dirty="0"/>
+              <a:t>("/", (req, res) =&gt; {</a:t>
+            </a:r>
+          </a:p>
+          <a:p>
+            <a:pPr marL="0" indent="0">
+              <a:buNone/>
+            </a:pPr>
+            <a:r>
+              <a:rPr lang="en-US" dirty="0"/>
+              <a:t>  </a:t>
+            </a:r>
+            <a:r>
+              <a:rPr lang="en-US" dirty="0" err="1"/>
+              <a:t>res.json</a:t>
+            </a:r>
+            <a:r>
+              <a:rPr lang="en-US" dirty="0"/>
+              <a:t>({});</a:t>
+            </a:r>
+          </a:p>
+          <a:p>
+            <a:pPr marL="0" indent="0">
+              <a:buNone/>
+            </a:pPr>
+            <a:r>
+              <a:rPr lang="en-US" dirty="0"/>
+              <a:t>});</a:t>
+            </a:r>
+          </a:p>
+          <a:p>
+            <a:pPr marL="0" indent="0">
+              <a:buNone/>
+            </a:pPr>
+            <a:r>
+              <a:rPr lang="en-US" dirty="0" err="1"/>
+              <a:t>module.exports</a:t>
+            </a:r>
+            <a:r>
+              <a:rPr lang="en-US" dirty="0"/>
+              <a:t> = router;</a:t>
+            </a:r>
+          </a:p>
+        </p:txBody>
+      </p:sp>
+    </p:spTree>
+    <p:extLst>
+      <p:ext uri="{BB962C8B-B14F-4D97-AF65-F5344CB8AC3E}">
+        <p14:creationId xmlns:p14="http://schemas.microsoft.com/office/powerpoint/2010/main" val="2889393108"/>
+      </p:ext>
+    </p:extLst>
+  </p:cSld>
+  <p:clrMapOvr>
+    <a:masterClrMapping/>
+  </p:clrMapOvr>
+</p:sld>
+</file>
+
+<file path=ppt/slides/slide21.xml><?xml version="1.0" encoding="utf-8"?>
+<p:sld xmlns:a="http://schemas.openxmlformats.org/drawingml/2006/main" xmlns:r="http://schemas.openxmlformats.org/officeDocument/2006/relationships" xmlns:p="http://schemas.openxmlformats.org/presentationml/2006/main">
+  <p:cSld>
+    <p:spTree>
+      <p:nvGrpSpPr>
+        <p:cNvPr id="1" name=""/>
+        <p:cNvGrpSpPr/>
+        <p:nvPr/>
+      </p:nvGrpSpPr>
+      <p:grpSpPr>
+        <a:xfrm>
+          <a:off x="0" y="0"/>
+          <a:ext cx="0" cy="0"/>
+          <a:chOff x="0" y="0"/>
+          <a:chExt cx="0" cy="0"/>
+        </a:xfrm>
+      </p:grpSpPr>
+      <p:sp>
+        <p:nvSpPr>
+          <p:cNvPr id="2" name="Title 1">
+            <a:extLst>
+              <a:ext uri="{FF2B5EF4-FFF2-40B4-BE49-F238E27FC236}">
+                <a16:creationId xmlns:a16="http://schemas.microsoft.com/office/drawing/2014/main" id="{2951B7D3-0B63-6DDE-99D6-C393511A6DD1}"/>
+              </a:ext>
+            </a:extLst>
+          </p:cNvPr>
+          <p:cNvSpPr>
+            <a:spLocks noGrp="1"/>
+          </p:cNvSpPr>
+          <p:nvPr>
+            <p:ph type="title"/>
+          </p:nvPr>
+        </p:nvSpPr>
+        <p:spPr/>
+        <p:txBody>
+          <a:bodyPr/>
+          <a:lstStyle/>
+          <a:p>
+            <a:r>
+              <a:rPr lang="en-US" dirty="0"/>
+              <a:t>create new </a:t>
+            </a:r>
+            <a:r>
+              <a:rPr lang="en-US" dirty="0" err="1"/>
+              <a:t>api</a:t>
+            </a:r>
+            <a:r>
+              <a:rPr lang="en-US" dirty="0"/>
+              <a:t> - connect</a:t>
+            </a:r>
+          </a:p>
+        </p:txBody>
+      </p:sp>
+      <p:sp>
+        <p:nvSpPr>
+          <p:cNvPr id="3" name="Content Placeholder 2">
+            <a:extLst>
+              <a:ext uri="{FF2B5EF4-FFF2-40B4-BE49-F238E27FC236}">
+                <a16:creationId xmlns:a16="http://schemas.microsoft.com/office/drawing/2014/main" id="{70E3FECE-CC23-C136-A538-471BAE259B66}"/>
+              </a:ext>
+            </a:extLst>
+          </p:cNvPr>
+          <p:cNvSpPr>
+            <a:spLocks noGrp="1"/>
+          </p:cNvSpPr>
+          <p:nvPr>
+            <p:ph idx="1"/>
+          </p:nvPr>
+        </p:nvSpPr>
+        <p:spPr/>
+        <p:txBody>
+          <a:bodyPr>
+            <a:normAutofit/>
+          </a:bodyPr>
+          <a:lstStyle/>
+          <a:p>
+            <a:r>
+              <a:rPr lang="en-US" dirty="0"/>
+              <a:t>after we done with the new </a:t>
+            </a:r>
+            <a:r>
+              <a:rPr lang="en-US" dirty="0" err="1"/>
+              <a:t>api</a:t>
+            </a:r>
+            <a:r>
+              <a:rPr lang="en-US" dirty="0"/>
+              <a:t> file we must connect the api.js file with the new </a:t>
+            </a:r>
+            <a:r>
+              <a:rPr lang="en-US" dirty="0" err="1"/>
+              <a:t>api</a:t>
+            </a:r>
+            <a:r>
+              <a:rPr lang="en-US" dirty="0"/>
+              <a:t> file like so</a:t>
+            </a:r>
+          </a:p>
+          <a:p>
+            <a:endParaRPr lang="en-US" dirty="0"/>
+          </a:p>
+          <a:p>
+            <a:r>
+              <a:rPr lang="en-US" dirty="0"/>
+              <a:t>const </a:t>
+            </a:r>
+            <a:r>
+              <a:rPr lang="en-US" dirty="0" err="1"/>
+              <a:t>newApiRouter</a:t>
+            </a:r>
+            <a:r>
+              <a:rPr lang="en-US" dirty="0"/>
+              <a:t> = require("./</a:t>
+            </a:r>
+            <a:r>
+              <a:rPr lang="en-US" dirty="0" err="1"/>
+              <a:t>newapi</a:t>
+            </a:r>
+            <a:r>
+              <a:rPr lang="en-US" dirty="0"/>
+              <a:t>");</a:t>
+            </a:r>
+          </a:p>
+          <a:p>
+            <a:endParaRPr lang="en-US" dirty="0"/>
+          </a:p>
+          <a:p>
+            <a:r>
+              <a:rPr lang="en-US" dirty="0" err="1"/>
+              <a:t>router.use</a:t>
+            </a:r>
+            <a:r>
+              <a:rPr lang="en-US" dirty="0"/>
+              <a:t>("/</a:t>
+            </a:r>
+            <a:r>
+              <a:rPr lang="en-US" dirty="0" err="1"/>
+              <a:t>newapi</a:t>
+            </a:r>
+            <a:r>
+              <a:rPr lang="en-US" dirty="0"/>
+              <a:t>", </a:t>
+            </a:r>
+            <a:r>
+              <a:rPr lang="en-US" dirty="0" err="1"/>
+              <a:t>newApiRouter</a:t>
+            </a:r>
+            <a:r>
+              <a:rPr lang="en-US" dirty="0"/>
+              <a:t>);</a:t>
+            </a:r>
+          </a:p>
+        </p:txBody>
+      </p:sp>
+    </p:spTree>
+    <p:extLst>
+      <p:ext uri="{BB962C8B-B14F-4D97-AF65-F5344CB8AC3E}">
+        <p14:creationId xmlns:p14="http://schemas.microsoft.com/office/powerpoint/2010/main" val="3540571934"/>
       </p:ext>
     </p:extLst>
   </p:cSld>

--- a/docs/node js.pptx
+++ b/docs/node js.pptx
@@ -26,6 +26,7 @@
     <p:sldId id="274" r:id="rId20"/>
     <p:sldId id="275" r:id="rId21"/>
     <p:sldId id="276" r:id="rId22"/>
+    <p:sldId id="277" r:id="rId23"/>
   </p:sldIdLst>
   <p:sldSz cx="12192000" cy="6858000"/>
   <p:notesSz cx="6858000" cy="9144000"/>
@@ -193,7 +194,7 @@
           <a:noFill/>
           <a:extLst>
             <a:ext uri="{909E8E84-426E-40dd-AFC4-6F175D3DCCD1}">
-              <a14:hiddenFill xmlns="" xmlns:a14="http://schemas.microsoft.com/office/drawing/2010/main">
+              <a14:hiddenFill xmlns:a14="http://schemas.microsoft.com/office/drawing/2010/main" xmlns="">
                 <a:solidFill>
                   <a:srgbClr val="FFFFFF"/>
                 </a:solidFill>
@@ -253,7 +254,7 @@
             </a:ln>
             <a:extLst>
               <a:ext uri="{91240B29-F687-4f45-9708-019B960494DF}">
-                <a14:hiddenLine xmlns="" xmlns:a14="http://schemas.microsoft.com/office/drawing/2010/main" w="9525">
+                <a14:hiddenLine xmlns:a14="http://schemas.microsoft.com/office/drawing/2010/main" xmlns="" w="9525">
                   <a:solidFill>
                     <a:srgbClr val="000000"/>
                   </a:solidFill>
@@ -343,7 +344,7 @@
             </a:ln>
             <a:extLst>
               <a:ext uri="{91240B29-F687-4f45-9708-019B960494DF}">
-                <a14:hiddenLine xmlns="" xmlns:a14="http://schemas.microsoft.com/office/drawing/2010/main" w="9525">
+                <a14:hiddenLine xmlns:a14="http://schemas.microsoft.com/office/drawing/2010/main" xmlns="" w="9525">
                   <a:solidFill>
                     <a:srgbClr val="000000"/>
                   </a:solidFill>
@@ -433,7 +434,7 @@
             </a:ln>
             <a:extLst>
               <a:ext uri="{91240B29-F687-4f45-9708-019B960494DF}">
-                <a14:hiddenLine xmlns="" xmlns:a14="http://schemas.microsoft.com/office/drawing/2010/main" w="9525">
+                <a14:hiddenLine xmlns:a14="http://schemas.microsoft.com/office/drawing/2010/main" xmlns="" w="9525">
                   <a:solidFill>
                     <a:srgbClr val="000000"/>
                   </a:solidFill>
@@ -467,7 +468,7 @@
             </a:ln>
             <a:extLst>
               <a:ext uri="{91240B29-F687-4f45-9708-019B960494DF}">
-                <a14:hiddenLine xmlns="" xmlns:a14="http://schemas.microsoft.com/office/drawing/2010/main" w="9525">
+                <a14:hiddenLine xmlns:a14="http://schemas.microsoft.com/office/drawing/2010/main" xmlns="" w="9525">
                   <a:solidFill>
                     <a:srgbClr val="000000"/>
                   </a:solidFill>
@@ -557,7 +558,7 @@
             </a:ln>
             <a:extLst>
               <a:ext uri="{91240B29-F687-4f45-9708-019B960494DF}">
-                <a14:hiddenLine xmlns="" xmlns:a14="http://schemas.microsoft.com/office/drawing/2010/main" w="9525">
+                <a14:hiddenLine xmlns:a14="http://schemas.microsoft.com/office/drawing/2010/main" xmlns="" w="9525">
                   <a:solidFill>
                     <a:srgbClr val="000000"/>
                   </a:solidFill>
@@ -619,7 +620,7 @@
             </a:ln>
             <a:extLst>
               <a:ext uri="{91240B29-F687-4f45-9708-019B960494DF}">
-                <a14:hiddenLine xmlns="" xmlns:a14="http://schemas.microsoft.com/office/drawing/2010/main" w="9525">
+                <a14:hiddenLine xmlns:a14="http://schemas.microsoft.com/office/drawing/2010/main" xmlns="" w="9525">
                   <a:solidFill>
                     <a:srgbClr val="000000"/>
                   </a:solidFill>
@@ -681,7 +682,7 @@
             </a:ln>
             <a:extLst>
               <a:ext uri="{91240B29-F687-4f45-9708-019B960494DF}">
-                <a14:hiddenLine xmlns="" xmlns:a14="http://schemas.microsoft.com/office/drawing/2010/main" w="9525">
+                <a14:hiddenLine xmlns:a14="http://schemas.microsoft.com/office/drawing/2010/main" xmlns="" w="9525">
                   <a:solidFill>
                     <a:srgbClr val="000000"/>
                   </a:solidFill>
@@ -771,7 +772,7 @@
             </a:ln>
             <a:extLst>
               <a:ext uri="{91240B29-F687-4f45-9708-019B960494DF}">
-                <a14:hiddenLine xmlns="" xmlns:a14="http://schemas.microsoft.com/office/drawing/2010/main" w="9525">
+                <a14:hiddenLine xmlns:a14="http://schemas.microsoft.com/office/drawing/2010/main" xmlns="" w="9525">
                   <a:solidFill>
                     <a:srgbClr val="000000"/>
                   </a:solidFill>
@@ -833,7 +834,7 @@
             </a:ln>
             <a:extLst>
               <a:ext uri="{91240B29-F687-4f45-9708-019B960494DF}">
-                <a14:hiddenLine xmlns="" xmlns:a14="http://schemas.microsoft.com/office/drawing/2010/main" w="9525">
+                <a14:hiddenLine xmlns:a14="http://schemas.microsoft.com/office/drawing/2010/main" xmlns="" w="9525">
                   <a:solidFill>
                     <a:srgbClr val="000000"/>
                   </a:solidFill>
@@ -895,7 +896,7 @@
             </a:ln>
             <a:extLst>
               <a:ext uri="{91240B29-F687-4f45-9708-019B960494DF}">
-                <a14:hiddenLine xmlns="" xmlns:a14="http://schemas.microsoft.com/office/drawing/2010/main" w="9525">
+                <a14:hiddenLine xmlns:a14="http://schemas.microsoft.com/office/drawing/2010/main" xmlns="" w="9525">
                   <a:solidFill>
                     <a:srgbClr val="000000"/>
                   </a:solidFill>
@@ -985,7 +986,7 @@
             </a:ln>
             <a:extLst>
               <a:ext uri="{91240B29-F687-4f45-9708-019B960494DF}">
-                <a14:hiddenLine xmlns="" xmlns:a14="http://schemas.microsoft.com/office/drawing/2010/main" w="9525">
+                <a14:hiddenLine xmlns:a14="http://schemas.microsoft.com/office/drawing/2010/main" xmlns="" w="9525">
                   <a:solidFill>
                     <a:srgbClr val="000000"/>
                   </a:solidFill>
@@ -1075,7 +1076,7 @@
             </a:ln>
             <a:extLst>
               <a:ext uri="{91240B29-F687-4f45-9708-019B960494DF}">
-                <a14:hiddenLine xmlns="" xmlns:a14="http://schemas.microsoft.com/office/drawing/2010/main" w="9525">
+                <a14:hiddenLine xmlns:a14="http://schemas.microsoft.com/office/drawing/2010/main" xmlns="" w="9525">
                   <a:solidFill>
                     <a:srgbClr val="000000"/>
                   </a:solidFill>
@@ -1137,7 +1138,7 @@
             </a:ln>
             <a:extLst>
               <a:ext uri="{91240B29-F687-4f45-9708-019B960494DF}">
-                <a14:hiddenLine xmlns="" xmlns:a14="http://schemas.microsoft.com/office/drawing/2010/main" w="9525">
+                <a14:hiddenLine xmlns:a14="http://schemas.microsoft.com/office/drawing/2010/main" xmlns="" w="9525">
                   <a:solidFill>
                     <a:srgbClr val="000000"/>
                   </a:solidFill>
@@ -1247,7 +1248,7 @@
             </a:ln>
             <a:extLst>
               <a:ext uri="{91240B29-F687-4f45-9708-019B960494DF}">
-                <a14:hiddenLine xmlns="" xmlns:a14="http://schemas.microsoft.com/office/drawing/2010/main" w="9525">
+                <a14:hiddenLine xmlns:a14="http://schemas.microsoft.com/office/drawing/2010/main" xmlns="" w="9525">
                   <a:solidFill>
                     <a:srgbClr val="000000"/>
                   </a:solidFill>
@@ -1309,7 +1310,7 @@
             </a:ln>
             <a:extLst>
               <a:ext uri="{91240B29-F687-4f45-9708-019B960494DF}">
-                <a14:hiddenLine xmlns="" xmlns:a14="http://schemas.microsoft.com/office/drawing/2010/main" w="9525">
+                <a14:hiddenLine xmlns:a14="http://schemas.microsoft.com/office/drawing/2010/main" xmlns="" w="9525">
                   <a:solidFill>
                     <a:srgbClr val="000000"/>
                   </a:solidFill>
@@ -1399,7 +1400,7 @@
             </a:ln>
             <a:extLst>
               <a:ext uri="{91240B29-F687-4f45-9708-019B960494DF}">
-                <a14:hiddenLine xmlns="" xmlns:a14="http://schemas.microsoft.com/office/drawing/2010/main" w="9525">
+                <a14:hiddenLine xmlns:a14="http://schemas.microsoft.com/office/drawing/2010/main" xmlns="" w="9525">
                   <a:solidFill>
                     <a:srgbClr val="000000"/>
                   </a:solidFill>
@@ -1489,7 +1490,7 @@
             </a:ln>
             <a:extLst>
               <a:ext uri="{91240B29-F687-4f45-9708-019B960494DF}">
-                <a14:hiddenLine xmlns="" xmlns:a14="http://schemas.microsoft.com/office/drawing/2010/main" w="9525">
+                <a14:hiddenLine xmlns:a14="http://schemas.microsoft.com/office/drawing/2010/main" xmlns="" w="9525">
                   <a:solidFill>
                     <a:srgbClr val="000000"/>
                   </a:solidFill>
@@ -1551,7 +1552,7 @@
             </a:ln>
             <a:extLst>
               <a:ext uri="{91240B29-F687-4f45-9708-019B960494DF}">
-                <a14:hiddenLine xmlns="" xmlns:a14="http://schemas.microsoft.com/office/drawing/2010/main" w="9525">
+                <a14:hiddenLine xmlns:a14="http://schemas.microsoft.com/office/drawing/2010/main" xmlns="" w="9525">
                   <a:solidFill>
                     <a:srgbClr val="000000"/>
                   </a:solidFill>
@@ -1641,7 +1642,7 @@
             </a:ln>
             <a:extLst>
               <a:ext uri="{91240B29-F687-4f45-9708-019B960494DF}">
-                <a14:hiddenLine xmlns="" xmlns:a14="http://schemas.microsoft.com/office/drawing/2010/main" w="9525">
+                <a14:hiddenLine xmlns:a14="http://schemas.microsoft.com/office/drawing/2010/main" xmlns="" w="9525">
                   <a:solidFill>
                     <a:srgbClr val="000000"/>
                   </a:solidFill>
@@ -1731,7 +1732,7 @@
             </a:ln>
             <a:extLst>
               <a:ext uri="{91240B29-F687-4f45-9708-019B960494DF}">
-                <a14:hiddenLine xmlns="" xmlns:a14="http://schemas.microsoft.com/office/drawing/2010/main" w="9525">
+                <a14:hiddenLine xmlns:a14="http://schemas.microsoft.com/office/drawing/2010/main" xmlns="" w="9525">
                   <a:solidFill>
                     <a:srgbClr val="000000"/>
                   </a:solidFill>
@@ -1787,7 +1788,7 @@
             </a:ln>
             <a:extLst>
               <a:ext uri="{91240B29-F687-4f45-9708-019B960494DF}">
-                <a14:hiddenLine xmlns="" xmlns:a14="http://schemas.microsoft.com/office/drawing/2010/main" w="9525">
+                <a14:hiddenLine xmlns:a14="http://schemas.microsoft.com/office/drawing/2010/main" xmlns="" w="9525">
                   <a:solidFill>
                     <a:srgbClr val="000000"/>
                   </a:solidFill>
@@ -1877,7 +1878,7 @@
             </a:ln>
             <a:extLst>
               <a:ext uri="{91240B29-F687-4f45-9708-019B960494DF}">
-                <a14:hiddenLine xmlns="" xmlns:a14="http://schemas.microsoft.com/office/drawing/2010/main" w="9525">
+                <a14:hiddenLine xmlns:a14="http://schemas.microsoft.com/office/drawing/2010/main" xmlns="" w="9525">
                   <a:solidFill>
                     <a:srgbClr val="000000"/>
                   </a:solidFill>
@@ -1933,7 +1934,7 @@
             </a:ln>
             <a:extLst>
               <a:ext uri="{91240B29-F687-4f45-9708-019B960494DF}">
-                <a14:hiddenLine xmlns="" xmlns:a14="http://schemas.microsoft.com/office/drawing/2010/main" w="9525">
+                <a14:hiddenLine xmlns:a14="http://schemas.microsoft.com/office/drawing/2010/main" xmlns="" w="9525">
                   <a:solidFill>
                     <a:srgbClr val="000000"/>
                   </a:solidFill>
@@ -2023,7 +2024,7 @@
             </a:ln>
             <a:extLst>
               <a:ext uri="{91240B29-F687-4f45-9708-019B960494DF}">
-                <a14:hiddenLine xmlns="" xmlns:a14="http://schemas.microsoft.com/office/drawing/2010/main" w="9525">
+                <a14:hiddenLine xmlns:a14="http://schemas.microsoft.com/office/drawing/2010/main" xmlns="" w="9525">
                   <a:solidFill>
                     <a:srgbClr val="000000"/>
                   </a:solidFill>
@@ -2091,7 +2092,7 @@
             </a:ln>
             <a:extLst>
               <a:ext uri="{91240B29-F687-4f45-9708-019B960494DF}">
-                <a14:hiddenLine xmlns="" xmlns:a14="http://schemas.microsoft.com/office/drawing/2010/main" w="9525">
+                <a14:hiddenLine xmlns:a14="http://schemas.microsoft.com/office/drawing/2010/main" xmlns="" w="9525">
                   <a:solidFill>
                     <a:srgbClr val="000000"/>
                   </a:solidFill>
@@ -2181,7 +2182,7 @@
             </a:ln>
             <a:extLst>
               <a:ext uri="{91240B29-F687-4f45-9708-019B960494DF}">
-                <a14:hiddenLine xmlns="" xmlns:a14="http://schemas.microsoft.com/office/drawing/2010/main" w="9525">
+                <a14:hiddenLine xmlns:a14="http://schemas.microsoft.com/office/drawing/2010/main" xmlns="" w="9525">
                   <a:solidFill>
                     <a:srgbClr val="000000"/>
                   </a:solidFill>
@@ -2249,7 +2250,7 @@
             </a:ln>
             <a:extLst>
               <a:ext uri="{91240B29-F687-4f45-9708-019B960494DF}">
-                <a14:hiddenLine xmlns="" xmlns:a14="http://schemas.microsoft.com/office/drawing/2010/main" w="9525">
+                <a14:hiddenLine xmlns:a14="http://schemas.microsoft.com/office/drawing/2010/main" xmlns="" w="9525">
                   <a:solidFill>
                     <a:srgbClr val="000000"/>
                   </a:solidFill>
@@ -2339,7 +2340,7 @@
             </a:ln>
             <a:extLst>
               <a:ext uri="{91240B29-F687-4f45-9708-019B960494DF}">
-                <a14:hiddenLine xmlns="" xmlns:a14="http://schemas.microsoft.com/office/drawing/2010/main" w="9525">
+                <a14:hiddenLine xmlns:a14="http://schemas.microsoft.com/office/drawing/2010/main" xmlns="" w="9525">
                   <a:solidFill>
                     <a:srgbClr val="000000"/>
                   </a:solidFill>
@@ -2373,7 +2374,7 @@
             </a:ln>
             <a:extLst>
               <a:ext uri="{91240B29-F687-4f45-9708-019B960494DF}">
-                <a14:hiddenLine xmlns="" xmlns:a14="http://schemas.microsoft.com/office/drawing/2010/main" w="9525">
+                <a14:hiddenLine xmlns:a14="http://schemas.microsoft.com/office/drawing/2010/main" xmlns="" w="9525">
                   <a:solidFill>
                     <a:srgbClr val="000000"/>
                   </a:solidFill>
@@ -2463,7 +2464,7 @@
             </a:ln>
             <a:extLst>
               <a:ext uri="{91240B29-F687-4f45-9708-019B960494DF}">
-                <a14:hiddenLine xmlns="" xmlns:a14="http://schemas.microsoft.com/office/drawing/2010/main" w="9525">
+                <a14:hiddenLine xmlns:a14="http://schemas.microsoft.com/office/drawing/2010/main" xmlns="" w="9525">
                   <a:solidFill>
                     <a:srgbClr val="000000"/>
                   </a:solidFill>
@@ -2525,7 +2526,7 @@
             </a:ln>
             <a:extLst>
               <a:ext uri="{91240B29-F687-4f45-9708-019B960494DF}">
-                <a14:hiddenLine xmlns="" xmlns:a14="http://schemas.microsoft.com/office/drawing/2010/main" w="9525">
+                <a14:hiddenLine xmlns:a14="http://schemas.microsoft.com/office/drawing/2010/main" xmlns="" w="9525">
                   <a:solidFill>
                     <a:srgbClr val="000000"/>
                   </a:solidFill>
@@ -2587,7 +2588,7 @@
             </a:ln>
             <a:extLst>
               <a:ext uri="{91240B29-F687-4f45-9708-019B960494DF}">
-                <a14:hiddenLine xmlns="" xmlns:a14="http://schemas.microsoft.com/office/drawing/2010/main" w="9525">
+                <a14:hiddenLine xmlns:a14="http://schemas.microsoft.com/office/drawing/2010/main" xmlns="" w="9525">
                   <a:solidFill>
                     <a:srgbClr val="000000"/>
                   </a:solidFill>
@@ -2677,7 +2678,7 @@
             </a:ln>
             <a:extLst>
               <a:ext uri="{91240B29-F687-4f45-9708-019B960494DF}">
-                <a14:hiddenLine xmlns="" xmlns:a14="http://schemas.microsoft.com/office/drawing/2010/main" w="9525">
+                <a14:hiddenLine xmlns:a14="http://schemas.microsoft.com/office/drawing/2010/main" xmlns="" w="9525">
                   <a:solidFill>
                     <a:srgbClr val="000000"/>
                   </a:solidFill>
@@ -2745,7 +2746,7 @@
             </a:ln>
             <a:extLst>
               <a:ext uri="{91240B29-F687-4f45-9708-019B960494DF}">
-                <a14:hiddenLine xmlns="" xmlns:a14="http://schemas.microsoft.com/office/drawing/2010/main" w="9525">
+                <a14:hiddenLine xmlns:a14="http://schemas.microsoft.com/office/drawing/2010/main" xmlns="" w="9525">
                   <a:solidFill>
                     <a:srgbClr val="000000"/>
                   </a:solidFill>
@@ -2807,7 +2808,7 @@
             </a:ln>
             <a:extLst>
               <a:ext uri="{91240B29-F687-4f45-9708-019B960494DF}">
-                <a14:hiddenLine xmlns="" xmlns:a14="http://schemas.microsoft.com/office/drawing/2010/main" w="9525">
+                <a14:hiddenLine xmlns:a14="http://schemas.microsoft.com/office/drawing/2010/main" xmlns="" w="9525">
                   <a:solidFill>
                     <a:srgbClr val="000000"/>
                   </a:solidFill>
@@ -2897,7 +2898,7 @@
             </a:ln>
             <a:extLst>
               <a:ext uri="{91240B29-F687-4f45-9708-019B960494DF}">
-                <a14:hiddenLine xmlns="" xmlns:a14="http://schemas.microsoft.com/office/drawing/2010/main" w="9525">
+                <a14:hiddenLine xmlns:a14="http://schemas.microsoft.com/office/drawing/2010/main" xmlns="" w="9525">
                   <a:solidFill>
                     <a:srgbClr val="000000"/>
                   </a:solidFill>
@@ -2959,7 +2960,7 @@
             </a:ln>
             <a:extLst>
               <a:ext uri="{91240B29-F687-4f45-9708-019B960494DF}">
-                <a14:hiddenLine xmlns="" xmlns:a14="http://schemas.microsoft.com/office/drawing/2010/main" w="9525">
+                <a14:hiddenLine xmlns:a14="http://schemas.microsoft.com/office/drawing/2010/main" xmlns="" w="9525">
                   <a:solidFill>
                     <a:srgbClr val="000000"/>
                   </a:solidFill>
@@ -3049,7 +3050,7 @@
             </a:ln>
             <a:extLst>
               <a:ext uri="{91240B29-F687-4f45-9708-019B960494DF}">
-                <a14:hiddenLine xmlns="" xmlns:a14="http://schemas.microsoft.com/office/drawing/2010/main" w="9525">
+                <a14:hiddenLine xmlns:a14="http://schemas.microsoft.com/office/drawing/2010/main" xmlns="" w="9525">
                   <a:solidFill>
                     <a:srgbClr val="000000"/>
                   </a:solidFill>
@@ -3111,7 +3112,7 @@
             </a:ln>
             <a:extLst>
               <a:ext uri="{91240B29-F687-4f45-9708-019B960494DF}">
-                <a14:hiddenLine xmlns="" xmlns:a14="http://schemas.microsoft.com/office/drawing/2010/main" w="9525">
+                <a14:hiddenLine xmlns:a14="http://schemas.microsoft.com/office/drawing/2010/main" xmlns="" w="9525">
                   <a:solidFill>
                     <a:srgbClr val="000000"/>
                   </a:solidFill>
@@ -3201,7 +3202,7 @@
             </a:ln>
             <a:extLst>
               <a:ext uri="{91240B29-F687-4f45-9708-019B960494DF}">
-                <a14:hiddenLine xmlns="" xmlns:a14="http://schemas.microsoft.com/office/drawing/2010/main" w="9525">
+                <a14:hiddenLine xmlns:a14="http://schemas.microsoft.com/office/drawing/2010/main" xmlns="" w="9525">
                   <a:solidFill>
                     <a:srgbClr val="000000"/>
                   </a:solidFill>
@@ -3235,7 +3236,7 @@
             </a:ln>
             <a:extLst>
               <a:ext uri="{91240B29-F687-4f45-9708-019B960494DF}">
-                <a14:hiddenLine xmlns="" xmlns:a14="http://schemas.microsoft.com/office/drawing/2010/main" w="9525">
+                <a14:hiddenLine xmlns:a14="http://schemas.microsoft.com/office/drawing/2010/main" xmlns="" w="9525">
                   <a:solidFill>
                     <a:srgbClr val="000000"/>
                   </a:solidFill>
@@ -3300,7 +3301,7 @@
             </a:ln>
             <a:extLst>
               <a:ext uri="{91240B29-F687-4f45-9708-019B960494DF}">
-                <a14:hiddenLine xmlns="" xmlns:a14="http://schemas.microsoft.com/office/drawing/2010/main" w="9525">
+                <a14:hiddenLine xmlns:a14="http://schemas.microsoft.com/office/drawing/2010/main" xmlns="" w="9525">
                   <a:solidFill>
                     <a:srgbClr val="000000"/>
                   </a:solidFill>
@@ -3390,7 +3391,7 @@
             </a:ln>
             <a:extLst>
               <a:ext uri="{91240B29-F687-4f45-9708-019B960494DF}">
-                <a14:hiddenLine xmlns="" xmlns:a14="http://schemas.microsoft.com/office/drawing/2010/main" w="9525">
+                <a14:hiddenLine xmlns:a14="http://schemas.microsoft.com/office/drawing/2010/main" xmlns="" w="9525">
                   <a:solidFill>
                     <a:srgbClr val="000000"/>
                   </a:solidFill>
@@ -3452,7 +3453,7 @@
             </a:ln>
             <a:extLst>
               <a:ext uri="{91240B29-F687-4f45-9708-019B960494DF}">
-                <a14:hiddenLine xmlns="" xmlns:a14="http://schemas.microsoft.com/office/drawing/2010/main" w="9525">
+                <a14:hiddenLine xmlns:a14="http://schemas.microsoft.com/office/drawing/2010/main" xmlns="" w="9525">
                   <a:solidFill>
                     <a:srgbClr val="000000"/>
                   </a:solidFill>
@@ -3542,7 +3543,7 @@
             </a:ln>
             <a:extLst>
               <a:ext uri="{91240B29-F687-4f45-9708-019B960494DF}">
-                <a14:hiddenLine xmlns="" xmlns:a14="http://schemas.microsoft.com/office/drawing/2010/main" w="9525">
+                <a14:hiddenLine xmlns:a14="http://schemas.microsoft.com/office/drawing/2010/main" xmlns="" w="9525">
                   <a:solidFill>
                     <a:srgbClr val="000000"/>
                   </a:solidFill>
@@ -3632,7 +3633,7 @@
             </a:ln>
             <a:extLst>
               <a:ext uri="{91240B29-F687-4f45-9708-019B960494DF}">
-                <a14:hiddenLine xmlns="" xmlns:a14="http://schemas.microsoft.com/office/drawing/2010/main" w="9525">
+                <a14:hiddenLine xmlns:a14="http://schemas.microsoft.com/office/drawing/2010/main" xmlns="" w="9525">
                   <a:solidFill>
                     <a:srgbClr val="000000"/>
                   </a:solidFill>
@@ -3697,7 +3698,7 @@
             </a:ln>
             <a:extLst>
               <a:ext uri="{91240B29-F687-4f45-9708-019B960494DF}">
-                <a14:hiddenLine xmlns="" xmlns:a14="http://schemas.microsoft.com/office/drawing/2010/main" w="9525">
+                <a14:hiddenLine xmlns:a14="http://schemas.microsoft.com/office/drawing/2010/main" xmlns="" w="9525">
                   <a:solidFill>
                     <a:srgbClr val="000000"/>
                   </a:solidFill>
@@ -3759,7 +3760,7 @@
             </a:ln>
             <a:extLst>
               <a:ext uri="{91240B29-F687-4f45-9708-019B960494DF}">
-                <a14:hiddenLine xmlns="" xmlns:a14="http://schemas.microsoft.com/office/drawing/2010/main" w="9525">
+                <a14:hiddenLine xmlns:a14="http://schemas.microsoft.com/office/drawing/2010/main" xmlns="" w="9525">
                   <a:solidFill>
                     <a:srgbClr val="000000"/>
                   </a:solidFill>
@@ -3849,7 +3850,7 @@
             </a:ln>
             <a:extLst>
               <a:ext uri="{91240B29-F687-4f45-9708-019B960494DF}">
-                <a14:hiddenLine xmlns="" xmlns:a14="http://schemas.microsoft.com/office/drawing/2010/main" w="9525">
+                <a14:hiddenLine xmlns:a14="http://schemas.microsoft.com/office/drawing/2010/main" xmlns="" w="9525">
                   <a:solidFill>
                     <a:srgbClr val="000000"/>
                   </a:solidFill>
@@ -3939,7 +3940,7 @@
             </a:ln>
             <a:extLst>
               <a:ext uri="{91240B29-F687-4f45-9708-019B960494DF}">
-                <a14:hiddenLine xmlns="" xmlns:a14="http://schemas.microsoft.com/office/drawing/2010/main" w="9525">
+                <a14:hiddenLine xmlns:a14="http://schemas.microsoft.com/office/drawing/2010/main" xmlns="" w="9525">
                   <a:solidFill>
                     <a:srgbClr val="000000"/>
                   </a:solidFill>
@@ -4001,7 +4002,7 @@
             </a:ln>
             <a:extLst>
               <a:ext uri="{91240B29-F687-4f45-9708-019B960494DF}">
-                <a14:hiddenLine xmlns="" xmlns:a14="http://schemas.microsoft.com/office/drawing/2010/main" w="9525">
+                <a14:hiddenLine xmlns:a14="http://schemas.microsoft.com/office/drawing/2010/main" xmlns="" w="9525">
                   <a:solidFill>
                     <a:srgbClr val="000000"/>
                   </a:solidFill>
@@ -4121,7 +4122,7 @@
             </a:ln>
             <a:extLst>
               <a:ext uri="{91240B29-F687-4f45-9708-019B960494DF}">
-                <a14:hiddenLine xmlns="" xmlns:a14="http://schemas.microsoft.com/office/drawing/2010/main" w="9525">
+                <a14:hiddenLine xmlns:a14="http://schemas.microsoft.com/office/drawing/2010/main" xmlns="" w="9525">
                   <a:solidFill>
                     <a:srgbClr val="000000"/>
                   </a:solidFill>
@@ -4189,7 +4190,7 @@
             </a:ln>
             <a:extLst>
               <a:ext uri="{91240B29-F687-4f45-9708-019B960494DF}">
-                <a14:hiddenLine xmlns="" xmlns:a14="http://schemas.microsoft.com/office/drawing/2010/main" w="9525">
+                <a14:hiddenLine xmlns:a14="http://schemas.microsoft.com/office/drawing/2010/main" xmlns="" w="9525">
                   <a:solidFill>
                     <a:srgbClr val="000000"/>
                   </a:solidFill>
@@ -4279,7 +4280,7 @@
             </a:ln>
             <a:extLst>
               <a:ext uri="{91240B29-F687-4f45-9708-019B960494DF}">
-                <a14:hiddenLine xmlns="" xmlns:a14="http://schemas.microsoft.com/office/drawing/2010/main" w="9525">
+                <a14:hiddenLine xmlns:a14="http://schemas.microsoft.com/office/drawing/2010/main" xmlns="" w="9525">
                   <a:solidFill>
                     <a:srgbClr val="000000"/>
                   </a:solidFill>
@@ -4419,7 +4420,7 @@
           <a:p>
             <a:fld id="{951AF1EB-82F2-4C84-AADB-635468081963}" type="datetimeFigureOut">
               <a:rPr lang="en-US" smtClean="0"/>
-              <a:t>25/07/2022</a:t>
+              <a:t>27/07/2022</a:t>
             </a:fld>
             <a:endParaRPr lang="en-US"/>
           </a:p>
@@ -4686,7 +4687,7 @@
           <a:p>
             <a:fld id="{951AF1EB-82F2-4C84-AADB-635468081963}" type="datetimeFigureOut">
               <a:rPr lang="en-US" smtClean="0"/>
-              <a:t>25/07/2022</a:t>
+              <a:t>27/07/2022</a:t>
             </a:fld>
             <a:endParaRPr lang="en-US"/>
           </a:p>
@@ -4882,7 +4883,7 @@
           <a:p>
             <a:fld id="{951AF1EB-82F2-4C84-AADB-635468081963}" type="datetimeFigureOut">
               <a:rPr lang="en-US" smtClean="0"/>
-              <a:t>25/07/2022</a:t>
+              <a:t>27/07/2022</a:t>
             </a:fld>
             <a:endParaRPr lang="en-US"/>
           </a:p>
@@ -5145,7 +5146,7 @@
           <a:p>
             <a:fld id="{951AF1EB-82F2-4C84-AADB-635468081963}" type="datetimeFigureOut">
               <a:rPr lang="en-US" smtClean="0"/>
-              <a:t>25/07/2022</a:t>
+              <a:t>27/07/2022</a:t>
             </a:fld>
             <a:endParaRPr lang="en-US"/>
           </a:p>
@@ -5579,7 +5580,7 @@
           <a:p>
             <a:fld id="{951AF1EB-82F2-4C84-AADB-635468081963}" type="datetimeFigureOut">
               <a:rPr lang="en-US" smtClean="0"/>
-              <a:t>25/07/2022</a:t>
+              <a:t>27/07/2022</a:t>
             </a:fld>
             <a:endParaRPr lang="en-US"/>
           </a:p>
@@ -6125,7 +6126,7 @@
           <a:p>
             <a:fld id="{951AF1EB-82F2-4C84-AADB-635468081963}" type="datetimeFigureOut">
               <a:rPr lang="en-US" smtClean="0"/>
-              <a:t>25/07/2022</a:t>
+              <a:t>27/07/2022</a:t>
             </a:fld>
             <a:endParaRPr lang="en-US"/>
           </a:p>
@@ -6845,7 +6846,7 @@
           <a:p>
             <a:fld id="{951AF1EB-82F2-4C84-AADB-635468081963}" type="datetimeFigureOut">
               <a:rPr lang="en-US" smtClean="0"/>
-              <a:t>25/07/2022</a:t>
+              <a:t>27/07/2022</a:t>
             </a:fld>
             <a:endParaRPr lang="en-US"/>
           </a:p>
@@ -7015,7 +7016,7 @@
           <a:p>
             <a:fld id="{951AF1EB-82F2-4C84-AADB-635468081963}" type="datetimeFigureOut">
               <a:rPr lang="en-US" smtClean="0"/>
-              <a:t>25/07/2022</a:t>
+              <a:t>27/07/2022</a:t>
             </a:fld>
             <a:endParaRPr lang="en-US"/>
           </a:p>
@@ -7195,7 +7196,7 @@
           <a:p>
             <a:fld id="{951AF1EB-82F2-4C84-AADB-635468081963}" type="datetimeFigureOut">
               <a:rPr lang="en-US" smtClean="0"/>
-              <a:t>25/07/2022</a:t>
+              <a:t>27/07/2022</a:t>
             </a:fld>
             <a:endParaRPr lang="en-US"/>
           </a:p>
@@ -7365,7 +7366,7 @@
           <a:p>
             <a:fld id="{951AF1EB-82F2-4C84-AADB-635468081963}" type="datetimeFigureOut">
               <a:rPr lang="en-US" smtClean="0"/>
-              <a:t>25/07/2022</a:t>
+              <a:t>27/07/2022</a:t>
             </a:fld>
             <a:endParaRPr lang="en-US"/>
           </a:p>
@@ -7615,7 +7616,7 @@
           <a:p>
             <a:fld id="{951AF1EB-82F2-4C84-AADB-635468081963}" type="datetimeFigureOut">
               <a:rPr lang="en-US" smtClean="0"/>
-              <a:t>25/07/2022</a:t>
+              <a:t>27/07/2022</a:t>
             </a:fld>
             <a:endParaRPr lang="en-US"/>
           </a:p>
@@ -7847,7 +7848,7 @@
           <a:p>
             <a:fld id="{951AF1EB-82F2-4C84-AADB-635468081963}" type="datetimeFigureOut">
               <a:rPr lang="en-US" smtClean="0"/>
-              <a:t>25/07/2022</a:t>
+              <a:t>27/07/2022</a:t>
             </a:fld>
             <a:endParaRPr lang="en-US"/>
           </a:p>
@@ -8228,7 +8229,7 @@
           <a:p>
             <a:fld id="{951AF1EB-82F2-4C84-AADB-635468081963}" type="datetimeFigureOut">
               <a:rPr lang="en-US" smtClean="0"/>
-              <a:t>25/07/2022</a:t>
+              <a:t>27/07/2022</a:t>
             </a:fld>
             <a:endParaRPr lang="en-US"/>
           </a:p>
@@ -8346,7 +8347,7 @@
           <a:p>
             <a:fld id="{951AF1EB-82F2-4C84-AADB-635468081963}" type="datetimeFigureOut">
               <a:rPr lang="en-US" smtClean="0"/>
-              <a:t>25/07/2022</a:t>
+              <a:t>27/07/2022</a:t>
             </a:fld>
             <a:endParaRPr lang="en-US"/>
           </a:p>
@@ -8441,7 +8442,7 @@
           <a:p>
             <a:fld id="{951AF1EB-82F2-4C84-AADB-635468081963}" type="datetimeFigureOut">
               <a:rPr lang="en-US" smtClean="0"/>
-              <a:t>25/07/2022</a:t>
+              <a:t>27/07/2022</a:t>
             </a:fld>
             <a:endParaRPr lang="en-US"/>
           </a:p>
@@ -8690,7 +8691,7 @@
           <a:p>
             <a:fld id="{951AF1EB-82F2-4C84-AADB-635468081963}" type="datetimeFigureOut">
               <a:rPr lang="en-US" smtClean="0"/>
-              <a:t>25/07/2022</a:t>
+              <a:t>27/07/2022</a:t>
             </a:fld>
             <a:endParaRPr lang="en-US"/>
           </a:p>
@@ -8970,7 +8971,7 @@
           <a:p>
             <a:fld id="{951AF1EB-82F2-4C84-AADB-635468081963}" type="datetimeFigureOut">
               <a:rPr lang="en-US" smtClean="0"/>
-              <a:t>25/07/2022</a:t>
+              <a:t>27/07/2022</a:t>
             </a:fld>
             <a:endParaRPr lang="en-US"/>
           </a:p>
@@ -9086,7 +9087,7 @@
           <a:noFill/>
           <a:extLst>
             <a:ext uri="{909E8E84-426E-40dd-AFC4-6F175D3DCCD1}">
-              <a14:hiddenFill xmlns="" xmlns:a14="http://schemas.microsoft.com/office/drawing/2010/main">
+              <a14:hiddenFill xmlns:a14="http://schemas.microsoft.com/office/drawing/2010/main" xmlns="">
                 <a:solidFill>
                   <a:srgbClr val="FFFFFF"/>
                 </a:solidFill>
@@ -9160,7 +9161,7 @@
               </a:ln>
               <a:extLst>
                 <a:ext uri="{91240B29-F687-4f45-9708-019B960494DF}">
-                  <a14:hiddenLine xmlns="" xmlns:a14="http://schemas.microsoft.com/office/drawing/2010/main" w="9525">
+                  <a14:hiddenLine xmlns:a14="http://schemas.microsoft.com/office/drawing/2010/main" xmlns="" w="9525">
                     <a:solidFill>
                       <a:srgbClr val="000000"/>
                     </a:solidFill>
@@ -9250,7 +9251,7 @@
               </a:ln>
               <a:extLst>
                 <a:ext uri="{91240B29-F687-4f45-9708-019B960494DF}">
-                  <a14:hiddenLine xmlns="" xmlns:a14="http://schemas.microsoft.com/office/drawing/2010/main" w="9525">
+                  <a14:hiddenLine xmlns:a14="http://schemas.microsoft.com/office/drawing/2010/main" xmlns="" w="9525">
                     <a:solidFill>
                       <a:srgbClr val="000000"/>
                     </a:solidFill>
@@ -9340,7 +9341,7 @@
               </a:ln>
               <a:extLst>
                 <a:ext uri="{91240B29-F687-4f45-9708-019B960494DF}">
-                  <a14:hiddenLine xmlns="" xmlns:a14="http://schemas.microsoft.com/office/drawing/2010/main" w="9525">
+                  <a14:hiddenLine xmlns:a14="http://schemas.microsoft.com/office/drawing/2010/main" xmlns="" w="9525">
                     <a:solidFill>
                       <a:srgbClr val="000000"/>
                     </a:solidFill>
@@ -9402,7 +9403,7 @@
               </a:ln>
               <a:extLst>
                 <a:ext uri="{91240B29-F687-4f45-9708-019B960494DF}">
-                  <a14:hiddenLine xmlns="" xmlns:a14="http://schemas.microsoft.com/office/drawing/2010/main" w="9525">
+                  <a14:hiddenLine xmlns:a14="http://schemas.microsoft.com/office/drawing/2010/main" xmlns="" w="9525">
                     <a:solidFill>
                       <a:srgbClr val="000000"/>
                     </a:solidFill>
@@ -9492,7 +9493,7 @@
               </a:ln>
               <a:extLst>
                 <a:ext uri="{91240B29-F687-4f45-9708-019B960494DF}">
-                  <a14:hiddenLine xmlns="" xmlns:a14="http://schemas.microsoft.com/office/drawing/2010/main" w="9525">
+                  <a14:hiddenLine xmlns:a14="http://schemas.microsoft.com/office/drawing/2010/main" xmlns="" w="9525">
                     <a:solidFill>
                       <a:srgbClr val="000000"/>
                     </a:solidFill>
@@ -9554,7 +9555,7 @@
               </a:ln>
               <a:extLst>
                 <a:ext uri="{91240B29-F687-4f45-9708-019B960494DF}">
-                  <a14:hiddenLine xmlns="" xmlns:a14="http://schemas.microsoft.com/office/drawing/2010/main" w="9525">
+                  <a14:hiddenLine xmlns:a14="http://schemas.microsoft.com/office/drawing/2010/main" xmlns="" w="9525">
                     <a:solidFill>
                       <a:srgbClr val="000000"/>
                     </a:solidFill>
@@ -9616,7 +9617,7 @@
               </a:ln>
               <a:extLst>
                 <a:ext uri="{91240B29-F687-4f45-9708-019B960494DF}">
-                  <a14:hiddenLine xmlns="" xmlns:a14="http://schemas.microsoft.com/office/drawing/2010/main" w="9525">
+                  <a14:hiddenLine xmlns:a14="http://schemas.microsoft.com/office/drawing/2010/main" xmlns="" w="9525">
                     <a:solidFill>
                       <a:srgbClr val="000000"/>
                     </a:solidFill>
@@ -9706,7 +9707,7 @@
               </a:ln>
               <a:extLst>
                 <a:ext uri="{91240B29-F687-4f45-9708-019B960494DF}">
-                  <a14:hiddenLine xmlns="" xmlns:a14="http://schemas.microsoft.com/office/drawing/2010/main" w="9525">
+                  <a14:hiddenLine xmlns:a14="http://schemas.microsoft.com/office/drawing/2010/main" xmlns="" w="9525">
                     <a:solidFill>
                       <a:srgbClr val="000000"/>
                     </a:solidFill>
@@ -9796,7 +9797,7 @@
               </a:ln>
               <a:extLst>
                 <a:ext uri="{91240B29-F687-4f45-9708-019B960494DF}">
-                  <a14:hiddenLine xmlns="" xmlns:a14="http://schemas.microsoft.com/office/drawing/2010/main" w="9525">
+                  <a14:hiddenLine xmlns:a14="http://schemas.microsoft.com/office/drawing/2010/main" xmlns="" w="9525">
                     <a:solidFill>
                       <a:srgbClr val="000000"/>
                     </a:solidFill>
@@ -9858,7 +9859,7 @@
               </a:ln>
               <a:extLst>
                 <a:ext uri="{91240B29-F687-4f45-9708-019B960494DF}">
-                  <a14:hiddenLine xmlns="" xmlns:a14="http://schemas.microsoft.com/office/drawing/2010/main" w="9525">
+                  <a14:hiddenLine xmlns:a14="http://schemas.microsoft.com/office/drawing/2010/main" xmlns="" w="9525">
                     <a:solidFill>
                       <a:srgbClr val="000000"/>
                     </a:solidFill>
@@ -9968,7 +9969,7 @@
               </a:ln>
               <a:extLst>
                 <a:ext uri="{91240B29-F687-4f45-9708-019B960494DF}">
-                  <a14:hiddenLine xmlns="" xmlns:a14="http://schemas.microsoft.com/office/drawing/2010/main" w="9525">
+                  <a14:hiddenLine xmlns:a14="http://schemas.microsoft.com/office/drawing/2010/main" xmlns="" w="9525">
                     <a:solidFill>
                       <a:srgbClr val="000000"/>
                     </a:solidFill>
@@ -10052,7 +10053,7 @@
               </a:ln>
               <a:extLst>
                 <a:ext uri="{91240B29-F687-4f45-9708-019B960494DF}">
-                  <a14:hiddenLine xmlns="" xmlns:a14="http://schemas.microsoft.com/office/drawing/2010/main" w="9525">
+                  <a14:hiddenLine xmlns:a14="http://schemas.microsoft.com/office/drawing/2010/main" xmlns="" w="9525">
                     <a:solidFill>
                       <a:srgbClr val="000000"/>
                     </a:solidFill>
@@ -10114,7 +10115,7 @@
               </a:ln>
               <a:extLst>
                 <a:ext uri="{91240B29-F687-4f45-9708-019B960494DF}">
-                  <a14:hiddenLine xmlns="" xmlns:a14="http://schemas.microsoft.com/office/drawing/2010/main" w="9525">
+                  <a14:hiddenLine xmlns:a14="http://schemas.microsoft.com/office/drawing/2010/main" xmlns="" w="9525">
                     <a:solidFill>
                       <a:srgbClr val="000000"/>
                     </a:solidFill>
@@ -10176,7 +10177,7 @@
               </a:ln>
               <a:extLst>
                 <a:ext uri="{91240B29-F687-4f45-9708-019B960494DF}">
-                  <a14:hiddenLine xmlns="" xmlns:a14="http://schemas.microsoft.com/office/drawing/2010/main" w="9525">
+                  <a14:hiddenLine xmlns:a14="http://schemas.microsoft.com/office/drawing/2010/main" xmlns="" w="9525">
                     <a:solidFill>
                       <a:srgbClr val="000000"/>
                     </a:solidFill>
@@ -10266,7 +10267,7 @@
               </a:ln>
               <a:extLst>
                 <a:ext uri="{91240B29-F687-4f45-9708-019B960494DF}">
-                  <a14:hiddenLine xmlns="" xmlns:a14="http://schemas.microsoft.com/office/drawing/2010/main" w="9525">
+                  <a14:hiddenLine xmlns:a14="http://schemas.microsoft.com/office/drawing/2010/main" xmlns="" w="9525">
                     <a:solidFill>
                       <a:srgbClr val="000000"/>
                     </a:solidFill>
@@ -10300,7 +10301,7 @@
               </a:ln>
               <a:extLst>
                 <a:ext uri="{91240B29-F687-4f45-9708-019B960494DF}">
-                  <a14:hiddenLine xmlns="" xmlns:a14="http://schemas.microsoft.com/office/drawing/2010/main" w="9525">
+                  <a14:hiddenLine xmlns:a14="http://schemas.microsoft.com/office/drawing/2010/main" xmlns="" w="9525">
                     <a:solidFill>
                       <a:srgbClr val="000000"/>
                     </a:solidFill>
@@ -10365,7 +10366,7 @@
               </a:ln>
               <a:extLst>
                 <a:ext uri="{91240B29-F687-4f45-9708-019B960494DF}">
-                  <a14:hiddenLine xmlns="" xmlns:a14="http://schemas.microsoft.com/office/drawing/2010/main" w="9525">
+                  <a14:hiddenLine xmlns:a14="http://schemas.microsoft.com/office/drawing/2010/main" xmlns="" w="9525">
                     <a:solidFill>
                       <a:srgbClr val="000000"/>
                     </a:solidFill>
@@ -10455,7 +10456,7 @@
               </a:ln>
               <a:extLst>
                 <a:ext uri="{91240B29-F687-4f45-9708-019B960494DF}">
-                  <a14:hiddenLine xmlns="" xmlns:a14="http://schemas.microsoft.com/office/drawing/2010/main" w="9525">
+                  <a14:hiddenLine xmlns:a14="http://schemas.microsoft.com/office/drawing/2010/main" xmlns="" w="9525">
                     <a:solidFill>
                       <a:srgbClr val="000000"/>
                     </a:solidFill>
@@ -10517,7 +10518,7 @@
               </a:ln>
               <a:extLst>
                 <a:ext uri="{91240B29-F687-4f45-9708-019B960494DF}">
-                  <a14:hiddenLine xmlns="" xmlns:a14="http://schemas.microsoft.com/office/drawing/2010/main" w="9525">
+                  <a14:hiddenLine xmlns:a14="http://schemas.microsoft.com/office/drawing/2010/main" xmlns="" w="9525">
                     <a:solidFill>
                       <a:srgbClr val="000000"/>
                     </a:solidFill>
@@ -10607,7 +10608,7 @@
               </a:ln>
               <a:extLst>
                 <a:ext uri="{91240B29-F687-4f45-9708-019B960494DF}">
-                  <a14:hiddenLine xmlns="" xmlns:a14="http://schemas.microsoft.com/office/drawing/2010/main" w="9525">
+                  <a14:hiddenLine xmlns:a14="http://schemas.microsoft.com/office/drawing/2010/main" xmlns="" w="9525">
                     <a:solidFill>
                       <a:srgbClr val="000000"/>
                     </a:solidFill>
@@ -10672,7 +10673,7 @@
               </a:ln>
               <a:extLst>
                 <a:ext uri="{91240B29-F687-4f45-9708-019B960494DF}">
-                  <a14:hiddenLine xmlns="" xmlns:a14="http://schemas.microsoft.com/office/drawing/2010/main" w="9525">
+                  <a14:hiddenLine xmlns:a14="http://schemas.microsoft.com/office/drawing/2010/main" xmlns="" w="9525">
                     <a:solidFill>
                       <a:srgbClr val="000000"/>
                     </a:solidFill>
@@ -10734,7 +10735,7 @@
               </a:ln>
               <a:extLst>
                 <a:ext uri="{91240B29-F687-4f45-9708-019B960494DF}">
-                  <a14:hiddenLine xmlns="" xmlns:a14="http://schemas.microsoft.com/office/drawing/2010/main" w="9525">
+                  <a14:hiddenLine xmlns:a14="http://schemas.microsoft.com/office/drawing/2010/main" xmlns="" w="9525">
                     <a:solidFill>
                       <a:srgbClr val="000000"/>
                     </a:solidFill>
@@ -10824,7 +10825,7 @@
               </a:ln>
               <a:extLst>
                 <a:ext uri="{91240B29-F687-4f45-9708-019B960494DF}">
-                  <a14:hiddenLine xmlns="" xmlns:a14="http://schemas.microsoft.com/office/drawing/2010/main" w="9525">
+                  <a14:hiddenLine xmlns:a14="http://schemas.microsoft.com/office/drawing/2010/main" xmlns="" w="9525">
                     <a:solidFill>
                       <a:srgbClr val="000000"/>
                     </a:solidFill>
@@ -10914,7 +10915,7 @@
               </a:ln>
               <a:extLst>
                 <a:ext uri="{91240B29-F687-4f45-9708-019B960494DF}">
-                  <a14:hiddenLine xmlns="" xmlns:a14="http://schemas.microsoft.com/office/drawing/2010/main" w="9525">
+                  <a14:hiddenLine xmlns:a14="http://schemas.microsoft.com/office/drawing/2010/main" xmlns="" w="9525">
                     <a:solidFill>
                       <a:srgbClr val="000000"/>
                     </a:solidFill>
@@ -10979,7 +10980,7 @@
               </a:ln>
               <a:extLst>
                 <a:ext uri="{91240B29-F687-4f45-9708-019B960494DF}">
-                  <a14:hiddenLine xmlns="" xmlns:a14="http://schemas.microsoft.com/office/drawing/2010/main" w="9525">
+                  <a14:hiddenLine xmlns:a14="http://schemas.microsoft.com/office/drawing/2010/main" xmlns="" w="9525">
                     <a:solidFill>
                       <a:srgbClr val="000000"/>
                     </a:solidFill>
@@ -11099,7 +11100,7 @@
               </a:ln>
               <a:extLst>
                 <a:ext uri="{91240B29-F687-4f45-9708-019B960494DF}">
-                  <a14:hiddenLine xmlns="" xmlns:a14="http://schemas.microsoft.com/office/drawing/2010/main" w="9525">
+                  <a14:hiddenLine xmlns:a14="http://schemas.microsoft.com/office/drawing/2010/main" xmlns="" w="9525">
                     <a:solidFill>
                       <a:srgbClr val="000000"/>
                     </a:solidFill>
@@ -11197,7 +11198,7 @@
               </a:ln>
               <a:extLst>
                 <a:ext uri="{91240B29-F687-4f45-9708-019B960494DF}">
-                  <a14:hiddenLine xmlns="" xmlns:a14="http://schemas.microsoft.com/office/drawing/2010/main" w="9525">
+                  <a14:hiddenLine xmlns:a14="http://schemas.microsoft.com/office/drawing/2010/main" xmlns="" w="9525">
                     <a:solidFill>
                       <a:srgbClr val="000000"/>
                     </a:solidFill>
@@ -11312,7 +11313,7 @@
               </a:ln>
               <a:extLst>
                 <a:ext uri="{91240B29-F687-4f45-9708-019B960494DF}">
-                  <a14:hiddenLine xmlns="" xmlns:a14="http://schemas.microsoft.com/office/drawing/2010/main" w="9525">
+                  <a14:hiddenLine xmlns:a14="http://schemas.microsoft.com/office/drawing/2010/main" xmlns="" w="9525">
                     <a:solidFill>
                       <a:srgbClr val="000000"/>
                     </a:solidFill>
@@ -11402,7 +11403,7 @@
               </a:ln>
               <a:extLst>
                 <a:ext uri="{91240B29-F687-4f45-9708-019B960494DF}">
-                  <a14:hiddenLine xmlns="" xmlns:a14="http://schemas.microsoft.com/office/drawing/2010/main" w="9525">
+                  <a14:hiddenLine xmlns:a14="http://schemas.microsoft.com/office/drawing/2010/main" xmlns="" w="9525">
                     <a:solidFill>
                       <a:srgbClr val="000000"/>
                     </a:solidFill>
@@ -11467,7 +11468,7 @@
               </a:ln>
               <a:extLst>
                 <a:ext uri="{91240B29-F687-4f45-9708-019B960494DF}">
-                  <a14:hiddenLine xmlns="" xmlns:a14="http://schemas.microsoft.com/office/drawing/2010/main" w="9525">
+                  <a14:hiddenLine xmlns:a14="http://schemas.microsoft.com/office/drawing/2010/main" xmlns="" w="9525">
                     <a:solidFill>
                       <a:srgbClr val="000000"/>
                     </a:solidFill>
@@ -11557,7 +11558,7 @@
               </a:ln>
               <a:extLst>
                 <a:ext uri="{91240B29-F687-4f45-9708-019B960494DF}">
-                  <a14:hiddenLine xmlns="" xmlns:a14="http://schemas.microsoft.com/office/drawing/2010/main" w="9525">
+                  <a14:hiddenLine xmlns:a14="http://schemas.microsoft.com/office/drawing/2010/main" xmlns="" w="9525">
                     <a:solidFill>
                       <a:srgbClr val="000000"/>
                     </a:solidFill>
@@ -11625,7 +11626,7 @@
               </a:ln>
               <a:extLst>
                 <a:ext uri="{91240B29-F687-4f45-9708-019B960494DF}">
-                  <a14:hiddenLine xmlns="" xmlns:a14="http://schemas.microsoft.com/office/drawing/2010/main" w="9525">
+                  <a14:hiddenLine xmlns:a14="http://schemas.microsoft.com/office/drawing/2010/main" xmlns="" w="9525">
                     <a:solidFill>
                       <a:srgbClr val="000000"/>
                     </a:solidFill>
@@ -11715,7 +11716,7 @@
               </a:ln>
               <a:extLst>
                 <a:ext uri="{91240B29-F687-4f45-9708-019B960494DF}">
-                  <a14:hiddenLine xmlns="" xmlns:a14="http://schemas.microsoft.com/office/drawing/2010/main" w="9525">
+                  <a14:hiddenLine xmlns:a14="http://schemas.microsoft.com/office/drawing/2010/main" xmlns="" w="9525">
                     <a:solidFill>
                       <a:srgbClr val="000000"/>
                     </a:solidFill>
@@ -11783,7 +11784,7 @@
               </a:ln>
               <a:extLst>
                 <a:ext uri="{91240B29-F687-4f45-9708-019B960494DF}">
-                  <a14:hiddenLine xmlns="" xmlns:a14="http://schemas.microsoft.com/office/drawing/2010/main" w="9525">
+                  <a14:hiddenLine xmlns:a14="http://schemas.microsoft.com/office/drawing/2010/main" xmlns="" w="9525">
                     <a:solidFill>
                       <a:srgbClr val="000000"/>
                     </a:solidFill>
@@ -11873,7 +11874,7 @@
               </a:ln>
               <a:extLst>
                 <a:ext uri="{91240B29-F687-4f45-9708-019B960494DF}">
-                  <a14:hiddenLine xmlns="" xmlns:a14="http://schemas.microsoft.com/office/drawing/2010/main" w="9525">
+                  <a14:hiddenLine xmlns:a14="http://schemas.microsoft.com/office/drawing/2010/main" xmlns="" w="9525">
                     <a:solidFill>
                       <a:srgbClr val="000000"/>
                     </a:solidFill>
@@ -11907,7 +11908,7 @@
               </a:ln>
               <a:extLst>
                 <a:ext uri="{91240B29-F687-4f45-9708-019B960494DF}">
-                  <a14:hiddenLine xmlns="" xmlns:a14="http://schemas.microsoft.com/office/drawing/2010/main" w="9525">
+                  <a14:hiddenLine xmlns:a14="http://schemas.microsoft.com/office/drawing/2010/main" xmlns="" w="9525">
                     <a:solidFill>
                       <a:srgbClr val="000000"/>
                     </a:solidFill>
@@ -12047,7 +12048,7 @@
           <a:p>
             <a:fld id="{951AF1EB-82F2-4C84-AADB-635468081963}" type="datetimeFigureOut">
               <a:rPr lang="en-US" smtClean="0"/>
-              <a:t>25/07/2022</a:t>
+              <a:t>27/07/2022</a:t>
             </a:fld>
             <a:endParaRPr lang="en-US"/>
           </a:p>
@@ -14185,6 +14186,130 @@
 </p:sld>
 </file>
 
+<file path=ppt/slides/slide22.xml><?xml version="1.0" encoding="utf-8"?>
+<p:sld xmlns:a="http://schemas.openxmlformats.org/drawingml/2006/main" xmlns:r="http://schemas.openxmlformats.org/officeDocument/2006/relationships" xmlns:p="http://schemas.openxmlformats.org/presentationml/2006/main">
+  <p:cSld>
+    <p:spTree>
+      <p:nvGrpSpPr>
+        <p:cNvPr id="1" name=""/>
+        <p:cNvGrpSpPr/>
+        <p:nvPr/>
+      </p:nvGrpSpPr>
+      <p:grpSpPr>
+        <a:xfrm>
+          <a:off x="0" y="0"/>
+          <a:ext cx="0" cy="0"/>
+          <a:chOff x="0" y="0"/>
+          <a:chExt cx="0" cy="0"/>
+        </a:xfrm>
+      </p:grpSpPr>
+      <p:sp>
+        <p:nvSpPr>
+          <p:cNvPr id="2" name="Title 1">
+            <a:extLst>
+              <a:ext uri="{FF2B5EF4-FFF2-40B4-BE49-F238E27FC236}">
+                <a16:creationId xmlns:a16="http://schemas.microsoft.com/office/drawing/2014/main" id="{2951B7D3-0B63-6DDE-99D6-C393511A6DD1}"/>
+              </a:ext>
+            </a:extLst>
+          </p:cNvPr>
+          <p:cNvSpPr>
+            <a:spLocks noGrp="1"/>
+          </p:cNvSpPr>
+          <p:nvPr>
+            <p:ph type="title"/>
+          </p:nvPr>
+        </p:nvSpPr>
+        <p:spPr/>
+        <p:txBody>
+          <a:bodyPr/>
+          <a:lstStyle/>
+          <a:p>
+            <a:r>
+              <a:rPr lang="en-US" dirty="0"/>
+              <a:t>TK</a:t>
+            </a:r>
+          </a:p>
+        </p:txBody>
+      </p:sp>
+      <p:sp>
+        <p:nvSpPr>
+          <p:cNvPr id="3" name="Content Placeholder 2">
+            <a:extLst>
+              <a:ext uri="{FF2B5EF4-FFF2-40B4-BE49-F238E27FC236}">
+                <a16:creationId xmlns:a16="http://schemas.microsoft.com/office/drawing/2014/main" id="{70E3FECE-CC23-C136-A538-471BAE259B66}"/>
+              </a:ext>
+            </a:extLst>
+          </p:cNvPr>
+          <p:cNvSpPr>
+            <a:spLocks noGrp="1"/>
+          </p:cNvSpPr>
+          <p:nvPr>
+            <p:ph idx="1"/>
+          </p:nvPr>
+        </p:nvSpPr>
+        <p:spPr/>
+        <p:txBody>
+          <a:bodyPr>
+            <a:normAutofit/>
+          </a:bodyPr>
+          <a:lstStyle/>
+          <a:p>
+            <a:r>
+              <a:rPr lang="en-US" dirty="0"/>
+              <a:t>create in animals </a:t>
+            </a:r>
+            <a:r>
+              <a:rPr lang="en-US" dirty="0" err="1"/>
+              <a:t>api</a:t>
+            </a:r>
+            <a:r>
+              <a:rPr lang="en-US" dirty="0"/>
+              <a:t> to update specific animal</a:t>
+            </a:r>
+          </a:p>
+          <a:p>
+            <a:endParaRPr lang="en-US" dirty="0"/>
+          </a:p>
+          <a:p>
+            <a:r>
+              <a:rPr lang="en-US" dirty="0"/>
+              <a:t>create in animals </a:t>
+            </a:r>
+            <a:r>
+              <a:rPr lang="en-US" dirty="0" err="1"/>
+              <a:t>api</a:t>
+            </a:r>
+            <a:r>
+              <a:rPr lang="en-US" dirty="0"/>
+              <a:t> </a:t>
+            </a:r>
+            <a:r>
+              <a:rPr lang="en-US"/>
+              <a:t>to delete </a:t>
+            </a:r>
+            <a:r>
+              <a:rPr lang="en-US" dirty="0"/>
+              <a:t>specific animal</a:t>
+            </a:r>
+          </a:p>
+          <a:p>
+            <a:endParaRPr lang="en-US" dirty="0"/>
+          </a:p>
+        </p:txBody>
+      </p:sp>
+    </p:spTree>
+    <p:extLst>
+      <p:ext uri="{BB962C8B-B14F-4D97-AF65-F5344CB8AC3E}">
+        <p14:creationId xmlns:p14="http://schemas.microsoft.com/office/powerpoint/2010/main" val="3705860169"/>
+      </p:ext>
+    </p:extLst>
+  </p:cSld>
+  <p:clrMapOvr>
+    <a:masterClrMapping/>
+  </p:clrMapOvr>
+</p:sld>
+</file>
+
 <file path=ppt/slides/slide3.xml><?xml version="1.0" encoding="utf-8"?>
 <p:sld xmlns:a="http://schemas.openxmlformats.org/drawingml/2006/main" xmlns:r="http://schemas.openxmlformats.org/officeDocument/2006/relationships" xmlns:p="http://schemas.openxmlformats.org/presentationml/2006/main">
   <p:cSld>

--- a/docs/node js.pptx
+++ b/docs/node js.pptx
@@ -27,6 +27,13 @@
     <p:sldId id="275" r:id="rId21"/>
     <p:sldId id="276" r:id="rId22"/>
     <p:sldId id="277" r:id="rId23"/>
+    <p:sldId id="278" r:id="rId24"/>
+    <p:sldId id="279" r:id="rId25"/>
+    <p:sldId id="280" r:id="rId26"/>
+    <p:sldId id="282" r:id="rId27"/>
+    <p:sldId id="281" r:id="rId28"/>
+    <p:sldId id="283" r:id="rId29"/>
+    <p:sldId id="284" r:id="rId30"/>
   </p:sldIdLst>
   <p:sldSz cx="12192000" cy="6858000"/>
   <p:notesSz cx="6858000" cy="9144000"/>
@@ -14281,15 +14288,7 @@
             </a:r>
             <a:r>
               <a:rPr lang="en-US" dirty="0"/>
-              <a:t> </a:t>
-            </a:r>
-            <a:r>
-              <a:rPr lang="en-US"/>
-              <a:t>to delete </a:t>
-            </a:r>
-            <a:r>
-              <a:rPr lang="en-US" dirty="0"/>
-              <a:t>specific animal</a:t>
+              <a:t> to delete specific animal</a:t>
             </a:r>
           </a:p>
           <a:p>
@@ -14301,6 +14300,1178 @@
     <p:extLst>
       <p:ext uri="{BB962C8B-B14F-4D97-AF65-F5344CB8AC3E}">
         <p14:creationId xmlns:p14="http://schemas.microsoft.com/office/powerpoint/2010/main" val="3705860169"/>
+      </p:ext>
+    </p:extLst>
+  </p:cSld>
+  <p:clrMapOvr>
+    <a:masterClrMapping/>
+  </p:clrMapOvr>
+</p:sld>
+</file>
+
+<file path=ppt/slides/slide23.xml><?xml version="1.0" encoding="utf-8"?>
+<p:sld xmlns:a="http://schemas.openxmlformats.org/drawingml/2006/main" xmlns:r="http://schemas.openxmlformats.org/officeDocument/2006/relationships" xmlns:p="http://schemas.openxmlformats.org/presentationml/2006/main">
+  <p:cSld>
+    <p:spTree>
+      <p:nvGrpSpPr>
+        <p:cNvPr id="1" name=""/>
+        <p:cNvGrpSpPr/>
+        <p:nvPr/>
+      </p:nvGrpSpPr>
+      <p:grpSpPr>
+        <a:xfrm>
+          <a:off x="0" y="0"/>
+          <a:ext cx="0" cy="0"/>
+          <a:chOff x="0" y="0"/>
+          <a:chExt cx="0" cy="0"/>
+        </a:xfrm>
+      </p:grpSpPr>
+      <p:sp>
+        <p:nvSpPr>
+          <p:cNvPr id="2" name="Title 1">
+            <a:extLst>
+              <a:ext uri="{FF2B5EF4-FFF2-40B4-BE49-F238E27FC236}">
+                <a16:creationId xmlns:a16="http://schemas.microsoft.com/office/drawing/2014/main" id="{2951B7D3-0B63-6DDE-99D6-C393511A6DD1}"/>
+              </a:ext>
+            </a:extLst>
+          </p:cNvPr>
+          <p:cNvSpPr>
+            <a:spLocks noGrp="1"/>
+          </p:cNvSpPr>
+          <p:nvPr>
+            <p:ph type="title"/>
+          </p:nvPr>
+        </p:nvSpPr>
+        <p:spPr/>
+        <p:txBody>
+          <a:bodyPr/>
+          <a:lstStyle/>
+          <a:p>
+            <a:r>
+              <a:rPr lang="en-US" dirty="0" err="1"/>
+              <a:t>Qparams</a:t>
+            </a:r>
+            <a:endParaRPr lang="en-US" dirty="0"/>
+          </a:p>
+        </p:txBody>
+      </p:sp>
+      <p:sp>
+        <p:nvSpPr>
+          <p:cNvPr id="3" name="Content Placeholder 2">
+            <a:extLst>
+              <a:ext uri="{FF2B5EF4-FFF2-40B4-BE49-F238E27FC236}">
+                <a16:creationId xmlns:a16="http://schemas.microsoft.com/office/drawing/2014/main" id="{70E3FECE-CC23-C136-A538-471BAE259B66}"/>
+              </a:ext>
+            </a:extLst>
+          </p:cNvPr>
+          <p:cNvSpPr>
+            <a:spLocks noGrp="1"/>
+          </p:cNvSpPr>
+          <p:nvPr>
+            <p:ph idx="1"/>
+          </p:nvPr>
+        </p:nvSpPr>
+        <p:spPr/>
+        <p:txBody>
+          <a:bodyPr>
+            <a:normAutofit lnSpcReduction="10000"/>
+          </a:bodyPr>
+          <a:lstStyle/>
+          <a:p>
+            <a:r>
+              <a:rPr lang="en-US" dirty="0"/>
+              <a:t>when we want to get data from request from </a:t>
+            </a:r>
+            <a:r>
+              <a:rPr lang="en-US" dirty="0" err="1"/>
+              <a:t>url</a:t>
+            </a:r>
+            <a:r>
+              <a:rPr lang="en-US" dirty="0"/>
+              <a:t>, we will use query params</a:t>
+            </a:r>
+          </a:p>
+          <a:p>
+            <a:r>
+              <a:rPr lang="en-US" dirty="0"/>
+              <a:t>the query params will be like so: </a:t>
+            </a:r>
+            <a:r>
+              <a:rPr lang="en-US" dirty="0">
+                <a:hlinkClick r:id="rId2"/>
+              </a:rPr>
+              <a:t>http://localhost:3001/api/animals/getanimalbyid</a:t>
+            </a:r>
+            <a:r>
+              <a:rPr lang="en-US" dirty="0">
+                <a:highlight>
+                  <a:srgbClr val="000000"/>
+                </a:highlight>
+                <a:hlinkClick r:id="rId2"/>
+              </a:rPr>
+              <a:t>?_id=1</a:t>
+            </a:r>
+            <a:endParaRPr lang="en-US" dirty="0">
+              <a:highlight>
+                <a:srgbClr val="000000"/>
+              </a:highlight>
+            </a:endParaRPr>
+          </a:p>
+          <a:p>
+            <a:r>
+              <a:rPr lang="en-US" dirty="0"/>
+              <a:t>in </a:t>
+            </a:r>
+            <a:r>
+              <a:rPr lang="en-US" dirty="0" err="1"/>
+              <a:t>nodejs</a:t>
+            </a:r>
+            <a:r>
+              <a:rPr lang="en-US" dirty="0"/>
+              <a:t> we will use this code:</a:t>
+            </a:r>
+          </a:p>
+          <a:p>
+            <a:r>
+              <a:rPr lang="en-US" dirty="0" err="1"/>
+              <a:t>router.get</a:t>
+            </a:r>
+            <a:r>
+              <a:rPr lang="en-US" dirty="0"/>
+              <a:t>("/", (req, res) =&gt; {</a:t>
+            </a:r>
+          </a:p>
+          <a:p>
+            <a:r>
+              <a:rPr lang="en-US" dirty="0"/>
+              <a:t>  </a:t>
+            </a:r>
+            <a:r>
+              <a:rPr lang="en-US" dirty="0" err="1"/>
+              <a:t>res.json</a:t>
+            </a:r>
+            <a:r>
+              <a:rPr lang="en-US" dirty="0"/>
+              <a:t>(</a:t>
+            </a:r>
+            <a:r>
+              <a:rPr lang="en-US" dirty="0" err="1"/>
+              <a:t>req.query</a:t>
+            </a:r>
+            <a:r>
+              <a:rPr lang="en-US" dirty="0"/>
+              <a:t>);</a:t>
+            </a:r>
+          </a:p>
+          <a:p>
+            <a:r>
+              <a:rPr lang="en-US" dirty="0"/>
+              <a:t>});</a:t>
+            </a:r>
+          </a:p>
+        </p:txBody>
+      </p:sp>
+    </p:spTree>
+    <p:extLst>
+      <p:ext uri="{BB962C8B-B14F-4D97-AF65-F5344CB8AC3E}">
+        <p14:creationId xmlns:p14="http://schemas.microsoft.com/office/powerpoint/2010/main" val="999676045"/>
+      </p:ext>
+    </p:extLst>
+  </p:cSld>
+  <p:clrMapOvr>
+    <a:masterClrMapping/>
+  </p:clrMapOvr>
+</p:sld>
+</file>
+
+<file path=ppt/slides/slide24.xml><?xml version="1.0" encoding="utf-8"?>
+<p:sld xmlns:a="http://schemas.openxmlformats.org/drawingml/2006/main" xmlns:r="http://schemas.openxmlformats.org/officeDocument/2006/relationships" xmlns:p="http://schemas.openxmlformats.org/presentationml/2006/main">
+  <p:cSld>
+    <p:spTree>
+      <p:nvGrpSpPr>
+        <p:cNvPr id="1" name=""/>
+        <p:cNvGrpSpPr/>
+        <p:nvPr/>
+      </p:nvGrpSpPr>
+      <p:grpSpPr>
+        <a:xfrm>
+          <a:off x="0" y="0"/>
+          <a:ext cx="0" cy="0"/>
+          <a:chOff x="0" y="0"/>
+          <a:chExt cx="0" cy="0"/>
+        </a:xfrm>
+      </p:grpSpPr>
+      <p:sp>
+        <p:nvSpPr>
+          <p:cNvPr id="2" name="Title 1">
+            <a:extLst>
+              <a:ext uri="{FF2B5EF4-FFF2-40B4-BE49-F238E27FC236}">
+                <a16:creationId xmlns:a16="http://schemas.microsoft.com/office/drawing/2014/main" id="{2951B7D3-0B63-6DDE-99D6-C393511A6DD1}"/>
+              </a:ext>
+            </a:extLst>
+          </p:cNvPr>
+          <p:cNvSpPr>
+            <a:spLocks noGrp="1"/>
+          </p:cNvSpPr>
+          <p:nvPr>
+            <p:ph type="title"/>
+          </p:nvPr>
+        </p:nvSpPr>
+        <p:spPr/>
+        <p:txBody>
+          <a:bodyPr/>
+          <a:lstStyle/>
+          <a:p>
+            <a:r>
+              <a:rPr lang="en-US" dirty="0"/>
+              <a:t>TK</a:t>
+            </a:r>
+          </a:p>
+        </p:txBody>
+      </p:sp>
+      <p:sp>
+        <p:nvSpPr>
+          <p:cNvPr id="3" name="Content Placeholder 2">
+            <a:extLst>
+              <a:ext uri="{FF2B5EF4-FFF2-40B4-BE49-F238E27FC236}">
+                <a16:creationId xmlns:a16="http://schemas.microsoft.com/office/drawing/2014/main" id="{70E3FECE-CC23-C136-A538-471BAE259B66}"/>
+              </a:ext>
+            </a:extLst>
+          </p:cNvPr>
+          <p:cNvSpPr>
+            <a:spLocks noGrp="1"/>
+          </p:cNvSpPr>
+          <p:nvPr>
+            <p:ph idx="1"/>
+          </p:nvPr>
+        </p:nvSpPr>
+        <p:spPr/>
+        <p:txBody>
+          <a:bodyPr>
+            <a:normAutofit/>
+          </a:bodyPr>
+          <a:lstStyle/>
+          <a:p>
+            <a:r>
+              <a:rPr lang="en-US" dirty="0"/>
+              <a:t>create in animals </a:t>
+            </a:r>
+            <a:r>
+              <a:rPr lang="en-US" dirty="0" err="1"/>
+              <a:t>api</a:t>
+            </a:r>
+            <a:r>
+              <a:rPr lang="en-US" dirty="0"/>
+              <a:t> that will find all the animals bigger then 8 years</a:t>
+            </a:r>
+          </a:p>
+          <a:p>
+            <a:endParaRPr lang="en-US" dirty="0"/>
+          </a:p>
+        </p:txBody>
+      </p:sp>
+    </p:spTree>
+    <p:extLst>
+      <p:ext uri="{BB962C8B-B14F-4D97-AF65-F5344CB8AC3E}">
+        <p14:creationId xmlns:p14="http://schemas.microsoft.com/office/powerpoint/2010/main" val="854965769"/>
+      </p:ext>
+    </p:extLst>
+  </p:cSld>
+  <p:clrMapOvr>
+    <a:masterClrMapping/>
+  </p:clrMapOvr>
+</p:sld>
+</file>
+
+<file path=ppt/slides/slide25.xml><?xml version="1.0" encoding="utf-8"?>
+<p:sld xmlns:a="http://schemas.openxmlformats.org/drawingml/2006/main" xmlns:r="http://schemas.openxmlformats.org/officeDocument/2006/relationships" xmlns:p="http://schemas.openxmlformats.org/presentationml/2006/main">
+  <p:cSld>
+    <p:spTree>
+      <p:nvGrpSpPr>
+        <p:cNvPr id="1" name=""/>
+        <p:cNvGrpSpPr/>
+        <p:nvPr/>
+      </p:nvGrpSpPr>
+      <p:grpSpPr>
+        <a:xfrm>
+          <a:off x="0" y="0"/>
+          <a:ext cx="0" cy="0"/>
+          <a:chOff x="0" y="0"/>
+          <a:chExt cx="0" cy="0"/>
+        </a:xfrm>
+      </p:grpSpPr>
+      <p:sp>
+        <p:nvSpPr>
+          <p:cNvPr id="2" name="Title 1">
+            <a:extLst>
+              <a:ext uri="{FF2B5EF4-FFF2-40B4-BE49-F238E27FC236}">
+                <a16:creationId xmlns:a16="http://schemas.microsoft.com/office/drawing/2014/main" id="{2951B7D3-0B63-6DDE-99D6-C393511A6DD1}"/>
+              </a:ext>
+            </a:extLst>
+          </p:cNvPr>
+          <p:cNvSpPr>
+            <a:spLocks noGrp="1"/>
+          </p:cNvSpPr>
+          <p:nvPr>
+            <p:ph type="title"/>
+          </p:nvPr>
+        </p:nvSpPr>
+        <p:spPr/>
+        <p:txBody>
+          <a:bodyPr/>
+          <a:lstStyle/>
+          <a:p>
+            <a:r>
+              <a:rPr lang="en-US" dirty="0"/>
+              <a:t>params</a:t>
+            </a:r>
+          </a:p>
+        </p:txBody>
+      </p:sp>
+      <p:sp>
+        <p:nvSpPr>
+          <p:cNvPr id="3" name="Content Placeholder 2">
+            <a:extLst>
+              <a:ext uri="{FF2B5EF4-FFF2-40B4-BE49-F238E27FC236}">
+                <a16:creationId xmlns:a16="http://schemas.microsoft.com/office/drawing/2014/main" id="{70E3FECE-CC23-C136-A538-471BAE259B66}"/>
+              </a:ext>
+            </a:extLst>
+          </p:cNvPr>
+          <p:cNvSpPr>
+            <a:spLocks noGrp="1"/>
+          </p:cNvSpPr>
+          <p:nvPr>
+            <p:ph idx="1"/>
+          </p:nvPr>
+        </p:nvSpPr>
+        <p:spPr/>
+        <p:txBody>
+          <a:bodyPr>
+            <a:normAutofit lnSpcReduction="10000"/>
+          </a:bodyPr>
+          <a:lstStyle/>
+          <a:p>
+            <a:r>
+              <a:rPr lang="en-US" dirty="0"/>
+              <a:t>when we want to get data from request from </a:t>
+            </a:r>
+            <a:r>
+              <a:rPr lang="en-US" dirty="0" err="1"/>
+              <a:t>url</a:t>
+            </a:r>
+            <a:r>
+              <a:rPr lang="en-US" dirty="0"/>
+              <a:t>, we will use params</a:t>
+            </a:r>
+          </a:p>
+          <a:p>
+            <a:r>
+              <a:rPr lang="en-US" dirty="0"/>
+              <a:t>the params will be like so: </a:t>
+            </a:r>
+            <a:r>
+              <a:rPr lang="en-US" dirty="0">
+                <a:hlinkClick r:id="rId2"/>
+              </a:rPr>
+              <a:t>http://localhost:3001/api/animals/getanimalbyid</a:t>
+            </a:r>
+            <a:r>
+              <a:rPr lang="en-US" dirty="0">
+                <a:highlight>
+                  <a:srgbClr val="000000"/>
+                </a:highlight>
+              </a:rPr>
+              <a:t>/5</a:t>
+            </a:r>
+          </a:p>
+          <a:p>
+            <a:r>
+              <a:rPr lang="en-US" dirty="0"/>
+              <a:t>in </a:t>
+            </a:r>
+            <a:r>
+              <a:rPr lang="en-US" dirty="0" err="1"/>
+              <a:t>nodejs</a:t>
+            </a:r>
+            <a:r>
+              <a:rPr lang="en-US" dirty="0"/>
+              <a:t> we will use this code:</a:t>
+            </a:r>
+          </a:p>
+          <a:p>
+            <a:r>
+              <a:rPr lang="en-US" dirty="0" err="1"/>
+              <a:t>router.get</a:t>
+            </a:r>
+            <a:r>
+              <a:rPr lang="en-US" dirty="0"/>
+              <a:t>("/", (req, res) =&gt; {</a:t>
+            </a:r>
+          </a:p>
+          <a:p>
+            <a:r>
+              <a:rPr lang="en-US" dirty="0"/>
+              <a:t>  </a:t>
+            </a:r>
+            <a:r>
+              <a:rPr lang="en-US" dirty="0" err="1"/>
+              <a:t>res.json</a:t>
+            </a:r>
+            <a:r>
+              <a:rPr lang="en-US" dirty="0"/>
+              <a:t>(</a:t>
+            </a:r>
+            <a:r>
+              <a:rPr lang="en-US" dirty="0" err="1"/>
+              <a:t>req.query</a:t>
+            </a:r>
+            <a:r>
+              <a:rPr lang="en-US" dirty="0"/>
+              <a:t>);</a:t>
+            </a:r>
+          </a:p>
+          <a:p>
+            <a:r>
+              <a:rPr lang="en-US" dirty="0"/>
+              <a:t>});</a:t>
+            </a:r>
+          </a:p>
+        </p:txBody>
+      </p:sp>
+    </p:spTree>
+    <p:extLst>
+      <p:ext uri="{BB962C8B-B14F-4D97-AF65-F5344CB8AC3E}">
+        <p14:creationId xmlns:p14="http://schemas.microsoft.com/office/powerpoint/2010/main" val="583920412"/>
+      </p:ext>
+    </p:extLst>
+  </p:cSld>
+  <p:clrMapOvr>
+    <a:masterClrMapping/>
+  </p:clrMapOvr>
+</p:sld>
+</file>
+
+<file path=ppt/slides/slide26.xml><?xml version="1.0" encoding="utf-8"?>
+<p:sld xmlns:a="http://schemas.openxmlformats.org/drawingml/2006/main" xmlns:r="http://schemas.openxmlformats.org/officeDocument/2006/relationships" xmlns:p="http://schemas.openxmlformats.org/presentationml/2006/main">
+  <p:cSld>
+    <p:spTree>
+      <p:nvGrpSpPr>
+        <p:cNvPr id="1" name=""/>
+        <p:cNvGrpSpPr/>
+        <p:nvPr/>
+      </p:nvGrpSpPr>
+      <p:grpSpPr>
+        <a:xfrm>
+          <a:off x="0" y="0"/>
+          <a:ext cx="0" cy="0"/>
+          <a:chOff x="0" y="0"/>
+          <a:chExt cx="0" cy="0"/>
+        </a:xfrm>
+      </p:grpSpPr>
+      <p:sp>
+        <p:nvSpPr>
+          <p:cNvPr id="2" name="Title 1">
+            <a:extLst>
+              <a:ext uri="{FF2B5EF4-FFF2-40B4-BE49-F238E27FC236}">
+                <a16:creationId xmlns:a16="http://schemas.microsoft.com/office/drawing/2014/main" id="{2951B7D3-0B63-6DDE-99D6-C393511A6DD1}"/>
+              </a:ext>
+            </a:extLst>
+          </p:cNvPr>
+          <p:cNvSpPr>
+            <a:spLocks noGrp="1"/>
+          </p:cNvSpPr>
+          <p:nvPr>
+            <p:ph type="title"/>
+          </p:nvPr>
+        </p:nvSpPr>
+        <p:spPr/>
+        <p:txBody>
+          <a:bodyPr/>
+          <a:lstStyle/>
+          <a:p>
+            <a:r>
+              <a:rPr lang="en-US" dirty="0"/>
+              <a:t>params</a:t>
+            </a:r>
+          </a:p>
+        </p:txBody>
+      </p:sp>
+      <p:sp>
+        <p:nvSpPr>
+          <p:cNvPr id="3" name="Content Placeholder 2">
+            <a:extLst>
+              <a:ext uri="{FF2B5EF4-FFF2-40B4-BE49-F238E27FC236}">
+                <a16:creationId xmlns:a16="http://schemas.microsoft.com/office/drawing/2014/main" id="{70E3FECE-CC23-C136-A538-471BAE259B66}"/>
+              </a:ext>
+            </a:extLst>
+          </p:cNvPr>
+          <p:cNvSpPr>
+            <a:spLocks noGrp="1"/>
+          </p:cNvSpPr>
+          <p:nvPr>
+            <p:ph idx="1"/>
+          </p:nvPr>
+        </p:nvSpPr>
+        <p:spPr/>
+        <p:txBody>
+          <a:bodyPr>
+            <a:normAutofit/>
+          </a:bodyPr>
+          <a:lstStyle/>
+          <a:p>
+            <a:r>
+              <a:rPr lang="en-US" dirty="0"/>
+              <a:t>params can be at the middle of the </a:t>
+            </a:r>
+            <a:r>
+              <a:rPr lang="en-US" dirty="0" err="1"/>
+              <a:t>url</a:t>
+            </a:r>
+            <a:endParaRPr lang="en-US" dirty="0"/>
+          </a:p>
+          <a:p>
+            <a:endParaRPr lang="en-US" dirty="0"/>
+          </a:p>
+          <a:p>
+            <a:r>
+              <a:rPr lang="en-US" dirty="0"/>
+              <a:t>/</a:t>
+            </a:r>
+            <a:r>
+              <a:rPr lang="en-US" dirty="0" err="1"/>
+              <a:t>api</a:t>
+            </a:r>
+            <a:r>
+              <a:rPr lang="en-US" dirty="0"/>
+              <a:t>/</a:t>
+            </a:r>
+            <a:r>
+              <a:rPr lang="en-US" dirty="0">
+                <a:highlight>
+                  <a:srgbClr val="000000"/>
+                </a:highlight>
+              </a:rPr>
+              <a:t>:id</a:t>
+            </a:r>
+            <a:r>
+              <a:rPr lang="en-US" dirty="0"/>
+              <a:t>/profile</a:t>
+            </a:r>
+          </a:p>
+          <a:p>
+            <a:endParaRPr lang="en-US" dirty="0"/>
+          </a:p>
+          <a:p>
+            <a:r>
+              <a:rPr lang="en-US" dirty="0"/>
+              <a:t>/</a:t>
+            </a:r>
+            <a:r>
+              <a:rPr lang="en-US" dirty="0" err="1"/>
+              <a:t>api</a:t>
+            </a:r>
+            <a:r>
+              <a:rPr lang="en-US" dirty="0"/>
+              <a:t>/</a:t>
+            </a:r>
+            <a:r>
+              <a:rPr lang="en-US" dirty="0">
+                <a:highlight>
+                  <a:srgbClr val="000000"/>
+                </a:highlight>
+              </a:rPr>
+              <a:t>:email</a:t>
+            </a:r>
+            <a:r>
+              <a:rPr lang="en-US" dirty="0"/>
+              <a:t>/profile/</a:t>
+            </a:r>
+            <a:r>
+              <a:rPr lang="en-US" dirty="0">
+                <a:highlight>
+                  <a:srgbClr val="000000"/>
+                </a:highlight>
+              </a:rPr>
+              <a:t>:age</a:t>
+            </a:r>
+          </a:p>
+        </p:txBody>
+      </p:sp>
+    </p:spTree>
+    <p:extLst>
+      <p:ext uri="{BB962C8B-B14F-4D97-AF65-F5344CB8AC3E}">
+        <p14:creationId xmlns:p14="http://schemas.microsoft.com/office/powerpoint/2010/main" val="3876405358"/>
+      </p:ext>
+    </p:extLst>
+  </p:cSld>
+  <p:clrMapOvr>
+    <a:masterClrMapping/>
+  </p:clrMapOvr>
+</p:sld>
+</file>
+
+<file path=ppt/slides/slide27.xml><?xml version="1.0" encoding="utf-8"?>
+<p:sld xmlns:a="http://schemas.openxmlformats.org/drawingml/2006/main" xmlns:r="http://schemas.openxmlformats.org/officeDocument/2006/relationships" xmlns:p="http://schemas.openxmlformats.org/presentationml/2006/main">
+  <p:cSld>
+    <p:spTree>
+      <p:nvGrpSpPr>
+        <p:cNvPr id="1" name=""/>
+        <p:cNvGrpSpPr/>
+        <p:nvPr/>
+      </p:nvGrpSpPr>
+      <p:grpSpPr>
+        <a:xfrm>
+          <a:off x="0" y="0"/>
+          <a:ext cx="0" cy="0"/>
+          <a:chOff x="0" y="0"/>
+          <a:chExt cx="0" cy="0"/>
+        </a:xfrm>
+      </p:grpSpPr>
+      <p:sp>
+        <p:nvSpPr>
+          <p:cNvPr id="2" name="Title 1">
+            <a:extLst>
+              <a:ext uri="{FF2B5EF4-FFF2-40B4-BE49-F238E27FC236}">
+                <a16:creationId xmlns:a16="http://schemas.microsoft.com/office/drawing/2014/main" id="{2951B7D3-0B63-6DDE-99D6-C393511A6DD1}"/>
+              </a:ext>
+            </a:extLst>
+          </p:cNvPr>
+          <p:cNvSpPr>
+            <a:spLocks noGrp="1"/>
+          </p:cNvSpPr>
+          <p:nvPr>
+            <p:ph type="title"/>
+          </p:nvPr>
+        </p:nvSpPr>
+        <p:spPr/>
+        <p:txBody>
+          <a:bodyPr/>
+          <a:lstStyle/>
+          <a:p>
+            <a:r>
+              <a:rPr lang="en-US" dirty="0" err="1"/>
+              <a:t>Qparams</a:t>
+            </a:r>
+            <a:r>
+              <a:rPr lang="en-US" dirty="0"/>
+              <a:t> vs params</a:t>
+            </a:r>
+          </a:p>
+        </p:txBody>
+      </p:sp>
+      <p:sp>
+        <p:nvSpPr>
+          <p:cNvPr id="3" name="Content Placeholder 2">
+            <a:extLst>
+              <a:ext uri="{FF2B5EF4-FFF2-40B4-BE49-F238E27FC236}">
+                <a16:creationId xmlns:a16="http://schemas.microsoft.com/office/drawing/2014/main" id="{70E3FECE-CC23-C136-A538-471BAE259B66}"/>
+              </a:ext>
+            </a:extLst>
+          </p:cNvPr>
+          <p:cNvSpPr>
+            <a:spLocks noGrp="1"/>
+          </p:cNvSpPr>
+          <p:nvPr>
+            <p:ph idx="1"/>
+          </p:nvPr>
+        </p:nvSpPr>
+        <p:spPr/>
+        <p:txBody>
+          <a:bodyPr>
+            <a:normAutofit/>
+          </a:bodyPr>
+          <a:lstStyle/>
+          <a:p>
+            <a:r>
+              <a:rPr lang="en-US" dirty="0" err="1"/>
+              <a:t>qprams</a:t>
+            </a:r>
+            <a:r>
+              <a:rPr lang="en-US" dirty="0"/>
+              <a:t> can be at any order</a:t>
+            </a:r>
+          </a:p>
+          <a:p>
+            <a:r>
+              <a:rPr lang="en-US" dirty="0"/>
+              <a:t>?id=5&amp;age=8</a:t>
+            </a:r>
+          </a:p>
+          <a:p>
+            <a:r>
+              <a:rPr lang="en-US" dirty="0"/>
+              <a:t>params must be at the defined order</a:t>
+            </a:r>
+          </a:p>
+          <a:p>
+            <a:r>
+              <a:rPr lang="en-US" dirty="0"/>
+              <a:t>/:</a:t>
+            </a:r>
+            <a:r>
+              <a:rPr lang="en-US" dirty="0">
+                <a:highlight>
+                  <a:srgbClr val="000080"/>
+                </a:highlight>
+              </a:rPr>
+              <a:t>year</a:t>
+            </a:r>
+            <a:r>
+              <a:rPr lang="en-US" dirty="0"/>
+              <a:t>/:</a:t>
+            </a:r>
+            <a:r>
+              <a:rPr lang="en-US" dirty="0">
+                <a:highlight>
+                  <a:srgbClr val="800080"/>
+                </a:highlight>
+              </a:rPr>
+              <a:t>month</a:t>
+            </a:r>
+            <a:r>
+              <a:rPr lang="en-US" dirty="0"/>
+              <a:t>/:</a:t>
+            </a:r>
+            <a:r>
+              <a:rPr lang="en-US" dirty="0">
+                <a:highlight>
+                  <a:srgbClr val="000000"/>
+                </a:highlight>
+              </a:rPr>
+              <a:t>day</a:t>
+            </a:r>
+          </a:p>
+          <a:p>
+            <a:r>
+              <a:rPr lang="en-US" dirty="0"/>
+              <a:t>/</a:t>
+            </a:r>
+            <a:r>
+              <a:rPr lang="en-US" dirty="0">
+                <a:highlight>
+                  <a:srgbClr val="000080"/>
+                </a:highlight>
+              </a:rPr>
+              <a:t>2022</a:t>
+            </a:r>
+            <a:r>
+              <a:rPr lang="en-US" dirty="0"/>
+              <a:t>/</a:t>
+            </a:r>
+            <a:r>
+              <a:rPr lang="en-US" dirty="0">
+                <a:highlight>
+                  <a:srgbClr val="800080"/>
+                </a:highlight>
+              </a:rPr>
+              <a:t>07</a:t>
+            </a:r>
+            <a:r>
+              <a:rPr lang="en-US" dirty="0"/>
+              <a:t>/</a:t>
+            </a:r>
+            <a:r>
+              <a:rPr lang="en-US" dirty="0">
+                <a:highlight>
+                  <a:srgbClr val="000000"/>
+                </a:highlight>
+              </a:rPr>
+              <a:t>27</a:t>
+            </a:r>
+          </a:p>
+        </p:txBody>
+      </p:sp>
+    </p:spTree>
+    <p:extLst>
+      <p:ext uri="{BB962C8B-B14F-4D97-AF65-F5344CB8AC3E}">
+        <p14:creationId xmlns:p14="http://schemas.microsoft.com/office/powerpoint/2010/main" val="2823252894"/>
+      </p:ext>
+    </p:extLst>
+  </p:cSld>
+  <p:clrMapOvr>
+    <a:masterClrMapping/>
+  </p:clrMapOvr>
+</p:sld>
+</file>
+
+<file path=ppt/slides/slide28.xml><?xml version="1.0" encoding="utf-8"?>
+<p:sld xmlns:a="http://schemas.openxmlformats.org/drawingml/2006/main" xmlns:r="http://schemas.openxmlformats.org/officeDocument/2006/relationships" xmlns:p="http://schemas.openxmlformats.org/presentationml/2006/main">
+  <p:cSld>
+    <p:spTree>
+      <p:nvGrpSpPr>
+        <p:cNvPr id="1" name=""/>
+        <p:cNvGrpSpPr/>
+        <p:nvPr/>
+      </p:nvGrpSpPr>
+      <p:grpSpPr>
+        <a:xfrm>
+          <a:off x="0" y="0"/>
+          <a:ext cx="0" cy="0"/>
+          <a:chOff x="0" y="0"/>
+          <a:chExt cx="0" cy="0"/>
+        </a:xfrm>
+      </p:grpSpPr>
+      <p:sp>
+        <p:nvSpPr>
+          <p:cNvPr id="2" name="Title 1">
+            <a:extLst>
+              <a:ext uri="{FF2B5EF4-FFF2-40B4-BE49-F238E27FC236}">
+                <a16:creationId xmlns:a16="http://schemas.microsoft.com/office/drawing/2014/main" id="{2951B7D3-0B63-6DDE-99D6-C393511A6DD1}"/>
+              </a:ext>
+            </a:extLst>
+          </p:cNvPr>
+          <p:cNvSpPr>
+            <a:spLocks noGrp="1"/>
+          </p:cNvSpPr>
+          <p:nvPr>
+            <p:ph type="title"/>
+          </p:nvPr>
+        </p:nvSpPr>
+        <p:spPr/>
+        <p:txBody>
+          <a:bodyPr/>
+          <a:lstStyle/>
+          <a:p>
+            <a:r>
+              <a:rPr lang="en-US" dirty="0" err="1"/>
+              <a:t>Qparams</a:t>
+            </a:r>
+            <a:r>
+              <a:rPr lang="en-US" dirty="0"/>
+              <a:t> and params mix</a:t>
+            </a:r>
+          </a:p>
+        </p:txBody>
+      </p:sp>
+      <p:sp>
+        <p:nvSpPr>
+          <p:cNvPr id="3" name="Content Placeholder 2">
+            <a:extLst>
+              <a:ext uri="{FF2B5EF4-FFF2-40B4-BE49-F238E27FC236}">
+                <a16:creationId xmlns:a16="http://schemas.microsoft.com/office/drawing/2014/main" id="{70E3FECE-CC23-C136-A538-471BAE259B66}"/>
+              </a:ext>
+            </a:extLst>
+          </p:cNvPr>
+          <p:cNvSpPr>
+            <a:spLocks noGrp="1"/>
+          </p:cNvSpPr>
+          <p:nvPr>
+            <p:ph idx="1"/>
+          </p:nvPr>
+        </p:nvSpPr>
+        <p:spPr/>
+        <p:txBody>
+          <a:bodyPr>
+            <a:normAutofit/>
+          </a:bodyPr>
+          <a:lstStyle/>
+          <a:p>
+            <a:r>
+              <a:rPr lang="en-US" dirty="0"/>
+              <a:t>we can mix params and query params</a:t>
+            </a:r>
+          </a:p>
+          <a:p>
+            <a:r>
+              <a:rPr lang="en-US" dirty="0"/>
+              <a:t>url:/api/</a:t>
+            </a:r>
+            <a:r>
+              <a:rPr lang="en-US" dirty="0">
+                <a:highlight>
+                  <a:srgbClr val="000000"/>
+                </a:highlight>
+              </a:rPr>
+              <a:t>:id</a:t>
+            </a:r>
+          </a:p>
+          <a:p>
+            <a:r>
+              <a:rPr lang="en-US" dirty="0">
+                <a:hlinkClick r:id="rId2"/>
+              </a:rPr>
+              <a:t>/api/</a:t>
+            </a:r>
+            <a:r>
+              <a:rPr lang="en-US" dirty="0">
+                <a:highlight>
+                  <a:srgbClr val="000000"/>
+                </a:highlight>
+                <a:hlinkClick r:id="rId2"/>
+              </a:rPr>
+              <a:t>43484</a:t>
+            </a:r>
+            <a:r>
+              <a:rPr lang="en-US" dirty="0">
+                <a:highlight>
+                  <a:srgbClr val="0000FF"/>
+                </a:highlight>
+                <a:hlinkClick r:id="rId2"/>
+              </a:rPr>
+              <a:t>?age=5&amp;email=Kenny@gmail.com</a:t>
+            </a:r>
+            <a:endParaRPr lang="en-US" dirty="0">
+              <a:highlight>
+                <a:srgbClr val="0000FF"/>
+              </a:highlight>
+            </a:endParaRPr>
+          </a:p>
+          <a:p>
+            <a:endParaRPr lang="en-US" dirty="0"/>
+          </a:p>
+          <a:p>
+            <a:r>
+              <a:rPr lang="en-US" dirty="0"/>
+              <a:t>url:/api/</a:t>
+            </a:r>
+            <a:r>
+              <a:rPr lang="en-US" dirty="0">
+                <a:highlight>
+                  <a:srgbClr val="000000"/>
+                </a:highlight>
+              </a:rPr>
+              <a:t>:id</a:t>
+            </a:r>
+            <a:r>
+              <a:rPr lang="en-US" dirty="0"/>
+              <a:t>/profile</a:t>
+            </a:r>
+          </a:p>
+          <a:p>
+            <a:r>
+              <a:rPr lang="en-US" dirty="0"/>
+              <a:t>/</a:t>
+            </a:r>
+            <a:r>
+              <a:rPr lang="en-US" dirty="0" err="1"/>
+              <a:t>api</a:t>
+            </a:r>
+            <a:r>
+              <a:rPr lang="en-US" dirty="0"/>
+              <a:t>/</a:t>
+            </a:r>
+            <a:r>
+              <a:rPr lang="en-US" dirty="0">
+                <a:highlight>
+                  <a:srgbClr val="000000"/>
+                </a:highlight>
+              </a:rPr>
+              <a:t>438484</a:t>
+            </a:r>
+            <a:r>
+              <a:rPr lang="en-US" dirty="0"/>
+              <a:t>/</a:t>
+            </a:r>
+            <a:r>
+              <a:rPr lang="en-US" dirty="0" err="1"/>
+              <a:t>profile</a:t>
+            </a:r>
+            <a:r>
+              <a:rPr lang="en-US" dirty="0" err="1">
+                <a:highlight>
+                  <a:srgbClr val="0000FF"/>
+                </a:highlight>
+              </a:rPr>
+              <a:t>?age</a:t>
+            </a:r>
+            <a:r>
+              <a:rPr lang="en-US" dirty="0">
+                <a:highlight>
+                  <a:srgbClr val="0000FF"/>
+                </a:highlight>
+              </a:rPr>
+              <a:t>=8</a:t>
+            </a:r>
+          </a:p>
+        </p:txBody>
+      </p:sp>
+    </p:spTree>
+    <p:extLst>
+      <p:ext uri="{BB962C8B-B14F-4D97-AF65-F5344CB8AC3E}">
+        <p14:creationId xmlns:p14="http://schemas.microsoft.com/office/powerpoint/2010/main" val="196202316"/>
+      </p:ext>
+    </p:extLst>
+  </p:cSld>
+  <p:clrMapOvr>
+    <a:masterClrMapping/>
+  </p:clrMapOvr>
+</p:sld>
+</file>
+
+<file path=ppt/slides/slide29.xml><?xml version="1.0" encoding="utf-8"?>
+<p:sld xmlns:a="http://schemas.openxmlformats.org/drawingml/2006/main" xmlns:r="http://schemas.openxmlformats.org/officeDocument/2006/relationships" xmlns:p="http://schemas.openxmlformats.org/presentationml/2006/main">
+  <p:cSld>
+    <p:spTree>
+      <p:nvGrpSpPr>
+        <p:cNvPr id="1" name=""/>
+        <p:cNvGrpSpPr/>
+        <p:nvPr/>
+      </p:nvGrpSpPr>
+      <p:grpSpPr>
+        <a:xfrm>
+          <a:off x="0" y="0"/>
+          <a:ext cx="0" cy="0"/>
+          <a:chOff x="0" y="0"/>
+          <a:chExt cx="0" cy="0"/>
+        </a:xfrm>
+      </p:grpSpPr>
+      <p:sp>
+        <p:nvSpPr>
+          <p:cNvPr id="2" name="Title 1">
+            <a:extLst>
+              <a:ext uri="{FF2B5EF4-FFF2-40B4-BE49-F238E27FC236}">
+                <a16:creationId xmlns:a16="http://schemas.microsoft.com/office/drawing/2014/main" id="{2951B7D3-0B63-6DDE-99D6-C393511A6DD1}"/>
+              </a:ext>
+            </a:extLst>
+          </p:cNvPr>
+          <p:cNvSpPr>
+            <a:spLocks noGrp="1"/>
+          </p:cNvSpPr>
+          <p:nvPr>
+            <p:ph type="title"/>
+          </p:nvPr>
+        </p:nvSpPr>
+        <p:spPr/>
+        <p:txBody>
+          <a:bodyPr/>
+          <a:lstStyle/>
+          <a:p>
+            <a:r>
+              <a:rPr lang="en-US" dirty="0"/>
+              <a:t>body and params mix</a:t>
+            </a:r>
+          </a:p>
+        </p:txBody>
+      </p:sp>
+      <p:sp>
+        <p:nvSpPr>
+          <p:cNvPr id="3" name="Content Placeholder 2">
+            <a:extLst>
+              <a:ext uri="{FF2B5EF4-FFF2-40B4-BE49-F238E27FC236}">
+                <a16:creationId xmlns:a16="http://schemas.microsoft.com/office/drawing/2014/main" id="{70E3FECE-CC23-C136-A538-471BAE259B66}"/>
+              </a:ext>
+            </a:extLst>
+          </p:cNvPr>
+          <p:cNvSpPr>
+            <a:spLocks noGrp="1"/>
+          </p:cNvSpPr>
+          <p:nvPr>
+            <p:ph idx="1"/>
+          </p:nvPr>
+        </p:nvSpPr>
+        <p:spPr/>
+        <p:txBody>
+          <a:bodyPr>
+            <a:normAutofit/>
+          </a:bodyPr>
+          <a:lstStyle/>
+          <a:p>
+            <a:r>
+              <a:rPr lang="en-US" dirty="0"/>
+              <a:t>we can mix params and body</a:t>
+            </a:r>
+          </a:p>
+          <a:p>
+            <a:r>
+              <a:rPr lang="en-US" dirty="0" err="1">
+                <a:highlight>
+                  <a:srgbClr val="008000"/>
+                </a:highlight>
+              </a:rPr>
+              <a:t>nodejs</a:t>
+            </a:r>
+            <a:r>
+              <a:rPr lang="en-US" dirty="0">
+                <a:highlight>
+                  <a:srgbClr val="008000"/>
+                </a:highlight>
+              </a:rPr>
+              <a:t>:</a:t>
+            </a:r>
+          </a:p>
+          <a:p>
+            <a:r>
+              <a:rPr lang="en-US" dirty="0"/>
+              <a:t>url: /</a:t>
+            </a:r>
+            <a:r>
+              <a:rPr lang="en-US" dirty="0" err="1"/>
+              <a:t>api</a:t>
+            </a:r>
+            <a:r>
+              <a:rPr lang="en-US" dirty="0"/>
+              <a:t>/</a:t>
+            </a:r>
+            <a:r>
+              <a:rPr lang="en-US" dirty="0">
+                <a:highlight>
+                  <a:srgbClr val="000000"/>
+                </a:highlight>
+              </a:rPr>
+              <a:t>:id</a:t>
+            </a:r>
+          </a:p>
+          <a:p>
+            <a:endParaRPr lang="en-US" dirty="0">
+              <a:highlight>
+                <a:srgbClr val="000000"/>
+              </a:highlight>
+            </a:endParaRPr>
+          </a:p>
+          <a:p>
+            <a:r>
+              <a:rPr lang="en-US" dirty="0" err="1">
+                <a:highlight>
+                  <a:srgbClr val="008000"/>
+                </a:highlight>
+              </a:rPr>
+              <a:t>axios</a:t>
+            </a:r>
+            <a:r>
+              <a:rPr lang="en-US" dirty="0">
+                <a:highlight>
+                  <a:srgbClr val="008000"/>
+                </a:highlight>
+              </a:rPr>
+              <a:t>:</a:t>
+            </a:r>
+          </a:p>
+          <a:p>
+            <a:r>
+              <a:rPr lang="en-US" dirty="0" err="1"/>
+              <a:t>axios.post</a:t>
+            </a:r>
+            <a:r>
+              <a:rPr lang="en-US" dirty="0"/>
+              <a:t>(“/</a:t>
+            </a:r>
+            <a:r>
+              <a:rPr lang="en-US" dirty="0" err="1"/>
+              <a:t>api</a:t>
+            </a:r>
+            <a:r>
+              <a:rPr lang="en-US" dirty="0"/>
+              <a:t>/</a:t>
+            </a:r>
+            <a:r>
+              <a:rPr lang="en-US" dirty="0">
+                <a:highlight>
+                  <a:srgbClr val="000000"/>
+                </a:highlight>
+              </a:rPr>
+              <a:t>13543847</a:t>
+            </a:r>
+            <a:r>
+              <a:rPr lang="en-US" dirty="0"/>
+              <a:t>”, {age:5})…</a:t>
+            </a:r>
+          </a:p>
+        </p:txBody>
+      </p:sp>
+    </p:spTree>
+    <p:extLst>
+      <p:ext uri="{BB962C8B-B14F-4D97-AF65-F5344CB8AC3E}">
+        <p14:creationId xmlns:p14="http://schemas.microsoft.com/office/powerpoint/2010/main" val="896430626"/>
       </p:ext>
     </p:extLst>
   </p:cSld>

--- a/docs/node js.pptx
+++ b/docs/node js.pptx
@@ -34,6 +34,7 @@
     <p:sldId id="281" r:id="rId28"/>
     <p:sldId id="283" r:id="rId29"/>
     <p:sldId id="284" r:id="rId30"/>
+    <p:sldId id="285" r:id="rId31"/>
   </p:sldIdLst>
   <p:sldSz cx="12192000" cy="6858000"/>
   <p:notesSz cx="6858000" cy="9144000"/>
@@ -15585,6 +15586,142 @@
 </p:sld>
 </file>
 
+<file path=ppt/slides/slide30.xml><?xml version="1.0" encoding="utf-8"?>
+<p:sld xmlns:a="http://schemas.openxmlformats.org/drawingml/2006/main" xmlns:r="http://schemas.openxmlformats.org/officeDocument/2006/relationships" xmlns:p="http://schemas.openxmlformats.org/presentationml/2006/main">
+  <p:cSld>
+    <p:spTree>
+      <p:nvGrpSpPr>
+        <p:cNvPr id="1" name=""/>
+        <p:cNvGrpSpPr/>
+        <p:nvPr/>
+      </p:nvGrpSpPr>
+      <p:grpSpPr>
+        <a:xfrm>
+          <a:off x="0" y="0"/>
+          <a:ext cx="0" cy="0"/>
+          <a:chOff x="0" y="0"/>
+          <a:chExt cx="0" cy="0"/>
+        </a:xfrm>
+      </p:grpSpPr>
+      <p:sp>
+        <p:nvSpPr>
+          <p:cNvPr id="2" name="Title 1">
+            <a:extLst>
+              <a:ext uri="{FF2B5EF4-FFF2-40B4-BE49-F238E27FC236}">
+                <a16:creationId xmlns:a16="http://schemas.microsoft.com/office/drawing/2014/main" id="{2951B7D3-0B63-6DDE-99D6-C393511A6DD1}"/>
+              </a:ext>
+            </a:extLst>
+          </p:cNvPr>
+          <p:cNvSpPr>
+            <a:spLocks noGrp="1"/>
+          </p:cNvSpPr>
+          <p:nvPr>
+            <p:ph type="title"/>
+          </p:nvPr>
+        </p:nvSpPr>
+        <p:spPr/>
+        <p:txBody>
+          <a:bodyPr/>
+          <a:lstStyle/>
+          <a:p>
+            <a:r>
+              <a:rPr lang="en-US" dirty="0"/>
+              <a:t>chalk</a:t>
+            </a:r>
+          </a:p>
+        </p:txBody>
+      </p:sp>
+      <p:sp>
+        <p:nvSpPr>
+          <p:cNvPr id="3" name="Content Placeholder 2">
+            <a:extLst>
+              <a:ext uri="{FF2B5EF4-FFF2-40B4-BE49-F238E27FC236}">
+                <a16:creationId xmlns:a16="http://schemas.microsoft.com/office/drawing/2014/main" id="{70E3FECE-CC23-C136-A538-471BAE259B66}"/>
+              </a:ext>
+            </a:extLst>
+          </p:cNvPr>
+          <p:cNvSpPr>
+            <a:spLocks noGrp="1"/>
+          </p:cNvSpPr>
+          <p:nvPr>
+            <p:ph idx="1"/>
+          </p:nvPr>
+        </p:nvSpPr>
+        <p:spPr/>
+        <p:txBody>
+          <a:bodyPr>
+            <a:normAutofit lnSpcReduction="10000"/>
+          </a:bodyPr>
+          <a:lstStyle/>
+          <a:p>
+            <a:r>
+              <a:rPr lang="en-US" dirty="0"/>
+              <a:t>chalk let us add colors to console.log</a:t>
+            </a:r>
+          </a:p>
+          <a:p>
+            <a:r>
+              <a:rPr lang="en-US" dirty="0" err="1"/>
+              <a:t>npm</a:t>
+            </a:r>
+            <a:r>
+              <a:rPr lang="en-US" dirty="0"/>
+              <a:t> </a:t>
+            </a:r>
+            <a:r>
+              <a:rPr lang="en-US" dirty="0" err="1"/>
+              <a:t>i</a:t>
+            </a:r>
+            <a:r>
+              <a:rPr lang="en-US" dirty="0"/>
+              <a:t> chalk@4.1.2</a:t>
+            </a:r>
+          </a:p>
+          <a:p>
+            <a:r>
+              <a:rPr lang="en-US" dirty="0"/>
+              <a:t>const chalk = require("chalk");</a:t>
+            </a:r>
+          </a:p>
+          <a:p>
+            <a:r>
+              <a:rPr lang="en-US" dirty="0"/>
+              <a:t>console.log(</a:t>
+            </a:r>
+            <a:r>
+              <a:rPr lang="en-US" dirty="0" err="1"/>
+              <a:t>chalk.blue.bold</a:t>
+            </a:r>
+            <a:r>
+              <a:rPr lang="en-US" dirty="0"/>
+              <a:t>(“hello colorful world”));</a:t>
+            </a:r>
+          </a:p>
+          <a:p>
+            <a:endParaRPr lang="en-US" dirty="0"/>
+          </a:p>
+          <a:p>
+            <a:r>
+              <a:rPr lang="en-US"/>
+              <a:t>https://github.com/chalk/chalk/tree/4c3df8847256f9f2471f0af74100b21afc12949f</a:t>
+            </a:r>
+            <a:endParaRPr lang="en-US" dirty="0"/>
+          </a:p>
+        </p:txBody>
+      </p:sp>
+    </p:spTree>
+    <p:extLst>
+      <p:ext uri="{BB962C8B-B14F-4D97-AF65-F5344CB8AC3E}">
+        <p14:creationId xmlns:p14="http://schemas.microsoft.com/office/powerpoint/2010/main" val="2100912277"/>
+      </p:ext>
+    </p:extLst>
+  </p:cSld>
+  <p:clrMapOvr>
+    <a:masterClrMapping/>
+  </p:clrMapOvr>
+</p:sld>
+</file>
+
 <file path=ppt/slides/slide4.xml><?xml version="1.0" encoding="utf-8"?>
 <p:sld xmlns:a="http://schemas.openxmlformats.org/drawingml/2006/main" xmlns:r="http://schemas.openxmlformats.org/officeDocument/2006/relationships" xmlns:p="http://schemas.openxmlformats.org/presentationml/2006/main">
   <p:cSld>

--- a/docs/node js.pptx
+++ b/docs/node js.pptx
@@ -35,6 +35,8 @@
     <p:sldId id="283" r:id="rId29"/>
     <p:sldId id="284" r:id="rId30"/>
     <p:sldId id="285" r:id="rId31"/>
+    <p:sldId id="286" r:id="rId32"/>
+    <p:sldId id="287" r:id="rId33"/>
   </p:sldIdLst>
   <p:sldSz cx="12192000" cy="6858000"/>
   <p:notesSz cx="6858000" cy="9144000"/>
@@ -15702,10 +15704,9 @@
           </a:p>
           <a:p>
             <a:r>
-              <a:rPr lang="en-US"/>
+              <a:rPr lang="en-US" dirty="0"/>
               <a:t>https://github.com/chalk/chalk/tree/4c3df8847256f9f2471f0af74100b21afc12949f</a:t>
             </a:r>
-            <a:endParaRPr lang="en-US" dirty="0"/>
           </a:p>
         </p:txBody>
       </p:sp>
@@ -15713,6 +15714,225 @@
     <p:extLst>
       <p:ext uri="{BB962C8B-B14F-4D97-AF65-F5344CB8AC3E}">
         <p14:creationId xmlns:p14="http://schemas.microsoft.com/office/powerpoint/2010/main" val="2100912277"/>
+      </p:ext>
+    </p:extLst>
+  </p:cSld>
+  <p:clrMapOvr>
+    <a:masterClrMapping/>
+  </p:clrMapOvr>
+</p:sld>
+</file>
+
+<file path=ppt/slides/slide31.xml><?xml version="1.0" encoding="utf-8"?>
+<p:sld xmlns:a="http://schemas.openxmlformats.org/drawingml/2006/main" xmlns:r="http://schemas.openxmlformats.org/officeDocument/2006/relationships" xmlns:p="http://schemas.openxmlformats.org/presentationml/2006/main">
+  <p:cSld>
+    <p:spTree>
+      <p:nvGrpSpPr>
+        <p:cNvPr id="1" name=""/>
+        <p:cNvGrpSpPr/>
+        <p:nvPr/>
+      </p:nvGrpSpPr>
+      <p:grpSpPr>
+        <a:xfrm>
+          <a:off x="0" y="0"/>
+          <a:ext cx="0" cy="0"/>
+          <a:chOff x="0" y="0"/>
+          <a:chExt cx="0" cy="0"/>
+        </a:xfrm>
+      </p:grpSpPr>
+      <p:sp>
+        <p:nvSpPr>
+          <p:cNvPr id="2" name="Title 1">
+            <a:extLst>
+              <a:ext uri="{FF2B5EF4-FFF2-40B4-BE49-F238E27FC236}">
+                <a16:creationId xmlns:a16="http://schemas.microsoft.com/office/drawing/2014/main" id="{2951B7D3-0B63-6DDE-99D6-C393511A6DD1}"/>
+              </a:ext>
+            </a:extLst>
+          </p:cNvPr>
+          <p:cNvSpPr>
+            <a:spLocks noGrp="1"/>
+          </p:cNvSpPr>
+          <p:nvPr>
+            <p:ph type="title"/>
+          </p:nvPr>
+        </p:nvSpPr>
+        <p:spPr/>
+        <p:txBody>
+          <a:bodyPr/>
+          <a:lstStyle/>
+          <a:p>
+            <a:r>
+              <a:rPr lang="en-US" dirty="0"/>
+              <a:t>DOTENV</a:t>
+            </a:r>
+          </a:p>
+        </p:txBody>
+      </p:sp>
+      <p:sp>
+        <p:nvSpPr>
+          <p:cNvPr id="3" name="Content Placeholder 2">
+            <a:extLst>
+              <a:ext uri="{FF2B5EF4-FFF2-40B4-BE49-F238E27FC236}">
+                <a16:creationId xmlns:a16="http://schemas.microsoft.com/office/drawing/2014/main" id="{70E3FECE-CC23-C136-A538-471BAE259B66}"/>
+              </a:ext>
+            </a:extLst>
+          </p:cNvPr>
+          <p:cNvSpPr>
+            <a:spLocks noGrp="1"/>
+          </p:cNvSpPr>
+          <p:nvPr>
+            <p:ph idx="1"/>
+          </p:nvPr>
+        </p:nvSpPr>
+        <p:spPr/>
+        <p:txBody>
+          <a:bodyPr>
+            <a:normAutofit/>
+          </a:bodyPr>
+          <a:lstStyle/>
+          <a:p>
+            <a:r>
+              <a:rPr lang="en-US" dirty="0" err="1"/>
+              <a:t>npm</a:t>
+            </a:r>
+            <a:r>
+              <a:rPr lang="en-US" dirty="0"/>
+              <a:t> </a:t>
+            </a:r>
+            <a:r>
+              <a:rPr lang="en-US" dirty="0" err="1"/>
+              <a:t>i</a:t>
+            </a:r>
+            <a:r>
+              <a:rPr lang="en-US" dirty="0"/>
+              <a:t> </a:t>
+            </a:r>
+            <a:r>
+              <a:rPr lang="en-US" dirty="0" err="1"/>
+              <a:t>dotenv</a:t>
+            </a:r>
+            <a:endParaRPr lang="en-US" dirty="0"/>
+          </a:p>
+          <a:p>
+            <a:endParaRPr lang="en-US" dirty="0"/>
+          </a:p>
+          <a:p>
+            <a:r>
+              <a:rPr lang="en-US" dirty="0"/>
+              <a:t>this package will help us store info about the server that we can use in our server </a:t>
+            </a:r>
+            <a:r>
+              <a:rPr lang="en-US"/>
+              <a:t>without change the code of the server</a:t>
+            </a:r>
+            <a:endParaRPr lang="en-US" dirty="0"/>
+          </a:p>
+        </p:txBody>
+      </p:sp>
+    </p:spTree>
+    <p:extLst>
+      <p:ext uri="{BB962C8B-B14F-4D97-AF65-F5344CB8AC3E}">
+        <p14:creationId xmlns:p14="http://schemas.microsoft.com/office/powerpoint/2010/main" val="1031795803"/>
+      </p:ext>
+    </p:extLst>
+  </p:cSld>
+  <p:clrMapOvr>
+    <a:masterClrMapping/>
+  </p:clrMapOvr>
+</p:sld>
+</file>
+
+<file path=ppt/slides/slide32.xml><?xml version="1.0" encoding="utf-8"?>
+<p:sld xmlns:a="http://schemas.openxmlformats.org/drawingml/2006/main" xmlns:r="http://schemas.openxmlformats.org/officeDocument/2006/relationships" xmlns:p="http://schemas.openxmlformats.org/presentationml/2006/main">
+  <p:cSld>
+    <p:spTree>
+      <p:nvGrpSpPr>
+        <p:cNvPr id="1" name=""/>
+        <p:cNvGrpSpPr/>
+        <p:nvPr/>
+      </p:nvGrpSpPr>
+      <p:grpSpPr>
+        <a:xfrm>
+          <a:off x="0" y="0"/>
+          <a:ext cx="0" cy="0"/>
+          <a:chOff x="0" y="0"/>
+          <a:chExt cx="0" cy="0"/>
+        </a:xfrm>
+      </p:grpSpPr>
+      <p:sp>
+        <p:nvSpPr>
+          <p:cNvPr id="2" name="Title 1">
+            <a:extLst>
+              <a:ext uri="{FF2B5EF4-FFF2-40B4-BE49-F238E27FC236}">
+                <a16:creationId xmlns:a16="http://schemas.microsoft.com/office/drawing/2014/main" id="{2951B7D3-0B63-6DDE-99D6-C393511A6DD1}"/>
+              </a:ext>
+            </a:extLst>
+          </p:cNvPr>
+          <p:cNvSpPr>
+            <a:spLocks noGrp="1"/>
+          </p:cNvSpPr>
+          <p:nvPr>
+            <p:ph type="title"/>
+          </p:nvPr>
+        </p:nvSpPr>
+        <p:spPr/>
+        <p:txBody>
+          <a:bodyPr/>
+          <a:lstStyle/>
+          <a:p>
+            <a:r>
+              <a:rPr lang="en-US" dirty="0"/>
+              <a:t>Mongoose</a:t>
+            </a:r>
+          </a:p>
+        </p:txBody>
+      </p:sp>
+      <p:sp>
+        <p:nvSpPr>
+          <p:cNvPr id="3" name="Content Placeholder 2">
+            <a:extLst>
+              <a:ext uri="{FF2B5EF4-FFF2-40B4-BE49-F238E27FC236}">
+                <a16:creationId xmlns:a16="http://schemas.microsoft.com/office/drawing/2014/main" id="{70E3FECE-CC23-C136-A538-471BAE259B66}"/>
+              </a:ext>
+            </a:extLst>
+          </p:cNvPr>
+          <p:cNvSpPr>
+            <a:spLocks noGrp="1"/>
+          </p:cNvSpPr>
+          <p:nvPr>
+            <p:ph idx="1"/>
+          </p:nvPr>
+        </p:nvSpPr>
+        <p:spPr/>
+        <p:txBody>
+          <a:bodyPr>
+            <a:normAutofit/>
+          </a:bodyPr>
+          <a:lstStyle/>
+          <a:p>
+            <a:r>
+              <a:rPr lang="en-US" dirty="0" err="1"/>
+              <a:t>npm</a:t>
+            </a:r>
+            <a:r>
+              <a:rPr lang="en-US" dirty="0"/>
+              <a:t> </a:t>
+            </a:r>
+            <a:r>
+              <a:rPr lang="en-US" dirty="0" err="1"/>
+              <a:t>i</a:t>
+            </a:r>
+            <a:r>
+              <a:rPr lang="en-US" dirty="0"/>
+              <a:t> mongoose</a:t>
+            </a:r>
+          </a:p>
+        </p:txBody>
+      </p:sp>
+    </p:spTree>
+    <p:extLst>
+      <p:ext uri="{BB962C8B-B14F-4D97-AF65-F5344CB8AC3E}">
+        <p14:creationId xmlns:p14="http://schemas.microsoft.com/office/powerpoint/2010/main" val="3053098324"/>
       </p:ext>
     </p:extLst>
   </p:cSld>

--- a/docs/node js.pptx
+++ b/docs/node js.pptx
@@ -37,6 +37,14 @@
     <p:sldId id="285" r:id="rId31"/>
     <p:sldId id="286" r:id="rId32"/>
     <p:sldId id="287" r:id="rId33"/>
+    <p:sldId id="289" r:id="rId34"/>
+    <p:sldId id="288" r:id="rId35"/>
+    <p:sldId id="290" r:id="rId36"/>
+    <p:sldId id="291" r:id="rId37"/>
+    <p:sldId id="292" r:id="rId38"/>
+    <p:sldId id="294" r:id="rId39"/>
+    <p:sldId id="293" r:id="rId40"/>
+    <p:sldId id="295" r:id="rId41"/>
   </p:sldIdLst>
   <p:sldSz cx="12192000" cy="6858000"/>
   <p:notesSz cx="6858000" cy="9144000"/>
@@ -204,7 +212,7 @@
           <a:noFill/>
           <a:extLst>
             <a:ext uri="{909E8E84-426E-40dd-AFC4-6F175D3DCCD1}">
-              <a14:hiddenFill xmlns:a14="http://schemas.microsoft.com/office/drawing/2010/main" xmlns="">
+              <a14:hiddenFill xmlns="" xmlns:a14="http://schemas.microsoft.com/office/drawing/2010/main">
                 <a:solidFill>
                   <a:srgbClr val="FFFFFF"/>
                 </a:solidFill>
@@ -264,7 +272,7 @@
             </a:ln>
             <a:extLst>
               <a:ext uri="{91240B29-F687-4f45-9708-019B960494DF}">
-                <a14:hiddenLine xmlns:a14="http://schemas.microsoft.com/office/drawing/2010/main" xmlns="" w="9525">
+                <a14:hiddenLine xmlns="" xmlns:a14="http://schemas.microsoft.com/office/drawing/2010/main" w="9525">
                   <a:solidFill>
                     <a:srgbClr val="000000"/>
                   </a:solidFill>
@@ -354,7 +362,7 @@
             </a:ln>
             <a:extLst>
               <a:ext uri="{91240B29-F687-4f45-9708-019B960494DF}">
-                <a14:hiddenLine xmlns:a14="http://schemas.microsoft.com/office/drawing/2010/main" xmlns="" w="9525">
+                <a14:hiddenLine xmlns="" xmlns:a14="http://schemas.microsoft.com/office/drawing/2010/main" w="9525">
                   <a:solidFill>
                     <a:srgbClr val="000000"/>
                   </a:solidFill>
@@ -444,7 +452,7 @@
             </a:ln>
             <a:extLst>
               <a:ext uri="{91240B29-F687-4f45-9708-019B960494DF}">
-                <a14:hiddenLine xmlns:a14="http://schemas.microsoft.com/office/drawing/2010/main" xmlns="" w="9525">
+                <a14:hiddenLine xmlns="" xmlns:a14="http://schemas.microsoft.com/office/drawing/2010/main" w="9525">
                   <a:solidFill>
                     <a:srgbClr val="000000"/>
                   </a:solidFill>
@@ -478,7 +486,7 @@
             </a:ln>
             <a:extLst>
               <a:ext uri="{91240B29-F687-4f45-9708-019B960494DF}">
-                <a14:hiddenLine xmlns:a14="http://schemas.microsoft.com/office/drawing/2010/main" xmlns="" w="9525">
+                <a14:hiddenLine xmlns="" xmlns:a14="http://schemas.microsoft.com/office/drawing/2010/main" w="9525">
                   <a:solidFill>
                     <a:srgbClr val="000000"/>
                   </a:solidFill>
@@ -568,7 +576,7 @@
             </a:ln>
             <a:extLst>
               <a:ext uri="{91240B29-F687-4f45-9708-019B960494DF}">
-                <a14:hiddenLine xmlns:a14="http://schemas.microsoft.com/office/drawing/2010/main" xmlns="" w="9525">
+                <a14:hiddenLine xmlns="" xmlns:a14="http://schemas.microsoft.com/office/drawing/2010/main" w="9525">
                   <a:solidFill>
                     <a:srgbClr val="000000"/>
                   </a:solidFill>
@@ -630,7 +638,7 @@
             </a:ln>
             <a:extLst>
               <a:ext uri="{91240B29-F687-4f45-9708-019B960494DF}">
-                <a14:hiddenLine xmlns:a14="http://schemas.microsoft.com/office/drawing/2010/main" xmlns="" w="9525">
+                <a14:hiddenLine xmlns="" xmlns:a14="http://schemas.microsoft.com/office/drawing/2010/main" w="9525">
                   <a:solidFill>
                     <a:srgbClr val="000000"/>
                   </a:solidFill>
@@ -692,7 +700,7 @@
             </a:ln>
             <a:extLst>
               <a:ext uri="{91240B29-F687-4f45-9708-019B960494DF}">
-                <a14:hiddenLine xmlns:a14="http://schemas.microsoft.com/office/drawing/2010/main" xmlns="" w="9525">
+                <a14:hiddenLine xmlns="" xmlns:a14="http://schemas.microsoft.com/office/drawing/2010/main" w="9525">
                   <a:solidFill>
                     <a:srgbClr val="000000"/>
                   </a:solidFill>
@@ -782,7 +790,7 @@
             </a:ln>
             <a:extLst>
               <a:ext uri="{91240B29-F687-4f45-9708-019B960494DF}">
-                <a14:hiddenLine xmlns:a14="http://schemas.microsoft.com/office/drawing/2010/main" xmlns="" w="9525">
+                <a14:hiddenLine xmlns="" xmlns:a14="http://schemas.microsoft.com/office/drawing/2010/main" w="9525">
                   <a:solidFill>
                     <a:srgbClr val="000000"/>
                   </a:solidFill>
@@ -844,7 +852,7 @@
             </a:ln>
             <a:extLst>
               <a:ext uri="{91240B29-F687-4f45-9708-019B960494DF}">
-                <a14:hiddenLine xmlns:a14="http://schemas.microsoft.com/office/drawing/2010/main" xmlns="" w="9525">
+                <a14:hiddenLine xmlns="" xmlns:a14="http://schemas.microsoft.com/office/drawing/2010/main" w="9525">
                   <a:solidFill>
                     <a:srgbClr val="000000"/>
                   </a:solidFill>
@@ -906,7 +914,7 @@
             </a:ln>
             <a:extLst>
               <a:ext uri="{91240B29-F687-4f45-9708-019B960494DF}">
-                <a14:hiddenLine xmlns:a14="http://schemas.microsoft.com/office/drawing/2010/main" xmlns="" w="9525">
+                <a14:hiddenLine xmlns="" xmlns:a14="http://schemas.microsoft.com/office/drawing/2010/main" w="9525">
                   <a:solidFill>
                     <a:srgbClr val="000000"/>
                   </a:solidFill>
@@ -996,7 +1004,7 @@
             </a:ln>
             <a:extLst>
               <a:ext uri="{91240B29-F687-4f45-9708-019B960494DF}">
-                <a14:hiddenLine xmlns:a14="http://schemas.microsoft.com/office/drawing/2010/main" xmlns="" w="9525">
+                <a14:hiddenLine xmlns="" xmlns:a14="http://schemas.microsoft.com/office/drawing/2010/main" w="9525">
                   <a:solidFill>
                     <a:srgbClr val="000000"/>
                   </a:solidFill>
@@ -1086,7 +1094,7 @@
             </a:ln>
             <a:extLst>
               <a:ext uri="{91240B29-F687-4f45-9708-019B960494DF}">
-                <a14:hiddenLine xmlns:a14="http://schemas.microsoft.com/office/drawing/2010/main" xmlns="" w="9525">
+                <a14:hiddenLine xmlns="" xmlns:a14="http://schemas.microsoft.com/office/drawing/2010/main" w="9525">
                   <a:solidFill>
                     <a:srgbClr val="000000"/>
                   </a:solidFill>
@@ -1148,7 +1156,7 @@
             </a:ln>
             <a:extLst>
               <a:ext uri="{91240B29-F687-4f45-9708-019B960494DF}">
-                <a14:hiddenLine xmlns:a14="http://schemas.microsoft.com/office/drawing/2010/main" xmlns="" w="9525">
+                <a14:hiddenLine xmlns="" xmlns:a14="http://schemas.microsoft.com/office/drawing/2010/main" w="9525">
                   <a:solidFill>
                     <a:srgbClr val="000000"/>
                   </a:solidFill>
@@ -1258,7 +1266,7 @@
             </a:ln>
             <a:extLst>
               <a:ext uri="{91240B29-F687-4f45-9708-019B960494DF}">
-                <a14:hiddenLine xmlns:a14="http://schemas.microsoft.com/office/drawing/2010/main" xmlns="" w="9525">
+                <a14:hiddenLine xmlns="" xmlns:a14="http://schemas.microsoft.com/office/drawing/2010/main" w="9525">
                   <a:solidFill>
                     <a:srgbClr val="000000"/>
                   </a:solidFill>
@@ -1320,7 +1328,7 @@
             </a:ln>
             <a:extLst>
               <a:ext uri="{91240B29-F687-4f45-9708-019B960494DF}">
-                <a14:hiddenLine xmlns:a14="http://schemas.microsoft.com/office/drawing/2010/main" xmlns="" w="9525">
+                <a14:hiddenLine xmlns="" xmlns:a14="http://schemas.microsoft.com/office/drawing/2010/main" w="9525">
                   <a:solidFill>
                     <a:srgbClr val="000000"/>
                   </a:solidFill>
@@ -1410,7 +1418,7 @@
             </a:ln>
             <a:extLst>
               <a:ext uri="{91240B29-F687-4f45-9708-019B960494DF}">
-                <a14:hiddenLine xmlns:a14="http://schemas.microsoft.com/office/drawing/2010/main" xmlns="" w="9525">
+                <a14:hiddenLine xmlns="" xmlns:a14="http://schemas.microsoft.com/office/drawing/2010/main" w="9525">
                   <a:solidFill>
                     <a:srgbClr val="000000"/>
                   </a:solidFill>
@@ -1500,7 +1508,7 @@
             </a:ln>
             <a:extLst>
               <a:ext uri="{91240B29-F687-4f45-9708-019B960494DF}">
-                <a14:hiddenLine xmlns:a14="http://schemas.microsoft.com/office/drawing/2010/main" xmlns="" w="9525">
+                <a14:hiddenLine xmlns="" xmlns:a14="http://schemas.microsoft.com/office/drawing/2010/main" w="9525">
                   <a:solidFill>
                     <a:srgbClr val="000000"/>
                   </a:solidFill>
@@ -1562,7 +1570,7 @@
             </a:ln>
             <a:extLst>
               <a:ext uri="{91240B29-F687-4f45-9708-019B960494DF}">
-                <a14:hiddenLine xmlns:a14="http://schemas.microsoft.com/office/drawing/2010/main" xmlns="" w="9525">
+                <a14:hiddenLine xmlns="" xmlns:a14="http://schemas.microsoft.com/office/drawing/2010/main" w="9525">
                   <a:solidFill>
                     <a:srgbClr val="000000"/>
                   </a:solidFill>
@@ -1652,7 +1660,7 @@
             </a:ln>
             <a:extLst>
               <a:ext uri="{91240B29-F687-4f45-9708-019B960494DF}">
-                <a14:hiddenLine xmlns:a14="http://schemas.microsoft.com/office/drawing/2010/main" xmlns="" w="9525">
+                <a14:hiddenLine xmlns="" xmlns:a14="http://schemas.microsoft.com/office/drawing/2010/main" w="9525">
                   <a:solidFill>
                     <a:srgbClr val="000000"/>
                   </a:solidFill>
@@ -1742,7 +1750,7 @@
             </a:ln>
             <a:extLst>
               <a:ext uri="{91240B29-F687-4f45-9708-019B960494DF}">
-                <a14:hiddenLine xmlns:a14="http://schemas.microsoft.com/office/drawing/2010/main" xmlns="" w="9525">
+                <a14:hiddenLine xmlns="" xmlns:a14="http://schemas.microsoft.com/office/drawing/2010/main" w="9525">
                   <a:solidFill>
                     <a:srgbClr val="000000"/>
                   </a:solidFill>
@@ -1798,7 +1806,7 @@
             </a:ln>
             <a:extLst>
               <a:ext uri="{91240B29-F687-4f45-9708-019B960494DF}">
-                <a14:hiddenLine xmlns:a14="http://schemas.microsoft.com/office/drawing/2010/main" xmlns="" w="9525">
+                <a14:hiddenLine xmlns="" xmlns:a14="http://schemas.microsoft.com/office/drawing/2010/main" w="9525">
                   <a:solidFill>
                     <a:srgbClr val="000000"/>
                   </a:solidFill>
@@ -1888,7 +1896,7 @@
             </a:ln>
             <a:extLst>
               <a:ext uri="{91240B29-F687-4f45-9708-019B960494DF}">
-                <a14:hiddenLine xmlns:a14="http://schemas.microsoft.com/office/drawing/2010/main" xmlns="" w="9525">
+                <a14:hiddenLine xmlns="" xmlns:a14="http://schemas.microsoft.com/office/drawing/2010/main" w="9525">
                   <a:solidFill>
                     <a:srgbClr val="000000"/>
                   </a:solidFill>
@@ -1944,7 +1952,7 @@
             </a:ln>
             <a:extLst>
               <a:ext uri="{91240B29-F687-4f45-9708-019B960494DF}">
-                <a14:hiddenLine xmlns:a14="http://schemas.microsoft.com/office/drawing/2010/main" xmlns="" w="9525">
+                <a14:hiddenLine xmlns="" xmlns:a14="http://schemas.microsoft.com/office/drawing/2010/main" w="9525">
                   <a:solidFill>
                     <a:srgbClr val="000000"/>
                   </a:solidFill>
@@ -2034,7 +2042,7 @@
             </a:ln>
             <a:extLst>
               <a:ext uri="{91240B29-F687-4f45-9708-019B960494DF}">
-                <a14:hiddenLine xmlns:a14="http://schemas.microsoft.com/office/drawing/2010/main" xmlns="" w="9525">
+                <a14:hiddenLine xmlns="" xmlns:a14="http://schemas.microsoft.com/office/drawing/2010/main" w="9525">
                   <a:solidFill>
                     <a:srgbClr val="000000"/>
                   </a:solidFill>
@@ -2102,7 +2110,7 @@
             </a:ln>
             <a:extLst>
               <a:ext uri="{91240B29-F687-4f45-9708-019B960494DF}">
-                <a14:hiddenLine xmlns:a14="http://schemas.microsoft.com/office/drawing/2010/main" xmlns="" w="9525">
+                <a14:hiddenLine xmlns="" xmlns:a14="http://schemas.microsoft.com/office/drawing/2010/main" w="9525">
                   <a:solidFill>
                     <a:srgbClr val="000000"/>
                   </a:solidFill>
@@ -2192,7 +2200,7 @@
             </a:ln>
             <a:extLst>
               <a:ext uri="{91240B29-F687-4f45-9708-019B960494DF}">
-                <a14:hiddenLine xmlns:a14="http://schemas.microsoft.com/office/drawing/2010/main" xmlns="" w="9525">
+                <a14:hiddenLine xmlns="" xmlns:a14="http://schemas.microsoft.com/office/drawing/2010/main" w="9525">
                   <a:solidFill>
                     <a:srgbClr val="000000"/>
                   </a:solidFill>
@@ -2260,7 +2268,7 @@
             </a:ln>
             <a:extLst>
               <a:ext uri="{91240B29-F687-4f45-9708-019B960494DF}">
-                <a14:hiddenLine xmlns:a14="http://schemas.microsoft.com/office/drawing/2010/main" xmlns="" w="9525">
+                <a14:hiddenLine xmlns="" xmlns:a14="http://schemas.microsoft.com/office/drawing/2010/main" w="9525">
                   <a:solidFill>
                     <a:srgbClr val="000000"/>
                   </a:solidFill>
@@ -2350,7 +2358,7 @@
             </a:ln>
             <a:extLst>
               <a:ext uri="{91240B29-F687-4f45-9708-019B960494DF}">
-                <a14:hiddenLine xmlns:a14="http://schemas.microsoft.com/office/drawing/2010/main" xmlns="" w="9525">
+                <a14:hiddenLine xmlns="" xmlns:a14="http://schemas.microsoft.com/office/drawing/2010/main" w="9525">
                   <a:solidFill>
                     <a:srgbClr val="000000"/>
                   </a:solidFill>
@@ -2384,7 +2392,7 @@
             </a:ln>
             <a:extLst>
               <a:ext uri="{91240B29-F687-4f45-9708-019B960494DF}">
-                <a14:hiddenLine xmlns:a14="http://schemas.microsoft.com/office/drawing/2010/main" xmlns="" w="9525">
+                <a14:hiddenLine xmlns="" xmlns:a14="http://schemas.microsoft.com/office/drawing/2010/main" w="9525">
                   <a:solidFill>
                     <a:srgbClr val="000000"/>
                   </a:solidFill>
@@ -2474,7 +2482,7 @@
             </a:ln>
             <a:extLst>
               <a:ext uri="{91240B29-F687-4f45-9708-019B960494DF}">
-                <a14:hiddenLine xmlns:a14="http://schemas.microsoft.com/office/drawing/2010/main" xmlns="" w="9525">
+                <a14:hiddenLine xmlns="" xmlns:a14="http://schemas.microsoft.com/office/drawing/2010/main" w="9525">
                   <a:solidFill>
                     <a:srgbClr val="000000"/>
                   </a:solidFill>
@@ -2536,7 +2544,7 @@
             </a:ln>
             <a:extLst>
               <a:ext uri="{91240B29-F687-4f45-9708-019B960494DF}">
-                <a14:hiddenLine xmlns:a14="http://schemas.microsoft.com/office/drawing/2010/main" xmlns="" w="9525">
+                <a14:hiddenLine xmlns="" xmlns:a14="http://schemas.microsoft.com/office/drawing/2010/main" w="9525">
                   <a:solidFill>
                     <a:srgbClr val="000000"/>
                   </a:solidFill>
@@ -2598,7 +2606,7 @@
             </a:ln>
             <a:extLst>
               <a:ext uri="{91240B29-F687-4f45-9708-019B960494DF}">
-                <a14:hiddenLine xmlns:a14="http://schemas.microsoft.com/office/drawing/2010/main" xmlns="" w="9525">
+                <a14:hiddenLine xmlns="" xmlns:a14="http://schemas.microsoft.com/office/drawing/2010/main" w="9525">
                   <a:solidFill>
                     <a:srgbClr val="000000"/>
                   </a:solidFill>
@@ -2688,7 +2696,7 @@
             </a:ln>
             <a:extLst>
               <a:ext uri="{91240B29-F687-4f45-9708-019B960494DF}">
-                <a14:hiddenLine xmlns:a14="http://schemas.microsoft.com/office/drawing/2010/main" xmlns="" w="9525">
+                <a14:hiddenLine xmlns="" xmlns:a14="http://schemas.microsoft.com/office/drawing/2010/main" w="9525">
                   <a:solidFill>
                     <a:srgbClr val="000000"/>
                   </a:solidFill>
@@ -2756,7 +2764,7 @@
             </a:ln>
             <a:extLst>
               <a:ext uri="{91240B29-F687-4f45-9708-019B960494DF}">
-                <a14:hiddenLine xmlns:a14="http://schemas.microsoft.com/office/drawing/2010/main" xmlns="" w="9525">
+                <a14:hiddenLine xmlns="" xmlns:a14="http://schemas.microsoft.com/office/drawing/2010/main" w="9525">
                   <a:solidFill>
                     <a:srgbClr val="000000"/>
                   </a:solidFill>
@@ -2818,7 +2826,7 @@
             </a:ln>
             <a:extLst>
               <a:ext uri="{91240B29-F687-4f45-9708-019B960494DF}">
-                <a14:hiddenLine xmlns:a14="http://schemas.microsoft.com/office/drawing/2010/main" xmlns="" w="9525">
+                <a14:hiddenLine xmlns="" xmlns:a14="http://schemas.microsoft.com/office/drawing/2010/main" w="9525">
                   <a:solidFill>
                     <a:srgbClr val="000000"/>
                   </a:solidFill>
@@ -2908,7 +2916,7 @@
             </a:ln>
             <a:extLst>
               <a:ext uri="{91240B29-F687-4f45-9708-019B960494DF}">
-                <a14:hiddenLine xmlns:a14="http://schemas.microsoft.com/office/drawing/2010/main" xmlns="" w="9525">
+                <a14:hiddenLine xmlns="" xmlns:a14="http://schemas.microsoft.com/office/drawing/2010/main" w="9525">
                   <a:solidFill>
                     <a:srgbClr val="000000"/>
                   </a:solidFill>
@@ -2970,7 +2978,7 @@
             </a:ln>
             <a:extLst>
               <a:ext uri="{91240B29-F687-4f45-9708-019B960494DF}">
-                <a14:hiddenLine xmlns:a14="http://schemas.microsoft.com/office/drawing/2010/main" xmlns="" w="9525">
+                <a14:hiddenLine xmlns="" xmlns:a14="http://schemas.microsoft.com/office/drawing/2010/main" w="9525">
                   <a:solidFill>
                     <a:srgbClr val="000000"/>
                   </a:solidFill>
@@ -3060,7 +3068,7 @@
             </a:ln>
             <a:extLst>
               <a:ext uri="{91240B29-F687-4f45-9708-019B960494DF}">
-                <a14:hiddenLine xmlns:a14="http://schemas.microsoft.com/office/drawing/2010/main" xmlns="" w="9525">
+                <a14:hiddenLine xmlns="" xmlns:a14="http://schemas.microsoft.com/office/drawing/2010/main" w="9525">
                   <a:solidFill>
                     <a:srgbClr val="000000"/>
                   </a:solidFill>
@@ -3122,7 +3130,7 @@
             </a:ln>
             <a:extLst>
               <a:ext uri="{91240B29-F687-4f45-9708-019B960494DF}">
-                <a14:hiddenLine xmlns:a14="http://schemas.microsoft.com/office/drawing/2010/main" xmlns="" w="9525">
+                <a14:hiddenLine xmlns="" xmlns:a14="http://schemas.microsoft.com/office/drawing/2010/main" w="9525">
                   <a:solidFill>
                     <a:srgbClr val="000000"/>
                   </a:solidFill>
@@ -3212,7 +3220,7 @@
             </a:ln>
             <a:extLst>
               <a:ext uri="{91240B29-F687-4f45-9708-019B960494DF}">
-                <a14:hiddenLine xmlns:a14="http://schemas.microsoft.com/office/drawing/2010/main" xmlns="" w="9525">
+                <a14:hiddenLine xmlns="" xmlns:a14="http://schemas.microsoft.com/office/drawing/2010/main" w="9525">
                   <a:solidFill>
                     <a:srgbClr val="000000"/>
                   </a:solidFill>
@@ -3246,7 +3254,7 @@
             </a:ln>
             <a:extLst>
               <a:ext uri="{91240B29-F687-4f45-9708-019B960494DF}">
-                <a14:hiddenLine xmlns:a14="http://schemas.microsoft.com/office/drawing/2010/main" xmlns="" w="9525">
+                <a14:hiddenLine xmlns="" xmlns:a14="http://schemas.microsoft.com/office/drawing/2010/main" w="9525">
                   <a:solidFill>
                     <a:srgbClr val="000000"/>
                   </a:solidFill>
@@ -3311,7 +3319,7 @@
             </a:ln>
             <a:extLst>
               <a:ext uri="{91240B29-F687-4f45-9708-019B960494DF}">
-                <a14:hiddenLine xmlns:a14="http://schemas.microsoft.com/office/drawing/2010/main" xmlns="" w="9525">
+                <a14:hiddenLine xmlns="" xmlns:a14="http://schemas.microsoft.com/office/drawing/2010/main" w="9525">
                   <a:solidFill>
                     <a:srgbClr val="000000"/>
                   </a:solidFill>
@@ -3401,7 +3409,7 @@
             </a:ln>
             <a:extLst>
               <a:ext uri="{91240B29-F687-4f45-9708-019B960494DF}">
-                <a14:hiddenLine xmlns:a14="http://schemas.microsoft.com/office/drawing/2010/main" xmlns="" w="9525">
+                <a14:hiddenLine xmlns="" xmlns:a14="http://schemas.microsoft.com/office/drawing/2010/main" w="9525">
                   <a:solidFill>
                     <a:srgbClr val="000000"/>
                   </a:solidFill>
@@ -3463,7 +3471,7 @@
             </a:ln>
             <a:extLst>
               <a:ext uri="{91240B29-F687-4f45-9708-019B960494DF}">
-                <a14:hiddenLine xmlns:a14="http://schemas.microsoft.com/office/drawing/2010/main" xmlns="" w="9525">
+                <a14:hiddenLine xmlns="" xmlns:a14="http://schemas.microsoft.com/office/drawing/2010/main" w="9525">
                   <a:solidFill>
                     <a:srgbClr val="000000"/>
                   </a:solidFill>
@@ -3553,7 +3561,7 @@
             </a:ln>
             <a:extLst>
               <a:ext uri="{91240B29-F687-4f45-9708-019B960494DF}">
-                <a14:hiddenLine xmlns:a14="http://schemas.microsoft.com/office/drawing/2010/main" xmlns="" w="9525">
+                <a14:hiddenLine xmlns="" xmlns:a14="http://schemas.microsoft.com/office/drawing/2010/main" w="9525">
                   <a:solidFill>
                     <a:srgbClr val="000000"/>
                   </a:solidFill>
@@ -3643,7 +3651,7 @@
             </a:ln>
             <a:extLst>
               <a:ext uri="{91240B29-F687-4f45-9708-019B960494DF}">
-                <a14:hiddenLine xmlns:a14="http://schemas.microsoft.com/office/drawing/2010/main" xmlns="" w="9525">
+                <a14:hiddenLine xmlns="" xmlns:a14="http://schemas.microsoft.com/office/drawing/2010/main" w="9525">
                   <a:solidFill>
                     <a:srgbClr val="000000"/>
                   </a:solidFill>
@@ -3708,7 +3716,7 @@
             </a:ln>
             <a:extLst>
               <a:ext uri="{91240B29-F687-4f45-9708-019B960494DF}">
-                <a14:hiddenLine xmlns:a14="http://schemas.microsoft.com/office/drawing/2010/main" xmlns="" w="9525">
+                <a14:hiddenLine xmlns="" xmlns:a14="http://schemas.microsoft.com/office/drawing/2010/main" w="9525">
                   <a:solidFill>
                     <a:srgbClr val="000000"/>
                   </a:solidFill>
@@ -3770,7 +3778,7 @@
             </a:ln>
             <a:extLst>
               <a:ext uri="{91240B29-F687-4f45-9708-019B960494DF}">
-                <a14:hiddenLine xmlns:a14="http://schemas.microsoft.com/office/drawing/2010/main" xmlns="" w="9525">
+                <a14:hiddenLine xmlns="" xmlns:a14="http://schemas.microsoft.com/office/drawing/2010/main" w="9525">
                   <a:solidFill>
                     <a:srgbClr val="000000"/>
                   </a:solidFill>
@@ -3860,7 +3868,7 @@
             </a:ln>
             <a:extLst>
               <a:ext uri="{91240B29-F687-4f45-9708-019B960494DF}">
-                <a14:hiddenLine xmlns:a14="http://schemas.microsoft.com/office/drawing/2010/main" xmlns="" w="9525">
+                <a14:hiddenLine xmlns="" xmlns:a14="http://schemas.microsoft.com/office/drawing/2010/main" w="9525">
                   <a:solidFill>
                     <a:srgbClr val="000000"/>
                   </a:solidFill>
@@ -3950,7 +3958,7 @@
             </a:ln>
             <a:extLst>
               <a:ext uri="{91240B29-F687-4f45-9708-019B960494DF}">
-                <a14:hiddenLine xmlns:a14="http://schemas.microsoft.com/office/drawing/2010/main" xmlns="" w="9525">
+                <a14:hiddenLine xmlns="" xmlns:a14="http://schemas.microsoft.com/office/drawing/2010/main" w="9525">
                   <a:solidFill>
                     <a:srgbClr val="000000"/>
                   </a:solidFill>
@@ -4012,7 +4020,7 @@
             </a:ln>
             <a:extLst>
               <a:ext uri="{91240B29-F687-4f45-9708-019B960494DF}">
-                <a14:hiddenLine xmlns:a14="http://schemas.microsoft.com/office/drawing/2010/main" xmlns="" w="9525">
+                <a14:hiddenLine xmlns="" xmlns:a14="http://schemas.microsoft.com/office/drawing/2010/main" w="9525">
                   <a:solidFill>
                     <a:srgbClr val="000000"/>
                   </a:solidFill>
@@ -4132,7 +4140,7 @@
             </a:ln>
             <a:extLst>
               <a:ext uri="{91240B29-F687-4f45-9708-019B960494DF}">
-                <a14:hiddenLine xmlns:a14="http://schemas.microsoft.com/office/drawing/2010/main" xmlns="" w="9525">
+                <a14:hiddenLine xmlns="" xmlns:a14="http://schemas.microsoft.com/office/drawing/2010/main" w="9525">
                   <a:solidFill>
                     <a:srgbClr val="000000"/>
                   </a:solidFill>
@@ -4200,7 +4208,7 @@
             </a:ln>
             <a:extLst>
               <a:ext uri="{91240B29-F687-4f45-9708-019B960494DF}">
-                <a14:hiddenLine xmlns:a14="http://schemas.microsoft.com/office/drawing/2010/main" xmlns="" w="9525">
+                <a14:hiddenLine xmlns="" xmlns:a14="http://schemas.microsoft.com/office/drawing/2010/main" w="9525">
                   <a:solidFill>
                     <a:srgbClr val="000000"/>
                   </a:solidFill>
@@ -4290,7 +4298,7 @@
             </a:ln>
             <a:extLst>
               <a:ext uri="{91240B29-F687-4f45-9708-019B960494DF}">
-                <a14:hiddenLine xmlns:a14="http://schemas.microsoft.com/office/drawing/2010/main" xmlns="" w="9525">
+                <a14:hiddenLine xmlns="" xmlns:a14="http://schemas.microsoft.com/office/drawing/2010/main" w="9525">
                   <a:solidFill>
                     <a:srgbClr val="000000"/>
                   </a:solidFill>
@@ -4430,7 +4438,7 @@
           <a:p>
             <a:fld id="{951AF1EB-82F2-4C84-AADB-635468081963}" type="datetimeFigureOut">
               <a:rPr lang="en-US" smtClean="0"/>
-              <a:t>27/07/2022</a:t>
+              <a:t>01/08/2022</a:t>
             </a:fld>
             <a:endParaRPr lang="en-US"/>
           </a:p>
@@ -4697,7 +4705,7 @@
           <a:p>
             <a:fld id="{951AF1EB-82F2-4C84-AADB-635468081963}" type="datetimeFigureOut">
               <a:rPr lang="en-US" smtClean="0"/>
-              <a:t>27/07/2022</a:t>
+              <a:t>01/08/2022</a:t>
             </a:fld>
             <a:endParaRPr lang="en-US"/>
           </a:p>
@@ -4893,7 +4901,7 @@
           <a:p>
             <a:fld id="{951AF1EB-82F2-4C84-AADB-635468081963}" type="datetimeFigureOut">
               <a:rPr lang="en-US" smtClean="0"/>
-              <a:t>27/07/2022</a:t>
+              <a:t>01/08/2022</a:t>
             </a:fld>
             <a:endParaRPr lang="en-US"/>
           </a:p>
@@ -5156,7 +5164,7 @@
           <a:p>
             <a:fld id="{951AF1EB-82F2-4C84-AADB-635468081963}" type="datetimeFigureOut">
               <a:rPr lang="en-US" smtClean="0"/>
-              <a:t>27/07/2022</a:t>
+              <a:t>01/08/2022</a:t>
             </a:fld>
             <a:endParaRPr lang="en-US"/>
           </a:p>
@@ -5590,7 +5598,7 @@
           <a:p>
             <a:fld id="{951AF1EB-82F2-4C84-AADB-635468081963}" type="datetimeFigureOut">
               <a:rPr lang="en-US" smtClean="0"/>
-              <a:t>27/07/2022</a:t>
+              <a:t>01/08/2022</a:t>
             </a:fld>
             <a:endParaRPr lang="en-US"/>
           </a:p>
@@ -6136,7 +6144,7 @@
           <a:p>
             <a:fld id="{951AF1EB-82F2-4C84-AADB-635468081963}" type="datetimeFigureOut">
               <a:rPr lang="en-US" smtClean="0"/>
-              <a:t>27/07/2022</a:t>
+              <a:t>01/08/2022</a:t>
             </a:fld>
             <a:endParaRPr lang="en-US"/>
           </a:p>
@@ -6856,7 +6864,7 @@
           <a:p>
             <a:fld id="{951AF1EB-82F2-4C84-AADB-635468081963}" type="datetimeFigureOut">
               <a:rPr lang="en-US" smtClean="0"/>
-              <a:t>27/07/2022</a:t>
+              <a:t>01/08/2022</a:t>
             </a:fld>
             <a:endParaRPr lang="en-US"/>
           </a:p>
@@ -7026,7 +7034,7 @@
           <a:p>
             <a:fld id="{951AF1EB-82F2-4C84-AADB-635468081963}" type="datetimeFigureOut">
               <a:rPr lang="en-US" smtClean="0"/>
-              <a:t>27/07/2022</a:t>
+              <a:t>01/08/2022</a:t>
             </a:fld>
             <a:endParaRPr lang="en-US"/>
           </a:p>
@@ -7206,7 +7214,7 @@
           <a:p>
             <a:fld id="{951AF1EB-82F2-4C84-AADB-635468081963}" type="datetimeFigureOut">
               <a:rPr lang="en-US" smtClean="0"/>
-              <a:t>27/07/2022</a:t>
+              <a:t>01/08/2022</a:t>
             </a:fld>
             <a:endParaRPr lang="en-US"/>
           </a:p>
@@ -7376,7 +7384,7 @@
           <a:p>
             <a:fld id="{951AF1EB-82F2-4C84-AADB-635468081963}" type="datetimeFigureOut">
               <a:rPr lang="en-US" smtClean="0"/>
-              <a:t>27/07/2022</a:t>
+              <a:t>01/08/2022</a:t>
             </a:fld>
             <a:endParaRPr lang="en-US"/>
           </a:p>
@@ -7626,7 +7634,7 @@
           <a:p>
             <a:fld id="{951AF1EB-82F2-4C84-AADB-635468081963}" type="datetimeFigureOut">
               <a:rPr lang="en-US" smtClean="0"/>
-              <a:t>27/07/2022</a:t>
+              <a:t>01/08/2022</a:t>
             </a:fld>
             <a:endParaRPr lang="en-US"/>
           </a:p>
@@ -7858,7 +7866,7 @@
           <a:p>
             <a:fld id="{951AF1EB-82F2-4C84-AADB-635468081963}" type="datetimeFigureOut">
               <a:rPr lang="en-US" smtClean="0"/>
-              <a:t>27/07/2022</a:t>
+              <a:t>01/08/2022</a:t>
             </a:fld>
             <a:endParaRPr lang="en-US"/>
           </a:p>
@@ -8239,7 +8247,7 @@
           <a:p>
             <a:fld id="{951AF1EB-82F2-4C84-AADB-635468081963}" type="datetimeFigureOut">
               <a:rPr lang="en-US" smtClean="0"/>
-              <a:t>27/07/2022</a:t>
+              <a:t>01/08/2022</a:t>
             </a:fld>
             <a:endParaRPr lang="en-US"/>
           </a:p>
@@ -8357,7 +8365,7 @@
           <a:p>
             <a:fld id="{951AF1EB-82F2-4C84-AADB-635468081963}" type="datetimeFigureOut">
               <a:rPr lang="en-US" smtClean="0"/>
-              <a:t>27/07/2022</a:t>
+              <a:t>01/08/2022</a:t>
             </a:fld>
             <a:endParaRPr lang="en-US"/>
           </a:p>
@@ -8452,7 +8460,7 @@
           <a:p>
             <a:fld id="{951AF1EB-82F2-4C84-AADB-635468081963}" type="datetimeFigureOut">
               <a:rPr lang="en-US" smtClean="0"/>
-              <a:t>27/07/2022</a:t>
+              <a:t>01/08/2022</a:t>
             </a:fld>
             <a:endParaRPr lang="en-US"/>
           </a:p>
@@ -8701,7 +8709,7 @@
           <a:p>
             <a:fld id="{951AF1EB-82F2-4C84-AADB-635468081963}" type="datetimeFigureOut">
               <a:rPr lang="en-US" smtClean="0"/>
-              <a:t>27/07/2022</a:t>
+              <a:t>01/08/2022</a:t>
             </a:fld>
             <a:endParaRPr lang="en-US"/>
           </a:p>
@@ -8981,7 +8989,7 @@
           <a:p>
             <a:fld id="{951AF1EB-82F2-4C84-AADB-635468081963}" type="datetimeFigureOut">
               <a:rPr lang="en-US" smtClean="0"/>
-              <a:t>27/07/2022</a:t>
+              <a:t>01/08/2022</a:t>
             </a:fld>
             <a:endParaRPr lang="en-US"/>
           </a:p>
@@ -9097,7 +9105,7 @@
           <a:noFill/>
           <a:extLst>
             <a:ext uri="{909E8E84-426E-40dd-AFC4-6F175D3DCCD1}">
-              <a14:hiddenFill xmlns:a14="http://schemas.microsoft.com/office/drawing/2010/main" xmlns="">
+              <a14:hiddenFill xmlns="" xmlns:a14="http://schemas.microsoft.com/office/drawing/2010/main">
                 <a:solidFill>
                   <a:srgbClr val="FFFFFF"/>
                 </a:solidFill>
@@ -9171,7 +9179,7 @@
               </a:ln>
               <a:extLst>
                 <a:ext uri="{91240B29-F687-4f45-9708-019B960494DF}">
-                  <a14:hiddenLine xmlns:a14="http://schemas.microsoft.com/office/drawing/2010/main" xmlns="" w="9525">
+                  <a14:hiddenLine xmlns="" xmlns:a14="http://schemas.microsoft.com/office/drawing/2010/main" w="9525">
                     <a:solidFill>
                       <a:srgbClr val="000000"/>
                     </a:solidFill>
@@ -9261,7 +9269,7 @@
               </a:ln>
               <a:extLst>
                 <a:ext uri="{91240B29-F687-4f45-9708-019B960494DF}">
-                  <a14:hiddenLine xmlns:a14="http://schemas.microsoft.com/office/drawing/2010/main" xmlns="" w="9525">
+                  <a14:hiddenLine xmlns="" xmlns:a14="http://schemas.microsoft.com/office/drawing/2010/main" w="9525">
                     <a:solidFill>
                       <a:srgbClr val="000000"/>
                     </a:solidFill>
@@ -9351,7 +9359,7 @@
               </a:ln>
               <a:extLst>
                 <a:ext uri="{91240B29-F687-4f45-9708-019B960494DF}">
-                  <a14:hiddenLine xmlns:a14="http://schemas.microsoft.com/office/drawing/2010/main" xmlns="" w="9525">
+                  <a14:hiddenLine xmlns="" xmlns:a14="http://schemas.microsoft.com/office/drawing/2010/main" w="9525">
                     <a:solidFill>
                       <a:srgbClr val="000000"/>
                     </a:solidFill>
@@ -9413,7 +9421,7 @@
               </a:ln>
               <a:extLst>
                 <a:ext uri="{91240B29-F687-4f45-9708-019B960494DF}">
-                  <a14:hiddenLine xmlns:a14="http://schemas.microsoft.com/office/drawing/2010/main" xmlns="" w="9525">
+                  <a14:hiddenLine xmlns="" xmlns:a14="http://schemas.microsoft.com/office/drawing/2010/main" w="9525">
                     <a:solidFill>
                       <a:srgbClr val="000000"/>
                     </a:solidFill>
@@ -9503,7 +9511,7 @@
               </a:ln>
               <a:extLst>
                 <a:ext uri="{91240B29-F687-4f45-9708-019B960494DF}">
-                  <a14:hiddenLine xmlns:a14="http://schemas.microsoft.com/office/drawing/2010/main" xmlns="" w="9525">
+                  <a14:hiddenLine xmlns="" xmlns:a14="http://schemas.microsoft.com/office/drawing/2010/main" w="9525">
                     <a:solidFill>
                       <a:srgbClr val="000000"/>
                     </a:solidFill>
@@ -9565,7 +9573,7 @@
               </a:ln>
               <a:extLst>
                 <a:ext uri="{91240B29-F687-4f45-9708-019B960494DF}">
-                  <a14:hiddenLine xmlns:a14="http://schemas.microsoft.com/office/drawing/2010/main" xmlns="" w="9525">
+                  <a14:hiddenLine xmlns="" xmlns:a14="http://schemas.microsoft.com/office/drawing/2010/main" w="9525">
                     <a:solidFill>
                       <a:srgbClr val="000000"/>
                     </a:solidFill>
@@ -9627,7 +9635,7 @@
               </a:ln>
               <a:extLst>
                 <a:ext uri="{91240B29-F687-4f45-9708-019B960494DF}">
-                  <a14:hiddenLine xmlns:a14="http://schemas.microsoft.com/office/drawing/2010/main" xmlns="" w="9525">
+                  <a14:hiddenLine xmlns="" xmlns:a14="http://schemas.microsoft.com/office/drawing/2010/main" w="9525">
                     <a:solidFill>
                       <a:srgbClr val="000000"/>
                     </a:solidFill>
@@ -9717,7 +9725,7 @@
               </a:ln>
               <a:extLst>
                 <a:ext uri="{91240B29-F687-4f45-9708-019B960494DF}">
-                  <a14:hiddenLine xmlns:a14="http://schemas.microsoft.com/office/drawing/2010/main" xmlns="" w="9525">
+                  <a14:hiddenLine xmlns="" xmlns:a14="http://schemas.microsoft.com/office/drawing/2010/main" w="9525">
                     <a:solidFill>
                       <a:srgbClr val="000000"/>
                     </a:solidFill>
@@ -9807,7 +9815,7 @@
               </a:ln>
               <a:extLst>
                 <a:ext uri="{91240B29-F687-4f45-9708-019B960494DF}">
-                  <a14:hiddenLine xmlns:a14="http://schemas.microsoft.com/office/drawing/2010/main" xmlns="" w="9525">
+                  <a14:hiddenLine xmlns="" xmlns:a14="http://schemas.microsoft.com/office/drawing/2010/main" w="9525">
                     <a:solidFill>
                       <a:srgbClr val="000000"/>
                     </a:solidFill>
@@ -9869,7 +9877,7 @@
               </a:ln>
               <a:extLst>
                 <a:ext uri="{91240B29-F687-4f45-9708-019B960494DF}">
-                  <a14:hiddenLine xmlns:a14="http://schemas.microsoft.com/office/drawing/2010/main" xmlns="" w="9525">
+                  <a14:hiddenLine xmlns="" xmlns:a14="http://schemas.microsoft.com/office/drawing/2010/main" w="9525">
                     <a:solidFill>
                       <a:srgbClr val="000000"/>
                     </a:solidFill>
@@ -9979,7 +9987,7 @@
               </a:ln>
               <a:extLst>
                 <a:ext uri="{91240B29-F687-4f45-9708-019B960494DF}">
-                  <a14:hiddenLine xmlns:a14="http://schemas.microsoft.com/office/drawing/2010/main" xmlns="" w="9525">
+                  <a14:hiddenLine xmlns="" xmlns:a14="http://schemas.microsoft.com/office/drawing/2010/main" w="9525">
                     <a:solidFill>
                       <a:srgbClr val="000000"/>
                     </a:solidFill>
@@ -10063,7 +10071,7 @@
               </a:ln>
               <a:extLst>
                 <a:ext uri="{91240B29-F687-4f45-9708-019B960494DF}">
-                  <a14:hiddenLine xmlns:a14="http://schemas.microsoft.com/office/drawing/2010/main" xmlns="" w="9525">
+                  <a14:hiddenLine xmlns="" xmlns:a14="http://schemas.microsoft.com/office/drawing/2010/main" w="9525">
                     <a:solidFill>
                       <a:srgbClr val="000000"/>
                     </a:solidFill>
@@ -10125,7 +10133,7 @@
               </a:ln>
               <a:extLst>
                 <a:ext uri="{91240B29-F687-4f45-9708-019B960494DF}">
-                  <a14:hiddenLine xmlns:a14="http://schemas.microsoft.com/office/drawing/2010/main" xmlns="" w="9525">
+                  <a14:hiddenLine xmlns="" xmlns:a14="http://schemas.microsoft.com/office/drawing/2010/main" w="9525">
                     <a:solidFill>
                       <a:srgbClr val="000000"/>
                     </a:solidFill>
@@ -10187,7 +10195,7 @@
               </a:ln>
               <a:extLst>
                 <a:ext uri="{91240B29-F687-4f45-9708-019B960494DF}">
-                  <a14:hiddenLine xmlns:a14="http://schemas.microsoft.com/office/drawing/2010/main" xmlns="" w="9525">
+                  <a14:hiddenLine xmlns="" xmlns:a14="http://schemas.microsoft.com/office/drawing/2010/main" w="9525">
                     <a:solidFill>
                       <a:srgbClr val="000000"/>
                     </a:solidFill>
@@ -10277,7 +10285,7 @@
               </a:ln>
               <a:extLst>
                 <a:ext uri="{91240B29-F687-4f45-9708-019B960494DF}">
-                  <a14:hiddenLine xmlns:a14="http://schemas.microsoft.com/office/drawing/2010/main" xmlns="" w="9525">
+                  <a14:hiddenLine xmlns="" xmlns:a14="http://schemas.microsoft.com/office/drawing/2010/main" w="9525">
                     <a:solidFill>
                       <a:srgbClr val="000000"/>
                     </a:solidFill>
@@ -10311,7 +10319,7 @@
               </a:ln>
               <a:extLst>
                 <a:ext uri="{91240B29-F687-4f45-9708-019B960494DF}">
-                  <a14:hiddenLine xmlns:a14="http://schemas.microsoft.com/office/drawing/2010/main" xmlns="" w="9525">
+                  <a14:hiddenLine xmlns="" xmlns:a14="http://schemas.microsoft.com/office/drawing/2010/main" w="9525">
                     <a:solidFill>
                       <a:srgbClr val="000000"/>
                     </a:solidFill>
@@ -10376,7 +10384,7 @@
               </a:ln>
               <a:extLst>
                 <a:ext uri="{91240B29-F687-4f45-9708-019B960494DF}">
-                  <a14:hiddenLine xmlns:a14="http://schemas.microsoft.com/office/drawing/2010/main" xmlns="" w="9525">
+                  <a14:hiddenLine xmlns="" xmlns:a14="http://schemas.microsoft.com/office/drawing/2010/main" w="9525">
                     <a:solidFill>
                       <a:srgbClr val="000000"/>
                     </a:solidFill>
@@ -10466,7 +10474,7 @@
               </a:ln>
               <a:extLst>
                 <a:ext uri="{91240B29-F687-4f45-9708-019B960494DF}">
-                  <a14:hiddenLine xmlns:a14="http://schemas.microsoft.com/office/drawing/2010/main" xmlns="" w="9525">
+                  <a14:hiddenLine xmlns="" xmlns:a14="http://schemas.microsoft.com/office/drawing/2010/main" w="9525">
                     <a:solidFill>
                       <a:srgbClr val="000000"/>
                     </a:solidFill>
@@ -10528,7 +10536,7 @@
               </a:ln>
               <a:extLst>
                 <a:ext uri="{91240B29-F687-4f45-9708-019B960494DF}">
-                  <a14:hiddenLine xmlns:a14="http://schemas.microsoft.com/office/drawing/2010/main" xmlns="" w="9525">
+                  <a14:hiddenLine xmlns="" xmlns:a14="http://schemas.microsoft.com/office/drawing/2010/main" w="9525">
                     <a:solidFill>
                       <a:srgbClr val="000000"/>
                     </a:solidFill>
@@ -10618,7 +10626,7 @@
               </a:ln>
               <a:extLst>
                 <a:ext uri="{91240B29-F687-4f45-9708-019B960494DF}">
-                  <a14:hiddenLine xmlns:a14="http://schemas.microsoft.com/office/drawing/2010/main" xmlns="" w="9525">
+                  <a14:hiddenLine xmlns="" xmlns:a14="http://schemas.microsoft.com/office/drawing/2010/main" w="9525">
                     <a:solidFill>
                       <a:srgbClr val="000000"/>
                     </a:solidFill>
@@ -10683,7 +10691,7 @@
               </a:ln>
               <a:extLst>
                 <a:ext uri="{91240B29-F687-4f45-9708-019B960494DF}">
-                  <a14:hiddenLine xmlns:a14="http://schemas.microsoft.com/office/drawing/2010/main" xmlns="" w="9525">
+                  <a14:hiddenLine xmlns="" xmlns:a14="http://schemas.microsoft.com/office/drawing/2010/main" w="9525">
                     <a:solidFill>
                       <a:srgbClr val="000000"/>
                     </a:solidFill>
@@ -10745,7 +10753,7 @@
               </a:ln>
               <a:extLst>
                 <a:ext uri="{91240B29-F687-4f45-9708-019B960494DF}">
-                  <a14:hiddenLine xmlns:a14="http://schemas.microsoft.com/office/drawing/2010/main" xmlns="" w="9525">
+                  <a14:hiddenLine xmlns="" xmlns:a14="http://schemas.microsoft.com/office/drawing/2010/main" w="9525">
                     <a:solidFill>
                       <a:srgbClr val="000000"/>
                     </a:solidFill>
@@ -10835,7 +10843,7 @@
               </a:ln>
               <a:extLst>
                 <a:ext uri="{91240B29-F687-4f45-9708-019B960494DF}">
-                  <a14:hiddenLine xmlns:a14="http://schemas.microsoft.com/office/drawing/2010/main" xmlns="" w="9525">
+                  <a14:hiddenLine xmlns="" xmlns:a14="http://schemas.microsoft.com/office/drawing/2010/main" w="9525">
                     <a:solidFill>
                       <a:srgbClr val="000000"/>
                     </a:solidFill>
@@ -10925,7 +10933,7 @@
               </a:ln>
               <a:extLst>
                 <a:ext uri="{91240B29-F687-4f45-9708-019B960494DF}">
-                  <a14:hiddenLine xmlns:a14="http://schemas.microsoft.com/office/drawing/2010/main" xmlns="" w="9525">
+                  <a14:hiddenLine xmlns="" xmlns:a14="http://schemas.microsoft.com/office/drawing/2010/main" w="9525">
                     <a:solidFill>
                       <a:srgbClr val="000000"/>
                     </a:solidFill>
@@ -10990,7 +10998,7 @@
               </a:ln>
               <a:extLst>
                 <a:ext uri="{91240B29-F687-4f45-9708-019B960494DF}">
-                  <a14:hiddenLine xmlns:a14="http://schemas.microsoft.com/office/drawing/2010/main" xmlns="" w="9525">
+                  <a14:hiddenLine xmlns="" xmlns:a14="http://schemas.microsoft.com/office/drawing/2010/main" w="9525">
                     <a:solidFill>
                       <a:srgbClr val="000000"/>
                     </a:solidFill>
@@ -11110,7 +11118,7 @@
               </a:ln>
               <a:extLst>
                 <a:ext uri="{91240B29-F687-4f45-9708-019B960494DF}">
-                  <a14:hiddenLine xmlns:a14="http://schemas.microsoft.com/office/drawing/2010/main" xmlns="" w="9525">
+                  <a14:hiddenLine xmlns="" xmlns:a14="http://schemas.microsoft.com/office/drawing/2010/main" w="9525">
                     <a:solidFill>
                       <a:srgbClr val="000000"/>
                     </a:solidFill>
@@ -11208,7 +11216,7 @@
               </a:ln>
               <a:extLst>
                 <a:ext uri="{91240B29-F687-4f45-9708-019B960494DF}">
-                  <a14:hiddenLine xmlns:a14="http://schemas.microsoft.com/office/drawing/2010/main" xmlns="" w="9525">
+                  <a14:hiddenLine xmlns="" xmlns:a14="http://schemas.microsoft.com/office/drawing/2010/main" w="9525">
                     <a:solidFill>
                       <a:srgbClr val="000000"/>
                     </a:solidFill>
@@ -11323,7 +11331,7 @@
               </a:ln>
               <a:extLst>
                 <a:ext uri="{91240B29-F687-4f45-9708-019B960494DF}">
-                  <a14:hiddenLine xmlns:a14="http://schemas.microsoft.com/office/drawing/2010/main" xmlns="" w="9525">
+                  <a14:hiddenLine xmlns="" xmlns:a14="http://schemas.microsoft.com/office/drawing/2010/main" w="9525">
                     <a:solidFill>
                       <a:srgbClr val="000000"/>
                     </a:solidFill>
@@ -11413,7 +11421,7 @@
               </a:ln>
               <a:extLst>
                 <a:ext uri="{91240B29-F687-4f45-9708-019B960494DF}">
-                  <a14:hiddenLine xmlns:a14="http://schemas.microsoft.com/office/drawing/2010/main" xmlns="" w="9525">
+                  <a14:hiddenLine xmlns="" xmlns:a14="http://schemas.microsoft.com/office/drawing/2010/main" w="9525">
                     <a:solidFill>
                       <a:srgbClr val="000000"/>
                     </a:solidFill>
@@ -11478,7 +11486,7 @@
               </a:ln>
               <a:extLst>
                 <a:ext uri="{91240B29-F687-4f45-9708-019B960494DF}">
-                  <a14:hiddenLine xmlns:a14="http://schemas.microsoft.com/office/drawing/2010/main" xmlns="" w="9525">
+                  <a14:hiddenLine xmlns="" xmlns:a14="http://schemas.microsoft.com/office/drawing/2010/main" w="9525">
                     <a:solidFill>
                       <a:srgbClr val="000000"/>
                     </a:solidFill>
@@ -11568,7 +11576,7 @@
               </a:ln>
               <a:extLst>
                 <a:ext uri="{91240B29-F687-4f45-9708-019B960494DF}">
-                  <a14:hiddenLine xmlns:a14="http://schemas.microsoft.com/office/drawing/2010/main" xmlns="" w="9525">
+                  <a14:hiddenLine xmlns="" xmlns:a14="http://schemas.microsoft.com/office/drawing/2010/main" w="9525">
                     <a:solidFill>
                       <a:srgbClr val="000000"/>
                     </a:solidFill>
@@ -11636,7 +11644,7 @@
               </a:ln>
               <a:extLst>
                 <a:ext uri="{91240B29-F687-4f45-9708-019B960494DF}">
-                  <a14:hiddenLine xmlns:a14="http://schemas.microsoft.com/office/drawing/2010/main" xmlns="" w="9525">
+                  <a14:hiddenLine xmlns="" xmlns:a14="http://schemas.microsoft.com/office/drawing/2010/main" w="9525">
                     <a:solidFill>
                       <a:srgbClr val="000000"/>
                     </a:solidFill>
@@ -11726,7 +11734,7 @@
               </a:ln>
               <a:extLst>
                 <a:ext uri="{91240B29-F687-4f45-9708-019B960494DF}">
-                  <a14:hiddenLine xmlns:a14="http://schemas.microsoft.com/office/drawing/2010/main" xmlns="" w="9525">
+                  <a14:hiddenLine xmlns="" xmlns:a14="http://schemas.microsoft.com/office/drawing/2010/main" w="9525">
                     <a:solidFill>
                       <a:srgbClr val="000000"/>
                     </a:solidFill>
@@ -11794,7 +11802,7 @@
               </a:ln>
               <a:extLst>
                 <a:ext uri="{91240B29-F687-4f45-9708-019B960494DF}">
-                  <a14:hiddenLine xmlns:a14="http://schemas.microsoft.com/office/drawing/2010/main" xmlns="" w="9525">
+                  <a14:hiddenLine xmlns="" xmlns:a14="http://schemas.microsoft.com/office/drawing/2010/main" w="9525">
                     <a:solidFill>
                       <a:srgbClr val="000000"/>
                     </a:solidFill>
@@ -11884,7 +11892,7 @@
               </a:ln>
               <a:extLst>
                 <a:ext uri="{91240B29-F687-4f45-9708-019B960494DF}">
-                  <a14:hiddenLine xmlns:a14="http://schemas.microsoft.com/office/drawing/2010/main" xmlns="" w="9525">
+                  <a14:hiddenLine xmlns="" xmlns:a14="http://schemas.microsoft.com/office/drawing/2010/main" w="9525">
                     <a:solidFill>
                       <a:srgbClr val="000000"/>
                     </a:solidFill>
@@ -11918,7 +11926,7 @@
               </a:ln>
               <a:extLst>
                 <a:ext uri="{91240B29-F687-4f45-9708-019B960494DF}">
-                  <a14:hiddenLine xmlns:a14="http://schemas.microsoft.com/office/drawing/2010/main" xmlns="" w="9525">
+                  <a14:hiddenLine xmlns="" xmlns:a14="http://schemas.microsoft.com/office/drawing/2010/main" w="9525">
                     <a:solidFill>
                       <a:srgbClr val="000000"/>
                     </a:solidFill>
@@ -12058,7 +12066,7 @@
           <a:p>
             <a:fld id="{951AF1EB-82F2-4C84-AADB-635468081963}" type="datetimeFigureOut">
               <a:rPr lang="en-US" smtClean="0"/>
-              <a:t>27/07/2022</a:t>
+              <a:t>01/08/2022</a:t>
             </a:fld>
             <a:endParaRPr lang="en-US"/>
           </a:p>
@@ -15942,6 +15950,985 @@
 </p:sld>
 </file>
 
+<file path=ppt/slides/slide33.xml><?xml version="1.0" encoding="utf-8"?>
+<p:sld xmlns:a="http://schemas.openxmlformats.org/drawingml/2006/main" xmlns:r="http://schemas.openxmlformats.org/officeDocument/2006/relationships" xmlns:p="http://schemas.openxmlformats.org/presentationml/2006/main">
+  <p:cSld>
+    <p:spTree>
+      <p:nvGrpSpPr>
+        <p:cNvPr id="1" name=""/>
+        <p:cNvGrpSpPr/>
+        <p:nvPr/>
+      </p:nvGrpSpPr>
+      <p:grpSpPr>
+        <a:xfrm>
+          <a:off x="0" y="0"/>
+          <a:ext cx="0" cy="0"/>
+          <a:chOff x="0" y="0"/>
+          <a:chExt cx="0" cy="0"/>
+        </a:xfrm>
+      </p:grpSpPr>
+      <p:sp>
+        <p:nvSpPr>
+          <p:cNvPr id="2" name="Title 1">
+            <a:extLst>
+              <a:ext uri="{FF2B5EF4-FFF2-40B4-BE49-F238E27FC236}">
+                <a16:creationId xmlns:a16="http://schemas.microsoft.com/office/drawing/2014/main" id="{7536A5A0-6A70-C7CE-1030-952992936583}"/>
+              </a:ext>
+            </a:extLst>
+          </p:cNvPr>
+          <p:cNvSpPr>
+            <a:spLocks noGrp="1"/>
+          </p:cNvSpPr>
+          <p:nvPr>
+            <p:ph type="title"/>
+          </p:nvPr>
+        </p:nvSpPr>
+        <p:spPr/>
+        <p:txBody>
+          <a:bodyPr/>
+          <a:lstStyle/>
+          <a:p>
+            <a:r>
+              <a:rPr lang="en-US" dirty="0"/>
+              <a:t>get animal by id</a:t>
+            </a:r>
+          </a:p>
+        </p:txBody>
+      </p:sp>
+      <p:sp>
+        <p:nvSpPr>
+          <p:cNvPr id="3" name="Content Placeholder 2">
+            <a:extLst>
+              <a:ext uri="{FF2B5EF4-FFF2-40B4-BE49-F238E27FC236}">
+                <a16:creationId xmlns:a16="http://schemas.microsoft.com/office/drawing/2014/main" id="{9700354A-2391-DCDF-C79A-FF1F664814C0}"/>
+              </a:ext>
+            </a:extLst>
+          </p:cNvPr>
+          <p:cNvSpPr>
+            <a:spLocks noGrp="1"/>
+          </p:cNvSpPr>
+          <p:nvPr>
+            <p:ph idx="1"/>
+          </p:nvPr>
+        </p:nvSpPr>
+        <p:spPr/>
+        <p:txBody>
+          <a:bodyPr>
+            <a:normAutofit fontScale="92500" lnSpcReduction="20000"/>
+          </a:bodyPr>
+          <a:lstStyle/>
+          <a:p>
+            <a:r>
+              <a:rPr lang="en-US" dirty="0"/>
+              <a:t>create </a:t>
+            </a:r>
+            <a:r>
+              <a:rPr lang="en-US" dirty="0" err="1"/>
+              <a:t>api</a:t>
+            </a:r>
+            <a:endParaRPr lang="en-US" dirty="0"/>
+          </a:p>
+          <a:p>
+            <a:r>
+              <a:rPr lang="en-US" dirty="0"/>
+              <a:t>method get</a:t>
+            </a:r>
+          </a:p>
+          <a:p>
+            <a:r>
+              <a:rPr lang="en-US" dirty="0"/>
+              <a:t>in params get the id</a:t>
+            </a:r>
+          </a:p>
+          <a:p>
+            <a:r>
+              <a:rPr lang="en-US" dirty="0"/>
+              <a:t>try to find the animal by id</a:t>
+            </a:r>
+          </a:p>
+          <a:p>
+            <a:r>
+              <a:rPr lang="en-US" dirty="0"/>
+              <a:t>if animal was found</a:t>
+            </a:r>
+          </a:p>
+          <a:p>
+            <a:pPr lvl="1"/>
+            <a:r>
+              <a:rPr lang="en-US" dirty="0"/>
+              <a:t>then: send animal data</a:t>
+            </a:r>
+          </a:p>
+          <a:p>
+            <a:r>
+              <a:rPr lang="en-US" dirty="0"/>
+              <a:t>else</a:t>
+            </a:r>
+          </a:p>
+          <a:p>
+            <a:pPr lvl="1"/>
+            <a:r>
+              <a:rPr lang="en-US" dirty="0"/>
+              <a:t>send error msg: animal not exist</a:t>
+            </a:r>
+          </a:p>
+        </p:txBody>
+      </p:sp>
+    </p:spTree>
+    <p:extLst>
+      <p:ext uri="{BB962C8B-B14F-4D97-AF65-F5344CB8AC3E}">
+        <p14:creationId xmlns:p14="http://schemas.microsoft.com/office/powerpoint/2010/main" val="488287564"/>
+      </p:ext>
+    </p:extLst>
+  </p:cSld>
+  <p:clrMapOvr>
+    <a:masterClrMapping/>
+  </p:clrMapOvr>
+</p:sld>
+</file>
+
+<file path=ppt/slides/slide34.xml><?xml version="1.0" encoding="utf-8"?>
+<p:sld xmlns:a="http://schemas.openxmlformats.org/drawingml/2006/main" xmlns:r="http://schemas.openxmlformats.org/officeDocument/2006/relationships" xmlns:p="http://schemas.openxmlformats.org/presentationml/2006/main">
+  <p:cSld>
+    <p:spTree>
+      <p:nvGrpSpPr>
+        <p:cNvPr id="1" name=""/>
+        <p:cNvGrpSpPr/>
+        <p:nvPr/>
+      </p:nvGrpSpPr>
+      <p:grpSpPr>
+        <a:xfrm>
+          <a:off x="0" y="0"/>
+          <a:ext cx="0" cy="0"/>
+          <a:chOff x="0" y="0"/>
+          <a:chExt cx="0" cy="0"/>
+        </a:xfrm>
+      </p:grpSpPr>
+      <p:sp>
+        <p:nvSpPr>
+          <p:cNvPr id="2" name="Title 1">
+            <a:extLst>
+              <a:ext uri="{FF2B5EF4-FFF2-40B4-BE49-F238E27FC236}">
+                <a16:creationId xmlns:a16="http://schemas.microsoft.com/office/drawing/2014/main" id="{7536A5A0-6A70-C7CE-1030-952992936583}"/>
+              </a:ext>
+            </a:extLst>
+          </p:cNvPr>
+          <p:cNvSpPr>
+            <a:spLocks noGrp="1"/>
+          </p:cNvSpPr>
+          <p:nvPr>
+            <p:ph type="title"/>
+          </p:nvPr>
+        </p:nvSpPr>
+        <p:spPr/>
+        <p:txBody>
+          <a:bodyPr/>
+          <a:lstStyle/>
+          <a:p>
+            <a:r>
+              <a:rPr lang="en-US" dirty="0"/>
+              <a:t>signup</a:t>
+            </a:r>
+          </a:p>
+        </p:txBody>
+      </p:sp>
+      <p:sp>
+        <p:nvSpPr>
+          <p:cNvPr id="3" name="Content Placeholder 2">
+            <a:extLst>
+              <a:ext uri="{FF2B5EF4-FFF2-40B4-BE49-F238E27FC236}">
+                <a16:creationId xmlns:a16="http://schemas.microsoft.com/office/drawing/2014/main" id="{9700354A-2391-DCDF-C79A-FF1F664814C0}"/>
+              </a:ext>
+            </a:extLst>
+          </p:cNvPr>
+          <p:cNvSpPr>
+            <a:spLocks noGrp="1"/>
+          </p:cNvSpPr>
+          <p:nvPr>
+            <p:ph idx="1"/>
+          </p:nvPr>
+        </p:nvSpPr>
+        <p:spPr/>
+        <p:txBody>
+          <a:bodyPr>
+            <a:normAutofit/>
+          </a:bodyPr>
+          <a:lstStyle/>
+          <a:p>
+            <a:r>
+              <a:rPr lang="en-US" dirty="0"/>
+              <a:t>create </a:t>
+            </a:r>
+            <a:r>
+              <a:rPr lang="en-US" dirty="0" err="1"/>
+              <a:t>api</a:t>
+            </a:r>
+            <a:endParaRPr lang="en-US" dirty="0"/>
+          </a:p>
+          <a:p>
+            <a:r>
+              <a:rPr lang="en-US" dirty="0"/>
+              <a:t>request method post</a:t>
+            </a:r>
+          </a:p>
+          <a:p>
+            <a:r>
+              <a:rPr lang="en-US" dirty="0"/>
+              <a:t>request body name, </a:t>
+            </a:r>
+            <a:r>
+              <a:rPr lang="en-US" dirty="0" err="1"/>
+              <a:t>lname</a:t>
+            </a:r>
+            <a:r>
+              <a:rPr lang="en-US" dirty="0"/>
+              <a:t>, email, password, phone</a:t>
+            </a:r>
+          </a:p>
+          <a:p>
+            <a:r>
+              <a:rPr lang="en-US" dirty="0"/>
+              <a:t>validate the request</a:t>
+            </a:r>
+          </a:p>
+          <a:p>
+            <a:r>
+              <a:rPr lang="en-US" dirty="0"/>
+              <a:t>check if the email exists in the </a:t>
+            </a:r>
+            <a:r>
+              <a:rPr lang="en-US" dirty="0" err="1"/>
+              <a:t>db</a:t>
+            </a:r>
+            <a:endParaRPr lang="en-US" dirty="0"/>
+          </a:p>
+          <a:p>
+            <a:pPr lvl="1"/>
+            <a:r>
+              <a:rPr lang="en-US" dirty="0"/>
+              <a:t>then send error</a:t>
+            </a:r>
+          </a:p>
+        </p:txBody>
+      </p:sp>
+    </p:spTree>
+    <p:extLst>
+      <p:ext uri="{BB962C8B-B14F-4D97-AF65-F5344CB8AC3E}">
+        <p14:creationId xmlns:p14="http://schemas.microsoft.com/office/powerpoint/2010/main" val="4293467375"/>
+      </p:ext>
+    </p:extLst>
+  </p:cSld>
+  <p:clrMapOvr>
+    <a:masterClrMapping/>
+  </p:clrMapOvr>
+</p:sld>
+</file>
+
+<file path=ppt/slides/slide35.xml><?xml version="1.0" encoding="utf-8"?>
+<p:sld xmlns:a="http://schemas.openxmlformats.org/drawingml/2006/main" xmlns:r="http://schemas.openxmlformats.org/officeDocument/2006/relationships" xmlns:p="http://schemas.openxmlformats.org/presentationml/2006/main">
+  <p:cSld>
+    <p:spTree>
+      <p:nvGrpSpPr>
+        <p:cNvPr id="1" name=""/>
+        <p:cNvGrpSpPr/>
+        <p:nvPr/>
+      </p:nvGrpSpPr>
+      <p:grpSpPr>
+        <a:xfrm>
+          <a:off x="0" y="0"/>
+          <a:ext cx="0" cy="0"/>
+          <a:chOff x="0" y="0"/>
+          <a:chExt cx="0" cy="0"/>
+        </a:xfrm>
+      </p:grpSpPr>
+      <p:sp>
+        <p:nvSpPr>
+          <p:cNvPr id="2" name="Title 1">
+            <a:extLst>
+              <a:ext uri="{FF2B5EF4-FFF2-40B4-BE49-F238E27FC236}">
+                <a16:creationId xmlns:a16="http://schemas.microsoft.com/office/drawing/2014/main" id="{7536A5A0-6A70-C7CE-1030-952992936583}"/>
+              </a:ext>
+            </a:extLst>
+          </p:cNvPr>
+          <p:cNvSpPr>
+            <a:spLocks noGrp="1"/>
+          </p:cNvSpPr>
+          <p:nvPr>
+            <p:ph type="title"/>
+          </p:nvPr>
+        </p:nvSpPr>
+        <p:spPr/>
+        <p:txBody>
+          <a:bodyPr/>
+          <a:lstStyle/>
+          <a:p>
+            <a:r>
+              <a:rPr lang="en-US" dirty="0"/>
+              <a:t>signup</a:t>
+            </a:r>
+          </a:p>
+        </p:txBody>
+      </p:sp>
+      <p:sp>
+        <p:nvSpPr>
+          <p:cNvPr id="3" name="Content Placeholder 2">
+            <a:extLst>
+              <a:ext uri="{FF2B5EF4-FFF2-40B4-BE49-F238E27FC236}">
+                <a16:creationId xmlns:a16="http://schemas.microsoft.com/office/drawing/2014/main" id="{9700354A-2391-DCDF-C79A-FF1F664814C0}"/>
+              </a:ext>
+            </a:extLst>
+          </p:cNvPr>
+          <p:cNvSpPr>
+            <a:spLocks noGrp="1"/>
+          </p:cNvSpPr>
+          <p:nvPr>
+            <p:ph idx="1"/>
+          </p:nvPr>
+        </p:nvSpPr>
+        <p:spPr/>
+        <p:txBody>
+          <a:bodyPr>
+            <a:normAutofit/>
+          </a:bodyPr>
+          <a:lstStyle/>
+          <a:p>
+            <a:r>
+              <a:rPr lang="en-US" dirty="0"/>
+              <a:t>else (if email not exist in </a:t>
+            </a:r>
+            <a:r>
+              <a:rPr lang="en-US" dirty="0" err="1"/>
+              <a:t>db</a:t>
+            </a:r>
+            <a:r>
+              <a:rPr lang="en-US" dirty="0"/>
+              <a:t>)</a:t>
+            </a:r>
+          </a:p>
+          <a:p>
+            <a:pPr lvl="1"/>
+            <a:r>
+              <a:rPr lang="en-US" dirty="0"/>
+              <a:t>create hash from password</a:t>
+            </a:r>
+          </a:p>
+          <a:p>
+            <a:pPr lvl="1"/>
+            <a:r>
+              <a:rPr lang="en-US" dirty="0"/>
+              <a:t>save the data from the body </a:t>
+            </a:r>
+            <a:r>
+              <a:rPr lang="en-US" dirty="0">
+                <a:highlight>
+                  <a:srgbClr val="FF0000"/>
+                </a:highlight>
+              </a:rPr>
+              <a:t>exclude password</a:t>
+            </a:r>
+          </a:p>
+          <a:p>
+            <a:pPr lvl="1"/>
+            <a:r>
+              <a:rPr lang="en-US" dirty="0"/>
+              <a:t>save hash</a:t>
+            </a:r>
+          </a:p>
+          <a:p>
+            <a:pPr lvl="1"/>
+            <a:r>
+              <a:rPr lang="en-US" dirty="0"/>
+              <a:t>send status success</a:t>
+            </a:r>
+          </a:p>
+        </p:txBody>
+      </p:sp>
+    </p:spTree>
+    <p:extLst>
+      <p:ext uri="{BB962C8B-B14F-4D97-AF65-F5344CB8AC3E}">
+        <p14:creationId xmlns:p14="http://schemas.microsoft.com/office/powerpoint/2010/main" val="912274212"/>
+      </p:ext>
+    </p:extLst>
+  </p:cSld>
+  <p:clrMapOvr>
+    <a:masterClrMapping/>
+  </p:clrMapOvr>
+</p:sld>
+</file>
+
+<file path=ppt/slides/slide36.xml><?xml version="1.0" encoding="utf-8"?>
+<p:sld xmlns:a="http://schemas.openxmlformats.org/drawingml/2006/main" xmlns:r="http://schemas.openxmlformats.org/officeDocument/2006/relationships" xmlns:p="http://schemas.openxmlformats.org/presentationml/2006/main">
+  <p:cSld>
+    <p:spTree>
+      <p:nvGrpSpPr>
+        <p:cNvPr id="1" name=""/>
+        <p:cNvGrpSpPr/>
+        <p:nvPr/>
+      </p:nvGrpSpPr>
+      <p:grpSpPr>
+        <a:xfrm>
+          <a:off x="0" y="0"/>
+          <a:ext cx="0" cy="0"/>
+          <a:chOff x="0" y="0"/>
+          <a:chExt cx="0" cy="0"/>
+        </a:xfrm>
+      </p:grpSpPr>
+      <p:sp>
+        <p:nvSpPr>
+          <p:cNvPr id="2" name="Title 1">
+            <a:extLst>
+              <a:ext uri="{FF2B5EF4-FFF2-40B4-BE49-F238E27FC236}">
+                <a16:creationId xmlns:a16="http://schemas.microsoft.com/office/drawing/2014/main" id="{7536A5A0-6A70-C7CE-1030-952992936583}"/>
+              </a:ext>
+            </a:extLst>
+          </p:cNvPr>
+          <p:cNvSpPr>
+            <a:spLocks noGrp="1"/>
+          </p:cNvSpPr>
+          <p:nvPr>
+            <p:ph type="title"/>
+          </p:nvPr>
+        </p:nvSpPr>
+        <p:spPr/>
+        <p:txBody>
+          <a:bodyPr/>
+          <a:lstStyle/>
+          <a:p>
+            <a:r>
+              <a:rPr lang="en-US" dirty="0"/>
+              <a:t>Joi</a:t>
+            </a:r>
+          </a:p>
+        </p:txBody>
+      </p:sp>
+      <p:sp>
+        <p:nvSpPr>
+          <p:cNvPr id="3" name="Content Placeholder 2">
+            <a:extLst>
+              <a:ext uri="{FF2B5EF4-FFF2-40B4-BE49-F238E27FC236}">
+                <a16:creationId xmlns:a16="http://schemas.microsoft.com/office/drawing/2014/main" id="{9700354A-2391-DCDF-C79A-FF1F664814C0}"/>
+              </a:ext>
+            </a:extLst>
+          </p:cNvPr>
+          <p:cNvSpPr>
+            <a:spLocks noGrp="1"/>
+          </p:cNvSpPr>
+          <p:nvPr>
+            <p:ph idx="1"/>
+          </p:nvPr>
+        </p:nvSpPr>
+        <p:spPr/>
+        <p:txBody>
+          <a:bodyPr>
+            <a:normAutofit/>
+          </a:bodyPr>
+          <a:lstStyle/>
+          <a:p>
+            <a:r>
+              <a:rPr lang="en-US" dirty="0"/>
+              <a:t>to install </a:t>
+            </a:r>
+            <a:r>
+              <a:rPr lang="en-US" dirty="0" err="1"/>
+              <a:t>joi</a:t>
+            </a:r>
+            <a:r>
+              <a:rPr lang="en-US" dirty="0"/>
+              <a:t> use </a:t>
+            </a:r>
+            <a:r>
+              <a:rPr lang="en-US" dirty="0" err="1"/>
+              <a:t>npm</a:t>
+            </a:r>
+            <a:r>
+              <a:rPr lang="en-US" dirty="0"/>
+              <a:t> </a:t>
+            </a:r>
+            <a:r>
+              <a:rPr lang="en-US" dirty="0" err="1"/>
+              <a:t>i</a:t>
+            </a:r>
+            <a:r>
+              <a:rPr lang="en-US" dirty="0"/>
+              <a:t> </a:t>
+            </a:r>
+            <a:r>
+              <a:rPr lang="en-US" dirty="0" err="1"/>
+              <a:t>joi</a:t>
+            </a:r>
+            <a:endParaRPr lang="en-US" dirty="0"/>
+          </a:p>
+          <a:p>
+            <a:endParaRPr lang="en-US" dirty="0"/>
+          </a:p>
+          <a:p>
+            <a:endParaRPr lang="en-US" dirty="0"/>
+          </a:p>
+        </p:txBody>
+      </p:sp>
+    </p:spTree>
+    <p:extLst>
+      <p:ext uri="{BB962C8B-B14F-4D97-AF65-F5344CB8AC3E}">
+        <p14:creationId xmlns:p14="http://schemas.microsoft.com/office/powerpoint/2010/main" val="2151376862"/>
+      </p:ext>
+    </p:extLst>
+  </p:cSld>
+  <p:clrMapOvr>
+    <a:masterClrMapping/>
+  </p:clrMapOvr>
+</p:sld>
+</file>
+
+<file path=ppt/slides/slide37.xml><?xml version="1.0" encoding="utf-8"?>
+<p:sld xmlns:a="http://schemas.openxmlformats.org/drawingml/2006/main" xmlns:r="http://schemas.openxmlformats.org/officeDocument/2006/relationships" xmlns:p="http://schemas.openxmlformats.org/presentationml/2006/main">
+  <p:cSld>
+    <p:spTree>
+      <p:nvGrpSpPr>
+        <p:cNvPr id="1" name=""/>
+        <p:cNvGrpSpPr/>
+        <p:nvPr/>
+      </p:nvGrpSpPr>
+      <p:grpSpPr>
+        <a:xfrm>
+          <a:off x="0" y="0"/>
+          <a:ext cx="0" cy="0"/>
+          <a:chOff x="0" y="0"/>
+          <a:chExt cx="0" cy="0"/>
+        </a:xfrm>
+      </p:grpSpPr>
+      <p:sp>
+        <p:nvSpPr>
+          <p:cNvPr id="2" name="Title 1">
+            <a:extLst>
+              <a:ext uri="{FF2B5EF4-FFF2-40B4-BE49-F238E27FC236}">
+                <a16:creationId xmlns:a16="http://schemas.microsoft.com/office/drawing/2014/main" id="{7536A5A0-6A70-C7CE-1030-952992936583}"/>
+              </a:ext>
+            </a:extLst>
+          </p:cNvPr>
+          <p:cNvSpPr>
+            <a:spLocks noGrp="1"/>
+          </p:cNvSpPr>
+          <p:nvPr>
+            <p:ph type="title"/>
+          </p:nvPr>
+        </p:nvSpPr>
+        <p:spPr/>
+        <p:txBody>
+          <a:bodyPr/>
+          <a:lstStyle/>
+          <a:p>
+            <a:r>
+              <a:rPr lang="en-US" dirty="0"/>
+              <a:t>Joi – validate email</a:t>
+            </a:r>
+          </a:p>
+        </p:txBody>
+      </p:sp>
+      <p:sp>
+        <p:nvSpPr>
+          <p:cNvPr id="3" name="Content Placeholder 2">
+            <a:extLst>
+              <a:ext uri="{FF2B5EF4-FFF2-40B4-BE49-F238E27FC236}">
+                <a16:creationId xmlns:a16="http://schemas.microsoft.com/office/drawing/2014/main" id="{9700354A-2391-DCDF-C79A-FF1F664814C0}"/>
+              </a:ext>
+            </a:extLst>
+          </p:cNvPr>
+          <p:cNvSpPr>
+            <a:spLocks noGrp="1"/>
+          </p:cNvSpPr>
+          <p:nvPr>
+            <p:ph idx="1"/>
+          </p:nvPr>
+        </p:nvSpPr>
+        <p:spPr/>
+        <p:txBody>
+          <a:bodyPr>
+            <a:normAutofit fontScale="92500" lnSpcReduction="10000"/>
+          </a:bodyPr>
+          <a:lstStyle/>
+          <a:p>
+            <a:r>
+              <a:rPr lang="en-US" dirty="0"/>
+              <a:t>email: </a:t>
+            </a:r>
+            <a:r>
+              <a:rPr lang="en-US" dirty="0" err="1"/>
+              <a:t>Joi.string</a:t>
+            </a:r>
+            <a:r>
+              <a:rPr lang="en-US" dirty="0"/>
+              <a:t>().email().min(6).max(255).trim().required()</a:t>
+            </a:r>
+          </a:p>
+          <a:p>
+            <a:r>
+              <a:rPr lang="en-US" dirty="0"/>
+              <a:t>string() – check if it string</a:t>
+            </a:r>
+          </a:p>
+          <a:p>
+            <a:r>
+              <a:rPr lang="en-US" dirty="0"/>
+              <a:t>email() – check if it valid email</a:t>
+            </a:r>
+          </a:p>
+          <a:p>
+            <a:r>
+              <a:rPr lang="en-US" dirty="0"/>
+              <a:t>min(6) – check if it at least 6 characters</a:t>
+            </a:r>
+          </a:p>
+          <a:p>
+            <a:r>
+              <a:rPr lang="en-US" dirty="0"/>
+              <a:t>max(255) – check if it up to 255 characters</a:t>
+            </a:r>
+          </a:p>
+          <a:p>
+            <a:r>
+              <a:rPr lang="en-US" dirty="0"/>
+              <a:t>trim() – remove spaces before and after the email</a:t>
+            </a:r>
+          </a:p>
+          <a:p>
+            <a:r>
+              <a:rPr lang="en-US" dirty="0"/>
+              <a:t>required() – this field is required</a:t>
+            </a:r>
+          </a:p>
+          <a:p>
+            <a:endParaRPr lang="en-US" dirty="0"/>
+          </a:p>
+        </p:txBody>
+      </p:sp>
+    </p:spTree>
+    <p:extLst>
+      <p:ext uri="{BB962C8B-B14F-4D97-AF65-F5344CB8AC3E}">
+        <p14:creationId xmlns:p14="http://schemas.microsoft.com/office/powerpoint/2010/main" val="1405668516"/>
+      </p:ext>
+    </p:extLst>
+  </p:cSld>
+  <p:clrMapOvr>
+    <a:masterClrMapping/>
+  </p:clrMapOvr>
+</p:sld>
+</file>
+
+<file path=ppt/slides/slide38.xml><?xml version="1.0" encoding="utf-8"?>
+<p:sld xmlns:a="http://schemas.openxmlformats.org/drawingml/2006/main" xmlns:r="http://schemas.openxmlformats.org/officeDocument/2006/relationships" xmlns:p="http://schemas.openxmlformats.org/presentationml/2006/main">
+  <p:cSld>
+    <p:spTree>
+      <p:nvGrpSpPr>
+        <p:cNvPr id="1" name=""/>
+        <p:cNvGrpSpPr/>
+        <p:nvPr/>
+      </p:nvGrpSpPr>
+      <p:grpSpPr>
+        <a:xfrm>
+          <a:off x="0" y="0"/>
+          <a:ext cx="0" cy="0"/>
+          <a:chOff x="0" y="0"/>
+          <a:chExt cx="0" cy="0"/>
+        </a:xfrm>
+      </p:grpSpPr>
+      <p:sp>
+        <p:nvSpPr>
+          <p:cNvPr id="2" name="Title 1">
+            <a:extLst>
+              <a:ext uri="{FF2B5EF4-FFF2-40B4-BE49-F238E27FC236}">
+                <a16:creationId xmlns:a16="http://schemas.microsoft.com/office/drawing/2014/main" id="{7536A5A0-6A70-C7CE-1030-952992936583}"/>
+              </a:ext>
+            </a:extLst>
+          </p:cNvPr>
+          <p:cNvSpPr>
+            <a:spLocks noGrp="1"/>
+          </p:cNvSpPr>
+          <p:nvPr>
+            <p:ph type="title"/>
+          </p:nvPr>
+        </p:nvSpPr>
+        <p:spPr/>
+        <p:txBody>
+          <a:bodyPr/>
+          <a:lstStyle/>
+          <a:p>
+            <a:r>
+              <a:rPr lang="en-US" dirty="0"/>
+              <a:t>Joi – validate password</a:t>
+            </a:r>
+          </a:p>
+        </p:txBody>
+      </p:sp>
+      <p:sp>
+        <p:nvSpPr>
+          <p:cNvPr id="3" name="Content Placeholder 2">
+            <a:extLst>
+              <a:ext uri="{FF2B5EF4-FFF2-40B4-BE49-F238E27FC236}">
+                <a16:creationId xmlns:a16="http://schemas.microsoft.com/office/drawing/2014/main" id="{9700354A-2391-DCDF-C79A-FF1F664814C0}"/>
+              </a:ext>
+            </a:extLst>
+          </p:cNvPr>
+          <p:cNvSpPr>
+            <a:spLocks noGrp="1"/>
+          </p:cNvSpPr>
+          <p:nvPr>
+            <p:ph idx="1"/>
+          </p:nvPr>
+        </p:nvSpPr>
+        <p:spPr/>
+        <p:txBody>
+          <a:bodyPr>
+            <a:normAutofit fontScale="92500" lnSpcReduction="10000"/>
+          </a:bodyPr>
+          <a:lstStyle/>
+          <a:p>
+            <a:r>
+              <a:rPr lang="en-US" dirty="0"/>
+              <a:t>password: </a:t>
+            </a:r>
+            <a:r>
+              <a:rPr lang="en-US" dirty="0" err="1"/>
+              <a:t>Joi.string</a:t>
+            </a:r>
+            <a:r>
+              <a:rPr lang="en-US" dirty="0"/>
+              <a:t>()</a:t>
+            </a:r>
+          </a:p>
+          <a:p>
+            <a:r>
+              <a:rPr lang="en-US" dirty="0"/>
+              <a:t>    .regex(</a:t>
+            </a:r>
+          </a:p>
+          <a:p>
+            <a:r>
+              <a:rPr lang="en-US" dirty="0"/>
+              <a:t>      new </a:t>
+            </a:r>
+            <a:r>
+              <a:rPr lang="en-US" dirty="0" err="1"/>
+              <a:t>RegExp</a:t>
+            </a:r>
+            <a:r>
+              <a:rPr lang="en-US" dirty="0"/>
+              <a:t>(</a:t>
+            </a:r>
+          </a:p>
+          <a:p>
+            <a:r>
+              <a:rPr lang="en-US" dirty="0"/>
+              <a:t>        "^(?=.*[A-Z])(?=.*[a-z])(?=.*[0-9])(?=.*[!@#$%^&amp;*() ]).{6,12}$"</a:t>
+            </a:r>
+          </a:p>
+          <a:p>
+            <a:r>
+              <a:rPr lang="en-US" dirty="0"/>
+              <a:t>      )</a:t>
+            </a:r>
+          </a:p>
+          <a:p>
+            <a:r>
+              <a:rPr lang="en-US" dirty="0"/>
+              <a:t>    )</a:t>
+            </a:r>
+          </a:p>
+          <a:p>
+            <a:r>
+              <a:rPr lang="en-US" dirty="0"/>
+              <a:t>    .required(),</a:t>
+            </a:r>
+          </a:p>
+        </p:txBody>
+      </p:sp>
+    </p:spTree>
+    <p:extLst>
+      <p:ext uri="{BB962C8B-B14F-4D97-AF65-F5344CB8AC3E}">
+        <p14:creationId xmlns:p14="http://schemas.microsoft.com/office/powerpoint/2010/main" val="3658143793"/>
+      </p:ext>
+    </p:extLst>
+  </p:cSld>
+  <p:clrMapOvr>
+    <a:masterClrMapping/>
+  </p:clrMapOvr>
+</p:sld>
+</file>
+
+<file path=ppt/slides/slide39.xml><?xml version="1.0" encoding="utf-8"?>
+<p:sld xmlns:a="http://schemas.openxmlformats.org/drawingml/2006/main" xmlns:r="http://schemas.openxmlformats.org/officeDocument/2006/relationships" xmlns:p="http://schemas.openxmlformats.org/presentationml/2006/main">
+  <p:cSld>
+    <p:spTree>
+      <p:nvGrpSpPr>
+        <p:cNvPr id="1" name=""/>
+        <p:cNvGrpSpPr/>
+        <p:nvPr/>
+      </p:nvGrpSpPr>
+      <p:grpSpPr>
+        <a:xfrm>
+          <a:off x="0" y="0"/>
+          <a:ext cx="0" cy="0"/>
+          <a:chOff x="0" y="0"/>
+          <a:chExt cx="0" cy="0"/>
+        </a:xfrm>
+      </p:grpSpPr>
+      <p:sp>
+        <p:nvSpPr>
+          <p:cNvPr id="2" name="Title 1">
+            <a:extLst>
+              <a:ext uri="{FF2B5EF4-FFF2-40B4-BE49-F238E27FC236}">
+                <a16:creationId xmlns:a16="http://schemas.microsoft.com/office/drawing/2014/main" id="{7536A5A0-6A70-C7CE-1030-952992936583}"/>
+              </a:ext>
+            </a:extLst>
+          </p:cNvPr>
+          <p:cNvSpPr>
+            <a:spLocks noGrp="1"/>
+          </p:cNvSpPr>
+          <p:nvPr>
+            <p:ph type="title"/>
+          </p:nvPr>
+        </p:nvSpPr>
+        <p:spPr/>
+        <p:txBody>
+          <a:bodyPr/>
+          <a:lstStyle/>
+          <a:p>
+            <a:r>
+              <a:rPr lang="en-US" dirty="0"/>
+              <a:t>Joi – validate password</a:t>
+            </a:r>
+          </a:p>
+        </p:txBody>
+      </p:sp>
+      <p:sp>
+        <p:nvSpPr>
+          <p:cNvPr id="3" name="Content Placeholder 2">
+            <a:extLst>
+              <a:ext uri="{FF2B5EF4-FFF2-40B4-BE49-F238E27FC236}">
+                <a16:creationId xmlns:a16="http://schemas.microsoft.com/office/drawing/2014/main" id="{9700354A-2391-DCDF-C79A-FF1F664814C0}"/>
+              </a:ext>
+            </a:extLst>
+          </p:cNvPr>
+          <p:cNvSpPr>
+            <a:spLocks noGrp="1"/>
+          </p:cNvSpPr>
+          <p:nvPr>
+            <p:ph idx="1"/>
+          </p:nvPr>
+        </p:nvSpPr>
+        <p:spPr/>
+        <p:txBody>
+          <a:bodyPr>
+            <a:normAutofit lnSpcReduction="10000"/>
+          </a:bodyPr>
+          <a:lstStyle/>
+          <a:p>
+            <a:r>
+              <a:rPr lang="en-US" b="0" dirty="0">
+                <a:solidFill>
+                  <a:srgbClr val="E7F3FA"/>
+                </a:solidFill>
+                <a:effectLst/>
+                <a:latin typeface="Consolas" panose="020B0609020204030204" pitchFamily="49" charset="0"/>
+              </a:rPr>
+              <a:t>^</a:t>
+            </a:r>
+            <a:r>
+              <a:rPr lang="en-US" dirty="0">
+                <a:latin typeface="Consolas" panose="020B0609020204030204" pitchFamily="49" charset="0"/>
+              </a:rPr>
+              <a:t> - check from the beginning of the string</a:t>
+            </a:r>
+            <a:endParaRPr lang="en-US" b="0" dirty="0">
+              <a:effectLst/>
+              <a:latin typeface="Consolas" panose="020B0609020204030204" pitchFamily="49" charset="0"/>
+            </a:endParaRPr>
+          </a:p>
+          <a:p>
+            <a:r>
+              <a:rPr lang="en-US" b="0" dirty="0">
+                <a:solidFill>
+                  <a:srgbClr val="E7F3FA"/>
+                </a:solidFill>
+                <a:effectLst/>
+                <a:latin typeface="Consolas" panose="020B0609020204030204" pitchFamily="49" charset="0"/>
+              </a:rPr>
+              <a:t>(?=.*[A-Z]) – the password must contain at least one upper case latter</a:t>
+            </a:r>
+          </a:p>
+          <a:p>
+            <a:r>
+              <a:rPr lang="en-US" b="0" dirty="0">
+                <a:solidFill>
+                  <a:srgbClr val="E7F3FA"/>
+                </a:solidFill>
+                <a:effectLst/>
+                <a:latin typeface="Consolas" panose="020B0609020204030204" pitchFamily="49" charset="0"/>
+              </a:rPr>
+              <a:t>(?=.*[a-z]) - the password must contain at least one lower case latter</a:t>
+            </a:r>
+            <a:endParaRPr lang="en-US" b="0" dirty="0">
+              <a:solidFill>
+                <a:srgbClr val="BBBBBB"/>
+              </a:solidFill>
+              <a:effectLst/>
+              <a:latin typeface="Consolas" panose="020B0609020204030204" pitchFamily="49" charset="0"/>
+            </a:endParaRPr>
+          </a:p>
+          <a:p>
+            <a:r>
+              <a:rPr lang="en-US" b="0" dirty="0">
+                <a:solidFill>
+                  <a:srgbClr val="E7F3FA"/>
+                </a:solidFill>
+                <a:effectLst/>
+                <a:latin typeface="Consolas" panose="020B0609020204030204" pitchFamily="49" charset="0"/>
+              </a:rPr>
+              <a:t>(?=.*[0-9]) - the password must contain at least one digit</a:t>
+            </a:r>
+            <a:endParaRPr lang="en-US" b="0" dirty="0">
+              <a:solidFill>
+                <a:srgbClr val="BBBBBB"/>
+              </a:solidFill>
+              <a:effectLst/>
+              <a:latin typeface="Consolas" panose="020B0609020204030204" pitchFamily="49" charset="0"/>
+            </a:endParaRPr>
+          </a:p>
+          <a:p>
+            <a:endParaRPr lang="en-US" b="0" dirty="0">
+              <a:solidFill>
+                <a:srgbClr val="E7F3FA"/>
+              </a:solidFill>
+              <a:effectLst/>
+              <a:latin typeface="Consolas" panose="020B0609020204030204" pitchFamily="49" charset="0"/>
+            </a:endParaRPr>
+          </a:p>
+          <a:p>
+            <a:endParaRPr lang="en-US" b="0" dirty="0">
+              <a:solidFill>
+                <a:srgbClr val="BBBBBB"/>
+              </a:solidFill>
+              <a:effectLst/>
+              <a:latin typeface="Consolas" panose="020B0609020204030204" pitchFamily="49" charset="0"/>
+            </a:endParaRPr>
+          </a:p>
+          <a:p>
+            <a:endParaRPr lang="en-US" dirty="0"/>
+          </a:p>
+        </p:txBody>
+      </p:sp>
+    </p:spTree>
+    <p:extLst>
+      <p:ext uri="{BB962C8B-B14F-4D97-AF65-F5344CB8AC3E}">
+        <p14:creationId xmlns:p14="http://schemas.microsoft.com/office/powerpoint/2010/main" val="323733410"/>
+      </p:ext>
+    </p:extLst>
+  </p:cSld>
+  <p:clrMapOvr>
+    <a:masterClrMapping/>
+  </p:clrMapOvr>
+</p:sld>
+</file>
+
 <file path=ppt/slides/slide4.xml><?xml version="1.0" encoding="utf-8"?>
 <p:sld xmlns:a="http://schemas.openxmlformats.org/drawingml/2006/main" xmlns:r="http://schemas.openxmlformats.org/officeDocument/2006/relationships" xmlns:p="http://schemas.openxmlformats.org/presentationml/2006/main">
   <p:cSld>
@@ -16035,6 +17022,178 @@
     <p:extLst>
       <p:ext uri="{BB962C8B-B14F-4D97-AF65-F5344CB8AC3E}">
         <p14:creationId xmlns:p14="http://schemas.microsoft.com/office/powerpoint/2010/main" val="1802614557"/>
+      </p:ext>
+    </p:extLst>
+  </p:cSld>
+  <p:clrMapOvr>
+    <a:masterClrMapping/>
+  </p:clrMapOvr>
+</p:sld>
+</file>
+
+<file path=ppt/slides/slide40.xml><?xml version="1.0" encoding="utf-8"?>
+<p:sld xmlns:a="http://schemas.openxmlformats.org/drawingml/2006/main" xmlns:r="http://schemas.openxmlformats.org/officeDocument/2006/relationships" xmlns:p="http://schemas.openxmlformats.org/presentationml/2006/main">
+  <p:cSld>
+    <p:spTree>
+      <p:nvGrpSpPr>
+        <p:cNvPr id="1" name=""/>
+        <p:cNvGrpSpPr/>
+        <p:nvPr/>
+      </p:nvGrpSpPr>
+      <p:grpSpPr>
+        <a:xfrm>
+          <a:off x="0" y="0"/>
+          <a:ext cx="0" cy="0"/>
+          <a:chOff x="0" y="0"/>
+          <a:chExt cx="0" cy="0"/>
+        </a:xfrm>
+      </p:grpSpPr>
+      <p:sp>
+        <p:nvSpPr>
+          <p:cNvPr id="2" name="Title 1">
+            <a:extLst>
+              <a:ext uri="{FF2B5EF4-FFF2-40B4-BE49-F238E27FC236}">
+                <a16:creationId xmlns:a16="http://schemas.microsoft.com/office/drawing/2014/main" id="{7536A5A0-6A70-C7CE-1030-952992936583}"/>
+              </a:ext>
+            </a:extLst>
+          </p:cNvPr>
+          <p:cNvSpPr>
+            <a:spLocks noGrp="1"/>
+          </p:cNvSpPr>
+          <p:nvPr>
+            <p:ph type="title"/>
+          </p:nvPr>
+        </p:nvSpPr>
+        <p:spPr/>
+        <p:txBody>
+          <a:bodyPr/>
+          <a:lstStyle/>
+          <a:p>
+            <a:r>
+              <a:rPr lang="en-US" dirty="0"/>
+              <a:t>Joi – validate password</a:t>
+            </a:r>
+          </a:p>
+        </p:txBody>
+      </p:sp>
+      <p:sp>
+        <p:nvSpPr>
+          <p:cNvPr id="3" name="Content Placeholder 2">
+            <a:extLst>
+              <a:ext uri="{FF2B5EF4-FFF2-40B4-BE49-F238E27FC236}">
+                <a16:creationId xmlns:a16="http://schemas.microsoft.com/office/drawing/2014/main" id="{9700354A-2391-DCDF-C79A-FF1F664814C0}"/>
+              </a:ext>
+            </a:extLst>
+          </p:cNvPr>
+          <p:cNvSpPr>
+            <a:spLocks noGrp="1"/>
+          </p:cNvSpPr>
+          <p:nvPr>
+            <p:ph idx="1"/>
+          </p:nvPr>
+        </p:nvSpPr>
+        <p:spPr/>
+        <p:txBody>
+          <a:bodyPr>
+            <a:normAutofit/>
+          </a:bodyPr>
+          <a:lstStyle/>
+          <a:p>
+            <a:r>
+              <a:rPr lang="en-US" b="0" dirty="0">
+                <a:solidFill>
+                  <a:srgbClr val="E7F3FA"/>
+                </a:solidFill>
+                <a:effectLst/>
+                <a:latin typeface="Consolas" panose="020B0609020204030204" pitchFamily="49" charset="0"/>
+              </a:rPr>
+              <a:t>(?=.*[!@#$%^&amp;*() ]) - the password must contain at least one special character</a:t>
+            </a:r>
+          </a:p>
+          <a:p>
+            <a:r>
+              <a:rPr lang="en-US" b="0" dirty="0">
+                <a:solidFill>
+                  <a:srgbClr val="E7F3FA"/>
+                </a:solidFill>
+                <a:effectLst/>
+                <a:latin typeface="Consolas" panose="020B0609020204030204" pitchFamily="49" charset="0"/>
+              </a:rPr>
+              <a:t>.{6,12} – the password must be between 6 to 12 character</a:t>
+            </a:r>
+          </a:p>
+          <a:p>
+            <a:r>
+              <a:rPr lang="en-US" dirty="0">
+                <a:solidFill>
+                  <a:srgbClr val="E7F3FA"/>
+                </a:solidFill>
+                <a:latin typeface="Consolas" panose="020B0609020204030204" pitchFamily="49" charset="0"/>
+              </a:rPr>
+              <a:t>$ - check until the end of </a:t>
+            </a:r>
+            <a:r>
+              <a:rPr lang="en-US">
+                <a:solidFill>
+                  <a:srgbClr val="E7F3FA"/>
+                </a:solidFill>
+                <a:latin typeface="Consolas" panose="020B0609020204030204" pitchFamily="49" charset="0"/>
+              </a:rPr>
+              <a:t>the password</a:t>
+            </a:r>
+            <a:endParaRPr lang="en-US" b="0">
+              <a:solidFill>
+                <a:srgbClr val="BBBBBB"/>
+              </a:solidFill>
+              <a:effectLst/>
+              <a:latin typeface="Consolas" panose="020B0609020204030204" pitchFamily="49" charset="0"/>
+            </a:endParaRPr>
+          </a:p>
+          <a:p>
+            <a:endParaRPr lang="en-US" b="0" dirty="0">
+              <a:solidFill>
+                <a:srgbClr val="E7F3FA"/>
+              </a:solidFill>
+              <a:effectLst/>
+              <a:latin typeface="Consolas" panose="020B0609020204030204" pitchFamily="49" charset="0"/>
+            </a:endParaRPr>
+          </a:p>
+          <a:p>
+            <a:endParaRPr lang="en-US" b="0" dirty="0">
+              <a:solidFill>
+                <a:srgbClr val="BBBBBB"/>
+              </a:solidFill>
+              <a:effectLst/>
+              <a:latin typeface="Consolas" panose="020B0609020204030204" pitchFamily="49" charset="0"/>
+            </a:endParaRPr>
+          </a:p>
+          <a:p>
+            <a:endParaRPr lang="en-US" b="0" dirty="0">
+              <a:solidFill>
+                <a:srgbClr val="E7F3FA"/>
+              </a:solidFill>
+              <a:effectLst/>
+              <a:latin typeface="Consolas" panose="020B0609020204030204" pitchFamily="49" charset="0"/>
+            </a:endParaRPr>
+          </a:p>
+          <a:p>
+            <a:endParaRPr lang="en-US" b="0" dirty="0">
+              <a:solidFill>
+                <a:srgbClr val="BBBBBB"/>
+              </a:solidFill>
+              <a:effectLst/>
+              <a:latin typeface="Consolas" panose="020B0609020204030204" pitchFamily="49" charset="0"/>
+            </a:endParaRPr>
+          </a:p>
+          <a:p>
+            <a:endParaRPr lang="en-US" dirty="0"/>
+          </a:p>
+        </p:txBody>
+      </p:sp>
+    </p:spTree>
+    <p:extLst>
+      <p:ext uri="{BB962C8B-B14F-4D97-AF65-F5344CB8AC3E}">
+        <p14:creationId xmlns:p14="http://schemas.microsoft.com/office/powerpoint/2010/main" val="1100764293"/>
       </p:ext>
     </p:extLst>
   </p:cSld>

--- a/docs/node js.pptx
+++ b/docs/node js.pptx
@@ -45,6 +45,8 @@
     <p:sldId id="294" r:id="rId39"/>
     <p:sldId id="293" r:id="rId40"/>
     <p:sldId id="295" r:id="rId41"/>
+    <p:sldId id="296" r:id="rId42"/>
+    <p:sldId id="297" r:id="rId43"/>
   </p:sldIdLst>
   <p:sldSz cx="12192000" cy="6858000"/>
   <p:notesSz cx="6858000" cy="9144000"/>
@@ -17130,18 +17132,9 @@
                 </a:solidFill>
                 <a:latin typeface="Consolas" panose="020B0609020204030204" pitchFamily="49" charset="0"/>
               </a:rPr>
-              <a:t>$ - check until the end of </a:t>
-            </a:r>
-            <a:r>
-              <a:rPr lang="en-US">
-                <a:solidFill>
-                  <a:srgbClr val="E7F3FA"/>
-                </a:solidFill>
-                <a:latin typeface="Consolas" panose="020B0609020204030204" pitchFamily="49" charset="0"/>
-              </a:rPr>
-              <a:t>the password</a:t>
-            </a:r>
-            <a:endParaRPr lang="en-US" b="0">
+              <a:t>$ - check until the end of the password</a:t>
+            </a:r>
+            <a:endParaRPr lang="en-US" b="0" dirty="0">
               <a:solidFill>
                 <a:srgbClr val="BBBBBB"/>
               </a:solidFill>
@@ -17194,6 +17187,262 @@
     <p:extLst>
       <p:ext uri="{BB962C8B-B14F-4D97-AF65-F5344CB8AC3E}">
         <p14:creationId xmlns:p14="http://schemas.microsoft.com/office/powerpoint/2010/main" val="1100764293"/>
+      </p:ext>
+    </p:extLst>
+  </p:cSld>
+  <p:clrMapOvr>
+    <a:masterClrMapping/>
+  </p:clrMapOvr>
+</p:sld>
+</file>
+
+<file path=ppt/slides/slide41.xml><?xml version="1.0" encoding="utf-8"?>
+<p:sld xmlns:a="http://schemas.openxmlformats.org/drawingml/2006/main" xmlns:r="http://schemas.openxmlformats.org/officeDocument/2006/relationships" xmlns:p="http://schemas.openxmlformats.org/presentationml/2006/main">
+  <p:cSld>
+    <p:spTree>
+      <p:nvGrpSpPr>
+        <p:cNvPr id="1" name=""/>
+        <p:cNvGrpSpPr/>
+        <p:nvPr/>
+      </p:nvGrpSpPr>
+      <p:grpSpPr>
+        <a:xfrm>
+          <a:off x="0" y="0"/>
+          <a:ext cx="0" cy="0"/>
+          <a:chOff x="0" y="0"/>
+          <a:chExt cx="0" cy="0"/>
+        </a:xfrm>
+      </p:grpSpPr>
+      <p:sp>
+        <p:nvSpPr>
+          <p:cNvPr id="2" name="Title 1">
+            <a:extLst>
+              <a:ext uri="{FF2B5EF4-FFF2-40B4-BE49-F238E27FC236}">
+                <a16:creationId xmlns:a16="http://schemas.microsoft.com/office/drawing/2014/main" id="{7536A5A0-6A70-C7CE-1030-952992936583}"/>
+              </a:ext>
+            </a:extLst>
+          </p:cNvPr>
+          <p:cNvSpPr>
+            <a:spLocks noGrp="1"/>
+          </p:cNvSpPr>
+          <p:nvPr>
+            <p:ph type="title"/>
+          </p:nvPr>
+        </p:nvSpPr>
+        <p:spPr/>
+        <p:txBody>
+          <a:bodyPr/>
+          <a:lstStyle/>
+          <a:p>
+            <a:r>
+              <a:rPr lang="en-US" dirty="0"/>
+              <a:t>login</a:t>
+            </a:r>
+          </a:p>
+        </p:txBody>
+      </p:sp>
+      <p:sp>
+        <p:nvSpPr>
+          <p:cNvPr id="3" name="Content Placeholder 2">
+            <a:extLst>
+              <a:ext uri="{FF2B5EF4-FFF2-40B4-BE49-F238E27FC236}">
+                <a16:creationId xmlns:a16="http://schemas.microsoft.com/office/drawing/2014/main" id="{9700354A-2391-DCDF-C79A-FF1F664814C0}"/>
+              </a:ext>
+            </a:extLst>
+          </p:cNvPr>
+          <p:cNvSpPr>
+            <a:spLocks noGrp="1"/>
+          </p:cNvSpPr>
+          <p:nvPr>
+            <p:ph idx="1"/>
+          </p:nvPr>
+        </p:nvSpPr>
+        <p:spPr/>
+        <p:txBody>
+          <a:bodyPr>
+            <a:normAutofit/>
+          </a:bodyPr>
+          <a:lstStyle/>
+          <a:p>
+            <a:r>
+              <a:rPr lang="en-US" dirty="0"/>
+              <a:t>create </a:t>
+            </a:r>
+            <a:r>
+              <a:rPr lang="en-US" dirty="0" err="1"/>
+              <a:t>api</a:t>
+            </a:r>
+            <a:endParaRPr lang="en-US" dirty="0"/>
+          </a:p>
+          <a:p>
+            <a:r>
+              <a:rPr lang="en-US" dirty="0"/>
+              <a:t>request method post</a:t>
+            </a:r>
+          </a:p>
+          <a:p>
+            <a:r>
+              <a:rPr lang="en-US" dirty="0"/>
+              <a:t>request body email, password</a:t>
+            </a:r>
+          </a:p>
+          <a:p>
+            <a:r>
+              <a:rPr lang="en-US" dirty="0"/>
+              <a:t>validate the request</a:t>
+            </a:r>
+          </a:p>
+        </p:txBody>
+      </p:sp>
+    </p:spTree>
+    <p:extLst>
+      <p:ext uri="{BB962C8B-B14F-4D97-AF65-F5344CB8AC3E}">
+        <p14:creationId xmlns:p14="http://schemas.microsoft.com/office/powerpoint/2010/main" val="1434052402"/>
+      </p:ext>
+    </p:extLst>
+  </p:cSld>
+  <p:clrMapOvr>
+    <a:masterClrMapping/>
+  </p:clrMapOvr>
+</p:sld>
+</file>
+
+<file path=ppt/slides/slide42.xml><?xml version="1.0" encoding="utf-8"?>
+<p:sld xmlns:a="http://schemas.openxmlformats.org/drawingml/2006/main" xmlns:r="http://schemas.openxmlformats.org/officeDocument/2006/relationships" xmlns:p="http://schemas.openxmlformats.org/presentationml/2006/main">
+  <p:cSld>
+    <p:spTree>
+      <p:nvGrpSpPr>
+        <p:cNvPr id="1" name=""/>
+        <p:cNvGrpSpPr/>
+        <p:nvPr/>
+      </p:nvGrpSpPr>
+      <p:grpSpPr>
+        <a:xfrm>
+          <a:off x="0" y="0"/>
+          <a:ext cx="0" cy="0"/>
+          <a:chOff x="0" y="0"/>
+          <a:chExt cx="0" cy="0"/>
+        </a:xfrm>
+      </p:grpSpPr>
+      <p:sp>
+        <p:nvSpPr>
+          <p:cNvPr id="2" name="Title 1">
+            <a:extLst>
+              <a:ext uri="{FF2B5EF4-FFF2-40B4-BE49-F238E27FC236}">
+                <a16:creationId xmlns:a16="http://schemas.microsoft.com/office/drawing/2014/main" id="{7536A5A0-6A70-C7CE-1030-952992936583}"/>
+              </a:ext>
+            </a:extLst>
+          </p:cNvPr>
+          <p:cNvSpPr>
+            <a:spLocks noGrp="1"/>
+          </p:cNvSpPr>
+          <p:nvPr>
+            <p:ph type="title"/>
+          </p:nvPr>
+        </p:nvSpPr>
+        <p:spPr/>
+        <p:txBody>
+          <a:bodyPr/>
+          <a:lstStyle/>
+          <a:p>
+            <a:r>
+              <a:rPr lang="en-US" dirty="0"/>
+              <a:t>login</a:t>
+            </a:r>
+          </a:p>
+        </p:txBody>
+      </p:sp>
+      <p:sp>
+        <p:nvSpPr>
+          <p:cNvPr id="3" name="Content Placeholder 2">
+            <a:extLst>
+              <a:ext uri="{FF2B5EF4-FFF2-40B4-BE49-F238E27FC236}">
+                <a16:creationId xmlns:a16="http://schemas.microsoft.com/office/drawing/2014/main" id="{9700354A-2391-DCDF-C79A-FF1F664814C0}"/>
+              </a:ext>
+            </a:extLst>
+          </p:cNvPr>
+          <p:cNvSpPr>
+            <a:spLocks noGrp="1"/>
+          </p:cNvSpPr>
+          <p:nvPr>
+            <p:ph idx="1"/>
+          </p:nvPr>
+        </p:nvSpPr>
+        <p:spPr/>
+        <p:txBody>
+          <a:bodyPr>
+            <a:normAutofit lnSpcReduction="10000"/>
+          </a:bodyPr>
+          <a:lstStyle/>
+          <a:p>
+            <a:r>
+              <a:rPr lang="en-US" dirty="0"/>
+              <a:t>check if the email exists in the </a:t>
+            </a:r>
+            <a:r>
+              <a:rPr lang="en-US" dirty="0" err="1"/>
+              <a:t>db</a:t>
+            </a:r>
+            <a:endParaRPr lang="en-US" dirty="0"/>
+          </a:p>
+          <a:p>
+            <a:r>
+              <a:rPr lang="en-US" dirty="0"/>
+              <a:t>then </a:t>
+            </a:r>
+          </a:p>
+          <a:p>
+            <a:pPr lvl="1"/>
+            <a:r>
+              <a:rPr lang="en-US" dirty="0"/>
+              <a:t>get the user data</a:t>
+            </a:r>
+          </a:p>
+          <a:p>
+            <a:pPr lvl="1"/>
+            <a:r>
+              <a:rPr lang="en-US" dirty="0"/>
+              <a:t>check if user password match with hash</a:t>
+            </a:r>
+          </a:p>
+          <a:p>
+            <a:pPr lvl="2"/>
+            <a:r>
+              <a:rPr lang="en-US" dirty="0"/>
+              <a:t>then</a:t>
+            </a:r>
+          </a:p>
+          <a:p>
+            <a:pPr lvl="2"/>
+            <a:r>
+              <a:rPr lang="en-US" dirty="0"/>
+              <a:t>create token</a:t>
+            </a:r>
+          </a:p>
+          <a:p>
+            <a:pPr lvl="2"/>
+            <a:r>
+              <a:rPr lang="en-US" dirty="0"/>
+              <a:t>send the token to the client side</a:t>
+            </a:r>
+          </a:p>
+          <a:p>
+            <a:r>
+              <a:rPr lang="en-US"/>
+              <a:t>else error</a:t>
+            </a:r>
+            <a:endParaRPr lang="en-US" dirty="0"/>
+          </a:p>
+          <a:p>
+            <a:pPr lvl="2"/>
+            <a:endParaRPr lang="en-US" dirty="0"/>
+          </a:p>
+        </p:txBody>
+      </p:sp>
+    </p:spTree>
+    <p:extLst>
+      <p:ext uri="{BB962C8B-B14F-4D97-AF65-F5344CB8AC3E}">
+        <p14:creationId xmlns:p14="http://schemas.microsoft.com/office/powerpoint/2010/main" val="921667215"/>
       </p:ext>
     </p:extLst>
   </p:cSld>

--- a/docs/node js.pptx
+++ b/docs/node js.pptx
@@ -47,6 +47,7 @@
     <p:sldId id="295" r:id="rId41"/>
     <p:sldId id="296" r:id="rId42"/>
     <p:sldId id="297" r:id="rId43"/>
+    <p:sldId id="298" r:id="rId44"/>
   </p:sldIdLst>
   <p:sldSz cx="12192000" cy="6858000"/>
   <p:notesSz cx="6858000" cy="9144000"/>
@@ -214,7 +215,7 @@
           <a:noFill/>
           <a:extLst>
             <a:ext uri="{909E8E84-426E-40dd-AFC4-6F175D3DCCD1}">
-              <a14:hiddenFill xmlns="" xmlns:a14="http://schemas.microsoft.com/office/drawing/2010/main">
+              <a14:hiddenFill xmlns:a14="http://schemas.microsoft.com/office/drawing/2010/main" xmlns="">
                 <a:solidFill>
                   <a:srgbClr val="FFFFFF"/>
                 </a:solidFill>
@@ -274,7 +275,7 @@
             </a:ln>
             <a:extLst>
               <a:ext uri="{91240B29-F687-4f45-9708-019B960494DF}">
-                <a14:hiddenLine xmlns="" xmlns:a14="http://schemas.microsoft.com/office/drawing/2010/main" w="9525">
+                <a14:hiddenLine xmlns:a14="http://schemas.microsoft.com/office/drawing/2010/main" xmlns="" w="9525">
                   <a:solidFill>
                     <a:srgbClr val="000000"/>
                   </a:solidFill>
@@ -364,7 +365,7 @@
             </a:ln>
             <a:extLst>
               <a:ext uri="{91240B29-F687-4f45-9708-019B960494DF}">
-                <a14:hiddenLine xmlns="" xmlns:a14="http://schemas.microsoft.com/office/drawing/2010/main" w="9525">
+                <a14:hiddenLine xmlns:a14="http://schemas.microsoft.com/office/drawing/2010/main" xmlns="" w="9525">
                   <a:solidFill>
                     <a:srgbClr val="000000"/>
                   </a:solidFill>
@@ -454,7 +455,7 @@
             </a:ln>
             <a:extLst>
               <a:ext uri="{91240B29-F687-4f45-9708-019B960494DF}">
-                <a14:hiddenLine xmlns="" xmlns:a14="http://schemas.microsoft.com/office/drawing/2010/main" w="9525">
+                <a14:hiddenLine xmlns:a14="http://schemas.microsoft.com/office/drawing/2010/main" xmlns="" w="9525">
                   <a:solidFill>
                     <a:srgbClr val="000000"/>
                   </a:solidFill>
@@ -488,7 +489,7 @@
             </a:ln>
             <a:extLst>
               <a:ext uri="{91240B29-F687-4f45-9708-019B960494DF}">
-                <a14:hiddenLine xmlns="" xmlns:a14="http://schemas.microsoft.com/office/drawing/2010/main" w="9525">
+                <a14:hiddenLine xmlns:a14="http://schemas.microsoft.com/office/drawing/2010/main" xmlns="" w="9525">
                   <a:solidFill>
                     <a:srgbClr val="000000"/>
                   </a:solidFill>
@@ -578,7 +579,7 @@
             </a:ln>
             <a:extLst>
               <a:ext uri="{91240B29-F687-4f45-9708-019B960494DF}">
-                <a14:hiddenLine xmlns="" xmlns:a14="http://schemas.microsoft.com/office/drawing/2010/main" w="9525">
+                <a14:hiddenLine xmlns:a14="http://schemas.microsoft.com/office/drawing/2010/main" xmlns="" w="9525">
                   <a:solidFill>
                     <a:srgbClr val="000000"/>
                   </a:solidFill>
@@ -640,7 +641,7 @@
             </a:ln>
             <a:extLst>
               <a:ext uri="{91240B29-F687-4f45-9708-019B960494DF}">
-                <a14:hiddenLine xmlns="" xmlns:a14="http://schemas.microsoft.com/office/drawing/2010/main" w="9525">
+                <a14:hiddenLine xmlns:a14="http://schemas.microsoft.com/office/drawing/2010/main" xmlns="" w="9525">
                   <a:solidFill>
                     <a:srgbClr val="000000"/>
                   </a:solidFill>
@@ -702,7 +703,7 @@
             </a:ln>
             <a:extLst>
               <a:ext uri="{91240B29-F687-4f45-9708-019B960494DF}">
-                <a14:hiddenLine xmlns="" xmlns:a14="http://schemas.microsoft.com/office/drawing/2010/main" w="9525">
+                <a14:hiddenLine xmlns:a14="http://schemas.microsoft.com/office/drawing/2010/main" xmlns="" w="9525">
                   <a:solidFill>
                     <a:srgbClr val="000000"/>
                   </a:solidFill>
@@ -792,7 +793,7 @@
             </a:ln>
             <a:extLst>
               <a:ext uri="{91240B29-F687-4f45-9708-019B960494DF}">
-                <a14:hiddenLine xmlns="" xmlns:a14="http://schemas.microsoft.com/office/drawing/2010/main" w="9525">
+                <a14:hiddenLine xmlns:a14="http://schemas.microsoft.com/office/drawing/2010/main" xmlns="" w="9525">
                   <a:solidFill>
                     <a:srgbClr val="000000"/>
                   </a:solidFill>
@@ -854,7 +855,7 @@
             </a:ln>
             <a:extLst>
               <a:ext uri="{91240B29-F687-4f45-9708-019B960494DF}">
-                <a14:hiddenLine xmlns="" xmlns:a14="http://schemas.microsoft.com/office/drawing/2010/main" w="9525">
+                <a14:hiddenLine xmlns:a14="http://schemas.microsoft.com/office/drawing/2010/main" xmlns="" w="9525">
                   <a:solidFill>
                     <a:srgbClr val="000000"/>
                   </a:solidFill>
@@ -916,7 +917,7 @@
             </a:ln>
             <a:extLst>
               <a:ext uri="{91240B29-F687-4f45-9708-019B960494DF}">
-                <a14:hiddenLine xmlns="" xmlns:a14="http://schemas.microsoft.com/office/drawing/2010/main" w="9525">
+                <a14:hiddenLine xmlns:a14="http://schemas.microsoft.com/office/drawing/2010/main" xmlns="" w="9525">
                   <a:solidFill>
                     <a:srgbClr val="000000"/>
                   </a:solidFill>
@@ -1006,7 +1007,7 @@
             </a:ln>
             <a:extLst>
               <a:ext uri="{91240B29-F687-4f45-9708-019B960494DF}">
-                <a14:hiddenLine xmlns="" xmlns:a14="http://schemas.microsoft.com/office/drawing/2010/main" w="9525">
+                <a14:hiddenLine xmlns:a14="http://schemas.microsoft.com/office/drawing/2010/main" xmlns="" w="9525">
                   <a:solidFill>
                     <a:srgbClr val="000000"/>
                   </a:solidFill>
@@ -1096,7 +1097,7 @@
             </a:ln>
             <a:extLst>
               <a:ext uri="{91240B29-F687-4f45-9708-019B960494DF}">
-                <a14:hiddenLine xmlns="" xmlns:a14="http://schemas.microsoft.com/office/drawing/2010/main" w="9525">
+                <a14:hiddenLine xmlns:a14="http://schemas.microsoft.com/office/drawing/2010/main" xmlns="" w="9525">
                   <a:solidFill>
                     <a:srgbClr val="000000"/>
                   </a:solidFill>
@@ -1158,7 +1159,7 @@
             </a:ln>
             <a:extLst>
               <a:ext uri="{91240B29-F687-4f45-9708-019B960494DF}">
-                <a14:hiddenLine xmlns="" xmlns:a14="http://schemas.microsoft.com/office/drawing/2010/main" w="9525">
+                <a14:hiddenLine xmlns:a14="http://schemas.microsoft.com/office/drawing/2010/main" xmlns="" w="9525">
                   <a:solidFill>
                     <a:srgbClr val="000000"/>
                   </a:solidFill>
@@ -1268,7 +1269,7 @@
             </a:ln>
             <a:extLst>
               <a:ext uri="{91240B29-F687-4f45-9708-019B960494DF}">
-                <a14:hiddenLine xmlns="" xmlns:a14="http://schemas.microsoft.com/office/drawing/2010/main" w="9525">
+                <a14:hiddenLine xmlns:a14="http://schemas.microsoft.com/office/drawing/2010/main" xmlns="" w="9525">
                   <a:solidFill>
                     <a:srgbClr val="000000"/>
                   </a:solidFill>
@@ -1330,7 +1331,7 @@
             </a:ln>
             <a:extLst>
               <a:ext uri="{91240B29-F687-4f45-9708-019B960494DF}">
-                <a14:hiddenLine xmlns="" xmlns:a14="http://schemas.microsoft.com/office/drawing/2010/main" w="9525">
+                <a14:hiddenLine xmlns:a14="http://schemas.microsoft.com/office/drawing/2010/main" xmlns="" w="9525">
                   <a:solidFill>
                     <a:srgbClr val="000000"/>
                   </a:solidFill>
@@ -1420,7 +1421,7 @@
             </a:ln>
             <a:extLst>
               <a:ext uri="{91240B29-F687-4f45-9708-019B960494DF}">
-                <a14:hiddenLine xmlns="" xmlns:a14="http://schemas.microsoft.com/office/drawing/2010/main" w="9525">
+                <a14:hiddenLine xmlns:a14="http://schemas.microsoft.com/office/drawing/2010/main" xmlns="" w="9525">
                   <a:solidFill>
                     <a:srgbClr val="000000"/>
                   </a:solidFill>
@@ -1510,7 +1511,7 @@
             </a:ln>
             <a:extLst>
               <a:ext uri="{91240B29-F687-4f45-9708-019B960494DF}">
-                <a14:hiddenLine xmlns="" xmlns:a14="http://schemas.microsoft.com/office/drawing/2010/main" w="9525">
+                <a14:hiddenLine xmlns:a14="http://schemas.microsoft.com/office/drawing/2010/main" xmlns="" w="9525">
                   <a:solidFill>
                     <a:srgbClr val="000000"/>
                   </a:solidFill>
@@ -1572,7 +1573,7 @@
             </a:ln>
             <a:extLst>
               <a:ext uri="{91240B29-F687-4f45-9708-019B960494DF}">
-                <a14:hiddenLine xmlns="" xmlns:a14="http://schemas.microsoft.com/office/drawing/2010/main" w="9525">
+                <a14:hiddenLine xmlns:a14="http://schemas.microsoft.com/office/drawing/2010/main" xmlns="" w="9525">
                   <a:solidFill>
                     <a:srgbClr val="000000"/>
                   </a:solidFill>
@@ -1662,7 +1663,7 @@
             </a:ln>
             <a:extLst>
               <a:ext uri="{91240B29-F687-4f45-9708-019B960494DF}">
-                <a14:hiddenLine xmlns="" xmlns:a14="http://schemas.microsoft.com/office/drawing/2010/main" w="9525">
+                <a14:hiddenLine xmlns:a14="http://schemas.microsoft.com/office/drawing/2010/main" xmlns="" w="9525">
                   <a:solidFill>
                     <a:srgbClr val="000000"/>
                   </a:solidFill>
@@ -1752,7 +1753,7 @@
             </a:ln>
             <a:extLst>
               <a:ext uri="{91240B29-F687-4f45-9708-019B960494DF}">
-                <a14:hiddenLine xmlns="" xmlns:a14="http://schemas.microsoft.com/office/drawing/2010/main" w="9525">
+                <a14:hiddenLine xmlns:a14="http://schemas.microsoft.com/office/drawing/2010/main" xmlns="" w="9525">
                   <a:solidFill>
                     <a:srgbClr val="000000"/>
                   </a:solidFill>
@@ -1808,7 +1809,7 @@
             </a:ln>
             <a:extLst>
               <a:ext uri="{91240B29-F687-4f45-9708-019B960494DF}">
-                <a14:hiddenLine xmlns="" xmlns:a14="http://schemas.microsoft.com/office/drawing/2010/main" w="9525">
+                <a14:hiddenLine xmlns:a14="http://schemas.microsoft.com/office/drawing/2010/main" xmlns="" w="9525">
                   <a:solidFill>
                     <a:srgbClr val="000000"/>
                   </a:solidFill>
@@ -1898,7 +1899,7 @@
             </a:ln>
             <a:extLst>
               <a:ext uri="{91240B29-F687-4f45-9708-019B960494DF}">
-                <a14:hiddenLine xmlns="" xmlns:a14="http://schemas.microsoft.com/office/drawing/2010/main" w="9525">
+                <a14:hiddenLine xmlns:a14="http://schemas.microsoft.com/office/drawing/2010/main" xmlns="" w="9525">
                   <a:solidFill>
                     <a:srgbClr val="000000"/>
                   </a:solidFill>
@@ -1954,7 +1955,7 @@
             </a:ln>
             <a:extLst>
               <a:ext uri="{91240B29-F687-4f45-9708-019B960494DF}">
-                <a14:hiddenLine xmlns="" xmlns:a14="http://schemas.microsoft.com/office/drawing/2010/main" w="9525">
+                <a14:hiddenLine xmlns:a14="http://schemas.microsoft.com/office/drawing/2010/main" xmlns="" w="9525">
                   <a:solidFill>
                     <a:srgbClr val="000000"/>
                   </a:solidFill>
@@ -2044,7 +2045,7 @@
             </a:ln>
             <a:extLst>
               <a:ext uri="{91240B29-F687-4f45-9708-019B960494DF}">
-                <a14:hiddenLine xmlns="" xmlns:a14="http://schemas.microsoft.com/office/drawing/2010/main" w="9525">
+                <a14:hiddenLine xmlns:a14="http://schemas.microsoft.com/office/drawing/2010/main" xmlns="" w="9525">
                   <a:solidFill>
                     <a:srgbClr val="000000"/>
                   </a:solidFill>
@@ -2112,7 +2113,7 @@
             </a:ln>
             <a:extLst>
               <a:ext uri="{91240B29-F687-4f45-9708-019B960494DF}">
-                <a14:hiddenLine xmlns="" xmlns:a14="http://schemas.microsoft.com/office/drawing/2010/main" w="9525">
+                <a14:hiddenLine xmlns:a14="http://schemas.microsoft.com/office/drawing/2010/main" xmlns="" w="9525">
                   <a:solidFill>
                     <a:srgbClr val="000000"/>
                   </a:solidFill>
@@ -2202,7 +2203,7 @@
             </a:ln>
             <a:extLst>
               <a:ext uri="{91240B29-F687-4f45-9708-019B960494DF}">
-                <a14:hiddenLine xmlns="" xmlns:a14="http://schemas.microsoft.com/office/drawing/2010/main" w="9525">
+                <a14:hiddenLine xmlns:a14="http://schemas.microsoft.com/office/drawing/2010/main" xmlns="" w="9525">
                   <a:solidFill>
                     <a:srgbClr val="000000"/>
                   </a:solidFill>
@@ -2270,7 +2271,7 @@
             </a:ln>
             <a:extLst>
               <a:ext uri="{91240B29-F687-4f45-9708-019B960494DF}">
-                <a14:hiddenLine xmlns="" xmlns:a14="http://schemas.microsoft.com/office/drawing/2010/main" w="9525">
+                <a14:hiddenLine xmlns:a14="http://schemas.microsoft.com/office/drawing/2010/main" xmlns="" w="9525">
                   <a:solidFill>
                     <a:srgbClr val="000000"/>
                   </a:solidFill>
@@ -2360,7 +2361,7 @@
             </a:ln>
             <a:extLst>
               <a:ext uri="{91240B29-F687-4f45-9708-019B960494DF}">
-                <a14:hiddenLine xmlns="" xmlns:a14="http://schemas.microsoft.com/office/drawing/2010/main" w="9525">
+                <a14:hiddenLine xmlns:a14="http://schemas.microsoft.com/office/drawing/2010/main" xmlns="" w="9525">
                   <a:solidFill>
                     <a:srgbClr val="000000"/>
                   </a:solidFill>
@@ -2394,7 +2395,7 @@
             </a:ln>
             <a:extLst>
               <a:ext uri="{91240B29-F687-4f45-9708-019B960494DF}">
-                <a14:hiddenLine xmlns="" xmlns:a14="http://schemas.microsoft.com/office/drawing/2010/main" w="9525">
+                <a14:hiddenLine xmlns:a14="http://schemas.microsoft.com/office/drawing/2010/main" xmlns="" w="9525">
                   <a:solidFill>
                     <a:srgbClr val="000000"/>
                   </a:solidFill>
@@ -2484,7 +2485,7 @@
             </a:ln>
             <a:extLst>
               <a:ext uri="{91240B29-F687-4f45-9708-019B960494DF}">
-                <a14:hiddenLine xmlns="" xmlns:a14="http://schemas.microsoft.com/office/drawing/2010/main" w="9525">
+                <a14:hiddenLine xmlns:a14="http://schemas.microsoft.com/office/drawing/2010/main" xmlns="" w="9525">
                   <a:solidFill>
                     <a:srgbClr val="000000"/>
                   </a:solidFill>
@@ -2546,7 +2547,7 @@
             </a:ln>
             <a:extLst>
               <a:ext uri="{91240B29-F687-4f45-9708-019B960494DF}">
-                <a14:hiddenLine xmlns="" xmlns:a14="http://schemas.microsoft.com/office/drawing/2010/main" w="9525">
+                <a14:hiddenLine xmlns:a14="http://schemas.microsoft.com/office/drawing/2010/main" xmlns="" w="9525">
                   <a:solidFill>
                     <a:srgbClr val="000000"/>
                   </a:solidFill>
@@ -2608,7 +2609,7 @@
             </a:ln>
             <a:extLst>
               <a:ext uri="{91240B29-F687-4f45-9708-019B960494DF}">
-                <a14:hiddenLine xmlns="" xmlns:a14="http://schemas.microsoft.com/office/drawing/2010/main" w="9525">
+                <a14:hiddenLine xmlns:a14="http://schemas.microsoft.com/office/drawing/2010/main" xmlns="" w="9525">
                   <a:solidFill>
                     <a:srgbClr val="000000"/>
                   </a:solidFill>
@@ -2698,7 +2699,7 @@
             </a:ln>
             <a:extLst>
               <a:ext uri="{91240B29-F687-4f45-9708-019B960494DF}">
-                <a14:hiddenLine xmlns="" xmlns:a14="http://schemas.microsoft.com/office/drawing/2010/main" w="9525">
+                <a14:hiddenLine xmlns:a14="http://schemas.microsoft.com/office/drawing/2010/main" xmlns="" w="9525">
                   <a:solidFill>
                     <a:srgbClr val="000000"/>
                   </a:solidFill>
@@ -2766,7 +2767,7 @@
             </a:ln>
             <a:extLst>
               <a:ext uri="{91240B29-F687-4f45-9708-019B960494DF}">
-                <a14:hiddenLine xmlns="" xmlns:a14="http://schemas.microsoft.com/office/drawing/2010/main" w="9525">
+                <a14:hiddenLine xmlns:a14="http://schemas.microsoft.com/office/drawing/2010/main" xmlns="" w="9525">
                   <a:solidFill>
                     <a:srgbClr val="000000"/>
                   </a:solidFill>
@@ -2828,7 +2829,7 @@
             </a:ln>
             <a:extLst>
               <a:ext uri="{91240B29-F687-4f45-9708-019B960494DF}">
-                <a14:hiddenLine xmlns="" xmlns:a14="http://schemas.microsoft.com/office/drawing/2010/main" w="9525">
+                <a14:hiddenLine xmlns:a14="http://schemas.microsoft.com/office/drawing/2010/main" xmlns="" w="9525">
                   <a:solidFill>
                     <a:srgbClr val="000000"/>
                   </a:solidFill>
@@ -2918,7 +2919,7 @@
             </a:ln>
             <a:extLst>
               <a:ext uri="{91240B29-F687-4f45-9708-019B960494DF}">
-                <a14:hiddenLine xmlns="" xmlns:a14="http://schemas.microsoft.com/office/drawing/2010/main" w="9525">
+                <a14:hiddenLine xmlns:a14="http://schemas.microsoft.com/office/drawing/2010/main" xmlns="" w="9525">
                   <a:solidFill>
                     <a:srgbClr val="000000"/>
                   </a:solidFill>
@@ -2980,7 +2981,7 @@
             </a:ln>
             <a:extLst>
               <a:ext uri="{91240B29-F687-4f45-9708-019B960494DF}">
-                <a14:hiddenLine xmlns="" xmlns:a14="http://schemas.microsoft.com/office/drawing/2010/main" w="9525">
+                <a14:hiddenLine xmlns:a14="http://schemas.microsoft.com/office/drawing/2010/main" xmlns="" w="9525">
                   <a:solidFill>
                     <a:srgbClr val="000000"/>
                   </a:solidFill>
@@ -3070,7 +3071,7 @@
             </a:ln>
             <a:extLst>
               <a:ext uri="{91240B29-F687-4f45-9708-019B960494DF}">
-                <a14:hiddenLine xmlns="" xmlns:a14="http://schemas.microsoft.com/office/drawing/2010/main" w="9525">
+                <a14:hiddenLine xmlns:a14="http://schemas.microsoft.com/office/drawing/2010/main" xmlns="" w="9525">
                   <a:solidFill>
                     <a:srgbClr val="000000"/>
                   </a:solidFill>
@@ -3132,7 +3133,7 @@
             </a:ln>
             <a:extLst>
               <a:ext uri="{91240B29-F687-4f45-9708-019B960494DF}">
-                <a14:hiddenLine xmlns="" xmlns:a14="http://schemas.microsoft.com/office/drawing/2010/main" w="9525">
+                <a14:hiddenLine xmlns:a14="http://schemas.microsoft.com/office/drawing/2010/main" xmlns="" w="9525">
                   <a:solidFill>
                     <a:srgbClr val="000000"/>
                   </a:solidFill>
@@ -3222,7 +3223,7 @@
             </a:ln>
             <a:extLst>
               <a:ext uri="{91240B29-F687-4f45-9708-019B960494DF}">
-                <a14:hiddenLine xmlns="" xmlns:a14="http://schemas.microsoft.com/office/drawing/2010/main" w="9525">
+                <a14:hiddenLine xmlns:a14="http://schemas.microsoft.com/office/drawing/2010/main" xmlns="" w="9525">
                   <a:solidFill>
                     <a:srgbClr val="000000"/>
                   </a:solidFill>
@@ -3256,7 +3257,7 @@
             </a:ln>
             <a:extLst>
               <a:ext uri="{91240B29-F687-4f45-9708-019B960494DF}">
-                <a14:hiddenLine xmlns="" xmlns:a14="http://schemas.microsoft.com/office/drawing/2010/main" w="9525">
+                <a14:hiddenLine xmlns:a14="http://schemas.microsoft.com/office/drawing/2010/main" xmlns="" w="9525">
                   <a:solidFill>
                     <a:srgbClr val="000000"/>
                   </a:solidFill>
@@ -3321,7 +3322,7 @@
             </a:ln>
             <a:extLst>
               <a:ext uri="{91240B29-F687-4f45-9708-019B960494DF}">
-                <a14:hiddenLine xmlns="" xmlns:a14="http://schemas.microsoft.com/office/drawing/2010/main" w="9525">
+                <a14:hiddenLine xmlns:a14="http://schemas.microsoft.com/office/drawing/2010/main" xmlns="" w="9525">
                   <a:solidFill>
                     <a:srgbClr val="000000"/>
                   </a:solidFill>
@@ -3411,7 +3412,7 @@
             </a:ln>
             <a:extLst>
               <a:ext uri="{91240B29-F687-4f45-9708-019B960494DF}">
-                <a14:hiddenLine xmlns="" xmlns:a14="http://schemas.microsoft.com/office/drawing/2010/main" w="9525">
+                <a14:hiddenLine xmlns:a14="http://schemas.microsoft.com/office/drawing/2010/main" xmlns="" w="9525">
                   <a:solidFill>
                     <a:srgbClr val="000000"/>
                   </a:solidFill>
@@ -3473,7 +3474,7 @@
             </a:ln>
             <a:extLst>
               <a:ext uri="{91240B29-F687-4f45-9708-019B960494DF}">
-                <a14:hiddenLine xmlns="" xmlns:a14="http://schemas.microsoft.com/office/drawing/2010/main" w="9525">
+                <a14:hiddenLine xmlns:a14="http://schemas.microsoft.com/office/drawing/2010/main" xmlns="" w="9525">
                   <a:solidFill>
                     <a:srgbClr val="000000"/>
                   </a:solidFill>
@@ -3563,7 +3564,7 @@
             </a:ln>
             <a:extLst>
               <a:ext uri="{91240B29-F687-4f45-9708-019B960494DF}">
-                <a14:hiddenLine xmlns="" xmlns:a14="http://schemas.microsoft.com/office/drawing/2010/main" w="9525">
+                <a14:hiddenLine xmlns:a14="http://schemas.microsoft.com/office/drawing/2010/main" xmlns="" w="9525">
                   <a:solidFill>
                     <a:srgbClr val="000000"/>
                   </a:solidFill>
@@ -3653,7 +3654,7 @@
             </a:ln>
             <a:extLst>
               <a:ext uri="{91240B29-F687-4f45-9708-019B960494DF}">
-                <a14:hiddenLine xmlns="" xmlns:a14="http://schemas.microsoft.com/office/drawing/2010/main" w="9525">
+                <a14:hiddenLine xmlns:a14="http://schemas.microsoft.com/office/drawing/2010/main" xmlns="" w="9525">
                   <a:solidFill>
                     <a:srgbClr val="000000"/>
                   </a:solidFill>
@@ -3718,7 +3719,7 @@
             </a:ln>
             <a:extLst>
               <a:ext uri="{91240B29-F687-4f45-9708-019B960494DF}">
-                <a14:hiddenLine xmlns="" xmlns:a14="http://schemas.microsoft.com/office/drawing/2010/main" w="9525">
+                <a14:hiddenLine xmlns:a14="http://schemas.microsoft.com/office/drawing/2010/main" xmlns="" w="9525">
                   <a:solidFill>
                     <a:srgbClr val="000000"/>
                   </a:solidFill>
@@ -3780,7 +3781,7 @@
             </a:ln>
             <a:extLst>
               <a:ext uri="{91240B29-F687-4f45-9708-019B960494DF}">
-                <a14:hiddenLine xmlns="" xmlns:a14="http://schemas.microsoft.com/office/drawing/2010/main" w="9525">
+                <a14:hiddenLine xmlns:a14="http://schemas.microsoft.com/office/drawing/2010/main" xmlns="" w="9525">
                   <a:solidFill>
                     <a:srgbClr val="000000"/>
                   </a:solidFill>
@@ -3870,7 +3871,7 @@
             </a:ln>
             <a:extLst>
               <a:ext uri="{91240B29-F687-4f45-9708-019B960494DF}">
-                <a14:hiddenLine xmlns="" xmlns:a14="http://schemas.microsoft.com/office/drawing/2010/main" w="9525">
+                <a14:hiddenLine xmlns:a14="http://schemas.microsoft.com/office/drawing/2010/main" xmlns="" w="9525">
                   <a:solidFill>
                     <a:srgbClr val="000000"/>
                   </a:solidFill>
@@ -3960,7 +3961,7 @@
             </a:ln>
             <a:extLst>
               <a:ext uri="{91240B29-F687-4f45-9708-019B960494DF}">
-                <a14:hiddenLine xmlns="" xmlns:a14="http://schemas.microsoft.com/office/drawing/2010/main" w="9525">
+                <a14:hiddenLine xmlns:a14="http://schemas.microsoft.com/office/drawing/2010/main" xmlns="" w="9525">
                   <a:solidFill>
                     <a:srgbClr val="000000"/>
                   </a:solidFill>
@@ -4022,7 +4023,7 @@
             </a:ln>
             <a:extLst>
               <a:ext uri="{91240B29-F687-4f45-9708-019B960494DF}">
-                <a14:hiddenLine xmlns="" xmlns:a14="http://schemas.microsoft.com/office/drawing/2010/main" w="9525">
+                <a14:hiddenLine xmlns:a14="http://schemas.microsoft.com/office/drawing/2010/main" xmlns="" w="9525">
                   <a:solidFill>
                     <a:srgbClr val="000000"/>
                   </a:solidFill>
@@ -4142,7 +4143,7 @@
             </a:ln>
             <a:extLst>
               <a:ext uri="{91240B29-F687-4f45-9708-019B960494DF}">
-                <a14:hiddenLine xmlns="" xmlns:a14="http://schemas.microsoft.com/office/drawing/2010/main" w="9525">
+                <a14:hiddenLine xmlns:a14="http://schemas.microsoft.com/office/drawing/2010/main" xmlns="" w="9525">
                   <a:solidFill>
                     <a:srgbClr val="000000"/>
                   </a:solidFill>
@@ -4210,7 +4211,7 @@
             </a:ln>
             <a:extLst>
               <a:ext uri="{91240B29-F687-4f45-9708-019B960494DF}">
-                <a14:hiddenLine xmlns="" xmlns:a14="http://schemas.microsoft.com/office/drawing/2010/main" w="9525">
+                <a14:hiddenLine xmlns:a14="http://schemas.microsoft.com/office/drawing/2010/main" xmlns="" w="9525">
                   <a:solidFill>
                     <a:srgbClr val="000000"/>
                   </a:solidFill>
@@ -4300,7 +4301,7 @@
             </a:ln>
             <a:extLst>
               <a:ext uri="{91240B29-F687-4f45-9708-019B960494DF}">
-                <a14:hiddenLine xmlns="" xmlns:a14="http://schemas.microsoft.com/office/drawing/2010/main" w="9525">
+                <a14:hiddenLine xmlns:a14="http://schemas.microsoft.com/office/drawing/2010/main" xmlns="" w="9525">
                   <a:solidFill>
                     <a:srgbClr val="000000"/>
                   </a:solidFill>
@@ -4440,7 +4441,7 @@
           <a:p>
             <a:fld id="{951AF1EB-82F2-4C84-AADB-635468081963}" type="datetimeFigureOut">
               <a:rPr lang="en-US" smtClean="0"/>
-              <a:t>01/08/2022</a:t>
+              <a:t>03/08/2022</a:t>
             </a:fld>
             <a:endParaRPr lang="en-US"/>
           </a:p>
@@ -4707,7 +4708,7 @@
           <a:p>
             <a:fld id="{951AF1EB-82F2-4C84-AADB-635468081963}" type="datetimeFigureOut">
               <a:rPr lang="en-US" smtClean="0"/>
-              <a:t>01/08/2022</a:t>
+              <a:t>03/08/2022</a:t>
             </a:fld>
             <a:endParaRPr lang="en-US"/>
           </a:p>
@@ -4903,7 +4904,7 @@
           <a:p>
             <a:fld id="{951AF1EB-82F2-4C84-AADB-635468081963}" type="datetimeFigureOut">
               <a:rPr lang="en-US" smtClean="0"/>
-              <a:t>01/08/2022</a:t>
+              <a:t>03/08/2022</a:t>
             </a:fld>
             <a:endParaRPr lang="en-US"/>
           </a:p>
@@ -5166,7 +5167,7 @@
           <a:p>
             <a:fld id="{951AF1EB-82F2-4C84-AADB-635468081963}" type="datetimeFigureOut">
               <a:rPr lang="en-US" smtClean="0"/>
-              <a:t>01/08/2022</a:t>
+              <a:t>03/08/2022</a:t>
             </a:fld>
             <a:endParaRPr lang="en-US"/>
           </a:p>
@@ -5600,7 +5601,7 @@
           <a:p>
             <a:fld id="{951AF1EB-82F2-4C84-AADB-635468081963}" type="datetimeFigureOut">
               <a:rPr lang="en-US" smtClean="0"/>
-              <a:t>01/08/2022</a:t>
+              <a:t>03/08/2022</a:t>
             </a:fld>
             <a:endParaRPr lang="en-US"/>
           </a:p>
@@ -6146,7 +6147,7 @@
           <a:p>
             <a:fld id="{951AF1EB-82F2-4C84-AADB-635468081963}" type="datetimeFigureOut">
               <a:rPr lang="en-US" smtClean="0"/>
-              <a:t>01/08/2022</a:t>
+              <a:t>03/08/2022</a:t>
             </a:fld>
             <a:endParaRPr lang="en-US"/>
           </a:p>
@@ -6866,7 +6867,7 @@
           <a:p>
             <a:fld id="{951AF1EB-82F2-4C84-AADB-635468081963}" type="datetimeFigureOut">
               <a:rPr lang="en-US" smtClean="0"/>
-              <a:t>01/08/2022</a:t>
+              <a:t>03/08/2022</a:t>
             </a:fld>
             <a:endParaRPr lang="en-US"/>
           </a:p>
@@ -7036,7 +7037,7 @@
           <a:p>
             <a:fld id="{951AF1EB-82F2-4C84-AADB-635468081963}" type="datetimeFigureOut">
               <a:rPr lang="en-US" smtClean="0"/>
-              <a:t>01/08/2022</a:t>
+              <a:t>03/08/2022</a:t>
             </a:fld>
             <a:endParaRPr lang="en-US"/>
           </a:p>
@@ -7216,7 +7217,7 @@
           <a:p>
             <a:fld id="{951AF1EB-82F2-4C84-AADB-635468081963}" type="datetimeFigureOut">
               <a:rPr lang="en-US" smtClean="0"/>
-              <a:t>01/08/2022</a:t>
+              <a:t>03/08/2022</a:t>
             </a:fld>
             <a:endParaRPr lang="en-US"/>
           </a:p>
@@ -7386,7 +7387,7 @@
           <a:p>
             <a:fld id="{951AF1EB-82F2-4C84-AADB-635468081963}" type="datetimeFigureOut">
               <a:rPr lang="en-US" smtClean="0"/>
-              <a:t>01/08/2022</a:t>
+              <a:t>03/08/2022</a:t>
             </a:fld>
             <a:endParaRPr lang="en-US"/>
           </a:p>
@@ -7636,7 +7637,7 @@
           <a:p>
             <a:fld id="{951AF1EB-82F2-4C84-AADB-635468081963}" type="datetimeFigureOut">
               <a:rPr lang="en-US" smtClean="0"/>
-              <a:t>01/08/2022</a:t>
+              <a:t>03/08/2022</a:t>
             </a:fld>
             <a:endParaRPr lang="en-US"/>
           </a:p>
@@ -7868,7 +7869,7 @@
           <a:p>
             <a:fld id="{951AF1EB-82F2-4C84-AADB-635468081963}" type="datetimeFigureOut">
               <a:rPr lang="en-US" smtClean="0"/>
-              <a:t>01/08/2022</a:t>
+              <a:t>03/08/2022</a:t>
             </a:fld>
             <a:endParaRPr lang="en-US"/>
           </a:p>
@@ -8249,7 +8250,7 @@
           <a:p>
             <a:fld id="{951AF1EB-82F2-4C84-AADB-635468081963}" type="datetimeFigureOut">
               <a:rPr lang="en-US" smtClean="0"/>
-              <a:t>01/08/2022</a:t>
+              <a:t>03/08/2022</a:t>
             </a:fld>
             <a:endParaRPr lang="en-US"/>
           </a:p>
@@ -8367,7 +8368,7 @@
           <a:p>
             <a:fld id="{951AF1EB-82F2-4C84-AADB-635468081963}" type="datetimeFigureOut">
               <a:rPr lang="en-US" smtClean="0"/>
-              <a:t>01/08/2022</a:t>
+              <a:t>03/08/2022</a:t>
             </a:fld>
             <a:endParaRPr lang="en-US"/>
           </a:p>
@@ -8462,7 +8463,7 @@
           <a:p>
             <a:fld id="{951AF1EB-82F2-4C84-AADB-635468081963}" type="datetimeFigureOut">
               <a:rPr lang="en-US" smtClean="0"/>
-              <a:t>01/08/2022</a:t>
+              <a:t>03/08/2022</a:t>
             </a:fld>
             <a:endParaRPr lang="en-US"/>
           </a:p>
@@ -8711,7 +8712,7 @@
           <a:p>
             <a:fld id="{951AF1EB-82F2-4C84-AADB-635468081963}" type="datetimeFigureOut">
               <a:rPr lang="en-US" smtClean="0"/>
-              <a:t>01/08/2022</a:t>
+              <a:t>03/08/2022</a:t>
             </a:fld>
             <a:endParaRPr lang="en-US"/>
           </a:p>
@@ -8991,7 +8992,7 @@
           <a:p>
             <a:fld id="{951AF1EB-82F2-4C84-AADB-635468081963}" type="datetimeFigureOut">
               <a:rPr lang="en-US" smtClean="0"/>
-              <a:t>01/08/2022</a:t>
+              <a:t>03/08/2022</a:t>
             </a:fld>
             <a:endParaRPr lang="en-US"/>
           </a:p>
@@ -9107,7 +9108,7 @@
           <a:noFill/>
           <a:extLst>
             <a:ext uri="{909E8E84-426E-40dd-AFC4-6F175D3DCCD1}">
-              <a14:hiddenFill xmlns="" xmlns:a14="http://schemas.microsoft.com/office/drawing/2010/main">
+              <a14:hiddenFill xmlns:a14="http://schemas.microsoft.com/office/drawing/2010/main" xmlns="">
                 <a:solidFill>
                   <a:srgbClr val="FFFFFF"/>
                 </a:solidFill>
@@ -9181,7 +9182,7 @@
               </a:ln>
               <a:extLst>
                 <a:ext uri="{91240B29-F687-4f45-9708-019B960494DF}">
-                  <a14:hiddenLine xmlns="" xmlns:a14="http://schemas.microsoft.com/office/drawing/2010/main" w="9525">
+                  <a14:hiddenLine xmlns:a14="http://schemas.microsoft.com/office/drawing/2010/main" xmlns="" w="9525">
                     <a:solidFill>
                       <a:srgbClr val="000000"/>
                     </a:solidFill>
@@ -9271,7 +9272,7 @@
               </a:ln>
               <a:extLst>
                 <a:ext uri="{91240B29-F687-4f45-9708-019B960494DF}">
-                  <a14:hiddenLine xmlns="" xmlns:a14="http://schemas.microsoft.com/office/drawing/2010/main" w="9525">
+                  <a14:hiddenLine xmlns:a14="http://schemas.microsoft.com/office/drawing/2010/main" xmlns="" w="9525">
                     <a:solidFill>
                       <a:srgbClr val="000000"/>
                     </a:solidFill>
@@ -9361,7 +9362,7 @@
               </a:ln>
               <a:extLst>
                 <a:ext uri="{91240B29-F687-4f45-9708-019B960494DF}">
-                  <a14:hiddenLine xmlns="" xmlns:a14="http://schemas.microsoft.com/office/drawing/2010/main" w="9525">
+                  <a14:hiddenLine xmlns:a14="http://schemas.microsoft.com/office/drawing/2010/main" xmlns="" w="9525">
                     <a:solidFill>
                       <a:srgbClr val="000000"/>
                     </a:solidFill>
@@ -9423,7 +9424,7 @@
               </a:ln>
               <a:extLst>
                 <a:ext uri="{91240B29-F687-4f45-9708-019B960494DF}">
-                  <a14:hiddenLine xmlns="" xmlns:a14="http://schemas.microsoft.com/office/drawing/2010/main" w="9525">
+                  <a14:hiddenLine xmlns:a14="http://schemas.microsoft.com/office/drawing/2010/main" xmlns="" w="9525">
                     <a:solidFill>
                       <a:srgbClr val="000000"/>
                     </a:solidFill>
@@ -9513,7 +9514,7 @@
               </a:ln>
               <a:extLst>
                 <a:ext uri="{91240B29-F687-4f45-9708-019B960494DF}">
-                  <a14:hiddenLine xmlns="" xmlns:a14="http://schemas.microsoft.com/office/drawing/2010/main" w="9525">
+                  <a14:hiddenLine xmlns:a14="http://schemas.microsoft.com/office/drawing/2010/main" xmlns="" w="9525">
                     <a:solidFill>
                       <a:srgbClr val="000000"/>
                     </a:solidFill>
@@ -9575,7 +9576,7 @@
               </a:ln>
               <a:extLst>
                 <a:ext uri="{91240B29-F687-4f45-9708-019B960494DF}">
-                  <a14:hiddenLine xmlns="" xmlns:a14="http://schemas.microsoft.com/office/drawing/2010/main" w="9525">
+                  <a14:hiddenLine xmlns:a14="http://schemas.microsoft.com/office/drawing/2010/main" xmlns="" w="9525">
                     <a:solidFill>
                       <a:srgbClr val="000000"/>
                     </a:solidFill>
@@ -9637,7 +9638,7 @@
               </a:ln>
               <a:extLst>
                 <a:ext uri="{91240B29-F687-4f45-9708-019B960494DF}">
-                  <a14:hiddenLine xmlns="" xmlns:a14="http://schemas.microsoft.com/office/drawing/2010/main" w="9525">
+                  <a14:hiddenLine xmlns:a14="http://schemas.microsoft.com/office/drawing/2010/main" xmlns="" w="9525">
                     <a:solidFill>
                       <a:srgbClr val="000000"/>
                     </a:solidFill>
@@ -9727,7 +9728,7 @@
               </a:ln>
               <a:extLst>
                 <a:ext uri="{91240B29-F687-4f45-9708-019B960494DF}">
-                  <a14:hiddenLine xmlns="" xmlns:a14="http://schemas.microsoft.com/office/drawing/2010/main" w="9525">
+                  <a14:hiddenLine xmlns:a14="http://schemas.microsoft.com/office/drawing/2010/main" xmlns="" w="9525">
                     <a:solidFill>
                       <a:srgbClr val="000000"/>
                     </a:solidFill>
@@ -9817,7 +9818,7 @@
               </a:ln>
               <a:extLst>
                 <a:ext uri="{91240B29-F687-4f45-9708-019B960494DF}">
-                  <a14:hiddenLine xmlns="" xmlns:a14="http://schemas.microsoft.com/office/drawing/2010/main" w="9525">
+                  <a14:hiddenLine xmlns:a14="http://schemas.microsoft.com/office/drawing/2010/main" xmlns="" w="9525">
                     <a:solidFill>
                       <a:srgbClr val="000000"/>
                     </a:solidFill>
@@ -9879,7 +9880,7 @@
               </a:ln>
               <a:extLst>
                 <a:ext uri="{91240B29-F687-4f45-9708-019B960494DF}">
-                  <a14:hiddenLine xmlns="" xmlns:a14="http://schemas.microsoft.com/office/drawing/2010/main" w="9525">
+                  <a14:hiddenLine xmlns:a14="http://schemas.microsoft.com/office/drawing/2010/main" xmlns="" w="9525">
                     <a:solidFill>
                       <a:srgbClr val="000000"/>
                     </a:solidFill>
@@ -9989,7 +9990,7 @@
               </a:ln>
               <a:extLst>
                 <a:ext uri="{91240B29-F687-4f45-9708-019B960494DF}">
-                  <a14:hiddenLine xmlns="" xmlns:a14="http://schemas.microsoft.com/office/drawing/2010/main" w="9525">
+                  <a14:hiddenLine xmlns:a14="http://schemas.microsoft.com/office/drawing/2010/main" xmlns="" w="9525">
                     <a:solidFill>
                       <a:srgbClr val="000000"/>
                     </a:solidFill>
@@ -10073,7 +10074,7 @@
               </a:ln>
               <a:extLst>
                 <a:ext uri="{91240B29-F687-4f45-9708-019B960494DF}">
-                  <a14:hiddenLine xmlns="" xmlns:a14="http://schemas.microsoft.com/office/drawing/2010/main" w="9525">
+                  <a14:hiddenLine xmlns:a14="http://schemas.microsoft.com/office/drawing/2010/main" xmlns="" w="9525">
                     <a:solidFill>
                       <a:srgbClr val="000000"/>
                     </a:solidFill>
@@ -10135,7 +10136,7 @@
               </a:ln>
               <a:extLst>
                 <a:ext uri="{91240B29-F687-4f45-9708-019B960494DF}">
-                  <a14:hiddenLine xmlns="" xmlns:a14="http://schemas.microsoft.com/office/drawing/2010/main" w="9525">
+                  <a14:hiddenLine xmlns:a14="http://schemas.microsoft.com/office/drawing/2010/main" xmlns="" w="9525">
                     <a:solidFill>
                       <a:srgbClr val="000000"/>
                     </a:solidFill>
@@ -10197,7 +10198,7 @@
               </a:ln>
               <a:extLst>
                 <a:ext uri="{91240B29-F687-4f45-9708-019B960494DF}">
-                  <a14:hiddenLine xmlns="" xmlns:a14="http://schemas.microsoft.com/office/drawing/2010/main" w="9525">
+                  <a14:hiddenLine xmlns:a14="http://schemas.microsoft.com/office/drawing/2010/main" xmlns="" w="9525">
                     <a:solidFill>
                       <a:srgbClr val="000000"/>
                     </a:solidFill>
@@ -10287,7 +10288,7 @@
               </a:ln>
               <a:extLst>
                 <a:ext uri="{91240B29-F687-4f45-9708-019B960494DF}">
-                  <a14:hiddenLine xmlns="" xmlns:a14="http://schemas.microsoft.com/office/drawing/2010/main" w="9525">
+                  <a14:hiddenLine xmlns:a14="http://schemas.microsoft.com/office/drawing/2010/main" xmlns="" w="9525">
                     <a:solidFill>
                       <a:srgbClr val="000000"/>
                     </a:solidFill>
@@ -10321,7 +10322,7 @@
               </a:ln>
               <a:extLst>
                 <a:ext uri="{91240B29-F687-4f45-9708-019B960494DF}">
-                  <a14:hiddenLine xmlns="" xmlns:a14="http://schemas.microsoft.com/office/drawing/2010/main" w="9525">
+                  <a14:hiddenLine xmlns:a14="http://schemas.microsoft.com/office/drawing/2010/main" xmlns="" w="9525">
                     <a:solidFill>
                       <a:srgbClr val="000000"/>
                     </a:solidFill>
@@ -10386,7 +10387,7 @@
               </a:ln>
               <a:extLst>
                 <a:ext uri="{91240B29-F687-4f45-9708-019B960494DF}">
-                  <a14:hiddenLine xmlns="" xmlns:a14="http://schemas.microsoft.com/office/drawing/2010/main" w="9525">
+                  <a14:hiddenLine xmlns:a14="http://schemas.microsoft.com/office/drawing/2010/main" xmlns="" w="9525">
                     <a:solidFill>
                       <a:srgbClr val="000000"/>
                     </a:solidFill>
@@ -10476,7 +10477,7 @@
               </a:ln>
               <a:extLst>
                 <a:ext uri="{91240B29-F687-4f45-9708-019B960494DF}">
-                  <a14:hiddenLine xmlns="" xmlns:a14="http://schemas.microsoft.com/office/drawing/2010/main" w="9525">
+                  <a14:hiddenLine xmlns:a14="http://schemas.microsoft.com/office/drawing/2010/main" xmlns="" w="9525">
                     <a:solidFill>
                       <a:srgbClr val="000000"/>
                     </a:solidFill>
@@ -10538,7 +10539,7 @@
               </a:ln>
               <a:extLst>
                 <a:ext uri="{91240B29-F687-4f45-9708-019B960494DF}">
-                  <a14:hiddenLine xmlns="" xmlns:a14="http://schemas.microsoft.com/office/drawing/2010/main" w="9525">
+                  <a14:hiddenLine xmlns:a14="http://schemas.microsoft.com/office/drawing/2010/main" xmlns="" w="9525">
                     <a:solidFill>
                       <a:srgbClr val="000000"/>
                     </a:solidFill>
@@ -10628,7 +10629,7 @@
               </a:ln>
               <a:extLst>
                 <a:ext uri="{91240B29-F687-4f45-9708-019B960494DF}">
-                  <a14:hiddenLine xmlns="" xmlns:a14="http://schemas.microsoft.com/office/drawing/2010/main" w="9525">
+                  <a14:hiddenLine xmlns:a14="http://schemas.microsoft.com/office/drawing/2010/main" xmlns="" w="9525">
                     <a:solidFill>
                       <a:srgbClr val="000000"/>
                     </a:solidFill>
@@ -10693,7 +10694,7 @@
               </a:ln>
               <a:extLst>
                 <a:ext uri="{91240B29-F687-4f45-9708-019B960494DF}">
-                  <a14:hiddenLine xmlns="" xmlns:a14="http://schemas.microsoft.com/office/drawing/2010/main" w="9525">
+                  <a14:hiddenLine xmlns:a14="http://schemas.microsoft.com/office/drawing/2010/main" xmlns="" w="9525">
                     <a:solidFill>
                       <a:srgbClr val="000000"/>
                     </a:solidFill>
@@ -10755,7 +10756,7 @@
               </a:ln>
               <a:extLst>
                 <a:ext uri="{91240B29-F687-4f45-9708-019B960494DF}">
-                  <a14:hiddenLine xmlns="" xmlns:a14="http://schemas.microsoft.com/office/drawing/2010/main" w="9525">
+                  <a14:hiddenLine xmlns:a14="http://schemas.microsoft.com/office/drawing/2010/main" xmlns="" w="9525">
                     <a:solidFill>
                       <a:srgbClr val="000000"/>
                     </a:solidFill>
@@ -10845,7 +10846,7 @@
               </a:ln>
               <a:extLst>
                 <a:ext uri="{91240B29-F687-4f45-9708-019B960494DF}">
-                  <a14:hiddenLine xmlns="" xmlns:a14="http://schemas.microsoft.com/office/drawing/2010/main" w="9525">
+                  <a14:hiddenLine xmlns:a14="http://schemas.microsoft.com/office/drawing/2010/main" xmlns="" w="9525">
                     <a:solidFill>
                       <a:srgbClr val="000000"/>
                     </a:solidFill>
@@ -10935,7 +10936,7 @@
               </a:ln>
               <a:extLst>
                 <a:ext uri="{91240B29-F687-4f45-9708-019B960494DF}">
-                  <a14:hiddenLine xmlns="" xmlns:a14="http://schemas.microsoft.com/office/drawing/2010/main" w="9525">
+                  <a14:hiddenLine xmlns:a14="http://schemas.microsoft.com/office/drawing/2010/main" xmlns="" w="9525">
                     <a:solidFill>
                       <a:srgbClr val="000000"/>
                     </a:solidFill>
@@ -11000,7 +11001,7 @@
               </a:ln>
               <a:extLst>
                 <a:ext uri="{91240B29-F687-4f45-9708-019B960494DF}">
-                  <a14:hiddenLine xmlns="" xmlns:a14="http://schemas.microsoft.com/office/drawing/2010/main" w="9525">
+                  <a14:hiddenLine xmlns:a14="http://schemas.microsoft.com/office/drawing/2010/main" xmlns="" w="9525">
                     <a:solidFill>
                       <a:srgbClr val="000000"/>
                     </a:solidFill>
@@ -11120,7 +11121,7 @@
               </a:ln>
               <a:extLst>
                 <a:ext uri="{91240B29-F687-4f45-9708-019B960494DF}">
-                  <a14:hiddenLine xmlns="" xmlns:a14="http://schemas.microsoft.com/office/drawing/2010/main" w="9525">
+                  <a14:hiddenLine xmlns:a14="http://schemas.microsoft.com/office/drawing/2010/main" xmlns="" w="9525">
                     <a:solidFill>
                       <a:srgbClr val="000000"/>
                     </a:solidFill>
@@ -11218,7 +11219,7 @@
               </a:ln>
               <a:extLst>
                 <a:ext uri="{91240B29-F687-4f45-9708-019B960494DF}">
-                  <a14:hiddenLine xmlns="" xmlns:a14="http://schemas.microsoft.com/office/drawing/2010/main" w="9525">
+                  <a14:hiddenLine xmlns:a14="http://schemas.microsoft.com/office/drawing/2010/main" xmlns="" w="9525">
                     <a:solidFill>
                       <a:srgbClr val="000000"/>
                     </a:solidFill>
@@ -11333,7 +11334,7 @@
               </a:ln>
               <a:extLst>
                 <a:ext uri="{91240B29-F687-4f45-9708-019B960494DF}">
-                  <a14:hiddenLine xmlns="" xmlns:a14="http://schemas.microsoft.com/office/drawing/2010/main" w="9525">
+                  <a14:hiddenLine xmlns:a14="http://schemas.microsoft.com/office/drawing/2010/main" xmlns="" w="9525">
                     <a:solidFill>
                       <a:srgbClr val="000000"/>
                     </a:solidFill>
@@ -11423,7 +11424,7 @@
               </a:ln>
               <a:extLst>
                 <a:ext uri="{91240B29-F687-4f45-9708-019B960494DF}">
-                  <a14:hiddenLine xmlns="" xmlns:a14="http://schemas.microsoft.com/office/drawing/2010/main" w="9525">
+                  <a14:hiddenLine xmlns:a14="http://schemas.microsoft.com/office/drawing/2010/main" xmlns="" w="9525">
                     <a:solidFill>
                       <a:srgbClr val="000000"/>
                     </a:solidFill>
@@ -11488,7 +11489,7 @@
               </a:ln>
               <a:extLst>
                 <a:ext uri="{91240B29-F687-4f45-9708-019B960494DF}">
-                  <a14:hiddenLine xmlns="" xmlns:a14="http://schemas.microsoft.com/office/drawing/2010/main" w="9525">
+                  <a14:hiddenLine xmlns:a14="http://schemas.microsoft.com/office/drawing/2010/main" xmlns="" w="9525">
                     <a:solidFill>
                       <a:srgbClr val="000000"/>
                     </a:solidFill>
@@ -11578,7 +11579,7 @@
               </a:ln>
               <a:extLst>
                 <a:ext uri="{91240B29-F687-4f45-9708-019B960494DF}">
-                  <a14:hiddenLine xmlns="" xmlns:a14="http://schemas.microsoft.com/office/drawing/2010/main" w="9525">
+                  <a14:hiddenLine xmlns:a14="http://schemas.microsoft.com/office/drawing/2010/main" xmlns="" w="9525">
                     <a:solidFill>
                       <a:srgbClr val="000000"/>
                     </a:solidFill>
@@ -11646,7 +11647,7 @@
               </a:ln>
               <a:extLst>
                 <a:ext uri="{91240B29-F687-4f45-9708-019B960494DF}">
-                  <a14:hiddenLine xmlns="" xmlns:a14="http://schemas.microsoft.com/office/drawing/2010/main" w="9525">
+                  <a14:hiddenLine xmlns:a14="http://schemas.microsoft.com/office/drawing/2010/main" xmlns="" w="9525">
                     <a:solidFill>
                       <a:srgbClr val="000000"/>
                     </a:solidFill>
@@ -11736,7 +11737,7 @@
               </a:ln>
               <a:extLst>
                 <a:ext uri="{91240B29-F687-4f45-9708-019B960494DF}">
-                  <a14:hiddenLine xmlns="" xmlns:a14="http://schemas.microsoft.com/office/drawing/2010/main" w="9525">
+                  <a14:hiddenLine xmlns:a14="http://schemas.microsoft.com/office/drawing/2010/main" xmlns="" w="9525">
                     <a:solidFill>
                       <a:srgbClr val="000000"/>
                     </a:solidFill>
@@ -11804,7 +11805,7 @@
               </a:ln>
               <a:extLst>
                 <a:ext uri="{91240B29-F687-4f45-9708-019B960494DF}">
-                  <a14:hiddenLine xmlns="" xmlns:a14="http://schemas.microsoft.com/office/drawing/2010/main" w="9525">
+                  <a14:hiddenLine xmlns:a14="http://schemas.microsoft.com/office/drawing/2010/main" xmlns="" w="9525">
                     <a:solidFill>
                       <a:srgbClr val="000000"/>
                     </a:solidFill>
@@ -11894,7 +11895,7 @@
               </a:ln>
               <a:extLst>
                 <a:ext uri="{91240B29-F687-4f45-9708-019B960494DF}">
-                  <a14:hiddenLine xmlns="" xmlns:a14="http://schemas.microsoft.com/office/drawing/2010/main" w="9525">
+                  <a14:hiddenLine xmlns:a14="http://schemas.microsoft.com/office/drawing/2010/main" xmlns="" w="9525">
                     <a:solidFill>
                       <a:srgbClr val="000000"/>
                     </a:solidFill>
@@ -11928,7 +11929,7 @@
               </a:ln>
               <a:extLst>
                 <a:ext uri="{91240B29-F687-4f45-9708-019B960494DF}">
-                  <a14:hiddenLine xmlns="" xmlns:a14="http://schemas.microsoft.com/office/drawing/2010/main" w="9525">
+                  <a14:hiddenLine xmlns:a14="http://schemas.microsoft.com/office/drawing/2010/main" xmlns="" w="9525">
                     <a:solidFill>
                       <a:srgbClr val="000000"/>
                     </a:solidFill>
@@ -12068,7 +12069,7 @@
           <a:p>
             <a:fld id="{951AF1EB-82F2-4C84-AADB-635468081963}" type="datetimeFigureOut">
               <a:rPr lang="en-US" smtClean="0"/>
-              <a:t>01/08/2022</a:t>
+              <a:t>03/08/2022</a:t>
             </a:fld>
             <a:endParaRPr lang="en-US"/>
           </a:p>
@@ -17428,10 +17429,9 @@
           </a:p>
           <a:p>
             <a:r>
-              <a:rPr lang="en-US"/>
+              <a:rPr lang="en-US" dirty="0"/>
               <a:t>else error</a:t>
             </a:r>
-            <a:endParaRPr lang="en-US" dirty="0"/>
           </a:p>
           <a:p>
             <a:pPr lvl="2"/>
@@ -17443,6 +17443,175 @@
     <p:extLst>
       <p:ext uri="{BB962C8B-B14F-4D97-AF65-F5344CB8AC3E}">
         <p14:creationId xmlns:p14="http://schemas.microsoft.com/office/powerpoint/2010/main" val="921667215"/>
+      </p:ext>
+    </p:extLst>
+  </p:cSld>
+  <p:clrMapOvr>
+    <a:masterClrMapping/>
+  </p:clrMapOvr>
+</p:sld>
+</file>
+
+<file path=ppt/slides/slide43.xml><?xml version="1.0" encoding="utf-8"?>
+<p:sld xmlns:a="http://schemas.openxmlformats.org/drawingml/2006/main" xmlns:r="http://schemas.openxmlformats.org/officeDocument/2006/relationships" xmlns:p="http://schemas.openxmlformats.org/presentationml/2006/main">
+  <p:cSld>
+    <p:spTree>
+      <p:nvGrpSpPr>
+        <p:cNvPr id="1" name=""/>
+        <p:cNvGrpSpPr/>
+        <p:nvPr/>
+      </p:nvGrpSpPr>
+      <p:grpSpPr>
+        <a:xfrm>
+          <a:off x="0" y="0"/>
+          <a:ext cx="0" cy="0"/>
+          <a:chOff x="0" y="0"/>
+          <a:chExt cx="0" cy="0"/>
+        </a:xfrm>
+      </p:grpSpPr>
+      <p:sp>
+        <p:nvSpPr>
+          <p:cNvPr id="2" name="Title 1">
+            <a:extLst>
+              <a:ext uri="{FF2B5EF4-FFF2-40B4-BE49-F238E27FC236}">
+                <a16:creationId xmlns:a16="http://schemas.microsoft.com/office/drawing/2014/main" id="{7536A5A0-6A70-C7CE-1030-952992936583}"/>
+              </a:ext>
+            </a:extLst>
+          </p:cNvPr>
+          <p:cNvSpPr>
+            <a:spLocks noGrp="1"/>
+          </p:cNvSpPr>
+          <p:nvPr>
+            <p:ph type="title"/>
+          </p:nvPr>
+        </p:nvSpPr>
+        <p:spPr/>
+        <p:txBody>
+          <a:bodyPr/>
+          <a:lstStyle/>
+          <a:p>
+            <a:r>
+              <a:rPr lang="en-US" dirty="0"/>
+              <a:t>Forget password</a:t>
+            </a:r>
+          </a:p>
+        </p:txBody>
+      </p:sp>
+      <p:sp>
+        <p:nvSpPr>
+          <p:cNvPr id="3" name="Content Placeholder 2">
+            <a:extLst>
+              <a:ext uri="{FF2B5EF4-FFF2-40B4-BE49-F238E27FC236}">
+                <a16:creationId xmlns:a16="http://schemas.microsoft.com/office/drawing/2014/main" id="{9700354A-2391-DCDF-C79A-FF1F664814C0}"/>
+              </a:ext>
+            </a:extLst>
+          </p:cNvPr>
+          <p:cNvSpPr>
+            <a:spLocks noGrp="1"/>
+          </p:cNvSpPr>
+          <p:nvPr>
+            <p:ph idx="1"/>
+          </p:nvPr>
+        </p:nvSpPr>
+        <p:spPr/>
+        <p:txBody>
+          <a:bodyPr>
+            <a:normAutofit fontScale="92500" lnSpcReduction="10000"/>
+          </a:bodyPr>
+          <a:lstStyle/>
+          <a:p>
+            <a:r>
+              <a:rPr lang="en-US" dirty="0"/>
+              <a:t>create </a:t>
+            </a:r>
+            <a:r>
+              <a:rPr lang="en-US" dirty="0" err="1"/>
+              <a:t>api</a:t>
+            </a:r>
+            <a:endParaRPr lang="en-US" dirty="0"/>
+          </a:p>
+          <a:p>
+            <a:r>
+              <a:rPr lang="en-US" dirty="0"/>
+              <a:t>request method post</a:t>
+            </a:r>
+          </a:p>
+          <a:p>
+            <a:r>
+              <a:rPr lang="en-US" dirty="0"/>
+              <a:t>validate email</a:t>
+            </a:r>
+          </a:p>
+          <a:p>
+            <a:r>
+              <a:rPr lang="en-US" dirty="0"/>
+              <a:t>check if email exists in </a:t>
+            </a:r>
+            <a:r>
+              <a:rPr lang="en-US" dirty="0" err="1"/>
+              <a:t>db</a:t>
+            </a:r>
+            <a:endParaRPr lang="en-US" dirty="0"/>
+          </a:p>
+          <a:p>
+            <a:pPr lvl="1"/>
+            <a:r>
+              <a:rPr lang="en-US" dirty="0"/>
+              <a:t>if exists then </a:t>
+            </a:r>
+          </a:p>
+          <a:p>
+            <a:pPr lvl="2"/>
+            <a:r>
+              <a:rPr lang="en-US" dirty="0"/>
+              <a:t>generate secret key</a:t>
+            </a:r>
+          </a:p>
+          <a:p>
+            <a:pPr lvl="2"/>
+            <a:r>
+              <a:rPr lang="en-US" dirty="0"/>
+              <a:t>generate </a:t>
+            </a:r>
+            <a:r>
+              <a:rPr lang="en-US" dirty="0" err="1"/>
+              <a:t>url</a:t>
+            </a:r>
+            <a:r>
+              <a:rPr lang="en-US" dirty="0"/>
+              <a:t> with the key</a:t>
+            </a:r>
+          </a:p>
+          <a:p>
+            <a:pPr lvl="2"/>
+            <a:r>
+              <a:rPr lang="en-US" dirty="0"/>
+              <a:t>send the </a:t>
+            </a:r>
+            <a:r>
+              <a:rPr lang="en-US" dirty="0" err="1"/>
+              <a:t>url</a:t>
+            </a:r>
+            <a:r>
+              <a:rPr lang="en-US" dirty="0"/>
+              <a:t> </a:t>
+            </a:r>
+            <a:r>
+              <a:rPr lang="en-US"/>
+              <a:t>to the email</a:t>
+            </a:r>
+            <a:endParaRPr lang="en-US" dirty="0"/>
+          </a:p>
+          <a:p>
+            <a:pPr lvl="1"/>
+            <a:endParaRPr lang="en-US" dirty="0"/>
+          </a:p>
+        </p:txBody>
+      </p:sp>
+    </p:spTree>
+    <p:extLst>
+      <p:ext uri="{BB962C8B-B14F-4D97-AF65-F5344CB8AC3E}">
+        <p14:creationId xmlns:p14="http://schemas.microsoft.com/office/powerpoint/2010/main" val="755769838"/>
       </p:ext>
     </p:extLst>
   </p:cSld>

--- a/docs/node js.pptx
+++ b/docs/node js.pptx
@@ -48,6 +48,7 @@
     <p:sldId id="296" r:id="rId42"/>
     <p:sldId id="297" r:id="rId43"/>
     <p:sldId id="298" r:id="rId44"/>
+    <p:sldId id="299" r:id="rId45"/>
   </p:sldIdLst>
   <p:sldSz cx="12192000" cy="6858000"/>
   <p:notesSz cx="6858000" cy="9144000"/>
@@ -17594,13 +17595,8 @@
             </a:r>
             <a:r>
               <a:rPr lang="en-US" dirty="0"/>
-              <a:t> </a:t>
-            </a:r>
-            <a:r>
-              <a:rPr lang="en-US"/>
-              <a:t>to the email</a:t>
-            </a:r>
-            <a:endParaRPr lang="en-US" dirty="0"/>
+              <a:t> to the email</a:t>
+            </a:r>
           </a:p>
           <a:p>
             <a:pPr lvl="1"/>
@@ -17612,6 +17608,130 @@
     <p:extLst>
       <p:ext uri="{BB962C8B-B14F-4D97-AF65-F5344CB8AC3E}">
         <p14:creationId xmlns:p14="http://schemas.microsoft.com/office/powerpoint/2010/main" val="755769838"/>
+      </p:ext>
+    </p:extLst>
+  </p:cSld>
+  <p:clrMapOvr>
+    <a:masterClrMapping/>
+  </p:clrMapOvr>
+</p:sld>
+</file>
+
+<file path=ppt/slides/slide44.xml><?xml version="1.0" encoding="utf-8"?>
+<p:sld xmlns:a="http://schemas.openxmlformats.org/drawingml/2006/main" xmlns:r="http://schemas.openxmlformats.org/officeDocument/2006/relationships" xmlns:p="http://schemas.openxmlformats.org/presentationml/2006/main">
+  <p:cSld>
+    <p:spTree>
+      <p:nvGrpSpPr>
+        <p:cNvPr id="1" name=""/>
+        <p:cNvGrpSpPr/>
+        <p:nvPr/>
+      </p:nvGrpSpPr>
+      <p:grpSpPr>
+        <a:xfrm>
+          <a:off x="0" y="0"/>
+          <a:ext cx="0" cy="0"/>
+          <a:chOff x="0" y="0"/>
+          <a:chExt cx="0" cy="0"/>
+        </a:xfrm>
+      </p:grpSpPr>
+      <p:sp>
+        <p:nvSpPr>
+          <p:cNvPr id="2" name="Title 1">
+            <a:extLst>
+              <a:ext uri="{FF2B5EF4-FFF2-40B4-BE49-F238E27FC236}">
+                <a16:creationId xmlns:a16="http://schemas.microsoft.com/office/drawing/2014/main" id="{7536A5A0-6A70-C7CE-1030-952992936583}"/>
+              </a:ext>
+            </a:extLst>
+          </p:cNvPr>
+          <p:cNvSpPr>
+            <a:spLocks noGrp="1"/>
+          </p:cNvSpPr>
+          <p:nvPr>
+            <p:ph type="title"/>
+          </p:nvPr>
+        </p:nvSpPr>
+        <p:spPr/>
+        <p:txBody>
+          <a:bodyPr/>
+          <a:lstStyle/>
+          <a:p>
+            <a:r>
+              <a:rPr lang="en-US" dirty="0" err="1"/>
+              <a:t>nodemailer</a:t>
+            </a:r>
+            <a:endParaRPr lang="en-US" dirty="0"/>
+          </a:p>
+        </p:txBody>
+      </p:sp>
+      <p:sp>
+        <p:nvSpPr>
+          <p:cNvPr id="3" name="Content Placeholder 2">
+            <a:extLst>
+              <a:ext uri="{FF2B5EF4-FFF2-40B4-BE49-F238E27FC236}">
+                <a16:creationId xmlns:a16="http://schemas.microsoft.com/office/drawing/2014/main" id="{9700354A-2391-DCDF-C79A-FF1F664814C0}"/>
+              </a:ext>
+            </a:extLst>
+          </p:cNvPr>
+          <p:cNvSpPr>
+            <a:spLocks noGrp="1"/>
+          </p:cNvSpPr>
+          <p:nvPr>
+            <p:ph idx="1"/>
+          </p:nvPr>
+        </p:nvSpPr>
+        <p:spPr/>
+        <p:txBody>
+          <a:bodyPr>
+            <a:normAutofit/>
+          </a:bodyPr>
+          <a:lstStyle/>
+          <a:p>
+            <a:r>
+              <a:rPr lang="en-US" dirty="0"/>
+              <a:t>this package let us send mails using </a:t>
+            </a:r>
+            <a:r>
+              <a:rPr lang="en-US" dirty="0" err="1"/>
+              <a:t>nodejs</a:t>
+            </a:r>
+            <a:r>
+              <a:rPr lang="en-US" dirty="0"/>
+              <a:t>!!!!</a:t>
+            </a:r>
+          </a:p>
+          <a:p>
+            <a:r>
+              <a:rPr lang="en-US" dirty="0"/>
+              <a:t>to install use </a:t>
+            </a:r>
+            <a:r>
+              <a:rPr lang="en-US"/>
+              <a:t>this: npm</a:t>
+            </a:r>
+            <a:r>
+              <a:rPr lang="en-US" dirty="0"/>
+              <a:t> </a:t>
+            </a:r>
+            <a:r>
+              <a:rPr lang="en-US" dirty="0" err="1"/>
+              <a:t>i</a:t>
+            </a:r>
+            <a:r>
+              <a:rPr lang="en-US" dirty="0"/>
+              <a:t> </a:t>
+            </a:r>
+            <a:r>
+              <a:rPr lang="en-US" dirty="0" err="1"/>
+              <a:t>nodemailer</a:t>
+            </a:r>
+            <a:endParaRPr lang="en-US" dirty="0"/>
+          </a:p>
+        </p:txBody>
+      </p:sp>
+    </p:spTree>
+    <p:extLst>
+      <p:ext uri="{BB962C8B-B14F-4D97-AF65-F5344CB8AC3E}">
+        <p14:creationId xmlns:p14="http://schemas.microsoft.com/office/powerpoint/2010/main" val="3041022353"/>
       </p:ext>
     </p:extLst>
   </p:cSld>

--- a/docs/node js.pptx
+++ b/docs/node js.pptx
@@ -49,6 +49,8 @@
     <p:sldId id="297" r:id="rId43"/>
     <p:sldId id="298" r:id="rId44"/>
     <p:sldId id="299" r:id="rId45"/>
+    <p:sldId id="300" r:id="rId46"/>
+    <p:sldId id="301" r:id="rId47"/>
   </p:sldIdLst>
   <p:sldSz cx="12192000" cy="6858000"/>
   <p:notesSz cx="6858000" cy="9144000"/>
@@ -216,7 +218,7 @@
           <a:noFill/>
           <a:extLst>
             <a:ext uri="{909E8E84-426E-40dd-AFC4-6F175D3DCCD1}">
-              <a14:hiddenFill xmlns:a14="http://schemas.microsoft.com/office/drawing/2010/main" xmlns="">
+              <a14:hiddenFill xmlns="" xmlns:a14="http://schemas.microsoft.com/office/drawing/2010/main">
                 <a:solidFill>
                   <a:srgbClr val="FFFFFF"/>
                 </a:solidFill>
@@ -276,7 +278,7 @@
             </a:ln>
             <a:extLst>
               <a:ext uri="{91240B29-F687-4f45-9708-019B960494DF}">
-                <a14:hiddenLine xmlns:a14="http://schemas.microsoft.com/office/drawing/2010/main" xmlns="" w="9525">
+                <a14:hiddenLine xmlns="" xmlns:a14="http://schemas.microsoft.com/office/drawing/2010/main" w="9525">
                   <a:solidFill>
                     <a:srgbClr val="000000"/>
                   </a:solidFill>
@@ -366,7 +368,7 @@
             </a:ln>
             <a:extLst>
               <a:ext uri="{91240B29-F687-4f45-9708-019B960494DF}">
-                <a14:hiddenLine xmlns:a14="http://schemas.microsoft.com/office/drawing/2010/main" xmlns="" w="9525">
+                <a14:hiddenLine xmlns="" xmlns:a14="http://schemas.microsoft.com/office/drawing/2010/main" w="9525">
                   <a:solidFill>
                     <a:srgbClr val="000000"/>
                   </a:solidFill>
@@ -456,7 +458,7 @@
             </a:ln>
             <a:extLst>
               <a:ext uri="{91240B29-F687-4f45-9708-019B960494DF}">
-                <a14:hiddenLine xmlns:a14="http://schemas.microsoft.com/office/drawing/2010/main" xmlns="" w="9525">
+                <a14:hiddenLine xmlns="" xmlns:a14="http://schemas.microsoft.com/office/drawing/2010/main" w="9525">
                   <a:solidFill>
                     <a:srgbClr val="000000"/>
                   </a:solidFill>
@@ -490,7 +492,7 @@
             </a:ln>
             <a:extLst>
               <a:ext uri="{91240B29-F687-4f45-9708-019B960494DF}">
-                <a14:hiddenLine xmlns:a14="http://schemas.microsoft.com/office/drawing/2010/main" xmlns="" w="9525">
+                <a14:hiddenLine xmlns="" xmlns:a14="http://schemas.microsoft.com/office/drawing/2010/main" w="9525">
                   <a:solidFill>
                     <a:srgbClr val="000000"/>
                   </a:solidFill>
@@ -580,7 +582,7 @@
             </a:ln>
             <a:extLst>
               <a:ext uri="{91240B29-F687-4f45-9708-019B960494DF}">
-                <a14:hiddenLine xmlns:a14="http://schemas.microsoft.com/office/drawing/2010/main" xmlns="" w="9525">
+                <a14:hiddenLine xmlns="" xmlns:a14="http://schemas.microsoft.com/office/drawing/2010/main" w="9525">
                   <a:solidFill>
                     <a:srgbClr val="000000"/>
                   </a:solidFill>
@@ -642,7 +644,7 @@
             </a:ln>
             <a:extLst>
               <a:ext uri="{91240B29-F687-4f45-9708-019B960494DF}">
-                <a14:hiddenLine xmlns:a14="http://schemas.microsoft.com/office/drawing/2010/main" xmlns="" w="9525">
+                <a14:hiddenLine xmlns="" xmlns:a14="http://schemas.microsoft.com/office/drawing/2010/main" w="9525">
                   <a:solidFill>
                     <a:srgbClr val="000000"/>
                   </a:solidFill>
@@ -704,7 +706,7 @@
             </a:ln>
             <a:extLst>
               <a:ext uri="{91240B29-F687-4f45-9708-019B960494DF}">
-                <a14:hiddenLine xmlns:a14="http://schemas.microsoft.com/office/drawing/2010/main" xmlns="" w="9525">
+                <a14:hiddenLine xmlns="" xmlns:a14="http://schemas.microsoft.com/office/drawing/2010/main" w="9525">
                   <a:solidFill>
                     <a:srgbClr val="000000"/>
                   </a:solidFill>
@@ -794,7 +796,7 @@
             </a:ln>
             <a:extLst>
               <a:ext uri="{91240B29-F687-4f45-9708-019B960494DF}">
-                <a14:hiddenLine xmlns:a14="http://schemas.microsoft.com/office/drawing/2010/main" xmlns="" w="9525">
+                <a14:hiddenLine xmlns="" xmlns:a14="http://schemas.microsoft.com/office/drawing/2010/main" w="9525">
                   <a:solidFill>
                     <a:srgbClr val="000000"/>
                   </a:solidFill>
@@ -856,7 +858,7 @@
             </a:ln>
             <a:extLst>
               <a:ext uri="{91240B29-F687-4f45-9708-019B960494DF}">
-                <a14:hiddenLine xmlns:a14="http://schemas.microsoft.com/office/drawing/2010/main" xmlns="" w="9525">
+                <a14:hiddenLine xmlns="" xmlns:a14="http://schemas.microsoft.com/office/drawing/2010/main" w="9525">
                   <a:solidFill>
                     <a:srgbClr val="000000"/>
                   </a:solidFill>
@@ -918,7 +920,7 @@
             </a:ln>
             <a:extLst>
               <a:ext uri="{91240B29-F687-4f45-9708-019B960494DF}">
-                <a14:hiddenLine xmlns:a14="http://schemas.microsoft.com/office/drawing/2010/main" xmlns="" w="9525">
+                <a14:hiddenLine xmlns="" xmlns:a14="http://schemas.microsoft.com/office/drawing/2010/main" w="9525">
                   <a:solidFill>
                     <a:srgbClr val="000000"/>
                   </a:solidFill>
@@ -1008,7 +1010,7 @@
             </a:ln>
             <a:extLst>
               <a:ext uri="{91240B29-F687-4f45-9708-019B960494DF}">
-                <a14:hiddenLine xmlns:a14="http://schemas.microsoft.com/office/drawing/2010/main" xmlns="" w="9525">
+                <a14:hiddenLine xmlns="" xmlns:a14="http://schemas.microsoft.com/office/drawing/2010/main" w="9525">
                   <a:solidFill>
                     <a:srgbClr val="000000"/>
                   </a:solidFill>
@@ -1098,7 +1100,7 @@
             </a:ln>
             <a:extLst>
               <a:ext uri="{91240B29-F687-4f45-9708-019B960494DF}">
-                <a14:hiddenLine xmlns:a14="http://schemas.microsoft.com/office/drawing/2010/main" xmlns="" w="9525">
+                <a14:hiddenLine xmlns="" xmlns:a14="http://schemas.microsoft.com/office/drawing/2010/main" w="9525">
                   <a:solidFill>
                     <a:srgbClr val="000000"/>
                   </a:solidFill>
@@ -1160,7 +1162,7 @@
             </a:ln>
             <a:extLst>
               <a:ext uri="{91240B29-F687-4f45-9708-019B960494DF}">
-                <a14:hiddenLine xmlns:a14="http://schemas.microsoft.com/office/drawing/2010/main" xmlns="" w="9525">
+                <a14:hiddenLine xmlns="" xmlns:a14="http://schemas.microsoft.com/office/drawing/2010/main" w="9525">
                   <a:solidFill>
                     <a:srgbClr val="000000"/>
                   </a:solidFill>
@@ -1270,7 +1272,7 @@
             </a:ln>
             <a:extLst>
               <a:ext uri="{91240B29-F687-4f45-9708-019B960494DF}">
-                <a14:hiddenLine xmlns:a14="http://schemas.microsoft.com/office/drawing/2010/main" xmlns="" w="9525">
+                <a14:hiddenLine xmlns="" xmlns:a14="http://schemas.microsoft.com/office/drawing/2010/main" w="9525">
                   <a:solidFill>
                     <a:srgbClr val="000000"/>
                   </a:solidFill>
@@ -1332,7 +1334,7 @@
             </a:ln>
             <a:extLst>
               <a:ext uri="{91240B29-F687-4f45-9708-019B960494DF}">
-                <a14:hiddenLine xmlns:a14="http://schemas.microsoft.com/office/drawing/2010/main" xmlns="" w="9525">
+                <a14:hiddenLine xmlns="" xmlns:a14="http://schemas.microsoft.com/office/drawing/2010/main" w="9525">
                   <a:solidFill>
                     <a:srgbClr val="000000"/>
                   </a:solidFill>
@@ -1422,7 +1424,7 @@
             </a:ln>
             <a:extLst>
               <a:ext uri="{91240B29-F687-4f45-9708-019B960494DF}">
-                <a14:hiddenLine xmlns:a14="http://schemas.microsoft.com/office/drawing/2010/main" xmlns="" w="9525">
+                <a14:hiddenLine xmlns="" xmlns:a14="http://schemas.microsoft.com/office/drawing/2010/main" w="9525">
                   <a:solidFill>
                     <a:srgbClr val="000000"/>
                   </a:solidFill>
@@ -1512,7 +1514,7 @@
             </a:ln>
             <a:extLst>
               <a:ext uri="{91240B29-F687-4f45-9708-019B960494DF}">
-                <a14:hiddenLine xmlns:a14="http://schemas.microsoft.com/office/drawing/2010/main" xmlns="" w="9525">
+                <a14:hiddenLine xmlns="" xmlns:a14="http://schemas.microsoft.com/office/drawing/2010/main" w="9525">
                   <a:solidFill>
                     <a:srgbClr val="000000"/>
                   </a:solidFill>
@@ -1574,7 +1576,7 @@
             </a:ln>
             <a:extLst>
               <a:ext uri="{91240B29-F687-4f45-9708-019B960494DF}">
-                <a14:hiddenLine xmlns:a14="http://schemas.microsoft.com/office/drawing/2010/main" xmlns="" w="9525">
+                <a14:hiddenLine xmlns="" xmlns:a14="http://schemas.microsoft.com/office/drawing/2010/main" w="9525">
                   <a:solidFill>
                     <a:srgbClr val="000000"/>
                   </a:solidFill>
@@ -1664,7 +1666,7 @@
             </a:ln>
             <a:extLst>
               <a:ext uri="{91240B29-F687-4f45-9708-019B960494DF}">
-                <a14:hiddenLine xmlns:a14="http://schemas.microsoft.com/office/drawing/2010/main" xmlns="" w="9525">
+                <a14:hiddenLine xmlns="" xmlns:a14="http://schemas.microsoft.com/office/drawing/2010/main" w="9525">
                   <a:solidFill>
                     <a:srgbClr val="000000"/>
                   </a:solidFill>
@@ -1754,7 +1756,7 @@
             </a:ln>
             <a:extLst>
               <a:ext uri="{91240B29-F687-4f45-9708-019B960494DF}">
-                <a14:hiddenLine xmlns:a14="http://schemas.microsoft.com/office/drawing/2010/main" xmlns="" w="9525">
+                <a14:hiddenLine xmlns="" xmlns:a14="http://schemas.microsoft.com/office/drawing/2010/main" w="9525">
                   <a:solidFill>
                     <a:srgbClr val="000000"/>
                   </a:solidFill>
@@ -1810,7 +1812,7 @@
             </a:ln>
             <a:extLst>
               <a:ext uri="{91240B29-F687-4f45-9708-019B960494DF}">
-                <a14:hiddenLine xmlns:a14="http://schemas.microsoft.com/office/drawing/2010/main" xmlns="" w="9525">
+                <a14:hiddenLine xmlns="" xmlns:a14="http://schemas.microsoft.com/office/drawing/2010/main" w="9525">
                   <a:solidFill>
                     <a:srgbClr val="000000"/>
                   </a:solidFill>
@@ -1900,7 +1902,7 @@
             </a:ln>
             <a:extLst>
               <a:ext uri="{91240B29-F687-4f45-9708-019B960494DF}">
-                <a14:hiddenLine xmlns:a14="http://schemas.microsoft.com/office/drawing/2010/main" xmlns="" w="9525">
+                <a14:hiddenLine xmlns="" xmlns:a14="http://schemas.microsoft.com/office/drawing/2010/main" w="9525">
                   <a:solidFill>
                     <a:srgbClr val="000000"/>
                   </a:solidFill>
@@ -1956,7 +1958,7 @@
             </a:ln>
             <a:extLst>
               <a:ext uri="{91240B29-F687-4f45-9708-019B960494DF}">
-                <a14:hiddenLine xmlns:a14="http://schemas.microsoft.com/office/drawing/2010/main" xmlns="" w="9525">
+                <a14:hiddenLine xmlns="" xmlns:a14="http://schemas.microsoft.com/office/drawing/2010/main" w="9525">
                   <a:solidFill>
                     <a:srgbClr val="000000"/>
                   </a:solidFill>
@@ -2046,7 +2048,7 @@
             </a:ln>
             <a:extLst>
               <a:ext uri="{91240B29-F687-4f45-9708-019B960494DF}">
-                <a14:hiddenLine xmlns:a14="http://schemas.microsoft.com/office/drawing/2010/main" xmlns="" w="9525">
+                <a14:hiddenLine xmlns="" xmlns:a14="http://schemas.microsoft.com/office/drawing/2010/main" w="9525">
                   <a:solidFill>
                     <a:srgbClr val="000000"/>
                   </a:solidFill>
@@ -2114,7 +2116,7 @@
             </a:ln>
             <a:extLst>
               <a:ext uri="{91240B29-F687-4f45-9708-019B960494DF}">
-                <a14:hiddenLine xmlns:a14="http://schemas.microsoft.com/office/drawing/2010/main" xmlns="" w="9525">
+                <a14:hiddenLine xmlns="" xmlns:a14="http://schemas.microsoft.com/office/drawing/2010/main" w="9525">
                   <a:solidFill>
                     <a:srgbClr val="000000"/>
                   </a:solidFill>
@@ -2204,7 +2206,7 @@
             </a:ln>
             <a:extLst>
               <a:ext uri="{91240B29-F687-4f45-9708-019B960494DF}">
-                <a14:hiddenLine xmlns:a14="http://schemas.microsoft.com/office/drawing/2010/main" xmlns="" w="9525">
+                <a14:hiddenLine xmlns="" xmlns:a14="http://schemas.microsoft.com/office/drawing/2010/main" w="9525">
                   <a:solidFill>
                     <a:srgbClr val="000000"/>
                   </a:solidFill>
@@ -2272,7 +2274,7 @@
             </a:ln>
             <a:extLst>
               <a:ext uri="{91240B29-F687-4f45-9708-019B960494DF}">
-                <a14:hiddenLine xmlns:a14="http://schemas.microsoft.com/office/drawing/2010/main" xmlns="" w="9525">
+                <a14:hiddenLine xmlns="" xmlns:a14="http://schemas.microsoft.com/office/drawing/2010/main" w="9525">
                   <a:solidFill>
                     <a:srgbClr val="000000"/>
                   </a:solidFill>
@@ -2362,7 +2364,7 @@
             </a:ln>
             <a:extLst>
               <a:ext uri="{91240B29-F687-4f45-9708-019B960494DF}">
-                <a14:hiddenLine xmlns:a14="http://schemas.microsoft.com/office/drawing/2010/main" xmlns="" w="9525">
+                <a14:hiddenLine xmlns="" xmlns:a14="http://schemas.microsoft.com/office/drawing/2010/main" w="9525">
                   <a:solidFill>
                     <a:srgbClr val="000000"/>
                   </a:solidFill>
@@ -2396,7 +2398,7 @@
             </a:ln>
             <a:extLst>
               <a:ext uri="{91240B29-F687-4f45-9708-019B960494DF}">
-                <a14:hiddenLine xmlns:a14="http://schemas.microsoft.com/office/drawing/2010/main" xmlns="" w="9525">
+                <a14:hiddenLine xmlns="" xmlns:a14="http://schemas.microsoft.com/office/drawing/2010/main" w="9525">
                   <a:solidFill>
                     <a:srgbClr val="000000"/>
                   </a:solidFill>
@@ -2486,7 +2488,7 @@
             </a:ln>
             <a:extLst>
               <a:ext uri="{91240B29-F687-4f45-9708-019B960494DF}">
-                <a14:hiddenLine xmlns:a14="http://schemas.microsoft.com/office/drawing/2010/main" xmlns="" w="9525">
+                <a14:hiddenLine xmlns="" xmlns:a14="http://schemas.microsoft.com/office/drawing/2010/main" w="9525">
                   <a:solidFill>
                     <a:srgbClr val="000000"/>
                   </a:solidFill>
@@ -2548,7 +2550,7 @@
             </a:ln>
             <a:extLst>
               <a:ext uri="{91240B29-F687-4f45-9708-019B960494DF}">
-                <a14:hiddenLine xmlns:a14="http://schemas.microsoft.com/office/drawing/2010/main" xmlns="" w="9525">
+                <a14:hiddenLine xmlns="" xmlns:a14="http://schemas.microsoft.com/office/drawing/2010/main" w="9525">
                   <a:solidFill>
                     <a:srgbClr val="000000"/>
                   </a:solidFill>
@@ -2610,7 +2612,7 @@
             </a:ln>
             <a:extLst>
               <a:ext uri="{91240B29-F687-4f45-9708-019B960494DF}">
-                <a14:hiddenLine xmlns:a14="http://schemas.microsoft.com/office/drawing/2010/main" xmlns="" w="9525">
+                <a14:hiddenLine xmlns="" xmlns:a14="http://schemas.microsoft.com/office/drawing/2010/main" w="9525">
                   <a:solidFill>
                     <a:srgbClr val="000000"/>
                   </a:solidFill>
@@ -2700,7 +2702,7 @@
             </a:ln>
             <a:extLst>
               <a:ext uri="{91240B29-F687-4f45-9708-019B960494DF}">
-                <a14:hiddenLine xmlns:a14="http://schemas.microsoft.com/office/drawing/2010/main" xmlns="" w="9525">
+                <a14:hiddenLine xmlns="" xmlns:a14="http://schemas.microsoft.com/office/drawing/2010/main" w="9525">
                   <a:solidFill>
                     <a:srgbClr val="000000"/>
                   </a:solidFill>
@@ -2768,7 +2770,7 @@
             </a:ln>
             <a:extLst>
               <a:ext uri="{91240B29-F687-4f45-9708-019B960494DF}">
-                <a14:hiddenLine xmlns:a14="http://schemas.microsoft.com/office/drawing/2010/main" xmlns="" w="9525">
+                <a14:hiddenLine xmlns="" xmlns:a14="http://schemas.microsoft.com/office/drawing/2010/main" w="9525">
                   <a:solidFill>
                     <a:srgbClr val="000000"/>
                   </a:solidFill>
@@ -2830,7 +2832,7 @@
             </a:ln>
             <a:extLst>
               <a:ext uri="{91240B29-F687-4f45-9708-019B960494DF}">
-                <a14:hiddenLine xmlns:a14="http://schemas.microsoft.com/office/drawing/2010/main" xmlns="" w="9525">
+                <a14:hiddenLine xmlns="" xmlns:a14="http://schemas.microsoft.com/office/drawing/2010/main" w="9525">
                   <a:solidFill>
                     <a:srgbClr val="000000"/>
                   </a:solidFill>
@@ -2920,7 +2922,7 @@
             </a:ln>
             <a:extLst>
               <a:ext uri="{91240B29-F687-4f45-9708-019B960494DF}">
-                <a14:hiddenLine xmlns:a14="http://schemas.microsoft.com/office/drawing/2010/main" xmlns="" w="9525">
+                <a14:hiddenLine xmlns="" xmlns:a14="http://schemas.microsoft.com/office/drawing/2010/main" w="9525">
                   <a:solidFill>
                     <a:srgbClr val="000000"/>
                   </a:solidFill>
@@ -2982,7 +2984,7 @@
             </a:ln>
             <a:extLst>
               <a:ext uri="{91240B29-F687-4f45-9708-019B960494DF}">
-                <a14:hiddenLine xmlns:a14="http://schemas.microsoft.com/office/drawing/2010/main" xmlns="" w="9525">
+                <a14:hiddenLine xmlns="" xmlns:a14="http://schemas.microsoft.com/office/drawing/2010/main" w="9525">
                   <a:solidFill>
                     <a:srgbClr val="000000"/>
                   </a:solidFill>
@@ -3072,7 +3074,7 @@
             </a:ln>
             <a:extLst>
               <a:ext uri="{91240B29-F687-4f45-9708-019B960494DF}">
-                <a14:hiddenLine xmlns:a14="http://schemas.microsoft.com/office/drawing/2010/main" xmlns="" w="9525">
+                <a14:hiddenLine xmlns="" xmlns:a14="http://schemas.microsoft.com/office/drawing/2010/main" w="9525">
                   <a:solidFill>
                     <a:srgbClr val="000000"/>
                   </a:solidFill>
@@ -3134,7 +3136,7 @@
             </a:ln>
             <a:extLst>
               <a:ext uri="{91240B29-F687-4f45-9708-019B960494DF}">
-                <a14:hiddenLine xmlns:a14="http://schemas.microsoft.com/office/drawing/2010/main" xmlns="" w="9525">
+                <a14:hiddenLine xmlns="" xmlns:a14="http://schemas.microsoft.com/office/drawing/2010/main" w="9525">
                   <a:solidFill>
                     <a:srgbClr val="000000"/>
                   </a:solidFill>
@@ -3224,7 +3226,7 @@
             </a:ln>
             <a:extLst>
               <a:ext uri="{91240B29-F687-4f45-9708-019B960494DF}">
-                <a14:hiddenLine xmlns:a14="http://schemas.microsoft.com/office/drawing/2010/main" xmlns="" w="9525">
+                <a14:hiddenLine xmlns="" xmlns:a14="http://schemas.microsoft.com/office/drawing/2010/main" w="9525">
                   <a:solidFill>
                     <a:srgbClr val="000000"/>
                   </a:solidFill>
@@ -3258,7 +3260,7 @@
             </a:ln>
             <a:extLst>
               <a:ext uri="{91240B29-F687-4f45-9708-019B960494DF}">
-                <a14:hiddenLine xmlns:a14="http://schemas.microsoft.com/office/drawing/2010/main" xmlns="" w="9525">
+                <a14:hiddenLine xmlns="" xmlns:a14="http://schemas.microsoft.com/office/drawing/2010/main" w="9525">
                   <a:solidFill>
                     <a:srgbClr val="000000"/>
                   </a:solidFill>
@@ -3323,7 +3325,7 @@
             </a:ln>
             <a:extLst>
               <a:ext uri="{91240B29-F687-4f45-9708-019B960494DF}">
-                <a14:hiddenLine xmlns:a14="http://schemas.microsoft.com/office/drawing/2010/main" xmlns="" w="9525">
+                <a14:hiddenLine xmlns="" xmlns:a14="http://schemas.microsoft.com/office/drawing/2010/main" w="9525">
                   <a:solidFill>
                     <a:srgbClr val="000000"/>
                   </a:solidFill>
@@ -3413,7 +3415,7 @@
             </a:ln>
             <a:extLst>
               <a:ext uri="{91240B29-F687-4f45-9708-019B960494DF}">
-                <a14:hiddenLine xmlns:a14="http://schemas.microsoft.com/office/drawing/2010/main" xmlns="" w="9525">
+                <a14:hiddenLine xmlns="" xmlns:a14="http://schemas.microsoft.com/office/drawing/2010/main" w="9525">
                   <a:solidFill>
                     <a:srgbClr val="000000"/>
                   </a:solidFill>
@@ -3475,7 +3477,7 @@
             </a:ln>
             <a:extLst>
               <a:ext uri="{91240B29-F687-4f45-9708-019B960494DF}">
-                <a14:hiddenLine xmlns:a14="http://schemas.microsoft.com/office/drawing/2010/main" xmlns="" w="9525">
+                <a14:hiddenLine xmlns="" xmlns:a14="http://schemas.microsoft.com/office/drawing/2010/main" w="9525">
                   <a:solidFill>
                     <a:srgbClr val="000000"/>
                   </a:solidFill>
@@ -3565,7 +3567,7 @@
             </a:ln>
             <a:extLst>
               <a:ext uri="{91240B29-F687-4f45-9708-019B960494DF}">
-                <a14:hiddenLine xmlns:a14="http://schemas.microsoft.com/office/drawing/2010/main" xmlns="" w="9525">
+                <a14:hiddenLine xmlns="" xmlns:a14="http://schemas.microsoft.com/office/drawing/2010/main" w="9525">
                   <a:solidFill>
                     <a:srgbClr val="000000"/>
                   </a:solidFill>
@@ -3655,7 +3657,7 @@
             </a:ln>
             <a:extLst>
               <a:ext uri="{91240B29-F687-4f45-9708-019B960494DF}">
-                <a14:hiddenLine xmlns:a14="http://schemas.microsoft.com/office/drawing/2010/main" xmlns="" w="9525">
+                <a14:hiddenLine xmlns="" xmlns:a14="http://schemas.microsoft.com/office/drawing/2010/main" w="9525">
                   <a:solidFill>
                     <a:srgbClr val="000000"/>
                   </a:solidFill>
@@ -3720,7 +3722,7 @@
             </a:ln>
             <a:extLst>
               <a:ext uri="{91240B29-F687-4f45-9708-019B960494DF}">
-                <a14:hiddenLine xmlns:a14="http://schemas.microsoft.com/office/drawing/2010/main" xmlns="" w="9525">
+                <a14:hiddenLine xmlns="" xmlns:a14="http://schemas.microsoft.com/office/drawing/2010/main" w="9525">
                   <a:solidFill>
                     <a:srgbClr val="000000"/>
                   </a:solidFill>
@@ -3782,7 +3784,7 @@
             </a:ln>
             <a:extLst>
               <a:ext uri="{91240B29-F687-4f45-9708-019B960494DF}">
-                <a14:hiddenLine xmlns:a14="http://schemas.microsoft.com/office/drawing/2010/main" xmlns="" w="9525">
+                <a14:hiddenLine xmlns="" xmlns:a14="http://schemas.microsoft.com/office/drawing/2010/main" w="9525">
                   <a:solidFill>
                     <a:srgbClr val="000000"/>
                   </a:solidFill>
@@ -3872,7 +3874,7 @@
             </a:ln>
             <a:extLst>
               <a:ext uri="{91240B29-F687-4f45-9708-019B960494DF}">
-                <a14:hiddenLine xmlns:a14="http://schemas.microsoft.com/office/drawing/2010/main" xmlns="" w="9525">
+                <a14:hiddenLine xmlns="" xmlns:a14="http://schemas.microsoft.com/office/drawing/2010/main" w="9525">
                   <a:solidFill>
                     <a:srgbClr val="000000"/>
                   </a:solidFill>
@@ -3962,7 +3964,7 @@
             </a:ln>
             <a:extLst>
               <a:ext uri="{91240B29-F687-4f45-9708-019B960494DF}">
-                <a14:hiddenLine xmlns:a14="http://schemas.microsoft.com/office/drawing/2010/main" xmlns="" w="9525">
+                <a14:hiddenLine xmlns="" xmlns:a14="http://schemas.microsoft.com/office/drawing/2010/main" w="9525">
                   <a:solidFill>
                     <a:srgbClr val="000000"/>
                   </a:solidFill>
@@ -4024,7 +4026,7 @@
             </a:ln>
             <a:extLst>
               <a:ext uri="{91240B29-F687-4f45-9708-019B960494DF}">
-                <a14:hiddenLine xmlns:a14="http://schemas.microsoft.com/office/drawing/2010/main" xmlns="" w="9525">
+                <a14:hiddenLine xmlns="" xmlns:a14="http://schemas.microsoft.com/office/drawing/2010/main" w="9525">
                   <a:solidFill>
                     <a:srgbClr val="000000"/>
                   </a:solidFill>
@@ -4144,7 +4146,7 @@
             </a:ln>
             <a:extLst>
               <a:ext uri="{91240B29-F687-4f45-9708-019B960494DF}">
-                <a14:hiddenLine xmlns:a14="http://schemas.microsoft.com/office/drawing/2010/main" xmlns="" w="9525">
+                <a14:hiddenLine xmlns="" xmlns:a14="http://schemas.microsoft.com/office/drawing/2010/main" w="9525">
                   <a:solidFill>
                     <a:srgbClr val="000000"/>
                   </a:solidFill>
@@ -4212,7 +4214,7 @@
             </a:ln>
             <a:extLst>
               <a:ext uri="{91240B29-F687-4f45-9708-019B960494DF}">
-                <a14:hiddenLine xmlns:a14="http://schemas.microsoft.com/office/drawing/2010/main" xmlns="" w="9525">
+                <a14:hiddenLine xmlns="" xmlns:a14="http://schemas.microsoft.com/office/drawing/2010/main" w="9525">
                   <a:solidFill>
                     <a:srgbClr val="000000"/>
                   </a:solidFill>
@@ -4302,7 +4304,7 @@
             </a:ln>
             <a:extLst>
               <a:ext uri="{91240B29-F687-4f45-9708-019B960494DF}">
-                <a14:hiddenLine xmlns:a14="http://schemas.microsoft.com/office/drawing/2010/main" xmlns="" w="9525">
+                <a14:hiddenLine xmlns="" xmlns:a14="http://schemas.microsoft.com/office/drawing/2010/main" w="9525">
                   <a:solidFill>
                     <a:srgbClr val="000000"/>
                   </a:solidFill>
@@ -4442,7 +4444,7 @@
           <a:p>
             <a:fld id="{951AF1EB-82F2-4C84-AADB-635468081963}" type="datetimeFigureOut">
               <a:rPr lang="en-US" smtClean="0"/>
-              <a:t>03/08/2022</a:t>
+              <a:t>08/08/2022</a:t>
             </a:fld>
             <a:endParaRPr lang="en-US"/>
           </a:p>
@@ -4709,7 +4711,7 @@
           <a:p>
             <a:fld id="{951AF1EB-82F2-4C84-AADB-635468081963}" type="datetimeFigureOut">
               <a:rPr lang="en-US" smtClean="0"/>
-              <a:t>03/08/2022</a:t>
+              <a:t>08/08/2022</a:t>
             </a:fld>
             <a:endParaRPr lang="en-US"/>
           </a:p>
@@ -4905,7 +4907,7 @@
           <a:p>
             <a:fld id="{951AF1EB-82F2-4C84-AADB-635468081963}" type="datetimeFigureOut">
               <a:rPr lang="en-US" smtClean="0"/>
-              <a:t>03/08/2022</a:t>
+              <a:t>08/08/2022</a:t>
             </a:fld>
             <a:endParaRPr lang="en-US"/>
           </a:p>
@@ -5168,7 +5170,7 @@
           <a:p>
             <a:fld id="{951AF1EB-82F2-4C84-AADB-635468081963}" type="datetimeFigureOut">
               <a:rPr lang="en-US" smtClean="0"/>
-              <a:t>03/08/2022</a:t>
+              <a:t>08/08/2022</a:t>
             </a:fld>
             <a:endParaRPr lang="en-US"/>
           </a:p>
@@ -5602,7 +5604,7 @@
           <a:p>
             <a:fld id="{951AF1EB-82F2-4C84-AADB-635468081963}" type="datetimeFigureOut">
               <a:rPr lang="en-US" smtClean="0"/>
-              <a:t>03/08/2022</a:t>
+              <a:t>08/08/2022</a:t>
             </a:fld>
             <a:endParaRPr lang="en-US"/>
           </a:p>
@@ -6148,7 +6150,7 @@
           <a:p>
             <a:fld id="{951AF1EB-82F2-4C84-AADB-635468081963}" type="datetimeFigureOut">
               <a:rPr lang="en-US" smtClean="0"/>
-              <a:t>03/08/2022</a:t>
+              <a:t>08/08/2022</a:t>
             </a:fld>
             <a:endParaRPr lang="en-US"/>
           </a:p>
@@ -6868,7 +6870,7 @@
           <a:p>
             <a:fld id="{951AF1EB-82F2-4C84-AADB-635468081963}" type="datetimeFigureOut">
               <a:rPr lang="en-US" smtClean="0"/>
-              <a:t>03/08/2022</a:t>
+              <a:t>08/08/2022</a:t>
             </a:fld>
             <a:endParaRPr lang="en-US"/>
           </a:p>
@@ -7038,7 +7040,7 @@
           <a:p>
             <a:fld id="{951AF1EB-82F2-4C84-AADB-635468081963}" type="datetimeFigureOut">
               <a:rPr lang="en-US" smtClean="0"/>
-              <a:t>03/08/2022</a:t>
+              <a:t>08/08/2022</a:t>
             </a:fld>
             <a:endParaRPr lang="en-US"/>
           </a:p>
@@ -7218,7 +7220,7 @@
           <a:p>
             <a:fld id="{951AF1EB-82F2-4C84-AADB-635468081963}" type="datetimeFigureOut">
               <a:rPr lang="en-US" smtClean="0"/>
-              <a:t>03/08/2022</a:t>
+              <a:t>08/08/2022</a:t>
             </a:fld>
             <a:endParaRPr lang="en-US"/>
           </a:p>
@@ -7388,7 +7390,7 @@
           <a:p>
             <a:fld id="{951AF1EB-82F2-4C84-AADB-635468081963}" type="datetimeFigureOut">
               <a:rPr lang="en-US" smtClean="0"/>
-              <a:t>03/08/2022</a:t>
+              <a:t>08/08/2022</a:t>
             </a:fld>
             <a:endParaRPr lang="en-US"/>
           </a:p>
@@ -7638,7 +7640,7 @@
           <a:p>
             <a:fld id="{951AF1EB-82F2-4C84-AADB-635468081963}" type="datetimeFigureOut">
               <a:rPr lang="en-US" smtClean="0"/>
-              <a:t>03/08/2022</a:t>
+              <a:t>08/08/2022</a:t>
             </a:fld>
             <a:endParaRPr lang="en-US"/>
           </a:p>
@@ -7870,7 +7872,7 @@
           <a:p>
             <a:fld id="{951AF1EB-82F2-4C84-AADB-635468081963}" type="datetimeFigureOut">
               <a:rPr lang="en-US" smtClean="0"/>
-              <a:t>03/08/2022</a:t>
+              <a:t>08/08/2022</a:t>
             </a:fld>
             <a:endParaRPr lang="en-US"/>
           </a:p>
@@ -8251,7 +8253,7 @@
           <a:p>
             <a:fld id="{951AF1EB-82F2-4C84-AADB-635468081963}" type="datetimeFigureOut">
               <a:rPr lang="en-US" smtClean="0"/>
-              <a:t>03/08/2022</a:t>
+              <a:t>08/08/2022</a:t>
             </a:fld>
             <a:endParaRPr lang="en-US"/>
           </a:p>
@@ -8369,7 +8371,7 @@
           <a:p>
             <a:fld id="{951AF1EB-82F2-4C84-AADB-635468081963}" type="datetimeFigureOut">
               <a:rPr lang="en-US" smtClean="0"/>
-              <a:t>03/08/2022</a:t>
+              <a:t>08/08/2022</a:t>
             </a:fld>
             <a:endParaRPr lang="en-US"/>
           </a:p>
@@ -8464,7 +8466,7 @@
           <a:p>
             <a:fld id="{951AF1EB-82F2-4C84-AADB-635468081963}" type="datetimeFigureOut">
               <a:rPr lang="en-US" smtClean="0"/>
-              <a:t>03/08/2022</a:t>
+              <a:t>08/08/2022</a:t>
             </a:fld>
             <a:endParaRPr lang="en-US"/>
           </a:p>
@@ -8713,7 +8715,7 @@
           <a:p>
             <a:fld id="{951AF1EB-82F2-4C84-AADB-635468081963}" type="datetimeFigureOut">
               <a:rPr lang="en-US" smtClean="0"/>
-              <a:t>03/08/2022</a:t>
+              <a:t>08/08/2022</a:t>
             </a:fld>
             <a:endParaRPr lang="en-US"/>
           </a:p>
@@ -8993,7 +8995,7 @@
           <a:p>
             <a:fld id="{951AF1EB-82F2-4C84-AADB-635468081963}" type="datetimeFigureOut">
               <a:rPr lang="en-US" smtClean="0"/>
-              <a:t>03/08/2022</a:t>
+              <a:t>08/08/2022</a:t>
             </a:fld>
             <a:endParaRPr lang="en-US"/>
           </a:p>
@@ -9109,7 +9111,7 @@
           <a:noFill/>
           <a:extLst>
             <a:ext uri="{909E8E84-426E-40dd-AFC4-6F175D3DCCD1}">
-              <a14:hiddenFill xmlns:a14="http://schemas.microsoft.com/office/drawing/2010/main" xmlns="">
+              <a14:hiddenFill xmlns="" xmlns:a14="http://schemas.microsoft.com/office/drawing/2010/main">
                 <a:solidFill>
                   <a:srgbClr val="FFFFFF"/>
                 </a:solidFill>
@@ -9183,7 +9185,7 @@
               </a:ln>
               <a:extLst>
                 <a:ext uri="{91240B29-F687-4f45-9708-019B960494DF}">
-                  <a14:hiddenLine xmlns:a14="http://schemas.microsoft.com/office/drawing/2010/main" xmlns="" w="9525">
+                  <a14:hiddenLine xmlns="" xmlns:a14="http://schemas.microsoft.com/office/drawing/2010/main" w="9525">
                     <a:solidFill>
                       <a:srgbClr val="000000"/>
                     </a:solidFill>
@@ -9273,7 +9275,7 @@
               </a:ln>
               <a:extLst>
                 <a:ext uri="{91240B29-F687-4f45-9708-019B960494DF}">
-                  <a14:hiddenLine xmlns:a14="http://schemas.microsoft.com/office/drawing/2010/main" xmlns="" w="9525">
+                  <a14:hiddenLine xmlns="" xmlns:a14="http://schemas.microsoft.com/office/drawing/2010/main" w="9525">
                     <a:solidFill>
                       <a:srgbClr val="000000"/>
                     </a:solidFill>
@@ -9363,7 +9365,7 @@
               </a:ln>
               <a:extLst>
                 <a:ext uri="{91240B29-F687-4f45-9708-019B960494DF}">
-                  <a14:hiddenLine xmlns:a14="http://schemas.microsoft.com/office/drawing/2010/main" xmlns="" w="9525">
+                  <a14:hiddenLine xmlns="" xmlns:a14="http://schemas.microsoft.com/office/drawing/2010/main" w="9525">
                     <a:solidFill>
                       <a:srgbClr val="000000"/>
                     </a:solidFill>
@@ -9425,7 +9427,7 @@
               </a:ln>
               <a:extLst>
                 <a:ext uri="{91240B29-F687-4f45-9708-019B960494DF}">
-                  <a14:hiddenLine xmlns:a14="http://schemas.microsoft.com/office/drawing/2010/main" xmlns="" w="9525">
+                  <a14:hiddenLine xmlns="" xmlns:a14="http://schemas.microsoft.com/office/drawing/2010/main" w="9525">
                     <a:solidFill>
                       <a:srgbClr val="000000"/>
                     </a:solidFill>
@@ -9515,7 +9517,7 @@
               </a:ln>
               <a:extLst>
                 <a:ext uri="{91240B29-F687-4f45-9708-019B960494DF}">
-                  <a14:hiddenLine xmlns:a14="http://schemas.microsoft.com/office/drawing/2010/main" xmlns="" w="9525">
+                  <a14:hiddenLine xmlns="" xmlns:a14="http://schemas.microsoft.com/office/drawing/2010/main" w="9525">
                     <a:solidFill>
                       <a:srgbClr val="000000"/>
                     </a:solidFill>
@@ -9577,7 +9579,7 @@
               </a:ln>
               <a:extLst>
                 <a:ext uri="{91240B29-F687-4f45-9708-019B960494DF}">
-                  <a14:hiddenLine xmlns:a14="http://schemas.microsoft.com/office/drawing/2010/main" xmlns="" w="9525">
+                  <a14:hiddenLine xmlns="" xmlns:a14="http://schemas.microsoft.com/office/drawing/2010/main" w="9525">
                     <a:solidFill>
                       <a:srgbClr val="000000"/>
                     </a:solidFill>
@@ -9639,7 +9641,7 @@
               </a:ln>
               <a:extLst>
                 <a:ext uri="{91240B29-F687-4f45-9708-019B960494DF}">
-                  <a14:hiddenLine xmlns:a14="http://schemas.microsoft.com/office/drawing/2010/main" xmlns="" w="9525">
+                  <a14:hiddenLine xmlns="" xmlns:a14="http://schemas.microsoft.com/office/drawing/2010/main" w="9525">
                     <a:solidFill>
                       <a:srgbClr val="000000"/>
                     </a:solidFill>
@@ -9729,7 +9731,7 @@
               </a:ln>
               <a:extLst>
                 <a:ext uri="{91240B29-F687-4f45-9708-019B960494DF}">
-                  <a14:hiddenLine xmlns:a14="http://schemas.microsoft.com/office/drawing/2010/main" xmlns="" w="9525">
+                  <a14:hiddenLine xmlns="" xmlns:a14="http://schemas.microsoft.com/office/drawing/2010/main" w="9525">
                     <a:solidFill>
                       <a:srgbClr val="000000"/>
                     </a:solidFill>
@@ -9819,7 +9821,7 @@
               </a:ln>
               <a:extLst>
                 <a:ext uri="{91240B29-F687-4f45-9708-019B960494DF}">
-                  <a14:hiddenLine xmlns:a14="http://schemas.microsoft.com/office/drawing/2010/main" xmlns="" w="9525">
+                  <a14:hiddenLine xmlns="" xmlns:a14="http://schemas.microsoft.com/office/drawing/2010/main" w="9525">
                     <a:solidFill>
                       <a:srgbClr val="000000"/>
                     </a:solidFill>
@@ -9881,7 +9883,7 @@
               </a:ln>
               <a:extLst>
                 <a:ext uri="{91240B29-F687-4f45-9708-019B960494DF}">
-                  <a14:hiddenLine xmlns:a14="http://schemas.microsoft.com/office/drawing/2010/main" xmlns="" w="9525">
+                  <a14:hiddenLine xmlns="" xmlns:a14="http://schemas.microsoft.com/office/drawing/2010/main" w="9525">
                     <a:solidFill>
                       <a:srgbClr val="000000"/>
                     </a:solidFill>
@@ -9991,7 +9993,7 @@
               </a:ln>
               <a:extLst>
                 <a:ext uri="{91240B29-F687-4f45-9708-019B960494DF}">
-                  <a14:hiddenLine xmlns:a14="http://schemas.microsoft.com/office/drawing/2010/main" xmlns="" w="9525">
+                  <a14:hiddenLine xmlns="" xmlns:a14="http://schemas.microsoft.com/office/drawing/2010/main" w="9525">
                     <a:solidFill>
                       <a:srgbClr val="000000"/>
                     </a:solidFill>
@@ -10075,7 +10077,7 @@
               </a:ln>
               <a:extLst>
                 <a:ext uri="{91240B29-F687-4f45-9708-019B960494DF}">
-                  <a14:hiddenLine xmlns:a14="http://schemas.microsoft.com/office/drawing/2010/main" xmlns="" w="9525">
+                  <a14:hiddenLine xmlns="" xmlns:a14="http://schemas.microsoft.com/office/drawing/2010/main" w="9525">
                     <a:solidFill>
                       <a:srgbClr val="000000"/>
                     </a:solidFill>
@@ -10137,7 +10139,7 @@
               </a:ln>
               <a:extLst>
                 <a:ext uri="{91240B29-F687-4f45-9708-019B960494DF}">
-                  <a14:hiddenLine xmlns:a14="http://schemas.microsoft.com/office/drawing/2010/main" xmlns="" w="9525">
+                  <a14:hiddenLine xmlns="" xmlns:a14="http://schemas.microsoft.com/office/drawing/2010/main" w="9525">
                     <a:solidFill>
                       <a:srgbClr val="000000"/>
                     </a:solidFill>
@@ -10199,7 +10201,7 @@
               </a:ln>
               <a:extLst>
                 <a:ext uri="{91240B29-F687-4f45-9708-019B960494DF}">
-                  <a14:hiddenLine xmlns:a14="http://schemas.microsoft.com/office/drawing/2010/main" xmlns="" w="9525">
+                  <a14:hiddenLine xmlns="" xmlns:a14="http://schemas.microsoft.com/office/drawing/2010/main" w="9525">
                     <a:solidFill>
                       <a:srgbClr val="000000"/>
                     </a:solidFill>
@@ -10289,7 +10291,7 @@
               </a:ln>
               <a:extLst>
                 <a:ext uri="{91240B29-F687-4f45-9708-019B960494DF}">
-                  <a14:hiddenLine xmlns:a14="http://schemas.microsoft.com/office/drawing/2010/main" xmlns="" w="9525">
+                  <a14:hiddenLine xmlns="" xmlns:a14="http://schemas.microsoft.com/office/drawing/2010/main" w="9525">
                     <a:solidFill>
                       <a:srgbClr val="000000"/>
                     </a:solidFill>
@@ -10323,7 +10325,7 @@
               </a:ln>
               <a:extLst>
                 <a:ext uri="{91240B29-F687-4f45-9708-019B960494DF}">
-                  <a14:hiddenLine xmlns:a14="http://schemas.microsoft.com/office/drawing/2010/main" xmlns="" w="9525">
+                  <a14:hiddenLine xmlns="" xmlns:a14="http://schemas.microsoft.com/office/drawing/2010/main" w="9525">
                     <a:solidFill>
                       <a:srgbClr val="000000"/>
                     </a:solidFill>
@@ -10388,7 +10390,7 @@
               </a:ln>
               <a:extLst>
                 <a:ext uri="{91240B29-F687-4f45-9708-019B960494DF}">
-                  <a14:hiddenLine xmlns:a14="http://schemas.microsoft.com/office/drawing/2010/main" xmlns="" w="9525">
+                  <a14:hiddenLine xmlns="" xmlns:a14="http://schemas.microsoft.com/office/drawing/2010/main" w="9525">
                     <a:solidFill>
                       <a:srgbClr val="000000"/>
                     </a:solidFill>
@@ -10478,7 +10480,7 @@
               </a:ln>
               <a:extLst>
                 <a:ext uri="{91240B29-F687-4f45-9708-019B960494DF}">
-                  <a14:hiddenLine xmlns:a14="http://schemas.microsoft.com/office/drawing/2010/main" xmlns="" w="9525">
+                  <a14:hiddenLine xmlns="" xmlns:a14="http://schemas.microsoft.com/office/drawing/2010/main" w="9525">
                     <a:solidFill>
                       <a:srgbClr val="000000"/>
                     </a:solidFill>
@@ -10540,7 +10542,7 @@
               </a:ln>
               <a:extLst>
                 <a:ext uri="{91240B29-F687-4f45-9708-019B960494DF}">
-                  <a14:hiddenLine xmlns:a14="http://schemas.microsoft.com/office/drawing/2010/main" xmlns="" w="9525">
+                  <a14:hiddenLine xmlns="" xmlns:a14="http://schemas.microsoft.com/office/drawing/2010/main" w="9525">
                     <a:solidFill>
                       <a:srgbClr val="000000"/>
                     </a:solidFill>
@@ -10630,7 +10632,7 @@
               </a:ln>
               <a:extLst>
                 <a:ext uri="{91240B29-F687-4f45-9708-019B960494DF}">
-                  <a14:hiddenLine xmlns:a14="http://schemas.microsoft.com/office/drawing/2010/main" xmlns="" w="9525">
+                  <a14:hiddenLine xmlns="" xmlns:a14="http://schemas.microsoft.com/office/drawing/2010/main" w="9525">
                     <a:solidFill>
                       <a:srgbClr val="000000"/>
                     </a:solidFill>
@@ -10695,7 +10697,7 @@
               </a:ln>
               <a:extLst>
                 <a:ext uri="{91240B29-F687-4f45-9708-019B960494DF}">
-                  <a14:hiddenLine xmlns:a14="http://schemas.microsoft.com/office/drawing/2010/main" xmlns="" w="9525">
+                  <a14:hiddenLine xmlns="" xmlns:a14="http://schemas.microsoft.com/office/drawing/2010/main" w="9525">
                     <a:solidFill>
                       <a:srgbClr val="000000"/>
                     </a:solidFill>
@@ -10757,7 +10759,7 @@
               </a:ln>
               <a:extLst>
                 <a:ext uri="{91240B29-F687-4f45-9708-019B960494DF}">
-                  <a14:hiddenLine xmlns:a14="http://schemas.microsoft.com/office/drawing/2010/main" xmlns="" w="9525">
+                  <a14:hiddenLine xmlns="" xmlns:a14="http://schemas.microsoft.com/office/drawing/2010/main" w="9525">
                     <a:solidFill>
                       <a:srgbClr val="000000"/>
                     </a:solidFill>
@@ -10847,7 +10849,7 @@
               </a:ln>
               <a:extLst>
                 <a:ext uri="{91240B29-F687-4f45-9708-019B960494DF}">
-                  <a14:hiddenLine xmlns:a14="http://schemas.microsoft.com/office/drawing/2010/main" xmlns="" w="9525">
+                  <a14:hiddenLine xmlns="" xmlns:a14="http://schemas.microsoft.com/office/drawing/2010/main" w="9525">
                     <a:solidFill>
                       <a:srgbClr val="000000"/>
                     </a:solidFill>
@@ -10937,7 +10939,7 @@
               </a:ln>
               <a:extLst>
                 <a:ext uri="{91240B29-F687-4f45-9708-019B960494DF}">
-                  <a14:hiddenLine xmlns:a14="http://schemas.microsoft.com/office/drawing/2010/main" xmlns="" w="9525">
+                  <a14:hiddenLine xmlns="" xmlns:a14="http://schemas.microsoft.com/office/drawing/2010/main" w="9525">
                     <a:solidFill>
                       <a:srgbClr val="000000"/>
                     </a:solidFill>
@@ -11002,7 +11004,7 @@
               </a:ln>
               <a:extLst>
                 <a:ext uri="{91240B29-F687-4f45-9708-019B960494DF}">
-                  <a14:hiddenLine xmlns:a14="http://schemas.microsoft.com/office/drawing/2010/main" xmlns="" w="9525">
+                  <a14:hiddenLine xmlns="" xmlns:a14="http://schemas.microsoft.com/office/drawing/2010/main" w="9525">
                     <a:solidFill>
                       <a:srgbClr val="000000"/>
                     </a:solidFill>
@@ -11122,7 +11124,7 @@
               </a:ln>
               <a:extLst>
                 <a:ext uri="{91240B29-F687-4f45-9708-019B960494DF}">
-                  <a14:hiddenLine xmlns:a14="http://schemas.microsoft.com/office/drawing/2010/main" xmlns="" w="9525">
+                  <a14:hiddenLine xmlns="" xmlns:a14="http://schemas.microsoft.com/office/drawing/2010/main" w="9525">
                     <a:solidFill>
                       <a:srgbClr val="000000"/>
                     </a:solidFill>
@@ -11220,7 +11222,7 @@
               </a:ln>
               <a:extLst>
                 <a:ext uri="{91240B29-F687-4f45-9708-019B960494DF}">
-                  <a14:hiddenLine xmlns:a14="http://schemas.microsoft.com/office/drawing/2010/main" xmlns="" w="9525">
+                  <a14:hiddenLine xmlns="" xmlns:a14="http://schemas.microsoft.com/office/drawing/2010/main" w="9525">
                     <a:solidFill>
                       <a:srgbClr val="000000"/>
                     </a:solidFill>
@@ -11335,7 +11337,7 @@
               </a:ln>
               <a:extLst>
                 <a:ext uri="{91240B29-F687-4f45-9708-019B960494DF}">
-                  <a14:hiddenLine xmlns:a14="http://schemas.microsoft.com/office/drawing/2010/main" xmlns="" w="9525">
+                  <a14:hiddenLine xmlns="" xmlns:a14="http://schemas.microsoft.com/office/drawing/2010/main" w="9525">
                     <a:solidFill>
                       <a:srgbClr val="000000"/>
                     </a:solidFill>
@@ -11425,7 +11427,7 @@
               </a:ln>
               <a:extLst>
                 <a:ext uri="{91240B29-F687-4f45-9708-019B960494DF}">
-                  <a14:hiddenLine xmlns:a14="http://schemas.microsoft.com/office/drawing/2010/main" xmlns="" w="9525">
+                  <a14:hiddenLine xmlns="" xmlns:a14="http://schemas.microsoft.com/office/drawing/2010/main" w="9525">
                     <a:solidFill>
                       <a:srgbClr val="000000"/>
                     </a:solidFill>
@@ -11490,7 +11492,7 @@
               </a:ln>
               <a:extLst>
                 <a:ext uri="{91240B29-F687-4f45-9708-019B960494DF}">
-                  <a14:hiddenLine xmlns:a14="http://schemas.microsoft.com/office/drawing/2010/main" xmlns="" w="9525">
+                  <a14:hiddenLine xmlns="" xmlns:a14="http://schemas.microsoft.com/office/drawing/2010/main" w="9525">
                     <a:solidFill>
                       <a:srgbClr val="000000"/>
                     </a:solidFill>
@@ -11580,7 +11582,7 @@
               </a:ln>
               <a:extLst>
                 <a:ext uri="{91240B29-F687-4f45-9708-019B960494DF}">
-                  <a14:hiddenLine xmlns:a14="http://schemas.microsoft.com/office/drawing/2010/main" xmlns="" w="9525">
+                  <a14:hiddenLine xmlns="" xmlns:a14="http://schemas.microsoft.com/office/drawing/2010/main" w="9525">
                     <a:solidFill>
                       <a:srgbClr val="000000"/>
                     </a:solidFill>
@@ -11648,7 +11650,7 @@
               </a:ln>
               <a:extLst>
                 <a:ext uri="{91240B29-F687-4f45-9708-019B960494DF}">
-                  <a14:hiddenLine xmlns:a14="http://schemas.microsoft.com/office/drawing/2010/main" xmlns="" w="9525">
+                  <a14:hiddenLine xmlns="" xmlns:a14="http://schemas.microsoft.com/office/drawing/2010/main" w="9525">
                     <a:solidFill>
                       <a:srgbClr val="000000"/>
                     </a:solidFill>
@@ -11738,7 +11740,7 @@
               </a:ln>
               <a:extLst>
                 <a:ext uri="{91240B29-F687-4f45-9708-019B960494DF}">
-                  <a14:hiddenLine xmlns:a14="http://schemas.microsoft.com/office/drawing/2010/main" xmlns="" w="9525">
+                  <a14:hiddenLine xmlns="" xmlns:a14="http://schemas.microsoft.com/office/drawing/2010/main" w="9525">
                     <a:solidFill>
                       <a:srgbClr val="000000"/>
                     </a:solidFill>
@@ -11806,7 +11808,7 @@
               </a:ln>
               <a:extLst>
                 <a:ext uri="{91240B29-F687-4f45-9708-019B960494DF}">
-                  <a14:hiddenLine xmlns:a14="http://schemas.microsoft.com/office/drawing/2010/main" xmlns="" w="9525">
+                  <a14:hiddenLine xmlns="" xmlns:a14="http://schemas.microsoft.com/office/drawing/2010/main" w="9525">
                     <a:solidFill>
                       <a:srgbClr val="000000"/>
                     </a:solidFill>
@@ -11896,7 +11898,7 @@
               </a:ln>
               <a:extLst>
                 <a:ext uri="{91240B29-F687-4f45-9708-019B960494DF}">
-                  <a14:hiddenLine xmlns:a14="http://schemas.microsoft.com/office/drawing/2010/main" xmlns="" w="9525">
+                  <a14:hiddenLine xmlns="" xmlns:a14="http://schemas.microsoft.com/office/drawing/2010/main" w="9525">
                     <a:solidFill>
                       <a:srgbClr val="000000"/>
                     </a:solidFill>
@@ -11930,7 +11932,7 @@
               </a:ln>
               <a:extLst>
                 <a:ext uri="{91240B29-F687-4f45-9708-019B960494DF}">
-                  <a14:hiddenLine xmlns:a14="http://schemas.microsoft.com/office/drawing/2010/main" xmlns="" w="9525">
+                  <a14:hiddenLine xmlns="" xmlns:a14="http://schemas.microsoft.com/office/drawing/2010/main" w="9525">
                     <a:solidFill>
                       <a:srgbClr val="000000"/>
                     </a:solidFill>
@@ -12070,7 +12072,7 @@
           <a:p>
             <a:fld id="{951AF1EB-82F2-4C84-AADB-635468081963}" type="datetimeFigureOut">
               <a:rPr lang="en-US" smtClean="0"/>
-              <a:t>03/08/2022</a:t>
+              <a:t>08/08/2022</a:t>
             </a:fld>
             <a:endParaRPr lang="en-US"/>
           </a:p>
@@ -17741,6 +17743,220 @@
 </p:sld>
 </file>
 
+<file path=ppt/slides/slide45.xml><?xml version="1.0" encoding="utf-8"?>
+<p:sld xmlns:a="http://schemas.openxmlformats.org/drawingml/2006/main" xmlns:r="http://schemas.openxmlformats.org/officeDocument/2006/relationships" xmlns:p="http://schemas.openxmlformats.org/presentationml/2006/main">
+  <p:cSld>
+    <p:spTree>
+      <p:nvGrpSpPr>
+        <p:cNvPr id="1" name=""/>
+        <p:cNvGrpSpPr/>
+        <p:nvPr/>
+      </p:nvGrpSpPr>
+      <p:grpSpPr>
+        <a:xfrm>
+          <a:off x="0" y="0"/>
+          <a:ext cx="0" cy="0"/>
+          <a:chOff x="0" y="0"/>
+          <a:chExt cx="0" cy="0"/>
+        </a:xfrm>
+      </p:grpSpPr>
+      <p:sp>
+        <p:nvSpPr>
+          <p:cNvPr id="2" name="Title 1">
+            <a:extLst>
+              <a:ext uri="{FF2B5EF4-FFF2-40B4-BE49-F238E27FC236}">
+                <a16:creationId xmlns:a16="http://schemas.microsoft.com/office/drawing/2014/main" id="{7536A5A0-6A70-C7CE-1030-952992936583}"/>
+              </a:ext>
+            </a:extLst>
+          </p:cNvPr>
+          <p:cNvSpPr>
+            <a:spLocks noGrp="1"/>
+          </p:cNvSpPr>
+          <p:nvPr>
+            <p:ph type="title"/>
+          </p:nvPr>
+        </p:nvSpPr>
+        <p:spPr/>
+        <p:txBody>
+          <a:bodyPr/>
+          <a:lstStyle/>
+          <a:p>
+            <a:r>
+              <a:rPr lang="en-US" dirty="0"/>
+              <a:t>TK</a:t>
+            </a:r>
+          </a:p>
+        </p:txBody>
+      </p:sp>
+      <p:sp>
+        <p:nvSpPr>
+          <p:cNvPr id="3" name="Content Placeholder 2">
+            <a:extLst>
+              <a:ext uri="{FF2B5EF4-FFF2-40B4-BE49-F238E27FC236}">
+                <a16:creationId xmlns:a16="http://schemas.microsoft.com/office/drawing/2014/main" id="{9700354A-2391-DCDF-C79A-FF1F664814C0}"/>
+              </a:ext>
+            </a:extLst>
+          </p:cNvPr>
+          <p:cNvSpPr>
+            <a:spLocks noGrp="1"/>
+          </p:cNvSpPr>
+          <p:nvPr>
+            <p:ph idx="1"/>
+          </p:nvPr>
+        </p:nvSpPr>
+        <p:spPr/>
+        <p:txBody>
+          <a:bodyPr>
+            <a:normAutofit/>
+          </a:bodyPr>
+          <a:lstStyle/>
+          <a:p>
+            <a:r>
+              <a:rPr lang="en-US" dirty="0"/>
+              <a:t>create NodeJS file and when you run it, </a:t>
+            </a:r>
+          </a:p>
+          <a:p>
+            <a:r>
+              <a:rPr lang="en-US" dirty="0"/>
+              <a:t>it will send mail to your email</a:t>
+            </a:r>
+          </a:p>
+        </p:txBody>
+      </p:sp>
+    </p:spTree>
+    <p:extLst>
+      <p:ext uri="{BB962C8B-B14F-4D97-AF65-F5344CB8AC3E}">
+        <p14:creationId xmlns:p14="http://schemas.microsoft.com/office/powerpoint/2010/main" val="2363988681"/>
+      </p:ext>
+    </p:extLst>
+  </p:cSld>
+  <p:clrMapOvr>
+    <a:masterClrMapping/>
+  </p:clrMapOvr>
+</p:sld>
+</file>
+
+<file path=ppt/slides/slide46.xml><?xml version="1.0" encoding="utf-8"?>
+<p:sld xmlns:a="http://schemas.openxmlformats.org/drawingml/2006/main" xmlns:r="http://schemas.openxmlformats.org/officeDocument/2006/relationships" xmlns:p="http://schemas.openxmlformats.org/presentationml/2006/main">
+  <p:cSld>
+    <p:spTree>
+      <p:nvGrpSpPr>
+        <p:cNvPr id="1" name=""/>
+        <p:cNvGrpSpPr/>
+        <p:nvPr/>
+      </p:nvGrpSpPr>
+      <p:grpSpPr>
+        <a:xfrm>
+          <a:off x="0" y="0"/>
+          <a:ext cx="0" cy="0"/>
+          <a:chOff x="0" y="0"/>
+          <a:chExt cx="0" cy="0"/>
+        </a:xfrm>
+      </p:grpSpPr>
+      <p:sp>
+        <p:nvSpPr>
+          <p:cNvPr id="2" name="Title 1">
+            <a:extLst>
+              <a:ext uri="{FF2B5EF4-FFF2-40B4-BE49-F238E27FC236}">
+                <a16:creationId xmlns:a16="http://schemas.microsoft.com/office/drawing/2014/main" id="{7536A5A0-6A70-C7CE-1030-952992936583}"/>
+              </a:ext>
+            </a:extLst>
+          </p:cNvPr>
+          <p:cNvSpPr>
+            <a:spLocks noGrp="1"/>
+          </p:cNvSpPr>
+          <p:nvPr>
+            <p:ph type="title"/>
+          </p:nvPr>
+        </p:nvSpPr>
+        <p:spPr/>
+        <p:txBody>
+          <a:bodyPr/>
+          <a:lstStyle/>
+          <a:p>
+            <a:r>
+              <a:rPr lang="en-US" dirty="0"/>
+              <a:t>TK</a:t>
+            </a:r>
+          </a:p>
+        </p:txBody>
+      </p:sp>
+      <p:sp>
+        <p:nvSpPr>
+          <p:cNvPr id="3" name="Content Placeholder 2">
+            <a:extLst>
+              <a:ext uri="{FF2B5EF4-FFF2-40B4-BE49-F238E27FC236}">
+                <a16:creationId xmlns:a16="http://schemas.microsoft.com/office/drawing/2014/main" id="{9700354A-2391-DCDF-C79A-FF1F664814C0}"/>
+              </a:ext>
+            </a:extLst>
+          </p:cNvPr>
+          <p:cNvSpPr>
+            <a:spLocks noGrp="1"/>
+          </p:cNvSpPr>
+          <p:nvPr>
+            <p:ph idx="1"/>
+          </p:nvPr>
+        </p:nvSpPr>
+        <p:spPr/>
+        <p:txBody>
+          <a:bodyPr>
+            <a:normAutofit/>
+          </a:bodyPr>
+          <a:lstStyle/>
+          <a:p>
+            <a:r>
+              <a:rPr lang="en-US" dirty="0"/>
+              <a:t>create react app for the forget password part</a:t>
+            </a:r>
+          </a:p>
+          <a:p>
+            <a:r>
+              <a:rPr lang="en-US" dirty="0"/>
+              <a:t>create forget password page</a:t>
+            </a:r>
+          </a:p>
+          <a:p>
+            <a:r>
+              <a:rPr lang="en-US" dirty="0"/>
+              <a:t>don’t forget </a:t>
+            </a:r>
+            <a:r>
+              <a:rPr lang="en-US" dirty="0" err="1"/>
+              <a:t>useState</a:t>
+            </a:r>
+            <a:endParaRPr lang="en-US" dirty="0"/>
+          </a:p>
+          <a:p>
+            <a:r>
+              <a:rPr lang="en-US" dirty="0"/>
+              <a:t>if the password and the confirm password are the same the send </a:t>
+            </a:r>
+            <a:r>
+              <a:rPr lang="en-US" dirty="0" err="1"/>
+              <a:t>axios</a:t>
+            </a:r>
+            <a:r>
+              <a:rPr lang="en-US"/>
+              <a:t> request</a:t>
+            </a:r>
+            <a:endParaRPr lang="en-US" dirty="0"/>
+          </a:p>
+        </p:txBody>
+      </p:sp>
+    </p:spTree>
+    <p:extLst>
+      <p:ext uri="{BB962C8B-B14F-4D97-AF65-F5344CB8AC3E}">
+        <p14:creationId xmlns:p14="http://schemas.microsoft.com/office/powerpoint/2010/main" val="201987916"/>
+      </p:ext>
+    </p:extLst>
+  </p:cSld>
+  <p:clrMapOvr>
+    <a:masterClrMapping/>
+  </p:clrMapOvr>
+</p:sld>
+</file>
+
 <file path=ppt/slides/slide5.xml><?xml version="1.0" encoding="utf-8"?>
 <p:sld xmlns:a="http://schemas.openxmlformats.org/drawingml/2006/main" xmlns:r="http://schemas.openxmlformats.org/officeDocument/2006/relationships" xmlns:p="http://schemas.openxmlformats.org/presentationml/2006/main">
   <p:cSld>

--- a/docs/node js.pptx
+++ b/docs/node js.pptx
@@ -51,6 +51,7 @@
     <p:sldId id="299" r:id="rId45"/>
     <p:sldId id="300" r:id="rId46"/>
     <p:sldId id="301" r:id="rId47"/>
+    <p:sldId id="302" r:id="rId48"/>
   </p:sldIdLst>
   <p:sldSz cx="12192000" cy="6858000"/>
   <p:notesSz cx="6858000" cy="9144000"/>
@@ -17937,10 +17938,9 @@
               <a:t>axios</a:t>
             </a:r>
             <a:r>
-              <a:rPr lang="en-US"/>
+              <a:rPr lang="en-US" dirty="0"/>
               <a:t> request</a:t>
             </a:r>
-            <a:endParaRPr lang="en-US" dirty="0"/>
           </a:p>
         </p:txBody>
       </p:sp>
@@ -17948,6 +17948,133 @@
     <p:extLst>
       <p:ext uri="{BB962C8B-B14F-4D97-AF65-F5344CB8AC3E}">
         <p14:creationId xmlns:p14="http://schemas.microsoft.com/office/powerpoint/2010/main" val="201987916"/>
+      </p:ext>
+    </p:extLst>
+  </p:cSld>
+  <p:clrMapOvr>
+    <a:masterClrMapping/>
+  </p:clrMapOvr>
+</p:sld>
+</file>
+
+<file path=ppt/slides/slide47.xml><?xml version="1.0" encoding="utf-8"?>
+<p:sld xmlns:a="http://schemas.openxmlformats.org/drawingml/2006/main" xmlns:r="http://schemas.openxmlformats.org/officeDocument/2006/relationships" xmlns:p="http://schemas.openxmlformats.org/presentationml/2006/main">
+  <p:cSld>
+    <p:spTree>
+      <p:nvGrpSpPr>
+        <p:cNvPr id="1" name=""/>
+        <p:cNvGrpSpPr/>
+        <p:nvPr/>
+      </p:nvGrpSpPr>
+      <p:grpSpPr>
+        <a:xfrm>
+          <a:off x="0" y="0"/>
+          <a:ext cx="0" cy="0"/>
+          <a:chOff x="0" y="0"/>
+          <a:chExt cx="0" cy="0"/>
+        </a:xfrm>
+      </p:grpSpPr>
+      <p:sp>
+        <p:nvSpPr>
+          <p:cNvPr id="2" name="Title 1">
+            <a:extLst>
+              <a:ext uri="{FF2B5EF4-FFF2-40B4-BE49-F238E27FC236}">
+                <a16:creationId xmlns:a16="http://schemas.microsoft.com/office/drawing/2014/main" id="{7536A5A0-6A70-C7CE-1030-952992936583}"/>
+              </a:ext>
+            </a:extLst>
+          </p:cNvPr>
+          <p:cNvSpPr>
+            <a:spLocks noGrp="1"/>
+          </p:cNvSpPr>
+          <p:nvPr>
+            <p:ph type="title"/>
+          </p:nvPr>
+        </p:nvSpPr>
+        <p:spPr/>
+        <p:txBody>
+          <a:bodyPr/>
+          <a:lstStyle/>
+          <a:p>
+            <a:r>
+              <a:rPr lang="en-US" dirty="0"/>
+              <a:t>Reset password</a:t>
+            </a:r>
+          </a:p>
+        </p:txBody>
+      </p:sp>
+      <p:sp>
+        <p:nvSpPr>
+          <p:cNvPr id="3" name="Content Placeholder 2">
+            <a:extLst>
+              <a:ext uri="{FF2B5EF4-FFF2-40B4-BE49-F238E27FC236}">
+                <a16:creationId xmlns:a16="http://schemas.microsoft.com/office/drawing/2014/main" id="{9700354A-2391-DCDF-C79A-FF1F664814C0}"/>
+              </a:ext>
+            </a:extLst>
+          </p:cNvPr>
+          <p:cNvSpPr>
+            <a:spLocks noGrp="1"/>
+          </p:cNvSpPr>
+          <p:nvPr>
+            <p:ph idx="1"/>
+          </p:nvPr>
+        </p:nvSpPr>
+        <p:spPr/>
+        <p:txBody>
+          <a:bodyPr>
+            <a:normAutofit/>
+          </a:bodyPr>
+          <a:lstStyle/>
+          <a:p>
+            <a:r>
+              <a:rPr lang="en-US" dirty="0"/>
+              <a:t>send email with link to reset password</a:t>
+            </a:r>
+          </a:p>
+          <a:p>
+            <a:r>
+              <a:rPr lang="en-US" dirty="0"/>
+              <a:t>when user press on this link it will take the user to specific page in react app (with key from server)</a:t>
+            </a:r>
+          </a:p>
+          <a:p>
+            <a:r>
+              <a:rPr lang="en-US" dirty="0"/>
+              <a:t>react: get the key from params</a:t>
+            </a:r>
+          </a:p>
+          <a:p>
+            <a:r>
+              <a:rPr lang="en-US" dirty="0"/>
+              <a:t>get new password from user</a:t>
+            </a:r>
+          </a:p>
+          <a:p>
+            <a:r>
+              <a:rPr lang="en-US" dirty="0"/>
+              <a:t>send using </a:t>
+            </a:r>
+            <a:r>
+              <a:rPr lang="en-US" dirty="0" err="1"/>
+              <a:t>axios</a:t>
+            </a:r>
+            <a:r>
+              <a:rPr lang="en-US" dirty="0"/>
+              <a:t> request with the key and the </a:t>
+            </a:r>
+            <a:r>
+              <a:rPr lang="en-US"/>
+              <a:t>new password</a:t>
+            </a:r>
+          </a:p>
+          <a:p>
+            <a:endParaRPr lang="en-US" dirty="0"/>
+          </a:p>
+        </p:txBody>
+      </p:sp>
+    </p:spTree>
+    <p:extLst>
+      <p:ext uri="{BB962C8B-B14F-4D97-AF65-F5344CB8AC3E}">
+        <p14:creationId xmlns:p14="http://schemas.microsoft.com/office/powerpoint/2010/main" val="3368514553"/>
       </p:ext>
     </p:extLst>
   </p:cSld>

--- a/docs/node js.pptx
+++ b/docs/node js.pptx
@@ -52,6 +52,10 @@
     <p:sldId id="300" r:id="rId46"/>
     <p:sldId id="301" r:id="rId47"/>
     <p:sldId id="302" r:id="rId48"/>
+    <p:sldId id="303" r:id="rId49"/>
+    <p:sldId id="304" r:id="rId50"/>
+    <p:sldId id="305" r:id="rId51"/>
+    <p:sldId id="306" r:id="rId52"/>
   </p:sldIdLst>
   <p:sldSz cx="12192000" cy="6858000"/>
   <p:notesSz cx="6858000" cy="9144000"/>
@@ -219,7 +223,7 @@
           <a:noFill/>
           <a:extLst>
             <a:ext uri="{909E8E84-426E-40dd-AFC4-6F175D3DCCD1}">
-              <a14:hiddenFill xmlns="" xmlns:a14="http://schemas.microsoft.com/office/drawing/2010/main">
+              <a14:hiddenFill xmlns:a14="http://schemas.microsoft.com/office/drawing/2010/main" xmlns="">
                 <a:solidFill>
                   <a:srgbClr val="FFFFFF"/>
                 </a:solidFill>
@@ -279,7 +283,7 @@
             </a:ln>
             <a:extLst>
               <a:ext uri="{91240B29-F687-4f45-9708-019B960494DF}">
-                <a14:hiddenLine xmlns="" xmlns:a14="http://schemas.microsoft.com/office/drawing/2010/main" w="9525">
+                <a14:hiddenLine xmlns:a14="http://schemas.microsoft.com/office/drawing/2010/main" xmlns="" w="9525">
                   <a:solidFill>
                     <a:srgbClr val="000000"/>
                   </a:solidFill>
@@ -369,7 +373,7 @@
             </a:ln>
             <a:extLst>
               <a:ext uri="{91240B29-F687-4f45-9708-019B960494DF}">
-                <a14:hiddenLine xmlns="" xmlns:a14="http://schemas.microsoft.com/office/drawing/2010/main" w="9525">
+                <a14:hiddenLine xmlns:a14="http://schemas.microsoft.com/office/drawing/2010/main" xmlns="" w="9525">
                   <a:solidFill>
                     <a:srgbClr val="000000"/>
                   </a:solidFill>
@@ -459,7 +463,7 @@
             </a:ln>
             <a:extLst>
               <a:ext uri="{91240B29-F687-4f45-9708-019B960494DF}">
-                <a14:hiddenLine xmlns="" xmlns:a14="http://schemas.microsoft.com/office/drawing/2010/main" w="9525">
+                <a14:hiddenLine xmlns:a14="http://schemas.microsoft.com/office/drawing/2010/main" xmlns="" w="9525">
                   <a:solidFill>
                     <a:srgbClr val="000000"/>
                   </a:solidFill>
@@ -493,7 +497,7 @@
             </a:ln>
             <a:extLst>
               <a:ext uri="{91240B29-F687-4f45-9708-019B960494DF}">
-                <a14:hiddenLine xmlns="" xmlns:a14="http://schemas.microsoft.com/office/drawing/2010/main" w="9525">
+                <a14:hiddenLine xmlns:a14="http://schemas.microsoft.com/office/drawing/2010/main" xmlns="" w="9525">
                   <a:solidFill>
                     <a:srgbClr val="000000"/>
                   </a:solidFill>
@@ -583,7 +587,7 @@
             </a:ln>
             <a:extLst>
               <a:ext uri="{91240B29-F687-4f45-9708-019B960494DF}">
-                <a14:hiddenLine xmlns="" xmlns:a14="http://schemas.microsoft.com/office/drawing/2010/main" w="9525">
+                <a14:hiddenLine xmlns:a14="http://schemas.microsoft.com/office/drawing/2010/main" xmlns="" w="9525">
                   <a:solidFill>
                     <a:srgbClr val="000000"/>
                   </a:solidFill>
@@ -645,7 +649,7 @@
             </a:ln>
             <a:extLst>
               <a:ext uri="{91240B29-F687-4f45-9708-019B960494DF}">
-                <a14:hiddenLine xmlns="" xmlns:a14="http://schemas.microsoft.com/office/drawing/2010/main" w="9525">
+                <a14:hiddenLine xmlns:a14="http://schemas.microsoft.com/office/drawing/2010/main" xmlns="" w="9525">
                   <a:solidFill>
                     <a:srgbClr val="000000"/>
                   </a:solidFill>
@@ -707,7 +711,7 @@
             </a:ln>
             <a:extLst>
               <a:ext uri="{91240B29-F687-4f45-9708-019B960494DF}">
-                <a14:hiddenLine xmlns="" xmlns:a14="http://schemas.microsoft.com/office/drawing/2010/main" w="9525">
+                <a14:hiddenLine xmlns:a14="http://schemas.microsoft.com/office/drawing/2010/main" xmlns="" w="9525">
                   <a:solidFill>
                     <a:srgbClr val="000000"/>
                   </a:solidFill>
@@ -797,7 +801,7 @@
             </a:ln>
             <a:extLst>
               <a:ext uri="{91240B29-F687-4f45-9708-019B960494DF}">
-                <a14:hiddenLine xmlns="" xmlns:a14="http://schemas.microsoft.com/office/drawing/2010/main" w="9525">
+                <a14:hiddenLine xmlns:a14="http://schemas.microsoft.com/office/drawing/2010/main" xmlns="" w="9525">
                   <a:solidFill>
                     <a:srgbClr val="000000"/>
                   </a:solidFill>
@@ -859,7 +863,7 @@
             </a:ln>
             <a:extLst>
               <a:ext uri="{91240B29-F687-4f45-9708-019B960494DF}">
-                <a14:hiddenLine xmlns="" xmlns:a14="http://schemas.microsoft.com/office/drawing/2010/main" w="9525">
+                <a14:hiddenLine xmlns:a14="http://schemas.microsoft.com/office/drawing/2010/main" xmlns="" w="9525">
                   <a:solidFill>
                     <a:srgbClr val="000000"/>
                   </a:solidFill>
@@ -921,7 +925,7 @@
             </a:ln>
             <a:extLst>
               <a:ext uri="{91240B29-F687-4f45-9708-019B960494DF}">
-                <a14:hiddenLine xmlns="" xmlns:a14="http://schemas.microsoft.com/office/drawing/2010/main" w="9525">
+                <a14:hiddenLine xmlns:a14="http://schemas.microsoft.com/office/drawing/2010/main" xmlns="" w="9525">
                   <a:solidFill>
                     <a:srgbClr val="000000"/>
                   </a:solidFill>
@@ -1011,7 +1015,7 @@
             </a:ln>
             <a:extLst>
               <a:ext uri="{91240B29-F687-4f45-9708-019B960494DF}">
-                <a14:hiddenLine xmlns="" xmlns:a14="http://schemas.microsoft.com/office/drawing/2010/main" w="9525">
+                <a14:hiddenLine xmlns:a14="http://schemas.microsoft.com/office/drawing/2010/main" xmlns="" w="9525">
                   <a:solidFill>
                     <a:srgbClr val="000000"/>
                   </a:solidFill>
@@ -1101,7 +1105,7 @@
             </a:ln>
             <a:extLst>
               <a:ext uri="{91240B29-F687-4f45-9708-019B960494DF}">
-                <a14:hiddenLine xmlns="" xmlns:a14="http://schemas.microsoft.com/office/drawing/2010/main" w="9525">
+                <a14:hiddenLine xmlns:a14="http://schemas.microsoft.com/office/drawing/2010/main" xmlns="" w="9525">
                   <a:solidFill>
                     <a:srgbClr val="000000"/>
                   </a:solidFill>
@@ -1163,7 +1167,7 @@
             </a:ln>
             <a:extLst>
               <a:ext uri="{91240B29-F687-4f45-9708-019B960494DF}">
-                <a14:hiddenLine xmlns="" xmlns:a14="http://schemas.microsoft.com/office/drawing/2010/main" w="9525">
+                <a14:hiddenLine xmlns:a14="http://schemas.microsoft.com/office/drawing/2010/main" xmlns="" w="9525">
                   <a:solidFill>
                     <a:srgbClr val="000000"/>
                   </a:solidFill>
@@ -1273,7 +1277,7 @@
             </a:ln>
             <a:extLst>
               <a:ext uri="{91240B29-F687-4f45-9708-019B960494DF}">
-                <a14:hiddenLine xmlns="" xmlns:a14="http://schemas.microsoft.com/office/drawing/2010/main" w="9525">
+                <a14:hiddenLine xmlns:a14="http://schemas.microsoft.com/office/drawing/2010/main" xmlns="" w="9525">
                   <a:solidFill>
                     <a:srgbClr val="000000"/>
                   </a:solidFill>
@@ -1335,7 +1339,7 @@
             </a:ln>
             <a:extLst>
               <a:ext uri="{91240B29-F687-4f45-9708-019B960494DF}">
-                <a14:hiddenLine xmlns="" xmlns:a14="http://schemas.microsoft.com/office/drawing/2010/main" w="9525">
+                <a14:hiddenLine xmlns:a14="http://schemas.microsoft.com/office/drawing/2010/main" xmlns="" w="9525">
                   <a:solidFill>
                     <a:srgbClr val="000000"/>
                   </a:solidFill>
@@ -1425,7 +1429,7 @@
             </a:ln>
             <a:extLst>
               <a:ext uri="{91240B29-F687-4f45-9708-019B960494DF}">
-                <a14:hiddenLine xmlns="" xmlns:a14="http://schemas.microsoft.com/office/drawing/2010/main" w="9525">
+                <a14:hiddenLine xmlns:a14="http://schemas.microsoft.com/office/drawing/2010/main" xmlns="" w="9525">
                   <a:solidFill>
                     <a:srgbClr val="000000"/>
                   </a:solidFill>
@@ -1515,7 +1519,7 @@
             </a:ln>
             <a:extLst>
               <a:ext uri="{91240B29-F687-4f45-9708-019B960494DF}">
-                <a14:hiddenLine xmlns="" xmlns:a14="http://schemas.microsoft.com/office/drawing/2010/main" w="9525">
+                <a14:hiddenLine xmlns:a14="http://schemas.microsoft.com/office/drawing/2010/main" xmlns="" w="9525">
                   <a:solidFill>
                     <a:srgbClr val="000000"/>
                   </a:solidFill>
@@ -1577,7 +1581,7 @@
             </a:ln>
             <a:extLst>
               <a:ext uri="{91240B29-F687-4f45-9708-019B960494DF}">
-                <a14:hiddenLine xmlns="" xmlns:a14="http://schemas.microsoft.com/office/drawing/2010/main" w="9525">
+                <a14:hiddenLine xmlns:a14="http://schemas.microsoft.com/office/drawing/2010/main" xmlns="" w="9525">
                   <a:solidFill>
                     <a:srgbClr val="000000"/>
                   </a:solidFill>
@@ -1667,7 +1671,7 @@
             </a:ln>
             <a:extLst>
               <a:ext uri="{91240B29-F687-4f45-9708-019B960494DF}">
-                <a14:hiddenLine xmlns="" xmlns:a14="http://schemas.microsoft.com/office/drawing/2010/main" w="9525">
+                <a14:hiddenLine xmlns:a14="http://schemas.microsoft.com/office/drawing/2010/main" xmlns="" w="9525">
                   <a:solidFill>
                     <a:srgbClr val="000000"/>
                   </a:solidFill>
@@ -1757,7 +1761,7 @@
             </a:ln>
             <a:extLst>
               <a:ext uri="{91240B29-F687-4f45-9708-019B960494DF}">
-                <a14:hiddenLine xmlns="" xmlns:a14="http://schemas.microsoft.com/office/drawing/2010/main" w="9525">
+                <a14:hiddenLine xmlns:a14="http://schemas.microsoft.com/office/drawing/2010/main" xmlns="" w="9525">
                   <a:solidFill>
                     <a:srgbClr val="000000"/>
                   </a:solidFill>
@@ -1813,7 +1817,7 @@
             </a:ln>
             <a:extLst>
               <a:ext uri="{91240B29-F687-4f45-9708-019B960494DF}">
-                <a14:hiddenLine xmlns="" xmlns:a14="http://schemas.microsoft.com/office/drawing/2010/main" w="9525">
+                <a14:hiddenLine xmlns:a14="http://schemas.microsoft.com/office/drawing/2010/main" xmlns="" w="9525">
                   <a:solidFill>
                     <a:srgbClr val="000000"/>
                   </a:solidFill>
@@ -1903,7 +1907,7 @@
             </a:ln>
             <a:extLst>
               <a:ext uri="{91240B29-F687-4f45-9708-019B960494DF}">
-                <a14:hiddenLine xmlns="" xmlns:a14="http://schemas.microsoft.com/office/drawing/2010/main" w="9525">
+                <a14:hiddenLine xmlns:a14="http://schemas.microsoft.com/office/drawing/2010/main" xmlns="" w="9525">
                   <a:solidFill>
                     <a:srgbClr val="000000"/>
                   </a:solidFill>
@@ -1959,7 +1963,7 @@
             </a:ln>
             <a:extLst>
               <a:ext uri="{91240B29-F687-4f45-9708-019B960494DF}">
-                <a14:hiddenLine xmlns="" xmlns:a14="http://schemas.microsoft.com/office/drawing/2010/main" w="9525">
+                <a14:hiddenLine xmlns:a14="http://schemas.microsoft.com/office/drawing/2010/main" xmlns="" w="9525">
                   <a:solidFill>
                     <a:srgbClr val="000000"/>
                   </a:solidFill>
@@ -2049,7 +2053,7 @@
             </a:ln>
             <a:extLst>
               <a:ext uri="{91240B29-F687-4f45-9708-019B960494DF}">
-                <a14:hiddenLine xmlns="" xmlns:a14="http://schemas.microsoft.com/office/drawing/2010/main" w="9525">
+                <a14:hiddenLine xmlns:a14="http://schemas.microsoft.com/office/drawing/2010/main" xmlns="" w="9525">
                   <a:solidFill>
                     <a:srgbClr val="000000"/>
                   </a:solidFill>
@@ -2117,7 +2121,7 @@
             </a:ln>
             <a:extLst>
               <a:ext uri="{91240B29-F687-4f45-9708-019B960494DF}">
-                <a14:hiddenLine xmlns="" xmlns:a14="http://schemas.microsoft.com/office/drawing/2010/main" w="9525">
+                <a14:hiddenLine xmlns:a14="http://schemas.microsoft.com/office/drawing/2010/main" xmlns="" w="9525">
                   <a:solidFill>
                     <a:srgbClr val="000000"/>
                   </a:solidFill>
@@ -2207,7 +2211,7 @@
             </a:ln>
             <a:extLst>
               <a:ext uri="{91240B29-F687-4f45-9708-019B960494DF}">
-                <a14:hiddenLine xmlns="" xmlns:a14="http://schemas.microsoft.com/office/drawing/2010/main" w="9525">
+                <a14:hiddenLine xmlns:a14="http://schemas.microsoft.com/office/drawing/2010/main" xmlns="" w="9525">
                   <a:solidFill>
                     <a:srgbClr val="000000"/>
                   </a:solidFill>
@@ -2275,7 +2279,7 @@
             </a:ln>
             <a:extLst>
               <a:ext uri="{91240B29-F687-4f45-9708-019B960494DF}">
-                <a14:hiddenLine xmlns="" xmlns:a14="http://schemas.microsoft.com/office/drawing/2010/main" w="9525">
+                <a14:hiddenLine xmlns:a14="http://schemas.microsoft.com/office/drawing/2010/main" xmlns="" w="9525">
                   <a:solidFill>
                     <a:srgbClr val="000000"/>
                   </a:solidFill>
@@ -2365,7 +2369,7 @@
             </a:ln>
             <a:extLst>
               <a:ext uri="{91240B29-F687-4f45-9708-019B960494DF}">
-                <a14:hiddenLine xmlns="" xmlns:a14="http://schemas.microsoft.com/office/drawing/2010/main" w="9525">
+                <a14:hiddenLine xmlns:a14="http://schemas.microsoft.com/office/drawing/2010/main" xmlns="" w="9525">
                   <a:solidFill>
                     <a:srgbClr val="000000"/>
                   </a:solidFill>
@@ -2399,7 +2403,7 @@
             </a:ln>
             <a:extLst>
               <a:ext uri="{91240B29-F687-4f45-9708-019B960494DF}">
-                <a14:hiddenLine xmlns="" xmlns:a14="http://schemas.microsoft.com/office/drawing/2010/main" w="9525">
+                <a14:hiddenLine xmlns:a14="http://schemas.microsoft.com/office/drawing/2010/main" xmlns="" w="9525">
                   <a:solidFill>
                     <a:srgbClr val="000000"/>
                   </a:solidFill>
@@ -2489,7 +2493,7 @@
             </a:ln>
             <a:extLst>
               <a:ext uri="{91240B29-F687-4f45-9708-019B960494DF}">
-                <a14:hiddenLine xmlns="" xmlns:a14="http://schemas.microsoft.com/office/drawing/2010/main" w="9525">
+                <a14:hiddenLine xmlns:a14="http://schemas.microsoft.com/office/drawing/2010/main" xmlns="" w="9525">
                   <a:solidFill>
                     <a:srgbClr val="000000"/>
                   </a:solidFill>
@@ -2551,7 +2555,7 @@
             </a:ln>
             <a:extLst>
               <a:ext uri="{91240B29-F687-4f45-9708-019B960494DF}">
-                <a14:hiddenLine xmlns="" xmlns:a14="http://schemas.microsoft.com/office/drawing/2010/main" w="9525">
+                <a14:hiddenLine xmlns:a14="http://schemas.microsoft.com/office/drawing/2010/main" xmlns="" w="9525">
                   <a:solidFill>
                     <a:srgbClr val="000000"/>
                   </a:solidFill>
@@ -2613,7 +2617,7 @@
             </a:ln>
             <a:extLst>
               <a:ext uri="{91240B29-F687-4f45-9708-019B960494DF}">
-                <a14:hiddenLine xmlns="" xmlns:a14="http://schemas.microsoft.com/office/drawing/2010/main" w="9525">
+                <a14:hiddenLine xmlns:a14="http://schemas.microsoft.com/office/drawing/2010/main" xmlns="" w="9525">
                   <a:solidFill>
                     <a:srgbClr val="000000"/>
                   </a:solidFill>
@@ -2703,7 +2707,7 @@
             </a:ln>
             <a:extLst>
               <a:ext uri="{91240B29-F687-4f45-9708-019B960494DF}">
-                <a14:hiddenLine xmlns="" xmlns:a14="http://schemas.microsoft.com/office/drawing/2010/main" w="9525">
+                <a14:hiddenLine xmlns:a14="http://schemas.microsoft.com/office/drawing/2010/main" xmlns="" w="9525">
                   <a:solidFill>
                     <a:srgbClr val="000000"/>
                   </a:solidFill>
@@ -2771,7 +2775,7 @@
             </a:ln>
             <a:extLst>
               <a:ext uri="{91240B29-F687-4f45-9708-019B960494DF}">
-                <a14:hiddenLine xmlns="" xmlns:a14="http://schemas.microsoft.com/office/drawing/2010/main" w="9525">
+                <a14:hiddenLine xmlns:a14="http://schemas.microsoft.com/office/drawing/2010/main" xmlns="" w="9525">
                   <a:solidFill>
                     <a:srgbClr val="000000"/>
                   </a:solidFill>
@@ -2833,7 +2837,7 @@
             </a:ln>
             <a:extLst>
               <a:ext uri="{91240B29-F687-4f45-9708-019B960494DF}">
-                <a14:hiddenLine xmlns="" xmlns:a14="http://schemas.microsoft.com/office/drawing/2010/main" w="9525">
+                <a14:hiddenLine xmlns:a14="http://schemas.microsoft.com/office/drawing/2010/main" xmlns="" w="9525">
                   <a:solidFill>
                     <a:srgbClr val="000000"/>
                   </a:solidFill>
@@ -2923,7 +2927,7 @@
             </a:ln>
             <a:extLst>
               <a:ext uri="{91240B29-F687-4f45-9708-019B960494DF}">
-                <a14:hiddenLine xmlns="" xmlns:a14="http://schemas.microsoft.com/office/drawing/2010/main" w="9525">
+                <a14:hiddenLine xmlns:a14="http://schemas.microsoft.com/office/drawing/2010/main" xmlns="" w="9525">
                   <a:solidFill>
                     <a:srgbClr val="000000"/>
                   </a:solidFill>
@@ -2985,7 +2989,7 @@
             </a:ln>
             <a:extLst>
               <a:ext uri="{91240B29-F687-4f45-9708-019B960494DF}">
-                <a14:hiddenLine xmlns="" xmlns:a14="http://schemas.microsoft.com/office/drawing/2010/main" w="9525">
+                <a14:hiddenLine xmlns:a14="http://schemas.microsoft.com/office/drawing/2010/main" xmlns="" w="9525">
                   <a:solidFill>
                     <a:srgbClr val="000000"/>
                   </a:solidFill>
@@ -3075,7 +3079,7 @@
             </a:ln>
             <a:extLst>
               <a:ext uri="{91240B29-F687-4f45-9708-019B960494DF}">
-                <a14:hiddenLine xmlns="" xmlns:a14="http://schemas.microsoft.com/office/drawing/2010/main" w="9525">
+                <a14:hiddenLine xmlns:a14="http://schemas.microsoft.com/office/drawing/2010/main" xmlns="" w="9525">
                   <a:solidFill>
                     <a:srgbClr val="000000"/>
                   </a:solidFill>
@@ -3137,7 +3141,7 @@
             </a:ln>
             <a:extLst>
               <a:ext uri="{91240B29-F687-4f45-9708-019B960494DF}">
-                <a14:hiddenLine xmlns="" xmlns:a14="http://schemas.microsoft.com/office/drawing/2010/main" w="9525">
+                <a14:hiddenLine xmlns:a14="http://schemas.microsoft.com/office/drawing/2010/main" xmlns="" w="9525">
                   <a:solidFill>
                     <a:srgbClr val="000000"/>
                   </a:solidFill>
@@ -3227,7 +3231,7 @@
             </a:ln>
             <a:extLst>
               <a:ext uri="{91240B29-F687-4f45-9708-019B960494DF}">
-                <a14:hiddenLine xmlns="" xmlns:a14="http://schemas.microsoft.com/office/drawing/2010/main" w="9525">
+                <a14:hiddenLine xmlns:a14="http://schemas.microsoft.com/office/drawing/2010/main" xmlns="" w="9525">
                   <a:solidFill>
                     <a:srgbClr val="000000"/>
                   </a:solidFill>
@@ -3261,7 +3265,7 @@
             </a:ln>
             <a:extLst>
               <a:ext uri="{91240B29-F687-4f45-9708-019B960494DF}">
-                <a14:hiddenLine xmlns="" xmlns:a14="http://schemas.microsoft.com/office/drawing/2010/main" w="9525">
+                <a14:hiddenLine xmlns:a14="http://schemas.microsoft.com/office/drawing/2010/main" xmlns="" w="9525">
                   <a:solidFill>
                     <a:srgbClr val="000000"/>
                   </a:solidFill>
@@ -3326,7 +3330,7 @@
             </a:ln>
             <a:extLst>
               <a:ext uri="{91240B29-F687-4f45-9708-019B960494DF}">
-                <a14:hiddenLine xmlns="" xmlns:a14="http://schemas.microsoft.com/office/drawing/2010/main" w="9525">
+                <a14:hiddenLine xmlns:a14="http://schemas.microsoft.com/office/drawing/2010/main" xmlns="" w="9525">
                   <a:solidFill>
                     <a:srgbClr val="000000"/>
                   </a:solidFill>
@@ -3416,7 +3420,7 @@
             </a:ln>
             <a:extLst>
               <a:ext uri="{91240B29-F687-4f45-9708-019B960494DF}">
-                <a14:hiddenLine xmlns="" xmlns:a14="http://schemas.microsoft.com/office/drawing/2010/main" w="9525">
+                <a14:hiddenLine xmlns:a14="http://schemas.microsoft.com/office/drawing/2010/main" xmlns="" w="9525">
                   <a:solidFill>
                     <a:srgbClr val="000000"/>
                   </a:solidFill>
@@ -3478,7 +3482,7 @@
             </a:ln>
             <a:extLst>
               <a:ext uri="{91240B29-F687-4f45-9708-019B960494DF}">
-                <a14:hiddenLine xmlns="" xmlns:a14="http://schemas.microsoft.com/office/drawing/2010/main" w="9525">
+                <a14:hiddenLine xmlns:a14="http://schemas.microsoft.com/office/drawing/2010/main" xmlns="" w="9525">
                   <a:solidFill>
                     <a:srgbClr val="000000"/>
                   </a:solidFill>
@@ -3568,7 +3572,7 @@
             </a:ln>
             <a:extLst>
               <a:ext uri="{91240B29-F687-4f45-9708-019B960494DF}">
-                <a14:hiddenLine xmlns="" xmlns:a14="http://schemas.microsoft.com/office/drawing/2010/main" w="9525">
+                <a14:hiddenLine xmlns:a14="http://schemas.microsoft.com/office/drawing/2010/main" xmlns="" w="9525">
                   <a:solidFill>
                     <a:srgbClr val="000000"/>
                   </a:solidFill>
@@ -3658,7 +3662,7 @@
             </a:ln>
             <a:extLst>
               <a:ext uri="{91240B29-F687-4f45-9708-019B960494DF}">
-                <a14:hiddenLine xmlns="" xmlns:a14="http://schemas.microsoft.com/office/drawing/2010/main" w="9525">
+                <a14:hiddenLine xmlns:a14="http://schemas.microsoft.com/office/drawing/2010/main" xmlns="" w="9525">
                   <a:solidFill>
                     <a:srgbClr val="000000"/>
                   </a:solidFill>
@@ -3723,7 +3727,7 @@
             </a:ln>
             <a:extLst>
               <a:ext uri="{91240B29-F687-4f45-9708-019B960494DF}">
-                <a14:hiddenLine xmlns="" xmlns:a14="http://schemas.microsoft.com/office/drawing/2010/main" w="9525">
+                <a14:hiddenLine xmlns:a14="http://schemas.microsoft.com/office/drawing/2010/main" xmlns="" w="9525">
                   <a:solidFill>
                     <a:srgbClr val="000000"/>
                   </a:solidFill>
@@ -3785,7 +3789,7 @@
             </a:ln>
             <a:extLst>
               <a:ext uri="{91240B29-F687-4f45-9708-019B960494DF}">
-                <a14:hiddenLine xmlns="" xmlns:a14="http://schemas.microsoft.com/office/drawing/2010/main" w="9525">
+                <a14:hiddenLine xmlns:a14="http://schemas.microsoft.com/office/drawing/2010/main" xmlns="" w="9525">
                   <a:solidFill>
                     <a:srgbClr val="000000"/>
                   </a:solidFill>
@@ -3875,7 +3879,7 @@
             </a:ln>
             <a:extLst>
               <a:ext uri="{91240B29-F687-4f45-9708-019B960494DF}">
-                <a14:hiddenLine xmlns="" xmlns:a14="http://schemas.microsoft.com/office/drawing/2010/main" w="9525">
+                <a14:hiddenLine xmlns:a14="http://schemas.microsoft.com/office/drawing/2010/main" xmlns="" w="9525">
                   <a:solidFill>
                     <a:srgbClr val="000000"/>
                   </a:solidFill>
@@ -3965,7 +3969,7 @@
             </a:ln>
             <a:extLst>
               <a:ext uri="{91240B29-F687-4f45-9708-019B960494DF}">
-                <a14:hiddenLine xmlns="" xmlns:a14="http://schemas.microsoft.com/office/drawing/2010/main" w="9525">
+                <a14:hiddenLine xmlns:a14="http://schemas.microsoft.com/office/drawing/2010/main" xmlns="" w="9525">
                   <a:solidFill>
                     <a:srgbClr val="000000"/>
                   </a:solidFill>
@@ -4027,7 +4031,7 @@
             </a:ln>
             <a:extLst>
               <a:ext uri="{91240B29-F687-4f45-9708-019B960494DF}">
-                <a14:hiddenLine xmlns="" xmlns:a14="http://schemas.microsoft.com/office/drawing/2010/main" w="9525">
+                <a14:hiddenLine xmlns:a14="http://schemas.microsoft.com/office/drawing/2010/main" xmlns="" w="9525">
                   <a:solidFill>
                     <a:srgbClr val="000000"/>
                   </a:solidFill>
@@ -4147,7 +4151,7 @@
             </a:ln>
             <a:extLst>
               <a:ext uri="{91240B29-F687-4f45-9708-019B960494DF}">
-                <a14:hiddenLine xmlns="" xmlns:a14="http://schemas.microsoft.com/office/drawing/2010/main" w="9525">
+                <a14:hiddenLine xmlns:a14="http://schemas.microsoft.com/office/drawing/2010/main" xmlns="" w="9525">
                   <a:solidFill>
                     <a:srgbClr val="000000"/>
                   </a:solidFill>
@@ -4215,7 +4219,7 @@
             </a:ln>
             <a:extLst>
               <a:ext uri="{91240B29-F687-4f45-9708-019B960494DF}">
-                <a14:hiddenLine xmlns="" xmlns:a14="http://schemas.microsoft.com/office/drawing/2010/main" w="9525">
+                <a14:hiddenLine xmlns:a14="http://schemas.microsoft.com/office/drawing/2010/main" xmlns="" w="9525">
                   <a:solidFill>
                     <a:srgbClr val="000000"/>
                   </a:solidFill>
@@ -4305,7 +4309,7 @@
             </a:ln>
             <a:extLst>
               <a:ext uri="{91240B29-F687-4f45-9708-019B960494DF}">
-                <a14:hiddenLine xmlns="" xmlns:a14="http://schemas.microsoft.com/office/drawing/2010/main" w="9525">
+                <a14:hiddenLine xmlns:a14="http://schemas.microsoft.com/office/drawing/2010/main" xmlns="" w="9525">
                   <a:solidFill>
                     <a:srgbClr val="000000"/>
                   </a:solidFill>
@@ -4445,7 +4449,7 @@
           <a:p>
             <a:fld id="{951AF1EB-82F2-4C84-AADB-635468081963}" type="datetimeFigureOut">
               <a:rPr lang="en-US" smtClean="0"/>
-              <a:t>08/08/2022</a:t>
+              <a:t>10/08/2022</a:t>
             </a:fld>
             <a:endParaRPr lang="en-US"/>
           </a:p>
@@ -4712,7 +4716,7 @@
           <a:p>
             <a:fld id="{951AF1EB-82F2-4C84-AADB-635468081963}" type="datetimeFigureOut">
               <a:rPr lang="en-US" smtClean="0"/>
-              <a:t>08/08/2022</a:t>
+              <a:t>10/08/2022</a:t>
             </a:fld>
             <a:endParaRPr lang="en-US"/>
           </a:p>
@@ -4908,7 +4912,7 @@
           <a:p>
             <a:fld id="{951AF1EB-82F2-4C84-AADB-635468081963}" type="datetimeFigureOut">
               <a:rPr lang="en-US" smtClean="0"/>
-              <a:t>08/08/2022</a:t>
+              <a:t>10/08/2022</a:t>
             </a:fld>
             <a:endParaRPr lang="en-US"/>
           </a:p>
@@ -5171,7 +5175,7 @@
           <a:p>
             <a:fld id="{951AF1EB-82F2-4C84-AADB-635468081963}" type="datetimeFigureOut">
               <a:rPr lang="en-US" smtClean="0"/>
-              <a:t>08/08/2022</a:t>
+              <a:t>10/08/2022</a:t>
             </a:fld>
             <a:endParaRPr lang="en-US"/>
           </a:p>
@@ -5605,7 +5609,7 @@
           <a:p>
             <a:fld id="{951AF1EB-82F2-4C84-AADB-635468081963}" type="datetimeFigureOut">
               <a:rPr lang="en-US" smtClean="0"/>
-              <a:t>08/08/2022</a:t>
+              <a:t>10/08/2022</a:t>
             </a:fld>
             <a:endParaRPr lang="en-US"/>
           </a:p>
@@ -6151,7 +6155,7 @@
           <a:p>
             <a:fld id="{951AF1EB-82F2-4C84-AADB-635468081963}" type="datetimeFigureOut">
               <a:rPr lang="en-US" smtClean="0"/>
-              <a:t>08/08/2022</a:t>
+              <a:t>10/08/2022</a:t>
             </a:fld>
             <a:endParaRPr lang="en-US"/>
           </a:p>
@@ -6871,7 +6875,7 @@
           <a:p>
             <a:fld id="{951AF1EB-82F2-4C84-AADB-635468081963}" type="datetimeFigureOut">
               <a:rPr lang="en-US" smtClean="0"/>
-              <a:t>08/08/2022</a:t>
+              <a:t>10/08/2022</a:t>
             </a:fld>
             <a:endParaRPr lang="en-US"/>
           </a:p>
@@ -7041,7 +7045,7 @@
           <a:p>
             <a:fld id="{951AF1EB-82F2-4C84-AADB-635468081963}" type="datetimeFigureOut">
               <a:rPr lang="en-US" smtClean="0"/>
-              <a:t>08/08/2022</a:t>
+              <a:t>10/08/2022</a:t>
             </a:fld>
             <a:endParaRPr lang="en-US"/>
           </a:p>
@@ -7221,7 +7225,7 @@
           <a:p>
             <a:fld id="{951AF1EB-82F2-4C84-AADB-635468081963}" type="datetimeFigureOut">
               <a:rPr lang="en-US" smtClean="0"/>
-              <a:t>08/08/2022</a:t>
+              <a:t>10/08/2022</a:t>
             </a:fld>
             <a:endParaRPr lang="en-US"/>
           </a:p>
@@ -7391,7 +7395,7 @@
           <a:p>
             <a:fld id="{951AF1EB-82F2-4C84-AADB-635468081963}" type="datetimeFigureOut">
               <a:rPr lang="en-US" smtClean="0"/>
-              <a:t>08/08/2022</a:t>
+              <a:t>10/08/2022</a:t>
             </a:fld>
             <a:endParaRPr lang="en-US"/>
           </a:p>
@@ -7641,7 +7645,7 @@
           <a:p>
             <a:fld id="{951AF1EB-82F2-4C84-AADB-635468081963}" type="datetimeFigureOut">
               <a:rPr lang="en-US" smtClean="0"/>
-              <a:t>08/08/2022</a:t>
+              <a:t>10/08/2022</a:t>
             </a:fld>
             <a:endParaRPr lang="en-US"/>
           </a:p>
@@ -7873,7 +7877,7 @@
           <a:p>
             <a:fld id="{951AF1EB-82F2-4C84-AADB-635468081963}" type="datetimeFigureOut">
               <a:rPr lang="en-US" smtClean="0"/>
-              <a:t>08/08/2022</a:t>
+              <a:t>10/08/2022</a:t>
             </a:fld>
             <a:endParaRPr lang="en-US"/>
           </a:p>
@@ -8254,7 +8258,7 @@
           <a:p>
             <a:fld id="{951AF1EB-82F2-4C84-AADB-635468081963}" type="datetimeFigureOut">
               <a:rPr lang="en-US" smtClean="0"/>
-              <a:t>08/08/2022</a:t>
+              <a:t>10/08/2022</a:t>
             </a:fld>
             <a:endParaRPr lang="en-US"/>
           </a:p>
@@ -8372,7 +8376,7 @@
           <a:p>
             <a:fld id="{951AF1EB-82F2-4C84-AADB-635468081963}" type="datetimeFigureOut">
               <a:rPr lang="en-US" smtClean="0"/>
-              <a:t>08/08/2022</a:t>
+              <a:t>10/08/2022</a:t>
             </a:fld>
             <a:endParaRPr lang="en-US"/>
           </a:p>
@@ -8467,7 +8471,7 @@
           <a:p>
             <a:fld id="{951AF1EB-82F2-4C84-AADB-635468081963}" type="datetimeFigureOut">
               <a:rPr lang="en-US" smtClean="0"/>
-              <a:t>08/08/2022</a:t>
+              <a:t>10/08/2022</a:t>
             </a:fld>
             <a:endParaRPr lang="en-US"/>
           </a:p>
@@ -8716,7 +8720,7 @@
           <a:p>
             <a:fld id="{951AF1EB-82F2-4C84-AADB-635468081963}" type="datetimeFigureOut">
               <a:rPr lang="en-US" smtClean="0"/>
-              <a:t>08/08/2022</a:t>
+              <a:t>10/08/2022</a:t>
             </a:fld>
             <a:endParaRPr lang="en-US"/>
           </a:p>
@@ -8996,7 +9000,7 @@
           <a:p>
             <a:fld id="{951AF1EB-82F2-4C84-AADB-635468081963}" type="datetimeFigureOut">
               <a:rPr lang="en-US" smtClean="0"/>
-              <a:t>08/08/2022</a:t>
+              <a:t>10/08/2022</a:t>
             </a:fld>
             <a:endParaRPr lang="en-US"/>
           </a:p>
@@ -9112,7 +9116,7 @@
           <a:noFill/>
           <a:extLst>
             <a:ext uri="{909E8E84-426E-40dd-AFC4-6F175D3DCCD1}">
-              <a14:hiddenFill xmlns="" xmlns:a14="http://schemas.microsoft.com/office/drawing/2010/main">
+              <a14:hiddenFill xmlns:a14="http://schemas.microsoft.com/office/drawing/2010/main" xmlns="">
                 <a:solidFill>
                   <a:srgbClr val="FFFFFF"/>
                 </a:solidFill>
@@ -9186,7 +9190,7 @@
               </a:ln>
               <a:extLst>
                 <a:ext uri="{91240B29-F687-4f45-9708-019B960494DF}">
-                  <a14:hiddenLine xmlns="" xmlns:a14="http://schemas.microsoft.com/office/drawing/2010/main" w="9525">
+                  <a14:hiddenLine xmlns:a14="http://schemas.microsoft.com/office/drawing/2010/main" xmlns="" w="9525">
                     <a:solidFill>
                       <a:srgbClr val="000000"/>
                     </a:solidFill>
@@ -9276,7 +9280,7 @@
               </a:ln>
               <a:extLst>
                 <a:ext uri="{91240B29-F687-4f45-9708-019B960494DF}">
-                  <a14:hiddenLine xmlns="" xmlns:a14="http://schemas.microsoft.com/office/drawing/2010/main" w="9525">
+                  <a14:hiddenLine xmlns:a14="http://schemas.microsoft.com/office/drawing/2010/main" xmlns="" w="9525">
                     <a:solidFill>
                       <a:srgbClr val="000000"/>
                     </a:solidFill>
@@ -9366,7 +9370,7 @@
               </a:ln>
               <a:extLst>
                 <a:ext uri="{91240B29-F687-4f45-9708-019B960494DF}">
-                  <a14:hiddenLine xmlns="" xmlns:a14="http://schemas.microsoft.com/office/drawing/2010/main" w="9525">
+                  <a14:hiddenLine xmlns:a14="http://schemas.microsoft.com/office/drawing/2010/main" xmlns="" w="9525">
                     <a:solidFill>
                       <a:srgbClr val="000000"/>
                     </a:solidFill>
@@ -9428,7 +9432,7 @@
               </a:ln>
               <a:extLst>
                 <a:ext uri="{91240B29-F687-4f45-9708-019B960494DF}">
-                  <a14:hiddenLine xmlns="" xmlns:a14="http://schemas.microsoft.com/office/drawing/2010/main" w="9525">
+                  <a14:hiddenLine xmlns:a14="http://schemas.microsoft.com/office/drawing/2010/main" xmlns="" w="9525">
                     <a:solidFill>
                       <a:srgbClr val="000000"/>
                     </a:solidFill>
@@ -9518,7 +9522,7 @@
               </a:ln>
               <a:extLst>
                 <a:ext uri="{91240B29-F687-4f45-9708-019B960494DF}">
-                  <a14:hiddenLine xmlns="" xmlns:a14="http://schemas.microsoft.com/office/drawing/2010/main" w="9525">
+                  <a14:hiddenLine xmlns:a14="http://schemas.microsoft.com/office/drawing/2010/main" xmlns="" w="9525">
                     <a:solidFill>
                       <a:srgbClr val="000000"/>
                     </a:solidFill>
@@ -9580,7 +9584,7 @@
               </a:ln>
               <a:extLst>
                 <a:ext uri="{91240B29-F687-4f45-9708-019B960494DF}">
-                  <a14:hiddenLine xmlns="" xmlns:a14="http://schemas.microsoft.com/office/drawing/2010/main" w="9525">
+                  <a14:hiddenLine xmlns:a14="http://schemas.microsoft.com/office/drawing/2010/main" xmlns="" w="9525">
                     <a:solidFill>
                       <a:srgbClr val="000000"/>
                     </a:solidFill>
@@ -9642,7 +9646,7 @@
               </a:ln>
               <a:extLst>
                 <a:ext uri="{91240B29-F687-4f45-9708-019B960494DF}">
-                  <a14:hiddenLine xmlns="" xmlns:a14="http://schemas.microsoft.com/office/drawing/2010/main" w="9525">
+                  <a14:hiddenLine xmlns:a14="http://schemas.microsoft.com/office/drawing/2010/main" xmlns="" w="9525">
                     <a:solidFill>
                       <a:srgbClr val="000000"/>
                     </a:solidFill>
@@ -9732,7 +9736,7 @@
               </a:ln>
               <a:extLst>
                 <a:ext uri="{91240B29-F687-4f45-9708-019B960494DF}">
-                  <a14:hiddenLine xmlns="" xmlns:a14="http://schemas.microsoft.com/office/drawing/2010/main" w="9525">
+                  <a14:hiddenLine xmlns:a14="http://schemas.microsoft.com/office/drawing/2010/main" xmlns="" w="9525">
                     <a:solidFill>
                       <a:srgbClr val="000000"/>
                     </a:solidFill>
@@ -9822,7 +9826,7 @@
               </a:ln>
               <a:extLst>
                 <a:ext uri="{91240B29-F687-4f45-9708-019B960494DF}">
-                  <a14:hiddenLine xmlns="" xmlns:a14="http://schemas.microsoft.com/office/drawing/2010/main" w="9525">
+                  <a14:hiddenLine xmlns:a14="http://schemas.microsoft.com/office/drawing/2010/main" xmlns="" w="9525">
                     <a:solidFill>
                       <a:srgbClr val="000000"/>
                     </a:solidFill>
@@ -9884,7 +9888,7 @@
               </a:ln>
               <a:extLst>
                 <a:ext uri="{91240B29-F687-4f45-9708-019B960494DF}">
-                  <a14:hiddenLine xmlns="" xmlns:a14="http://schemas.microsoft.com/office/drawing/2010/main" w="9525">
+                  <a14:hiddenLine xmlns:a14="http://schemas.microsoft.com/office/drawing/2010/main" xmlns="" w="9525">
                     <a:solidFill>
                       <a:srgbClr val="000000"/>
                     </a:solidFill>
@@ -9994,7 +9998,7 @@
               </a:ln>
               <a:extLst>
                 <a:ext uri="{91240B29-F687-4f45-9708-019B960494DF}">
-                  <a14:hiddenLine xmlns="" xmlns:a14="http://schemas.microsoft.com/office/drawing/2010/main" w="9525">
+                  <a14:hiddenLine xmlns:a14="http://schemas.microsoft.com/office/drawing/2010/main" xmlns="" w="9525">
                     <a:solidFill>
                       <a:srgbClr val="000000"/>
                     </a:solidFill>
@@ -10078,7 +10082,7 @@
               </a:ln>
               <a:extLst>
                 <a:ext uri="{91240B29-F687-4f45-9708-019B960494DF}">
-                  <a14:hiddenLine xmlns="" xmlns:a14="http://schemas.microsoft.com/office/drawing/2010/main" w="9525">
+                  <a14:hiddenLine xmlns:a14="http://schemas.microsoft.com/office/drawing/2010/main" xmlns="" w="9525">
                     <a:solidFill>
                       <a:srgbClr val="000000"/>
                     </a:solidFill>
@@ -10140,7 +10144,7 @@
               </a:ln>
               <a:extLst>
                 <a:ext uri="{91240B29-F687-4f45-9708-019B960494DF}">
-                  <a14:hiddenLine xmlns="" xmlns:a14="http://schemas.microsoft.com/office/drawing/2010/main" w="9525">
+                  <a14:hiddenLine xmlns:a14="http://schemas.microsoft.com/office/drawing/2010/main" xmlns="" w="9525">
                     <a:solidFill>
                       <a:srgbClr val="000000"/>
                     </a:solidFill>
@@ -10202,7 +10206,7 @@
               </a:ln>
               <a:extLst>
                 <a:ext uri="{91240B29-F687-4f45-9708-019B960494DF}">
-                  <a14:hiddenLine xmlns="" xmlns:a14="http://schemas.microsoft.com/office/drawing/2010/main" w="9525">
+                  <a14:hiddenLine xmlns:a14="http://schemas.microsoft.com/office/drawing/2010/main" xmlns="" w="9525">
                     <a:solidFill>
                       <a:srgbClr val="000000"/>
                     </a:solidFill>
@@ -10292,7 +10296,7 @@
               </a:ln>
               <a:extLst>
                 <a:ext uri="{91240B29-F687-4f45-9708-019B960494DF}">
-                  <a14:hiddenLine xmlns="" xmlns:a14="http://schemas.microsoft.com/office/drawing/2010/main" w="9525">
+                  <a14:hiddenLine xmlns:a14="http://schemas.microsoft.com/office/drawing/2010/main" xmlns="" w="9525">
                     <a:solidFill>
                       <a:srgbClr val="000000"/>
                     </a:solidFill>
@@ -10326,7 +10330,7 @@
               </a:ln>
               <a:extLst>
                 <a:ext uri="{91240B29-F687-4f45-9708-019B960494DF}">
-                  <a14:hiddenLine xmlns="" xmlns:a14="http://schemas.microsoft.com/office/drawing/2010/main" w="9525">
+                  <a14:hiddenLine xmlns:a14="http://schemas.microsoft.com/office/drawing/2010/main" xmlns="" w="9525">
                     <a:solidFill>
                       <a:srgbClr val="000000"/>
                     </a:solidFill>
@@ -10391,7 +10395,7 @@
               </a:ln>
               <a:extLst>
                 <a:ext uri="{91240B29-F687-4f45-9708-019B960494DF}">
-                  <a14:hiddenLine xmlns="" xmlns:a14="http://schemas.microsoft.com/office/drawing/2010/main" w="9525">
+                  <a14:hiddenLine xmlns:a14="http://schemas.microsoft.com/office/drawing/2010/main" xmlns="" w="9525">
                     <a:solidFill>
                       <a:srgbClr val="000000"/>
                     </a:solidFill>
@@ -10481,7 +10485,7 @@
               </a:ln>
               <a:extLst>
                 <a:ext uri="{91240B29-F687-4f45-9708-019B960494DF}">
-                  <a14:hiddenLine xmlns="" xmlns:a14="http://schemas.microsoft.com/office/drawing/2010/main" w="9525">
+                  <a14:hiddenLine xmlns:a14="http://schemas.microsoft.com/office/drawing/2010/main" xmlns="" w="9525">
                     <a:solidFill>
                       <a:srgbClr val="000000"/>
                     </a:solidFill>
@@ -10543,7 +10547,7 @@
               </a:ln>
               <a:extLst>
                 <a:ext uri="{91240B29-F687-4f45-9708-019B960494DF}">
-                  <a14:hiddenLine xmlns="" xmlns:a14="http://schemas.microsoft.com/office/drawing/2010/main" w="9525">
+                  <a14:hiddenLine xmlns:a14="http://schemas.microsoft.com/office/drawing/2010/main" xmlns="" w="9525">
                     <a:solidFill>
                       <a:srgbClr val="000000"/>
                     </a:solidFill>
@@ -10633,7 +10637,7 @@
               </a:ln>
               <a:extLst>
                 <a:ext uri="{91240B29-F687-4f45-9708-019B960494DF}">
-                  <a14:hiddenLine xmlns="" xmlns:a14="http://schemas.microsoft.com/office/drawing/2010/main" w="9525">
+                  <a14:hiddenLine xmlns:a14="http://schemas.microsoft.com/office/drawing/2010/main" xmlns="" w="9525">
                     <a:solidFill>
                       <a:srgbClr val="000000"/>
                     </a:solidFill>
@@ -10698,7 +10702,7 @@
               </a:ln>
               <a:extLst>
                 <a:ext uri="{91240B29-F687-4f45-9708-019B960494DF}">
-                  <a14:hiddenLine xmlns="" xmlns:a14="http://schemas.microsoft.com/office/drawing/2010/main" w="9525">
+                  <a14:hiddenLine xmlns:a14="http://schemas.microsoft.com/office/drawing/2010/main" xmlns="" w="9525">
                     <a:solidFill>
                       <a:srgbClr val="000000"/>
                     </a:solidFill>
@@ -10760,7 +10764,7 @@
               </a:ln>
               <a:extLst>
                 <a:ext uri="{91240B29-F687-4f45-9708-019B960494DF}">
-                  <a14:hiddenLine xmlns="" xmlns:a14="http://schemas.microsoft.com/office/drawing/2010/main" w="9525">
+                  <a14:hiddenLine xmlns:a14="http://schemas.microsoft.com/office/drawing/2010/main" xmlns="" w="9525">
                     <a:solidFill>
                       <a:srgbClr val="000000"/>
                     </a:solidFill>
@@ -10850,7 +10854,7 @@
               </a:ln>
               <a:extLst>
                 <a:ext uri="{91240B29-F687-4f45-9708-019B960494DF}">
-                  <a14:hiddenLine xmlns="" xmlns:a14="http://schemas.microsoft.com/office/drawing/2010/main" w="9525">
+                  <a14:hiddenLine xmlns:a14="http://schemas.microsoft.com/office/drawing/2010/main" xmlns="" w="9525">
                     <a:solidFill>
                       <a:srgbClr val="000000"/>
                     </a:solidFill>
@@ -10940,7 +10944,7 @@
               </a:ln>
               <a:extLst>
                 <a:ext uri="{91240B29-F687-4f45-9708-019B960494DF}">
-                  <a14:hiddenLine xmlns="" xmlns:a14="http://schemas.microsoft.com/office/drawing/2010/main" w="9525">
+                  <a14:hiddenLine xmlns:a14="http://schemas.microsoft.com/office/drawing/2010/main" xmlns="" w="9525">
                     <a:solidFill>
                       <a:srgbClr val="000000"/>
                     </a:solidFill>
@@ -11005,7 +11009,7 @@
               </a:ln>
               <a:extLst>
                 <a:ext uri="{91240B29-F687-4f45-9708-019B960494DF}">
-                  <a14:hiddenLine xmlns="" xmlns:a14="http://schemas.microsoft.com/office/drawing/2010/main" w="9525">
+                  <a14:hiddenLine xmlns:a14="http://schemas.microsoft.com/office/drawing/2010/main" xmlns="" w="9525">
                     <a:solidFill>
                       <a:srgbClr val="000000"/>
                     </a:solidFill>
@@ -11125,7 +11129,7 @@
               </a:ln>
               <a:extLst>
                 <a:ext uri="{91240B29-F687-4f45-9708-019B960494DF}">
-                  <a14:hiddenLine xmlns="" xmlns:a14="http://schemas.microsoft.com/office/drawing/2010/main" w="9525">
+                  <a14:hiddenLine xmlns:a14="http://schemas.microsoft.com/office/drawing/2010/main" xmlns="" w="9525">
                     <a:solidFill>
                       <a:srgbClr val="000000"/>
                     </a:solidFill>
@@ -11223,7 +11227,7 @@
               </a:ln>
               <a:extLst>
                 <a:ext uri="{91240B29-F687-4f45-9708-019B960494DF}">
-                  <a14:hiddenLine xmlns="" xmlns:a14="http://schemas.microsoft.com/office/drawing/2010/main" w="9525">
+                  <a14:hiddenLine xmlns:a14="http://schemas.microsoft.com/office/drawing/2010/main" xmlns="" w="9525">
                     <a:solidFill>
                       <a:srgbClr val="000000"/>
                     </a:solidFill>
@@ -11338,7 +11342,7 @@
               </a:ln>
               <a:extLst>
                 <a:ext uri="{91240B29-F687-4f45-9708-019B960494DF}">
-                  <a14:hiddenLine xmlns="" xmlns:a14="http://schemas.microsoft.com/office/drawing/2010/main" w="9525">
+                  <a14:hiddenLine xmlns:a14="http://schemas.microsoft.com/office/drawing/2010/main" xmlns="" w="9525">
                     <a:solidFill>
                       <a:srgbClr val="000000"/>
                     </a:solidFill>
@@ -11428,7 +11432,7 @@
               </a:ln>
               <a:extLst>
                 <a:ext uri="{91240B29-F687-4f45-9708-019B960494DF}">
-                  <a14:hiddenLine xmlns="" xmlns:a14="http://schemas.microsoft.com/office/drawing/2010/main" w="9525">
+                  <a14:hiddenLine xmlns:a14="http://schemas.microsoft.com/office/drawing/2010/main" xmlns="" w="9525">
                     <a:solidFill>
                       <a:srgbClr val="000000"/>
                     </a:solidFill>
@@ -11493,7 +11497,7 @@
               </a:ln>
               <a:extLst>
                 <a:ext uri="{91240B29-F687-4f45-9708-019B960494DF}">
-                  <a14:hiddenLine xmlns="" xmlns:a14="http://schemas.microsoft.com/office/drawing/2010/main" w="9525">
+                  <a14:hiddenLine xmlns:a14="http://schemas.microsoft.com/office/drawing/2010/main" xmlns="" w="9525">
                     <a:solidFill>
                       <a:srgbClr val="000000"/>
                     </a:solidFill>
@@ -11583,7 +11587,7 @@
               </a:ln>
               <a:extLst>
                 <a:ext uri="{91240B29-F687-4f45-9708-019B960494DF}">
-                  <a14:hiddenLine xmlns="" xmlns:a14="http://schemas.microsoft.com/office/drawing/2010/main" w="9525">
+                  <a14:hiddenLine xmlns:a14="http://schemas.microsoft.com/office/drawing/2010/main" xmlns="" w="9525">
                     <a:solidFill>
                       <a:srgbClr val="000000"/>
                     </a:solidFill>
@@ -11651,7 +11655,7 @@
               </a:ln>
               <a:extLst>
                 <a:ext uri="{91240B29-F687-4f45-9708-019B960494DF}">
-                  <a14:hiddenLine xmlns="" xmlns:a14="http://schemas.microsoft.com/office/drawing/2010/main" w="9525">
+                  <a14:hiddenLine xmlns:a14="http://schemas.microsoft.com/office/drawing/2010/main" xmlns="" w="9525">
                     <a:solidFill>
                       <a:srgbClr val="000000"/>
                     </a:solidFill>
@@ -11741,7 +11745,7 @@
               </a:ln>
               <a:extLst>
                 <a:ext uri="{91240B29-F687-4f45-9708-019B960494DF}">
-                  <a14:hiddenLine xmlns="" xmlns:a14="http://schemas.microsoft.com/office/drawing/2010/main" w="9525">
+                  <a14:hiddenLine xmlns:a14="http://schemas.microsoft.com/office/drawing/2010/main" xmlns="" w="9525">
                     <a:solidFill>
                       <a:srgbClr val="000000"/>
                     </a:solidFill>
@@ -11809,7 +11813,7 @@
               </a:ln>
               <a:extLst>
                 <a:ext uri="{91240B29-F687-4f45-9708-019B960494DF}">
-                  <a14:hiddenLine xmlns="" xmlns:a14="http://schemas.microsoft.com/office/drawing/2010/main" w="9525">
+                  <a14:hiddenLine xmlns:a14="http://schemas.microsoft.com/office/drawing/2010/main" xmlns="" w="9525">
                     <a:solidFill>
                       <a:srgbClr val="000000"/>
                     </a:solidFill>
@@ -11899,7 +11903,7 @@
               </a:ln>
               <a:extLst>
                 <a:ext uri="{91240B29-F687-4f45-9708-019B960494DF}">
-                  <a14:hiddenLine xmlns="" xmlns:a14="http://schemas.microsoft.com/office/drawing/2010/main" w="9525">
+                  <a14:hiddenLine xmlns:a14="http://schemas.microsoft.com/office/drawing/2010/main" xmlns="" w="9525">
                     <a:solidFill>
                       <a:srgbClr val="000000"/>
                     </a:solidFill>
@@ -11933,7 +11937,7 @@
               </a:ln>
               <a:extLst>
                 <a:ext uri="{91240B29-F687-4f45-9708-019B960494DF}">
-                  <a14:hiddenLine xmlns="" xmlns:a14="http://schemas.microsoft.com/office/drawing/2010/main" w="9525">
+                  <a14:hiddenLine xmlns:a14="http://schemas.microsoft.com/office/drawing/2010/main" xmlns="" w="9525">
                     <a:solidFill>
                       <a:srgbClr val="000000"/>
                     </a:solidFill>
@@ -12073,7 +12077,7 @@
           <a:p>
             <a:fld id="{951AF1EB-82F2-4C84-AADB-635468081963}" type="datetimeFigureOut">
               <a:rPr lang="en-US" smtClean="0"/>
-              <a:t>08/08/2022</a:t>
+              <a:t>10/08/2022</a:t>
             </a:fld>
             <a:endParaRPr lang="en-US"/>
           </a:p>
@@ -18084,6 +18088,220 @@
 </p:sld>
 </file>
 
+<file path=ppt/slides/slide48.xml><?xml version="1.0" encoding="utf-8"?>
+<p:sld xmlns:a="http://schemas.openxmlformats.org/drawingml/2006/main" xmlns:r="http://schemas.openxmlformats.org/officeDocument/2006/relationships" xmlns:p="http://schemas.openxmlformats.org/presentationml/2006/main">
+  <p:cSld>
+    <p:spTree>
+      <p:nvGrpSpPr>
+        <p:cNvPr id="1" name=""/>
+        <p:cNvGrpSpPr/>
+        <p:nvPr/>
+      </p:nvGrpSpPr>
+      <p:grpSpPr>
+        <a:xfrm>
+          <a:off x="0" y="0"/>
+          <a:ext cx="0" cy="0"/>
+          <a:chOff x="0" y="0"/>
+          <a:chExt cx="0" cy="0"/>
+        </a:xfrm>
+      </p:grpSpPr>
+      <p:sp>
+        <p:nvSpPr>
+          <p:cNvPr id="2" name="Title 1">
+            <a:extLst>
+              <a:ext uri="{FF2B5EF4-FFF2-40B4-BE49-F238E27FC236}">
+                <a16:creationId xmlns:a16="http://schemas.microsoft.com/office/drawing/2014/main" id="{7536A5A0-6A70-C7CE-1030-952992936583}"/>
+              </a:ext>
+            </a:extLst>
+          </p:cNvPr>
+          <p:cNvSpPr>
+            <a:spLocks noGrp="1"/>
+          </p:cNvSpPr>
+          <p:nvPr>
+            <p:ph type="title"/>
+          </p:nvPr>
+        </p:nvSpPr>
+        <p:spPr/>
+        <p:txBody>
+          <a:bodyPr/>
+          <a:lstStyle/>
+          <a:p>
+            <a:r>
+              <a:rPr lang="en-US" dirty="0"/>
+              <a:t>2 way encryption</a:t>
+            </a:r>
+          </a:p>
+        </p:txBody>
+      </p:sp>
+      <p:sp>
+        <p:nvSpPr>
+          <p:cNvPr id="3" name="Content Placeholder 2">
+            <a:extLst>
+              <a:ext uri="{FF2B5EF4-FFF2-40B4-BE49-F238E27FC236}">
+                <a16:creationId xmlns:a16="http://schemas.microsoft.com/office/drawing/2014/main" id="{9700354A-2391-DCDF-C79A-FF1F664814C0}"/>
+              </a:ext>
+            </a:extLst>
+          </p:cNvPr>
+          <p:cNvSpPr>
+            <a:spLocks noGrp="1"/>
+          </p:cNvSpPr>
+          <p:nvPr>
+            <p:ph idx="1"/>
+          </p:nvPr>
+        </p:nvSpPr>
+        <p:spPr/>
+        <p:txBody>
+          <a:bodyPr>
+            <a:normAutofit/>
+          </a:bodyPr>
+          <a:lstStyle/>
+          <a:p>
+            <a:r>
+              <a:rPr lang="en-US" dirty="0"/>
+              <a:t>the sender and the receiver of the encrypted msg should create secret key</a:t>
+            </a:r>
+          </a:p>
+          <a:p>
+            <a:r>
+              <a:rPr lang="en-US" dirty="0"/>
+              <a:t>the sender should encrypt msg using the key</a:t>
+            </a:r>
+          </a:p>
+          <a:p>
+            <a:r>
+              <a:rPr lang="en-US" dirty="0"/>
+              <a:t>when the receiver get the msg he should use the key to decrypt the msg</a:t>
+            </a:r>
+          </a:p>
+          <a:p>
+            <a:r>
+              <a:rPr lang="en-US" dirty="0"/>
+              <a:t>there is many 2 way encryption algorithms</a:t>
+            </a:r>
+          </a:p>
+          <a:p>
+            <a:r>
+              <a:rPr lang="en-US" dirty="0"/>
+              <a:t>we will use aes-256-ctr</a:t>
+            </a:r>
+          </a:p>
+        </p:txBody>
+      </p:sp>
+    </p:spTree>
+    <p:extLst>
+      <p:ext uri="{BB962C8B-B14F-4D97-AF65-F5344CB8AC3E}">
+        <p14:creationId xmlns:p14="http://schemas.microsoft.com/office/powerpoint/2010/main" val="4008380897"/>
+      </p:ext>
+    </p:extLst>
+  </p:cSld>
+  <p:clrMapOvr>
+    <a:masterClrMapping/>
+  </p:clrMapOvr>
+</p:sld>
+</file>
+
+<file path=ppt/slides/slide49.xml><?xml version="1.0" encoding="utf-8"?>
+<p:sld xmlns:a="http://schemas.openxmlformats.org/drawingml/2006/main" xmlns:r="http://schemas.openxmlformats.org/officeDocument/2006/relationships" xmlns:p="http://schemas.openxmlformats.org/presentationml/2006/main">
+  <p:cSld>
+    <p:spTree>
+      <p:nvGrpSpPr>
+        <p:cNvPr id="1" name=""/>
+        <p:cNvGrpSpPr/>
+        <p:nvPr/>
+      </p:nvGrpSpPr>
+      <p:grpSpPr>
+        <a:xfrm>
+          <a:off x="0" y="0"/>
+          <a:ext cx="0" cy="0"/>
+          <a:chOff x="0" y="0"/>
+          <a:chExt cx="0" cy="0"/>
+        </a:xfrm>
+      </p:grpSpPr>
+      <p:sp>
+        <p:nvSpPr>
+          <p:cNvPr id="2" name="Title 1">
+            <a:extLst>
+              <a:ext uri="{FF2B5EF4-FFF2-40B4-BE49-F238E27FC236}">
+                <a16:creationId xmlns:a16="http://schemas.microsoft.com/office/drawing/2014/main" id="{7536A5A0-6A70-C7CE-1030-952992936583}"/>
+              </a:ext>
+            </a:extLst>
+          </p:cNvPr>
+          <p:cNvSpPr>
+            <a:spLocks noGrp="1"/>
+          </p:cNvSpPr>
+          <p:nvPr>
+            <p:ph type="title"/>
+          </p:nvPr>
+        </p:nvSpPr>
+        <p:spPr/>
+        <p:txBody>
+          <a:bodyPr/>
+          <a:lstStyle/>
+          <a:p>
+            <a:r>
+              <a:rPr lang="en-US" dirty="0"/>
+              <a:t>crypto</a:t>
+            </a:r>
+          </a:p>
+        </p:txBody>
+      </p:sp>
+      <p:sp>
+        <p:nvSpPr>
+          <p:cNvPr id="3" name="Content Placeholder 2">
+            <a:extLst>
+              <a:ext uri="{FF2B5EF4-FFF2-40B4-BE49-F238E27FC236}">
+                <a16:creationId xmlns:a16="http://schemas.microsoft.com/office/drawing/2014/main" id="{9700354A-2391-DCDF-C79A-FF1F664814C0}"/>
+              </a:ext>
+            </a:extLst>
+          </p:cNvPr>
+          <p:cNvSpPr>
+            <a:spLocks noGrp="1"/>
+          </p:cNvSpPr>
+          <p:nvPr>
+            <p:ph idx="1"/>
+          </p:nvPr>
+        </p:nvSpPr>
+        <p:spPr/>
+        <p:txBody>
+          <a:bodyPr>
+            <a:normAutofit/>
+          </a:bodyPr>
+          <a:lstStyle/>
+          <a:p>
+            <a:r>
+              <a:rPr lang="en-US" dirty="0"/>
+              <a:t>crypto is a package that comes with </a:t>
+            </a:r>
+            <a:r>
+              <a:rPr lang="en-US" dirty="0" err="1"/>
+              <a:t>nodejs</a:t>
+            </a:r>
+            <a:r>
+              <a:rPr lang="en-US" dirty="0"/>
+              <a:t> and this package will encrypt and decrypt data.</a:t>
+            </a:r>
+          </a:p>
+          <a:p>
+            <a:r>
+              <a:rPr lang="en-US" dirty="0"/>
+              <a:t>to use this package you need to create and store, secret key</a:t>
+            </a:r>
+          </a:p>
+        </p:txBody>
+      </p:sp>
+    </p:spTree>
+    <p:extLst>
+      <p:ext uri="{BB962C8B-B14F-4D97-AF65-F5344CB8AC3E}">
+        <p14:creationId xmlns:p14="http://schemas.microsoft.com/office/powerpoint/2010/main" val="76927242"/>
+      </p:ext>
+    </p:extLst>
+  </p:cSld>
+  <p:clrMapOvr>
+    <a:masterClrMapping/>
+  </p:clrMapOvr>
+</p:sld>
+</file>
+
 <file path=ppt/slides/slide5.xml><?xml version="1.0" encoding="utf-8"?>
 <p:sld xmlns:a="http://schemas.openxmlformats.org/drawingml/2006/main" xmlns:r="http://schemas.openxmlformats.org/officeDocument/2006/relationships" xmlns:p="http://schemas.openxmlformats.org/presentationml/2006/main">
   <p:cSld>
@@ -18167,6 +18385,477 @@
     <p:extLst>
       <p:ext uri="{BB962C8B-B14F-4D97-AF65-F5344CB8AC3E}">
         <p14:creationId xmlns:p14="http://schemas.microsoft.com/office/powerpoint/2010/main" val="945259388"/>
+      </p:ext>
+    </p:extLst>
+  </p:cSld>
+  <p:clrMapOvr>
+    <a:masterClrMapping/>
+  </p:clrMapOvr>
+</p:sld>
+</file>
+
+<file path=ppt/slides/slide50.xml><?xml version="1.0" encoding="utf-8"?>
+<p:sld xmlns:a="http://schemas.openxmlformats.org/drawingml/2006/main" xmlns:r="http://schemas.openxmlformats.org/officeDocument/2006/relationships" xmlns:p="http://schemas.openxmlformats.org/presentationml/2006/main">
+  <p:cSld>
+    <p:spTree>
+      <p:nvGrpSpPr>
+        <p:cNvPr id="1" name=""/>
+        <p:cNvGrpSpPr/>
+        <p:nvPr/>
+      </p:nvGrpSpPr>
+      <p:grpSpPr>
+        <a:xfrm>
+          <a:off x="0" y="0"/>
+          <a:ext cx="0" cy="0"/>
+          <a:chOff x="0" y="0"/>
+          <a:chExt cx="0" cy="0"/>
+        </a:xfrm>
+      </p:grpSpPr>
+      <p:sp>
+        <p:nvSpPr>
+          <p:cNvPr id="2" name="Title 1">
+            <a:extLst>
+              <a:ext uri="{FF2B5EF4-FFF2-40B4-BE49-F238E27FC236}">
+                <a16:creationId xmlns:a16="http://schemas.microsoft.com/office/drawing/2014/main" id="{7536A5A0-6A70-C7CE-1030-952992936583}"/>
+              </a:ext>
+            </a:extLst>
+          </p:cNvPr>
+          <p:cNvSpPr>
+            <a:spLocks noGrp="1"/>
+          </p:cNvSpPr>
+          <p:nvPr>
+            <p:ph type="title"/>
+          </p:nvPr>
+        </p:nvSpPr>
+        <p:spPr/>
+        <p:txBody>
+          <a:bodyPr/>
+          <a:lstStyle/>
+          <a:p>
+            <a:r>
+              <a:rPr lang="en-US" dirty="0"/>
+              <a:t>crypto - encrypt</a:t>
+            </a:r>
+          </a:p>
+        </p:txBody>
+      </p:sp>
+      <p:sp>
+        <p:nvSpPr>
+          <p:cNvPr id="3" name="Content Placeholder 2">
+            <a:extLst>
+              <a:ext uri="{FF2B5EF4-FFF2-40B4-BE49-F238E27FC236}">
+                <a16:creationId xmlns:a16="http://schemas.microsoft.com/office/drawing/2014/main" id="{9700354A-2391-DCDF-C79A-FF1F664814C0}"/>
+              </a:ext>
+            </a:extLst>
+          </p:cNvPr>
+          <p:cNvSpPr>
+            <a:spLocks noGrp="1"/>
+          </p:cNvSpPr>
+          <p:nvPr>
+            <p:ph idx="1"/>
+          </p:nvPr>
+        </p:nvSpPr>
+        <p:spPr/>
+        <p:txBody>
+          <a:bodyPr>
+            <a:normAutofit fontScale="70000" lnSpcReduction="20000"/>
+          </a:bodyPr>
+          <a:lstStyle/>
+          <a:p>
+            <a:r>
+              <a:rPr lang="en-US" dirty="0"/>
+              <a:t>const encrypt = (data) =&gt; {</a:t>
+            </a:r>
+          </a:p>
+          <a:p>
+            <a:r>
+              <a:rPr lang="en-US" dirty="0"/>
+              <a:t>  const iv = </a:t>
+            </a:r>
+            <a:r>
+              <a:rPr lang="en-US" dirty="0" err="1"/>
+              <a:t>crypto.randomBytes</a:t>
+            </a:r>
+            <a:r>
+              <a:rPr lang="en-US" dirty="0"/>
+              <a:t>(16);</a:t>
+            </a:r>
+          </a:p>
+          <a:p>
+            <a:r>
+              <a:rPr lang="en-US" dirty="0"/>
+              <a:t>  const cipher = </a:t>
+            </a:r>
+            <a:r>
+              <a:rPr lang="en-US" dirty="0" err="1"/>
+              <a:t>crypto.createCipheriv</a:t>
+            </a:r>
+            <a:r>
+              <a:rPr lang="en-US" dirty="0"/>
+              <a:t>(algorithm, </a:t>
+            </a:r>
+            <a:r>
+              <a:rPr lang="en-US" dirty="0" err="1"/>
+              <a:t>secretKey</a:t>
+            </a:r>
+            <a:r>
+              <a:rPr lang="en-US" dirty="0"/>
+              <a:t>, iv);</a:t>
+            </a:r>
+          </a:p>
+          <a:p>
+            <a:r>
+              <a:rPr lang="en-US" dirty="0"/>
+              <a:t>  const </a:t>
+            </a:r>
+            <a:r>
+              <a:rPr lang="en-US" dirty="0" err="1"/>
+              <a:t>encryptedData</a:t>
+            </a:r>
+            <a:r>
+              <a:rPr lang="en-US" dirty="0"/>
+              <a:t> = </a:t>
+            </a:r>
+            <a:r>
+              <a:rPr lang="en-US" dirty="0" err="1"/>
+              <a:t>Buffer.concat</a:t>
+            </a:r>
+            <a:r>
+              <a:rPr lang="en-US" dirty="0"/>
+              <a:t>([</a:t>
+            </a:r>
+            <a:r>
+              <a:rPr lang="en-US" dirty="0" err="1"/>
+              <a:t>cipher.update</a:t>
+            </a:r>
+            <a:r>
+              <a:rPr lang="en-US" dirty="0"/>
+              <a:t>(data), </a:t>
+            </a:r>
+            <a:r>
+              <a:rPr lang="en-US" dirty="0" err="1"/>
+              <a:t>cipher.final</a:t>
+            </a:r>
+            <a:r>
+              <a:rPr lang="en-US" dirty="0"/>
+              <a:t>()]);</a:t>
+            </a:r>
+          </a:p>
+          <a:p>
+            <a:r>
+              <a:rPr lang="en-US" dirty="0"/>
+              <a:t>  return {</a:t>
+            </a:r>
+          </a:p>
+          <a:p>
+            <a:r>
+              <a:rPr lang="en-US" dirty="0"/>
+              <a:t>    iv: </a:t>
+            </a:r>
+            <a:r>
+              <a:rPr lang="en-US" dirty="0" err="1"/>
+              <a:t>iv.toString</a:t>
+            </a:r>
+            <a:r>
+              <a:rPr lang="en-US" dirty="0"/>
+              <a:t>("hex"),</a:t>
+            </a:r>
+          </a:p>
+          <a:p>
+            <a:r>
+              <a:rPr lang="en-US" dirty="0"/>
+              <a:t>    </a:t>
+            </a:r>
+            <a:r>
+              <a:rPr lang="en-US" dirty="0" err="1"/>
+              <a:t>encryptedData</a:t>
+            </a:r>
+            <a:r>
+              <a:rPr lang="en-US" dirty="0"/>
+              <a:t>: </a:t>
+            </a:r>
+            <a:r>
+              <a:rPr lang="en-US" dirty="0" err="1"/>
+              <a:t>encryptedData.toString</a:t>
+            </a:r>
+            <a:r>
+              <a:rPr lang="en-US" dirty="0"/>
+              <a:t>("hex"),</a:t>
+            </a:r>
+          </a:p>
+          <a:p>
+            <a:r>
+              <a:rPr lang="en-US" dirty="0"/>
+              <a:t>  };</a:t>
+            </a:r>
+          </a:p>
+          <a:p>
+            <a:r>
+              <a:rPr lang="en-US" dirty="0"/>
+              <a:t>};</a:t>
+            </a:r>
+          </a:p>
+        </p:txBody>
+      </p:sp>
+    </p:spTree>
+    <p:extLst>
+      <p:ext uri="{BB962C8B-B14F-4D97-AF65-F5344CB8AC3E}">
+        <p14:creationId xmlns:p14="http://schemas.microsoft.com/office/powerpoint/2010/main" val="1540949157"/>
+      </p:ext>
+    </p:extLst>
+  </p:cSld>
+  <p:clrMapOvr>
+    <a:masterClrMapping/>
+  </p:clrMapOvr>
+</p:sld>
+</file>
+
+<file path=ppt/slides/slide51.xml><?xml version="1.0" encoding="utf-8"?>
+<p:sld xmlns:a="http://schemas.openxmlformats.org/drawingml/2006/main" xmlns:r="http://schemas.openxmlformats.org/officeDocument/2006/relationships" xmlns:p="http://schemas.openxmlformats.org/presentationml/2006/main">
+  <p:cSld>
+    <p:spTree>
+      <p:nvGrpSpPr>
+        <p:cNvPr id="1" name=""/>
+        <p:cNvGrpSpPr/>
+        <p:nvPr/>
+      </p:nvGrpSpPr>
+      <p:grpSpPr>
+        <a:xfrm>
+          <a:off x="0" y="0"/>
+          <a:ext cx="0" cy="0"/>
+          <a:chOff x="0" y="0"/>
+          <a:chExt cx="0" cy="0"/>
+        </a:xfrm>
+      </p:grpSpPr>
+      <p:sp>
+        <p:nvSpPr>
+          <p:cNvPr id="2" name="Title 1">
+            <a:extLst>
+              <a:ext uri="{FF2B5EF4-FFF2-40B4-BE49-F238E27FC236}">
+                <a16:creationId xmlns:a16="http://schemas.microsoft.com/office/drawing/2014/main" id="{7536A5A0-6A70-C7CE-1030-952992936583}"/>
+              </a:ext>
+            </a:extLst>
+          </p:cNvPr>
+          <p:cNvSpPr>
+            <a:spLocks noGrp="1"/>
+          </p:cNvSpPr>
+          <p:nvPr>
+            <p:ph type="title"/>
+          </p:nvPr>
+        </p:nvSpPr>
+        <p:spPr/>
+        <p:txBody>
+          <a:bodyPr/>
+          <a:lstStyle/>
+          <a:p>
+            <a:r>
+              <a:rPr lang="en-US" dirty="0"/>
+              <a:t>crypto </a:t>
+            </a:r>
+            <a:r>
+              <a:rPr lang="en-US"/>
+              <a:t>- decrypt</a:t>
+            </a:r>
+            <a:endParaRPr lang="en-US" dirty="0"/>
+          </a:p>
+        </p:txBody>
+      </p:sp>
+      <p:sp>
+        <p:nvSpPr>
+          <p:cNvPr id="3" name="Content Placeholder 2">
+            <a:extLst>
+              <a:ext uri="{FF2B5EF4-FFF2-40B4-BE49-F238E27FC236}">
+                <a16:creationId xmlns:a16="http://schemas.microsoft.com/office/drawing/2014/main" id="{9700354A-2391-DCDF-C79A-FF1F664814C0}"/>
+              </a:ext>
+            </a:extLst>
+          </p:cNvPr>
+          <p:cNvSpPr>
+            <a:spLocks noGrp="1"/>
+          </p:cNvSpPr>
+          <p:nvPr>
+            <p:ph idx="1"/>
+          </p:nvPr>
+        </p:nvSpPr>
+        <p:spPr/>
+        <p:txBody>
+          <a:bodyPr>
+            <a:normAutofit fontScale="47500" lnSpcReduction="20000"/>
+          </a:bodyPr>
+          <a:lstStyle/>
+          <a:p>
+            <a:r>
+              <a:rPr lang="en-US" dirty="0"/>
+              <a:t>const decrypt = (</a:t>
+            </a:r>
+            <a:r>
+              <a:rPr lang="en-US" dirty="0" err="1"/>
+              <a:t>hashAndIv</a:t>
+            </a:r>
+            <a:r>
+              <a:rPr lang="en-US" dirty="0"/>
+              <a:t>) =&gt; {</a:t>
+            </a:r>
+          </a:p>
+          <a:p>
+            <a:r>
+              <a:rPr lang="en-US" dirty="0"/>
+              <a:t>  const decipher = </a:t>
+            </a:r>
+            <a:r>
+              <a:rPr lang="en-US" dirty="0" err="1"/>
+              <a:t>crypto.createDecipheriv</a:t>
+            </a:r>
+            <a:r>
+              <a:rPr lang="en-US" dirty="0"/>
+              <a:t>(</a:t>
+            </a:r>
+          </a:p>
+          <a:p>
+            <a:r>
+              <a:rPr lang="en-US" dirty="0"/>
+              <a:t>    algorithm,</a:t>
+            </a:r>
+          </a:p>
+          <a:p>
+            <a:r>
+              <a:rPr lang="en-US" dirty="0"/>
+              <a:t>    </a:t>
+            </a:r>
+            <a:r>
+              <a:rPr lang="en-US" dirty="0" err="1"/>
+              <a:t>secretKey</a:t>
+            </a:r>
+            <a:r>
+              <a:rPr lang="en-US" dirty="0"/>
+              <a:t>,</a:t>
+            </a:r>
+          </a:p>
+          <a:p>
+            <a:r>
+              <a:rPr lang="en-US" dirty="0"/>
+              <a:t>    </a:t>
+            </a:r>
+            <a:r>
+              <a:rPr lang="en-US" dirty="0" err="1"/>
+              <a:t>Buffer.from</a:t>
+            </a:r>
+            <a:r>
+              <a:rPr lang="en-US" dirty="0"/>
+              <a:t>(</a:t>
+            </a:r>
+            <a:r>
+              <a:rPr lang="en-US" dirty="0" err="1"/>
+              <a:t>hashAndIv.iv</a:t>
+            </a:r>
+            <a:r>
+              <a:rPr lang="en-US" dirty="0"/>
+              <a:t>, "hex")</a:t>
+            </a:r>
+          </a:p>
+          <a:p>
+            <a:r>
+              <a:rPr lang="en-US" dirty="0"/>
+              <a:t>  );</a:t>
+            </a:r>
+          </a:p>
+          <a:p>
+            <a:r>
+              <a:rPr lang="en-US" dirty="0"/>
+              <a:t>  const </a:t>
+            </a:r>
+            <a:r>
+              <a:rPr lang="en-US" dirty="0" err="1"/>
+              <a:t>decryptedData</a:t>
+            </a:r>
+            <a:r>
+              <a:rPr lang="en-US" dirty="0"/>
+              <a:t> = </a:t>
+            </a:r>
+            <a:r>
+              <a:rPr lang="en-US" dirty="0" err="1"/>
+              <a:t>Buffer.concat</a:t>
+            </a:r>
+            <a:r>
+              <a:rPr lang="en-US" dirty="0"/>
+              <a:t>([</a:t>
+            </a:r>
+          </a:p>
+          <a:p>
+            <a:r>
+              <a:rPr lang="en-US" dirty="0"/>
+              <a:t>    </a:t>
+            </a:r>
+            <a:r>
+              <a:rPr lang="en-US" dirty="0" err="1"/>
+              <a:t>decipher.update</a:t>
+            </a:r>
+            <a:r>
+              <a:rPr lang="en-US" dirty="0"/>
+              <a:t>(</a:t>
+            </a:r>
+            <a:r>
+              <a:rPr lang="en-US" dirty="0" err="1"/>
+              <a:t>Buffer.from</a:t>
+            </a:r>
+            <a:r>
+              <a:rPr lang="en-US" dirty="0"/>
+              <a:t>(</a:t>
+            </a:r>
+            <a:r>
+              <a:rPr lang="en-US" dirty="0" err="1"/>
+              <a:t>hashAndIv.encryptedData</a:t>
+            </a:r>
+            <a:r>
+              <a:rPr lang="en-US" dirty="0"/>
+              <a:t>, "hex")),</a:t>
+            </a:r>
+          </a:p>
+          <a:p>
+            <a:r>
+              <a:rPr lang="en-US" dirty="0"/>
+              <a:t>    </a:t>
+            </a:r>
+            <a:r>
+              <a:rPr lang="en-US" dirty="0" err="1"/>
+              <a:t>decipher.final</a:t>
+            </a:r>
+            <a:r>
+              <a:rPr lang="en-US" dirty="0"/>
+              <a:t>(),</a:t>
+            </a:r>
+          </a:p>
+          <a:p>
+            <a:r>
+              <a:rPr lang="en-US" dirty="0"/>
+              <a:t>  ]);</a:t>
+            </a:r>
+          </a:p>
+          <a:p>
+            <a:r>
+              <a:rPr lang="en-US" dirty="0"/>
+              <a:t>  return </a:t>
+            </a:r>
+            <a:r>
+              <a:rPr lang="en-US" dirty="0" err="1"/>
+              <a:t>decryptedData.toString</a:t>
+            </a:r>
+            <a:r>
+              <a:rPr lang="en-US" dirty="0"/>
+              <a:t>();</a:t>
+            </a:r>
+          </a:p>
+          <a:p>
+            <a:r>
+              <a:rPr lang="en-US" dirty="0"/>
+              <a:t>};</a:t>
+            </a:r>
+          </a:p>
+        </p:txBody>
+      </p:sp>
+    </p:spTree>
+    <p:extLst>
+      <p:ext uri="{BB962C8B-B14F-4D97-AF65-F5344CB8AC3E}">
+        <p14:creationId xmlns:p14="http://schemas.microsoft.com/office/powerpoint/2010/main" val="438927608"/>
       </p:ext>
     </p:extLst>
   </p:cSld>

--- a/docs/node js.pptx
+++ b/docs/node js.pptx
@@ -56,6 +56,7 @@
     <p:sldId id="304" r:id="rId50"/>
     <p:sldId id="305" r:id="rId51"/>
     <p:sldId id="306" r:id="rId52"/>
+    <p:sldId id="307" r:id="rId53"/>
   </p:sldIdLst>
   <p:sldSz cx="12192000" cy="6858000"/>
   <p:notesSz cx="6858000" cy="9144000"/>
@@ -223,7 +224,7 @@
           <a:noFill/>
           <a:extLst>
             <a:ext uri="{909E8E84-426E-40dd-AFC4-6F175D3DCCD1}">
-              <a14:hiddenFill xmlns:a14="http://schemas.microsoft.com/office/drawing/2010/main" xmlns="">
+              <a14:hiddenFill xmlns="" xmlns:a14="http://schemas.microsoft.com/office/drawing/2010/main">
                 <a:solidFill>
                   <a:srgbClr val="FFFFFF"/>
                 </a:solidFill>
@@ -283,7 +284,7 @@
             </a:ln>
             <a:extLst>
               <a:ext uri="{91240B29-F687-4f45-9708-019B960494DF}">
-                <a14:hiddenLine xmlns:a14="http://schemas.microsoft.com/office/drawing/2010/main" xmlns="" w="9525">
+                <a14:hiddenLine xmlns="" xmlns:a14="http://schemas.microsoft.com/office/drawing/2010/main" w="9525">
                   <a:solidFill>
                     <a:srgbClr val="000000"/>
                   </a:solidFill>
@@ -373,7 +374,7 @@
             </a:ln>
             <a:extLst>
               <a:ext uri="{91240B29-F687-4f45-9708-019B960494DF}">
-                <a14:hiddenLine xmlns:a14="http://schemas.microsoft.com/office/drawing/2010/main" xmlns="" w="9525">
+                <a14:hiddenLine xmlns="" xmlns:a14="http://schemas.microsoft.com/office/drawing/2010/main" w="9525">
                   <a:solidFill>
                     <a:srgbClr val="000000"/>
                   </a:solidFill>
@@ -463,7 +464,7 @@
             </a:ln>
             <a:extLst>
               <a:ext uri="{91240B29-F687-4f45-9708-019B960494DF}">
-                <a14:hiddenLine xmlns:a14="http://schemas.microsoft.com/office/drawing/2010/main" xmlns="" w="9525">
+                <a14:hiddenLine xmlns="" xmlns:a14="http://schemas.microsoft.com/office/drawing/2010/main" w="9525">
                   <a:solidFill>
                     <a:srgbClr val="000000"/>
                   </a:solidFill>
@@ -497,7 +498,7 @@
             </a:ln>
             <a:extLst>
               <a:ext uri="{91240B29-F687-4f45-9708-019B960494DF}">
-                <a14:hiddenLine xmlns:a14="http://schemas.microsoft.com/office/drawing/2010/main" xmlns="" w="9525">
+                <a14:hiddenLine xmlns="" xmlns:a14="http://schemas.microsoft.com/office/drawing/2010/main" w="9525">
                   <a:solidFill>
                     <a:srgbClr val="000000"/>
                   </a:solidFill>
@@ -587,7 +588,7 @@
             </a:ln>
             <a:extLst>
               <a:ext uri="{91240B29-F687-4f45-9708-019B960494DF}">
-                <a14:hiddenLine xmlns:a14="http://schemas.microsoft.com/office/drawing/2010/main" xmlns="" w="9525">
+                <a14:hiddenLine xmlns="" xmlns:a14="http://schemas.microsoft.com/office/drawing/2010/main" w="9525">
                   <a:solidFill>
                     <a:srgbClr val="000000"/>
                   </a:solidFill>
@@ -649,7 +650,7 @@
             </a:ln>
             <a:extLst>
               <a:ext uri="{91240B29-F687-4f45-9708-019B960494DF}">
-                <a14:hiddenLine xmlns:a14="http://schemas.microsoft.com/office/drawing/2010/main" xmlns="" w="9525">
+                <a14:hiddenLine xmlns="" xmlns:a14="http://schemas.microsoft.com/office/drawing/2010/main" w="9525">
                   <a:solidFill>
                     <a:srgbClr val="000000"/>
                   </a:solidFill>
@@ -711,7 +712,7 @@
             </a:ln>
             <a:extLst>
               <a:ext uri="{91240B29-F687-4f45-9708-019B960494DF}">
-                <a14:hiddenLine xmlns:a14="http://schemas.microsoft.com/office/drawing/2010/main" xmlns="" w="9525">
+                <a14:hiddenLine xmlns="" xmlns:a14="http://schemas.microsoft.com/office/drawing/2010/main" w="9525">
                   <a:solidFill>
                     <a:srgbClr val="000000"/>
                   </a:solidFill>
@@ -801,7 +802,7 @@
             </a:ln>
             <a:extLst>
               <a:ext uri="{91240B29-F687-4f45-9708-019B960494DF}">
-                <a14:hiddenLine xmlns:a14="http://schemas.microsoft.com/office/drawing/2010/main" xmlns="" w="9525">
+                <a14:hiddenLine xmlns="" xmlns:a14="http://schemas.microsoft.com/office/drawing/2010/main" w="9525">
                   <a:solidFill>
                     <a:srgbClr val="000000"/>
                   </a:solidFill>
@@ -863,7 +864,7 @@
             </a:ln>
             <a:extLst>
               <a:ext uri="{91240B29-F687-4f45-9708-019B960494DF}">
-                <a14:hiddenLine xmlns:a14="http://schemas.microsoft.com/office/drawing/2010/main" xmlns="" w="9525">
+                <a14:hiddenLine xmlns="" xmlns:a14="http://schemas.microsoft.com/office/drawing/2010/main" w="9525">
                   <a:solidFill>
                     <a:srgbClr val="000000"/>
                   </a:solidFill>
@@ -925,7 +926,7 @@
             </a:ln>
             <a:extLst>
               <a:ext uri="{91240B29-F687-4f45-9708-019B960494DF}">
-                <a14:hiddenLine xmlns:a14="http://schemas.microsoft.com/office/drawing/2010/main" xmlns="" w="9525">
+                <a14:hiddenLine xmlns="" xmlns:a14="http://schemas.microsoft.com/office/drawing/2010/main" w="9525">
                   <a:solidFill>
                     <a:srgbClr val="000000"/>
                   </a:solidFill>
@@ -1015,7 +1016,7 @@
             </a:ln>
             <a:extLst>
               <a:ext uri="{91240B29-F687-4f45-9708-019B960494DF}">
-                <a14:hiddenLine xmlns:a14="http://schemas.microsoft.com/office/drawing/2010/main" xmlns="" w="9525">
+                <a14:hiddenLine xmlns="" xmlns:a14="http://schemas.microsoft.com/office/drawing/2010/main" w="9525">
                   <a:solidFill>
                     <a:srgbClr val="000000"/>
                   </a:solidFill>
@@ -1105,7 +1106,7 @@
             </a:ln>
             <a:extLst>
               <a:ext uri="{91240B29-F687-4f45-9708-019B960494DF}">
-                <a14:hiddenLine xmlns:a14="http://schemas.microsoft.com/office/drawing/2010/main" xmlns="" w="9525">
+                <a14:hiddenLine xmlns="" xmlns:a14="http://schemas.microsoft.com/office/drawing/2010/main" w="9525">
                   <a:solidFill>
                     <a:srgbClr val="000000"/>
                   </a:solidFill>
@@ -1167,7 +1168,7 @@
             </a:ln>
             <a:extLst>
               <a:ext uri="{91240B29-F687-4f45-9708-019B960494DF}">
-                <a14:hiddenLine xmlns:a14="http://schemas.microsoft.com/office/drawing/2010/main" xmlns="" w="9525">
+                <a14:hiddenLine xmlns="" xmlns:a14="http://schemas.microsoft.com/office/drawing/2010/main" w="9525">
                   <a:solidFill>
                     <a:srgbClr val="000000"/>
                   </a:solidFill>
@@ -1277,7 +1278,7 @@
             </a:ln>
             <a:extLst>
               <a:ext uri="{91240B29-F687-4f45-9708-019B960494DF}">
-                <a14:hiddenLine xmlns:a14="http://schemas.microsoft.com/office/drawing/2010/main" xmlns="" w="9525">
+                <a14:hiddenLine xmlns="" xmlns:a14="http://schemas.microsoft.com/office/drawing/2010/main" w="9525">
                   <a:solidFill>
                     <a:srgbClr val="000000"/>
                   </a:solidFill>
@@ -1339,7 +1340,7 @@
             </a:ln>
             <a:extLst>
               <a:ext uri="{91240B29-F687-4f45-9708-019B960494DF}">
-                <a14:hiddenLine xmlns:a14="http://schemas.microsoft.com/office/drawing/2010/main" xmlns="" w="9525">
+                <a14:hiddenLine xmlns="" xmlns:a14="http://schemas.microsoft.com/office/drawing/2010/main" w="9525">
                   <a:solidFill>
                     <a:srgbClr val="000000"/>
                   </a:solidFill>
@@ -1429,7 +1430,7 @@
             </a:ln>
             <a:extLst>
               <a:ext uri="{91240B29-F687-4f45-9708-019B960494DF}">
-                <a14:hiddenLine xmlns:a14="http://schemas.microsoft.com/office/drawing/2010/main" xmlns="" w="9525">
+                <a14:hiddenLine xmlns="" xmlns:a14="http://schemas.microsoft.com/office/drawing/2010/main" w="9525">
                   <a:solidFill>
                     <a:srgbClr val="000000"/>
                   </a:solidFill>
@@ -1519,7 +1520,7 @@
             </a:ln>
             <a:extLst>
               <a:ext uri="{91240B29-F687-4f45-9708-019B960494DF}">
-                <a14:hiddenLine xmlns:a14="http://schemas.microsoft.com/office/drawing/2010/main" xmlns="" w="9525">
+                <a14:hiddenLine xmlns="" xmlns:a14="http://schemas.microsoft.com/office/drawing/2010/main" w="9525">
                   <a:solidFill>
                     <a:srgbClr val="000000"/>
                   </a:solidFill>
@@ -1581,7 +1582,7 @@
             </a:ln>
             <a:extLst>
               <a:ext uri="{91240B29-F687-4f45-9708-019B960494DF}">
-                <a14:hiddenLine xmlns:a14="http://schemas.microsoft.com/office/drawing/2010/main" xmlns="" w="9525">
+                <a14:hiddenLine xmlns="" xmlns:a14="http://schemas.microsoft.com/office/drawing/2010/main" w="9525">
                   <a:solidFill>
                     <a:srgbClr val="000000"/>
                   </a:solidFill>
@@ -1671,7 +1672,7 @@
             </a:ln>
             <a:extLst>
               <a:ext uri="{91240B29-F687-4f45-9708-019B960494DF}">
-                <a14:hiddenLine xmlns:a14="http://schemas.microsoft.com/office/drawing/2010/main" xmlns="" w="9525">
+                <a14:hiddenLine xmlns="" xmlns:a14="http://schemas.microsoft.com/office/drawing/2010/main" w="9525">
                   <a:solidFill>
                     <a:srgbClr val="000000"/>
                   </a:solidFill>
@@ -1761,7 +1762,7 @@
             </a:ln>
             <a:extLst>
               <a:ext uri="{91240B29-F687-4f45-9708-019B960494DF}">
-                <a14:hiddenLine xmlns:a14="http://schemas.microsoft.com/office/drawing/2010/main" xmlns="" w="9525">
+                <a14:hiddenLine xmlns="" xmlns:a14="http://schemas.microsoft.com/office/drawing/2010/main" w="9525">
                   <a:solidFill>
                     <a:srgbClr val="000000"/>
                   </a:solidFill>
@@ -1817,7 +1818,7 @@
             </a:ln>
             <a:extLst>
               <a:ext uri="{91240B29-F687-4f45-9708-019B960494DF}">
-                <a14:hiddenLine xmlns:a14="http://schemas.microsoft.com/office/drawing/2010/main" xmlns="" w="9525">
+                <a14:hiddenLine xmlns="" xmlns:a14="http://schemas.microsoft.com/office/drawing/2010/main" w="9525">
                   <a:solidFill>
                     <a:srgbClr val="000000"/>
                   </a:solidFill>
@@ -1907,7 +1908,7 @@
             </a:ln>
             <a:extLst>
               <a:ext uri="{91240B29-F687-4f45-9708-019B960494DF}">
-                <a14:hiddenLine xmlns:a14="http://schemas.microsoft.com/office/drawing/2010/main" xmlns="" w="9525">
+                <a14:hiddenLine xmlns="" xmlns:a14="http://schemas.microsoft.com/office/drawing/2010/main" w="9525">
                   <a:solidFill>
                     <a:srgbClr val="000000"/>
                   </a:solidFill>
@@ -1963,7 +1964,7 @@
             </a:ln>
             <a:extLst>
               <a:ext uri="{91240B29-F687-4f45-9708-019B960494DF}">
-                <a14:hiddenLine xmlns:a14="http://schemas.microsoft.com/office/drawing/2010/main" xmlns="" w="9525">
+                <a14:hiddenLine xmlns="" xmlns:a14="http://schemas.microsoft.com/office/drawing/2010/main" w="9525">
                   <a:solidFill>
                     <a:srgbClr val="000000"/>
                   </a:solidFill>
@@ -2053,7 +2054,7 @@
             </a:ln>
             <a:extLst>
               <a:ext uri="{91240B29-F687-4f45-9708-019B960494DF}">
-                <a14:hiddenLine xmlns:a14="http://schemas.microsoft.com/office/drawing/2010/main" xmlns="" w="9525">
+                <a14:hiddenLine xmlns="" xmlns:a14="http://schemas.microsoft.com/office/drawing/2010/main" w="9525">
                   <a:solidFill>
                     <a:srgbClr val="000000"/>
                   </a:solidFill>
@@ -2121,7 +2122,7 @@
             </a:ln>
             <a:extLst>
               <a:ext uri="{91240B29-F687-4f45-9708-019B960494DF}">
-                <a14:hiddenLine xmlns:a14="http://schemas.microsoft.com/office/drawing/2010/main" xmlns="" w="9525">
+                <a14:hiddenLine xmlns="" xmlns:a14="http://schemas.microsoft.com/office/drawing/2010/main" w="9525">
                   <a:solidFill>
                     <a:srgbClr val="000000"/>
                   </a:solidFill>
@@ -2211,7 +2212,7 @@
             </a:ln>
             <a:extLst>
               <a:ext uri="{91240B29-F687-4f45-9708-019B960494DF}">
-                <a14:hiddenLine xmlns:a14="http://schemas.microsoft.com/office/drawing/2010/main" xmlns="" w="9525">
+                <a14:hiddenLine xmlns="" xmlns:a14="http://schemas.microsoft.com/office/drawing/2010/main" w="9525">
                   <a:solidFill>
                     <a:srgbClr val="000000"/>
                   </a:solidFill>
@@ -2279,7 +2280,7 @@
             </a:ln>
             <a:extLst>
               <a:ext uri="{91240B29-F687-4f45-9708-019B960494DF}">
-                <a14:hiddenLine xmlns:a14="http://schemas.microsoft.com/office/drawing/2010/main" xmlns="" w="9525">
+                <a14:hiddenLine xmlns="" xmlns:a14="http://schemas.microsoft.com/office/drawing/2010/main" w="9525">
                   <a:solidFill>
                     <a:srgbClr val="000000"/>
                   </a:solidFill>
@@ -2369,7 +2370,7 @@
             </a:ln>
             <a:extLst>
               <a:ext uri="{91240B29-F687-4f45-9708-019B960494DF}">
-                <a14:hiddenLine xmlns:a14="http://schemas.microsoft.com/office/drawing/2010/main" xmlns="" w="9525">
+                <a14:hiddenLine xmlns="" xmlns:a14="http://schemas.microsoft.com/office/drawing/2010/main" w="9525">
                   <a:solidFill>
                     <a:srgbClr val="000000"/>
                   </a:solidFill>
@@ -2403,7 +2404,7 @@
             </a:ln>
             <a:extLst>
               <a:ext uri="{91240B29-F687-4f45-9708-019B960494DF}">
-                <a14:hiddenLine xmlns:a14="http://schemas.microsoft.com/office/drawing/2010/main" xmlns="" w="9525">
+                <a14:hiddenLine xmlns="" xmlns:a14="http://schemas.microsoft.com/office/drawing/2010/main" w="9525">
                   <a:solidFill>
                     <a:srgbClr val="000000"/>
                   </a:solidFill>
@@ -2493,7 +2494,7 @@
             </a:ln>
             <a:extLst>
               <a:ext uri="{91240B29-F687-4f45-9708-019B960494DF}">
-                <a14:hiddenLine xmlns:a14="http://schemas.microsoft.com/office/drawing/2010/main" xmlns="" w="9525">
+                <a14:hiddenLine xmlns="" xmlns:a14="http://schemas.microsoft.com/office/drawing/2010/main" w="9525">
                   <a:solidFill>
                     <a:srgbClr val="000000"/>
                   </a:solidFill>
@@ -2555,7 +2556,7 @@
             </a:ln>
             <a:extLst>
               <a:ext uri="{91240B29-F687-4f45-9708-019B960494DF}">
-                <a14:hiddenLine xmlns:a14="http://schemas.microsoft.com/office/drawing/2010/main" xmlns="" w="9525">
+                <a14:hiddenLine xmlns="" xmlns:a14="http://schemas.microsoft.com/office/drawing/2010/main" w="9525">
                   <a:solidFill>
                     <a:srgbClr val="000000"/>
                   </a:solidFill>
@@ -2617,7 +2618,7 @@
             </a:ln>
             <a:extLst>
               <a:ext uri="{91240B29-F687-4f45-9708-019B960494DF}">
-                <a14:hiddenLine xmlns:a14="http://schemas.microsoft.com/office/drawing/2010/main" xmlns="" w="9525">
+                <a14:hiddenLine xmlns="" xmlns:a14="http://schemas.microsoft.com/office/drawing/2010/main" w="9525">
                   <a:solidFill>
                     <a:srgbClr val="000000"/>
                   </a:solidFill>
@@ -2707,7 +2708,7 @@
             </a:ln>
             <a:extLst>
               <a:ext uri="{91240B29-F687-4f45-9708-019B960494DF}">
-                <a14:hiddenLine xmlns:a14="http://schemas.microsoft.com/office/drawing/2010/main" xmlns="" w="9525">
+                <a14:hiddenLine xmlns="" xmlns:a14="http://schemas.microsoft.com/office/drawing/2010/main" w="9525">
                   <a:solidFill>
                     <a:srgbClr val="000000"/>
                   </a:solidFill>
@@ -2775,7 +2776,7 @@
             </a:ln>
             <a:extLst>
               <a:ext uri="{91240B29-F687-4f45-9708-019B960494DF}">
-                <a14:hiddenLine xmlns:a14="http://schemas.microsoft.com/office/drawing/2010/main" xmlns="" w="9525">
+                <a14:hiddenLine xmlns="" xmlns:a14="http://schemas.microsoft.com/office/drawing/2010/main" w="9525">
                   <a:solidFill>
                     <a:srgbClr val="000000"/>
                   </a:solidFill>
@@ -2837,7 +2838,7 @@
             </a:ln>
             <a:extLst>
               <a:ext uri="{91240B29-F687-4f45-9708-019B960494DF}">
-                <a14:hiddenLine xmlns:a14="http://schemas.microsoft.com/office/drawing/2010/main" xmlns="" w="9525">
+                <a14:hiddenLine xmlns="" xmlns:a14="http://schemas.microsoft.com/office/drawing/2010/main" w="9525">
                   <a:solidFill>
                     <a:srgbClr val="000000"/>
                   </a:solidFill>
@@ -2927,7 +2928,7 @@
             </a:ln>
             <a:extLst>
               <a:ext uri="{91240B29-F687-4f45-9708-019B960494DF}">
-                <a14:hiddenLine xmlns:a14="http://schemas.microsoft.com/office/drawing/2010/main" xmlns="" w="9525">
+                <a14:hiddenLine xmlns="" xmlns:a14="http://schemas.microsoft.com/office/drawing/2010/main" w="9525">
                   <a:solidFill>
                     <a:srgbClr val="000000"/>
                   </a:solidFill>
@@ -2989,7 +2990,7 @@
             </a:ln>
             <a:extLst>
               <a:ext uri="{91240B29-F687-4f45-9708-019B960494DF}">
-                <a14:hiddenLine xmlns:a14="http://schemas.microsoft.com/office/drawing/2010/main" xmlns="" w="9525">
+                <a14:hiddenLine xmlns="" xmlns:a14="http://schemas.microsoft.com/office/drawing/2010/main" w="9525">
                   <a:solidFill>
                     <a:srgbClr val="000000"/>
                   </a:solidFill>
@@ -3079,7 +3080,7 @@
             </a:ln>
             <a:extLst>
               <a:ext uri="{91240B29-F687-4f45-9708-019B960494DF}">
-                <a14:hiddenLine xmlns:a14="http://schemas.microsoft.com/office/drawing/2010/main" xmlns="" w="9525">
+                <a14:hiddenLine xmlns="" xmlns:a14="http://schemas.microsoft.com/office/drawing/2010/main" w="9525">
                   <a:solidFill>
                     <a:srgbClr val="000000"/>
                   </a:solidFill>
@@ -3141,7 +3142,7 @@
             </a:ln>
             <a:extLst>
               <a:ext uri="{91240B29-F687-4f45-9708-019B960494DF}">
-                <a14:hiddenLine xmlns:a14="http://schemas.microsoft.com/office/drawing/2010/main" xmlns="" w="9525">
+                <a14:hiddenLine xmlns="" xmlns:a14="http://schemas.microsoft.com/office/drawing/2010/main" w="9525">
                   <a:solidFill>
                     <a:srgbClr val="000000"/>
                   </a:solidFill>
@@ -3231,7 +3232,7 @@
             </a:ln>
             <a:extLst>
               <a:ext uri="{91240B29-F687-4f45-9708-019B960494DF}">
-                <a14:hiddenLine xmlns:a14="http://schemas.microsoft.com/office/drawing/2010/main" xmlns="" w="9525">
+                <a14:hiddenLine xmlns="" xmlns:a14="http://schemas.microsoft.com/office/drawing/2010/main" w="9525">
                   <a:solidFill>
                     <a:srgbClr val="000000"/>
                   </a:solidFill>
@@ -3265,7 +3266,7 @@
             </a:ln>
             <a:extLst>
               <a:ext uri="{91240B29-F687-4f45-9708-019B960494DF}">
-                <a14:hiddenLine xmlns:a14="http://schemas.microsoft.com/office/drawing/2010/main" xmlns="" w="9525">
+                <a14:hiddenLine xmlns="" xmlns:a14="http://schemas.microsoft.com/office/drawing/2010/main" w="9525">
                   <a:solidFill>
                     <a:srgbClr val="000000"/>
                   </a:solidFill>
@@ -3330,7 +3331,7 @@
             </a:ln>
             <a:extLst>
               <a:ext uri="{91240B29-F687-4f45-9708-019B960494DF}">
-                <a14:hiddenLine xmlns:a14="http://schemas.microsoft.com/office/drawing/2010/main" xmlns="" w="9525">
+                <a14:hiddenLine xmlns="" xmlns:a14="http://schemas.microsoft.com/office/drawing/2010/main" w="9525">
                   <a:solidFill>
                     <a:srgbClr val="000000"/>
                   </a:solidFill>
@@ -3420,7 +3421,7 @@
             </a:ln>
             <a:extLst>
               <a:ext uri="{91240B29-F687-4f45-9708-019B960494DF}">
-                <a14:hiddenLine xmlns:a14="http://schemas.microsoft.com/office/drawing/2010/main" xmlns="" w="9525">
+                <a14:hiddenLine xmlns="" xmlns:a14="http://schemas.microsoft.com/office/drawing/2010/main" w="9525">
                   <a:solidFill>
                     <a:srgbClr val="000000"/>
                   </a:solidFill>
@@ -3482,7 +3483,7 @@
             </a:ln>
             <a:extLst>
               <a:ext uri="{91240B29-F687-4f45-9708-019B960494DF}">
-                <a14:hiddenLine xmlns:a14="http://schemas.microsoft.com/office/drawing/2010/main" xmlns="" w="9525">
+                <a14:hiddenLine xmlns="" xmlns:a14="http://schemas.microsoft.com/office/drawing/2010/main" w="9525">
                   <a:solidFill>
                     <a:srgbClr val="000000"/>
                   </a:solidFill>
@@ -3572,7 +3573,7 @@
             </a:ln>
             <a:extLst>
               <a:ext uri="{91240B29-F687-4f45-9708-019B960494DF}">
-                <a14:hiddenLine xmlns:a14="http://schemas.microsoft.com/office/drawing/2010/main" xmlns="" w="9525">
+                <a14:hiddenLine xmlns="" xmlns:a14="http://schemas.microsoft.com/office/drawing/2010/main" w="9525">
                   <a:solidFill>
                     <a:srgbClr val="000000"/>
                   </a:solidFill>
@@ -3662,7 +3663,7 @@
             </a:ln>
             <a:extLst>
               <a:ext uri="{91240B29-F687-4f45-9708-019B960494DF}">
-                <a14:hiddenLine xmlns:a14="http://schemas.microsoft.com/office/drawing/2010/main" xmlns="" w="9525">
+                <a14:hiddenLine xmlns="" xmlns:a14="http://schemas.microsoft.com/office/drawing/2010/main" w="9525">
                   <a:solidFill>
                     <a:srgbClr val="000000"/>
                   </a:solidFill>
@@ -3727,7 +3728,7 @@
             </a:ln>
             <a:extLst>
               <a:ext uri="{91240B29-F687-4f45-9708-019B960494DF}">
-                <a14:hiddenLine xmlns:a14="http://schemas.microsoft.com/office/drawing/2010/main" xmlns="" w="9525">
+                <a14:hiddenLine xmlns="" xmlns:a14="http://schemas.microsoft.com/office/drawing/2010/main" w="9525">
                   <a:solidFill>
                     <a:srgbClr val="000000"/>
                   </a:solidFill>
@@ -3789,7 +3790,7 @@
             </a:ln>
             <a:extLst>
               <a:ext uri="{91240B29-F687-4f45-9708-019B960494DF}">
-                <a14:hiddenLine xmlns:a14="http://schemas.microsoft.com/office/drawing/2010/main" xmlns="" w="9525">
+                <a14:hiddenLine xmlns="" xmlns:a14="http://schemas.microsoft.com/office/drawing/2010/main" w="9525">
                   <a:solidFill>
                     <a:srgbClr val="000000"/>
                   </a:solidFill>
@@ -3879,7 +3880,7 @@
             </a:ln>
             <a:extLst>
               <a:ext uri="{91240B29-F687-4f45-9708-019B960494DF}">
-                <a14:hiddenLine xmlns:a14="http://schemas.microsoft.com/office/drawing/2010/main" xmlns="" w="9525">
+                <a14:hiddenLine xmlns="" xmlns:a14="http://schemas.microsoft.com/office/drawing/2010/main" w="9525">
                   <a:solidFill>
                     <a:srgbClr val="000000"/>
                   </a:solidFill>
@@ -3969,7 +3970,7 @@
             </a:ln>
             <a:extLst>
               <a:ext uri="{91240B29-F687-4f45-9708-019B960494DF}">
-                <a14:hiddenLine xmlns:a14="http://schemas.microsoft.com/office/drawing/2010/main" xmlns="" w="9525">
+                <a14:hiddenLine xmlns="" xmlns:a14="http://schemas.microsoft.com/office/drawing/2010/main" w="9525">
                   <a:solidFill>
                     <a:srgbClr val="000000"/>
                   </a:solidFill>
@@ -4031,7 +4032,7 @@
             </a:ln>
             <a:extLst>
               <a:ext uri="{91240B29-F687-4f45-9708-019B960494DF}">
-                <a14:hiddenLine xmlns:a14="http://schemas.microsoft.com/office/drawing/2010/main" xmlns="" w="9525">
+                <a14:hiddenLine xmlns="" xmlns:a14="http://schemas.microsoft.com/office/drawing/2010/main" w="9525">
                   <a:solidFill>
                     <a:srgbClr val="000000"/>
                   </a:solidFill>
@@ -4151,7 +4152,7 @@
             </a:ln>
             <a:extLst>
               <a:ext uri="{91240B29-F687-4f45-9708-019B960494DF}">
-                <a14:hiddenLine xmlns:a14="http://schemas.microsoft.com/office/drawing/2010/main" xmlns="" w="9525">
+                <a14:hiddenLine xmlns="" xmlns:a14="http://schemas.microsoft.com/office/drawing/2010/main" w="9525">
                   <a:solidFill>
                     <a:srgbClr val="000000"/>
                   </a:solidFill>
@@ -4219,7 +4220,7 @@
             </a:ln>
             <a:extLst>
               <a:ext uri="{91240B29-F687-4f45-9708-019B960494DF}">
-                <a14:hiddenLine xmlns:a14="http://schemas.microsoft.com/office/drawing/2010/main" xmlns="" w="9525">
+                <a14:hiddenLine xmlns="" xmlns:a14="http://schemas.microsoft.com/office/drawing/2010/main" w="9525">
                   <a:solidFill>
                     <a:srgbClr val="000000"/>
                   </a:solidFill>
@@ -4309,7 +4310,7 @@
             </a:ln>
             <a:extLst>
               <a:ext uri="{91240B29-F687-4f45-9708-019B960494DF}">
-                <a14:hiddenLine xmlns:a14="http://schemas.microsoft.com/office/drawing/2010/main" xmlns="" w="9525">
+                <a14:hiddenLine xmlns="" xmlns:a14="http://schemas.microsoft.com/office/drawing/2010/main" w="9525">
                   <a:solidFill>
                     <a:srgbClr val="000000"/>
                   </a:solidFill>
@@ -4449,7 +4450,7 @@
           <a:p>
             <a:fld id="{951AF1EB-82F2-4C84-AADB-635468081963}" type="datetimeFigureOut">
               <a:rPr lang="en-US" smtClean="0"/>
-              <a:t>10/08/2022</a:t>
+              <a:t>15/08/2022</a:t>
             </a:fld>
             <a:endParaRPr lang="en-US"/>
           </a:p>
@@ -4716,7 +4717,7 @@
           <a:p>
             <a:fld id="{951AF1EB-82F2-4C84-AADB-635468081963}" type="datetimeFigureOut">
               <a:rPr lang="en-US" smtClean="0"/>
-              <a:t>10/08/2022</a:t>
+              <a:t>15/08/2022</a:t>
             </a:fld>
             <a:endParaRPr lang="en-US"/>
           </a:p>
@@ -4912,7 +4913,7 @@
           <a:p>
             <a:fld id="{951AF1EB-82F2-4C84-AADB-635468081963}" type="datetimeFigureOut">
               <a:rPr lang="en-US" smtClean="0"/>
-              <a:t>10/08/2022</a:t>
+              <a:t>15/08/2022</a:t>
             </a:fld>
             <a:endParaRPr lang="en-US"/>
           </a:p>
@@ -5175,7 +5176,7 @@
           <a:p>
             <a:fld id="{951AF1EB-82F2-4C84-AADB-635468081963}" type="datetimeFigureOut">
               <a:rPr lang="en-US" smtClean="0"/>
-              <a:t>10/08/2022</a:t>
+              <a:t>15/08/2022</a:t>
             </a:fld>
             <a:endParaRPr lang="en-US"/>
           </a:p>
@@ -5609,7 +5610,7 @@
           <a:p>
             <a:fld id="{951AF1EB-82F2-4C84-AADB-635468081963}" type="datetimeFigureOut">
               <a:rPr lang="en-US" smtClean="0"/>
-              <a:t>10/08/2022</a:t>
+              <a:t>15/08/2022</a:t>
             </a:fld>
             <a:endParaRPr lang="en-US"/>
           </a:p>
@@ -6155,7 +6156,7 @@
           <a:p>
             <a:fld id="{951AF1EB-82F2-4C84-AADB-635468081963}" type="datetimeFigureOut">
               <a:rPr lang="en-US" smtClean="0"/>
-              <a:t>10/08/2022</a:t>
+              <a:t>15/08/2022</a:t>
             </a:fld>
             <a:endParaRPr lang="en-US"/>
           </a:p>
@@ -6875,7 +6876,7 @@
           <a:p>
             <a:fld id="{951AF1EB-82F2-4C84-AADB-635468081963}" type="datetimeFigureOut">
               <a:rPr lang="en-US" smtClean="0"/>
-              <a:t>10/08/2022</a:t>
+              <a:t>15/08/2022</a:t>
             </a:fld>
             <a:endParaRPr lang="en-US"/>
           </a:p>
@@ -7045,7 +7046,7 @@
           <a:p>
             <a:fld id="{951AF1EB-82F2-4C84-AADB-635468081963}" type="datetimeFigureOut">
               <a:rPr lang="en-US" smtClean="0"/>
-              <a:t>10/08/2022</a:t>
+              <a:t>15/08/2022</a:t>
             </a:fld>
             <a:endParaRPr lang="en-US"/>
           </a:p>
@@ -7225,7 +7226,7 @@
           <a:p>
             <a:fld id="{951AF1EB-82F2-4C84-AADB-635468081963}" type="datetimeFigureOut">
               <a:rPr lang="en-US" smtClean="0"/>
-              <a:t>10/08/2022</a:t>
+              <a:t>15/08/2022</a:t>
             </a:fld>
             <a:endParaRPr lang="en-US"/>
           </a:p>
@@ -7395,7 +7396,7 @@
           <a:p>
             <a:fld id="{951AF1EB-82F2-4C84-AADB-635468081963}" type="datetimeFigureOut">
               <a:rPr lang="en-US" smtClean="0"/>
-              <a:t>10/08/2022</a:t>
+              <a:t>15/08/2022</a:t>
             </a:fld>
             <a:endParaRPr lang="en-US"/>
           </a:p>
@@ -7645,7 +7646,7 @@
           <a:p>
             <a:fld id="{951AF1EB-82F2-4C84-AADB-635468081963}" type="datetimeFigureOut">
               <a:rPr lang="en-US" smtClean="0"/>
-              <a:t>10/08/2022</a:t>
+              <a:t>15/08/2022</a:t>
             </a:fld>
             <a:endParaRPr lang="en-US"/>
           </a:p>
@@ -7877,7 +7878,7 @@
           <a:p>
             <a:fld id="{951AF1EB-82F2-4C84-AADB-635468081963}" type="datetimeFigureOut">
               <a:rPr lang="en-US" smtClean="0"/>
-              <a:t>10/08/2022</a:t>
+              <a:t>15/08/2022</a:t>
             </a:fld>
             <a:endParaRPr lang="en-US"/>
           </a:p>
@@ -8258,7 +8259,7 @@
           <a:p>
             <a:fld id="{951AF1EB-82F2-4C84-AADB-635468081963}" type="datetimeFigureOut">
               <a:rPr lang="en-US" smtClean="0"/>
-              <a:t>10/08/2022</a:t>
+              <a:t>15/08/2022</a:t>
             </a:fld>
             <a:endParaRPr lang="en-US"/>
           </a:p>
@@ -8376,7 +8377,7 @@
           <a:p>
             <a:fld id="{951AF1EB-82F2-4C84-AADB-635468081963}" type="datetimeFigureOut">
               <a:rPr lang="en-US" smtClean="0"/>
-              <a:t>10/08/2022</a:t>
+              <a:t>15/08/2022</a:t>
             </a:fld>
             <a:endParaRPr lang="en-US"/>
           </a:p>
@@ -8471,7 +8472,7 @@
           <a:p>
             <a:fld id="{951AF1EB-82F2-4C84-AADB-635468081963}" type="datetimeFigureOut">
               <a:rPr lang="en-US" smtClean="0"/>
-              <a:t>10/08/2022</a:t>
+              <a:t>15/08/2022</a:t>
             </a:fld>
             <a:endParaRPr lang="en-US"/>
           </a:p>
@@ -8720,7 +8721,7 @@
           <a:p>
             <a:fld id="{951AF1EB-82F2-4C84-AADB-635468081963}" type="datetimeFigureOut">
               <a:rPr lang="en-US" smtClean="0"/>
-              <a:t>10/08/2022</a:t>
+              <a:t>15/08/2022</a:t>
             </a:fld>
             <a:endParaRPr lang="en-US"/>
           </a:p>
@@ -9000,7 +9001,7 @@
           <a:p>
             <a:fld id="{951AF1EB-82F2-4C84-AADB-635468081963}" type="datetimeFigureOut">
               <a:rPr lang="en-US" smtClean="0"/>
-              <a:t>10/08/2022</a:t>
+              <a:t>15/08/2022</a:t>
             </a:fld>
             <a:endParaRPr lang="en-US"/>
           </a:p>
@@ -9116,7 +9117,7 @@
           <a:noFill/>
           <a:extLst>
             <a:ext uri="{909E8E84-426E-40dd-AFC4-6F175D3DCCD1}">
-              <a14:hiddenFill xmlns:a14="http://schemas.microsoft.com/office/drawing/2010/main" xmlns="">
+              <a14:hiddenFill xmlns="" xmlns:a14="http://schemas.microsoft.com/office/drawing/2010/main">
                 <a:solidFill>
                   <a:srgbClr val="FFFFFF"/>
                 </a:solidFill>
@@ -9190,7 +9191,7 @@
               </a:ln>
               <a:extLst>
                 <a:ext uri="{91240B29-F687-4f45-9708-019B960494DF}">
-                  <a14:hiddenLine xmlns:a14="http://schemas.microsoft.com/office/drawing/2010/main" xmlns="" w="9525">
+                  <a14:hiddenLine xmlns="" xmlns:a14="http://schemas.microsoft.com/office/drawing/2010/main" w="9525">
                     <a:solidFill>
                       <a:srgbClr val="000000"/>
                     </a:solidFill>
@@ -9280,7 +9281,7 @@
               </a:ln>
               <a:extLst>
                 <a:ext uri="{91240B29-F687-4f45-9708-019B960494DF}">
-                  <a14:hiddenLine xmlns:a14="http://schemas.microsoft.com/office/drawing/2010/main" xmlns="" w="9525">
+                  <a14:hiddenLine xmlns="" xmlns:a14="http://schemas.microsoft.com/office/drawing/2010/main" w="9525">
                     <a:solidFill>
                       <a:srgbClr val="000000"/>
                     </a:solidFill>
@@ -9370,7 +9371,7 @@
               </a:ln>
               <a:extLst>
                 <a:ext uri="{91240B29-F687-4f45-9708-019B960494DF}">
-                  <a14:hiddenLine xmlns:a14="http://schemas.microsoft.com/office/drawing/2010/main" xmlns="" w="9525">
+                  <a14:hiddenLine xmlns="" xmlns:a14="http://schemas.microsoft.com/office/drawing/2010/main" w="9525">
                     <a:solidFill>
                       <a:srgbClr val="000000"/>
                     </a:solidFill>
@@ -9432,7 +9433,7 @@
               </a:ln>
               <a:extLst>
                 <a:ext uri="{91240B29-F687-4f45-9708-019B960494DF}">
-                  <a14:hiddenLine xmlns:a14="http://schemas.microsoft.com/office/drawing/2010/main" xmlns="" w="9525">
+                  <a14:hiddenLine xmlns="" xmlns:a14="http://schemas.microsoft.com/office/drawing/2010/main" w="9525">
                     <a:solidFill>
                       <a:srgbClr val="000000"/>
                     </a:solidFill>
@@ -9522,7 +9523,7 @@
               </a:ln>
               <a:extLst>
                 <a:ext uri="{91240B29-F687-4f45-9708-019B960494DF}">
-                  <a14:hiddenLine xmlns:a14="http://schemas.microsoft.com/office/drawing/2010/main" xmlns="" w="9525">
+                  <a14:hiddenLine xmlns="" xmlns:a14="http://schemas.microsoft.com/office/drawing/2010/main" w="9525">
                     <a:solidFill>
                       <a:srgbClr val="000000"/>
                     </a:solidFill>
@@ -9584,7 +9585,7 @@
               </a:ln>
               <a:extLst>
                 <a:ext uri="{91240B29-F687-4f45-9708-019B960494DF}">
-                  <a14:hiddenLine xmlns:a14="http://schemas.microsoft.com/office/drawing/2010/main" xmlns="" w="9525">
+                  <a14:hiddenLine xmlns="" xmlns:a14="http://schemas.microsoft.com/office/drawing/2010/main" w="9525">
                     <a:solidFill>
                       <a:srgbClr val="000000"/>
                     </a:solidFill>
@@ -9646,7 +9647,7 @@
               </a:ln>
               <a:extLst>
                 <a:ext uri="{91240B29-F687-4f45-9708-019B960494DF}">
-                  <a14:hiddenLine xmlns:a14="http://schemas.microsoft.com/office/drawing/2010/main" xmlns="" w="9525">
+                  <a14:hiddenLine xmlns="" xmlns:a14="http://schemas.microsoft.com/office/drawing/2010/main" w="9525">
                     <a:solidFill>
                       <a:srgbClr val="000000"/>
                     </a:solidFill>
@@ -9736,7 +9737,7 @@
               </a:ln>
               <a:extLst>
                 <a:ext uri="{91240B29-F687-4f45-9708-019B960494DF}">
-                  <a14:hiddenLine xmlns:a14="http://schemas.microsoft.com/office/drawing/2010/main" xmlns="" w="9525">
+                  <a14:hiddenLine xmlns="" xmlns:a14="http://schemas.microsoft.com/office/drawing/2010/main" w="9525">
                     <a:solidFill>
                       <a:srgbClr val="000000"/>
                     </a:solidFill>
@@ -9826,7 +9827,7 @@
               </a:ln>
               <a:extLst>
                 <a:ext uri="{91240B29-F687-4f45-9708-019B960494DF}">
-                  <a14:hiddenLine xmlns:a14="http://schemas.microsoft.com/office/drawing/2010/main" xmlns="" w="9525">
+                  <a14:hiddenLine xmlns="" xmlns:a14="http://schemas.microsoft.com/office/drawing/2010/main" w="9525">
                     <a:solidFill>
                       <a:srgbClr val="000000"/>
                     </a:solidFill>
@@ -9888,7 +9889,7 @@
               </a:ln>
               <a:extLst>
                 <a:ext uri="{91240B29-F687-4f45-9708-019B960494DF}">
-                  <a14:hiddenLine xmlns:a14="http://schemas.microsoft.com/office/drawing/2010/main" xmlns="" w="9525">
+                  <a14:hiddenLine xmlns="" xmlns:a14="http://schemas.microsoft.com/office/drawing/2010/main" w="9525">
                     <a:solidFill>
                       <a:srgbClr val="000000"/>
                     </a:solidFill>
@@ -9998,7 +9999,7 @@
               </a:ln>
               <a:extLst>
                 <a:ext uri="{91240B29-F687-4f45-9708-019B960494DF}">
-                  <a14:hiddenLine xmlns:a14="http://schemas.microsoft.com/office/drawing/2010/main" xmlns="" w="9525">
+                  <a14:hiddenLine xmlns="" xmlns:a14="http://schemas.microsoft.com/office/drawing/2010/main" w="9525">
                     <a:solidFill>
                       <a:srgbClr val="000000"/>
                     </a:solidFill>
@@ -10082,7 +10083,7 @@
               </a:ln>
               <a:extLst>
                 <a:ext uri="{91240B29-F687-4f45-9708-019B960494DF}">
-                  <a14:hiddenLine xmlns:a14="http://schemas.microsoft.com/office/drawing/2010/main" xmlns="" w="9525">
+                  <a14:hiddenLine xmlns="" xmlns:a14="http://schemas.microsoft.com/office/drawing/2010/main" w="9525">
                     <a:solidFill>
                       <a:srgbClr val="000000"/>
                     </a:solidFill>
@@ -10144,7 +10145,7 @@
               </a:ln>
               <a:extLst>
                 <a:ext uri="{91240B29-F687-4f45-9708-019B960494DF}">
-                  <a14:hiddenLine xmlns:a14="http://schemas.microsoft.com/office/drawing/2010/main" xmlns="" w="9525">
+                  <a14:hiddenLine xmlns="" xmlns:a14="http://schemas.microsoft.com/office/drawing/2010/main" w="9525">
                     <a:solidFill>
                       <a:srgbClr val="000000"/>
                     </a:solidFill>
@@ -10206,7 +10207,7 @@
               </a:ln>
               <a:extLst>
                 <a:ext uri="{91240B29-F687-4f45-9708-019B960494DF}">
-                  <a14:hiddenLine xmlns:a14="http://schemas.microsoft.com/office/drawing/2010/main" xmlns="" w="9525">
+                  <a14:hiddenLine xmlns="" xmlns:a14="http://schemas.microsoft.com/office/drawing/2010/main" w="9525">
                     <a:solidFill>
                       <a:srgbClr val="000000"/>
                     </a:solidFill>
@@ -10296,7 +10297,7 @@
               </a:ln>
               <a:extLst>
                 <a:ext uri="{91240B29-F687-4f45-9708-019B960494DF}">
-                  <a14:hiddenLine xmlns:a14="http://schemas.microsoft.com/office/drawing/2010/main" xmlns="" w="9525">
+                  <a14:hiddenLine xmlns="" xmlns:a14="http://schemas.microsoft.com/office/drawing/2010/main" w="9525">
                     <a:solidFill>
                       <a:srgbClr val="000000"/>
                     </a:solidFill>
@@ -10330,7 +10331,7 @@
               </a:ln>
               <a:extLst>
                 <a:ext uri="{91240B29-F687-4f45-9708-019B960494DF}">
-                  <a14:hiddenLine xmlns:a14="http://schemas.microsoft.com/office/drawing/2010/main" xmlns="" w="9525">
+                  <a14:hiddenLine xmlns="" xmlns:a14="http://schemas.microsoft.com/office/drawing/2010/main" w="9525">
                     <a:solidFill>
                       <a:srgbClr val="000000"/>
                     </a:solidFill>
@@ -10395,7 +10396,7 @@
               </a:ln>
               <a:extLst>
                 <a:ext uri="{91240B29-F687-4f45-9708-019B960494DF}">
-                  <a14:hiddenLine xmlns:a14="http://schemas.microsoft.com/office/drawing/2010/main" xmlns="" w="9525">
+                  <a14:hiddenLine xmlns="" xmlns:a14="http://schemas.microsoft.com/office/drawing/2010/main" w="9525">
                     <a:solidFill>
                       <a:srgbClr val="000000"/>
                     </a:solidFill>
@@ -10485,7 +10486,7 @@
               </a:ln>
               <a:extLst>
                 <a:ext uri="{91240B29-F687-4f45-9708-019B960494DF}">
-                  <a14:hiddenLine xmlns:a14="http://schemas.microsoft.com/office/drawing/2010/main" xmlns="" w="9525">
+                  <a14:hiddenLine xmlns="" xmlns:a14="http://schemas.microsoft.com/office/drawing/2010/main" w="9525">
                     <a:solidFill>
                       <a:srgbClr val="000000"/>
                     </a:solidFill>
@@ -10547,7 +10548,7 @@
               </a:ln>
               <a:extLst>
                 <a:ext uri="{91240B29-F687-4f45-9708-019B960494DF}">
-                  <a14:hiddenLine xmlns:a14="http://schemas.microsoft.com/office/drawing/2010/main" xmlns="" w="9525">
+                  <a14:hiddenLine xmlns="" xmlns:a14="http://schemas.microsoft.com/office/drawing/2010/main" w="9525">
                     <a:solidFill>
                       <a:srgbClr val="000000"/>
                     </a:solidFill>
@@ -10637,7 +10638,7 @@
               </a:ln>
               <a:extLst>
                 <a:ext uri="{91240B29-F687-4f45-9708-019B960494DF}">
-                  <a14:hiddenLine xmlns:a14="http://schemas.microsoft.com/office/drawing/2010/main" xmlns="" w="9525">
+                  <a14:hiddenLine xmlns="" xmlns:a14="http://schemas.microsoft.com/office/drawing/2010/main" w="9525">
                     <a:solidFill>
                       <a:srgbClr val="000000"/>
                     </a:solidFill>
@@ -10702,7 +10703,7 @@
               </a:ln>
               <a:extLst>
                 <a:ext uri="{91240B29-F687-4f45-9708-019B960494DF}">
-                  <a14:hiddenLine xmlns:a14="http://schemas.microsoft.com/office/drawing/2010/main" xmlns="" w="9525">
+                  <a14:hiddenLine xmlns="" xmlns:a14="http://schemas.microsoft.com/office/drawing/2010/main" w="9525">
                     <a:solidFill>
                       <a:srgbClr val="000000"/>
                     </a:solidFill>
@@ -10764,7 +10765,7 @@
               </a:ln>
               <a:extLst>
                 <a:ext uri="{91240B29-F687-4f45-9708-019B960494DF}">
-                  <a14:hiddenLine xmlns:a14="http://schemas.microsoft.com/office/drawing/2010/main" xmlns="" w="9525">
+                  <a14:hiddenLine xmlns="" xmlns:a14="http://schemas.microsoft.com/office/drawing/2010/main" w="9525">
                     <a:solidFill>
                       <a:srgbClr val="000000"/>
                     </a:solidFill>
@@ -10854,7 +10855,7 @@
               </a:ln>
               <a:extLst>
                 <a:ext uri="{91240B29-F687-4f45-9708-019B960494DF}">
-                  <a14:hiddenLine xmlns:a14="http://schemas.microsoft.com/office/drawing/2010/main" xmlns="" w="9525">
+                  <a14:hiddenLine xmlns="" xmlns:a14="http://schemas.microsoft.com/office/drawing/2010/main" w="9525">
                     <a:solidFill>
                       <a:srgbClr val="000000"/>
                     </a:solidFill>
@@ -10944,7 +10945,7 @@
               </a:ln>
               <a:extLst>
                 <a:ext uri="{91240B29-F687-4f45-9708-019B960494DF}">
-                  <a14:hiddenLine xmlns:a14="http://schemas.microsoft.com/office/drawing/2010/main" xmlns="" w="9525">
+                  <a14:hiddenLine xmlns="" xmlns:a14="http://schemas.microsoft.com/office/drawing/2010/main" w="9525">
                     <a:solidFill>
                       <a:srgbClr val="000000"/>
                     </a:solidFill>
@@ -11009,7 +11010,7 @@
               </a:ln>
               <a:extLst>
                 <a:ext uri="{91240B29-F687-4f45-9708-019B960494DF}">
-                  <a14:hiddenLine xmlns:a14="http://schemas.microsoft.com/office/drawing/2010/main" xmlns="" w="9525">
+                  <a14:hiddenLine xmlns="" xmlns:a14="http://schemas.microsoft.com/office/drawing/2010/main" w="9525">
                     <a:solidFill>
                       <a:srgbClr val="000000"/>
                     </a:solidFill>
@@ -11129,7 +11130,7 @@
               </a:ln>
               <a:extLst>
                 <a:ext uri="{91240B29-F687-4f45-9708-019B960494DF}">
-                  <a14:hiddenLine xmlns:a14="http://schemas.microsoft.com/office/drawing/2010/main" xmlns="" w="9525">
+                  <a14:hiddenLine xmlns="" xmlns:a14="http://schemas.microsoft.com/office/drawing/2010/main" w="9525">
                     <a:solidFill>
                       <a:srgbClr val="000000"/>
                     </a:solidFill>
@@ -11227,7 +11228,7 @@
               </a:ln>
               <a:extLst>
                 <a:ext uri="{91240B29-F687-4f45-9708-019B960494DF}">
-                  <a14:hiddenLine xmlns:a14="http://schemas.microsoft.com/office/drawing/2010/main" xmlns="" w="9525">
+                  <a14:hiddenLine xmlns="" xmlns:a14="http://schemas.microsoft.com/office/drawing/2010/main" w="9525">
                     <a:solidFill>
                       <a:srgbClr val="000000"/>
                     </a:solidFill>
@@ -11342,7 +11343,7 @@
               </a:ln>
               <a:extLst>
                 <a:ext uri="{91240B29-F687-4f45-9708-019B960494DF}">
-                  <a14:hiddenLine xmlns:a14="http://schemas.microsoft.com/office/drawing/2010/main" xmlns="" w="9525">
+                  <a14:hiddenLine xmlns="" xmlns:a14="http://schemas.microsoft.com/office/drawing/2010/main" w="9525">
                     <a:solidFill>
                       <a:srgbClr val="000000"/>
                     </a:solidFill>
@@ -11432,7 +11433,7 @@
               </a:ln>
               <a:extLst>
                 <a:ext uri="{91240B29-F687-4f45-9708-019B960494DF}">
-                  <a14:hiddenLine xmlns:a14="http://schemas.microsoft.com/office/drawing/2010/main" xmlns="" w="9525">
+                  <a14:hiddenLine xmlns="" xmlns:a14="http://schemas.microsoft.com/office/drawing/2010/main" w="9525">
                     <a:solidFill>
                       <a:srgbClr val="000000"/>
                     </a:solidFill>
@@ -11497,7 +11498,7 @@
               </a:ln>
               <a:extLst>
                 <a:ext uri="{91240B29-F687-4f45-9708-019B960494DF}">
-                  <a14:hiddenLine xmlns:a14="http://schemas.microsoft.com/office/drawing/2010/main" xmlns="" w="9525">
+                  <a14:hiddenLine xmlns="" xmlns:a14="http://schemas.microsoft.com/office/drawing/2010/main" w="9525">
                     <a:solidFill>
                       <a:srgbClr val="000000"/>
                     </a:solidFill>
@@ -11587,7 +11588,7 @@
               </a:ln>
               <a:extLst>
                 <a:ext uri="{91240B29-F687-4f45-9708-019B960494DF}">
-                  <a14:hiddenLine xmlns:a14="http://schemas.microsoft.com/office/drawing/2010/main" xmlns="" w="9525">
+                  <a14:hiddenLine xmlns="" xmlns:a14="http://schemas.microsoft.com/office/drawing/2010/main" w="9525">
                     <a:solidFill>
                       <a:srgbClr val="000000"/>
                     </a:solidFill>
@@ -11655,7 +11656,7 @@
               </a:ln>
               <a:extLst>
                 <a:ext uri="{91240B29-F687-4f45-9708-019B960494DF}">
-                  <a14:hiddenLine xmlns:a14="http://schemas.microsoft.com/office/drawing/2010/main" xmlns="" w="9525">
+                  <a14:hiddenLine xmlns="" xmlns:a14="http://schemas.microsoft.com/office/drawing/2010/main" w="9525">
                     <a:solidFill>
                       <a:srgbClr val="000000"/>
                     </a:solidFill>
@@ -11745,7 +11746,7 @@
               </a:ln>
               <a:extLst>
                 <a:ext uri="{91240B29-F687-4f45-9708-019B960494DF}">
-                  <a14:hiddenLine xmlns:a14="http://schemas.microsoft.com/office/drawing/2010/main" xmlns="" w="9525">
+                  <a14:hiddenLine xmlns="" xmlns:a14="http://schemas.microsoft.com/office/drawing/2010/main" w="9525">
                     <a:solidFill>
                       <a:srgbClr val="000000"/>
                     </a:solidFill>
@@ -11813,7 +11814,7 @@
               </a:ln>
               <a:extLst>
                 <a:ext uri="{91240B29-F687-4f45-9708-019B960494DF}">
-                  <a14:hiddenLine xmlns:a14="http://schemas.microsoft.com/office/drawing/2010/main" xmlns="" w="9525">
+                  <a14:hiddenLine xmlns="" xmlns:a14="http://schemas.microsoft.com/office/drawing/2010/main" w="9525">
                     <a:solidFill>
                       <a:srgbClr val="000000"/>
                     </a:solidFill>
@@ -11903,7 +11904,7 @@
               </a:ln>
               <a:extLst>
                 <a:ext uri="{91240B29-F687-4f45-9708-019B960494DF}">
-                  <a14:hiddenLine xmlns:a14="http://schemas.microsoft.com/office/drawing/2010/main" xmlns="" w="9525">
+                  <a14:hiddenLine xmlns="" xmlns:a14="http://schemas.microsoft.com/office/drawing/2010/main" w="9525">
                     <a:solidFill>
                       <a:srgbClr val="000000"/>
                     </a:solidFill>
@@ -11937,7 +11938,7 @@
               </a:ln>
               <a:extLst>
                 <a:ext uri="{91240B29-F687-4f45-9708-019B960494DF}">
-                  <a14:hiddenLine xmlns:a14="http://schemas.microsoft.com/office/drawing/2010/main" xmlns="" w="9525">
+                  <a14:hiddenLine xmlns="" xmlns:a14="http://schemas.microsoft.com/office/drawing/2010/main" w="9525">
                     <a:solidFill>
                       <a:srgbClr val="000000"/>
                     </a:solidFill>
@@ -12077,7 +12078,7 @@
           <a:p>
             <a:fld id="{951AF1EB-82F2-4C84-AADB-635468081963}" type="datetimeFigureOut">
               <a:rPr lang="en-US" smtClean="0"/>
-              <a:t>10/08/2022</a:t>
+              <a:t>15/08/2022</a:t>
             </a:fld>
             <a:endParaRPr lang="en-US"/>
           </a:p>
@@ -18865,6 +18866,155 @@
 </p:sld>
 </file>
 
+<file path=ppt/slides/slide52.xml><?xml version="1.0" encoding="utf-8"?>
+<p:sld xmlns:a="http://schemas.openxmlformats.org/drawingml/2006/main" xmlns:r="http://schemas.openxmlformats.org/officeDocument/2006/relationships" xmlns:p="http://schemas.openxmlformats.org/presentationml/2006/main">
+  <p:cSld>
+    <p:spTree>
+      <p:nvGrpSpPr>
+        <p:cNvPr id="1" name=""/>
+        <p:cNvGrpSpPr/>
+        <p:nvPr/>
+      </p:nvGrpSpPr>
+      <p:grpSpPr>
+        <a:xfrm>
+          <a:off x="0" y="0"/>
+          <a:ext cx="0" cy="0"/>
+          <a:chOff x="0" y="0"/>
+          <a:chExt cx="0" cy="0"/>
+        </a:xfrm>
+      </p:grpSpPr>
+      <p:sp>
+        <p:nvSpPr>
+          <p:cNvPr id="2" name="Title 1">
+            <a:extLst>
+              <a:ext uri="{FF2B5EF4-FFF2-40B4-BE49-F238E27FC236}">
+                <a16:creationId xmlns:a16="http://schemas.microsoft.com/office/drawing/2014/main" id="{7536A5A0-6A70-C7CE-1030-952992936583}"/>
+              </a:ext>
+            </a:extLst>
+          </p:cNvPr>
+          <p:cNvSpPr>
+            <a:spLocks noGrp="1"/>
+          </p:cNvSpPr>
+          <p:nvPr>
+            <p:ph type="title"/>
+          </p:nvPr>
+        </p:nvSpPr>
+        <p:spPr/>
+        <p:txBody>
+          <a:bodyPr/>
+          <a:lstStyle/>
+          <a:p>
+            <a:r>
+              <a:rPr lang="en-US" dirty="0"/>
+              <a:t>products - </a:t>
+            </a:r>
+            <a:r>
+              <a:rPr lang="en-US" dirty="0" err="1"/>
+              <a:t>apis</a:t>
+            </a:r>
+            <a:endParaRPr lang="en-US" dirty="0"/>
+          </a:p>
+        </p:txBody>
+      </p:sp>
+      <p:sp>
+        <p:nvSpPr>
+          <p:cNvPr id="3" name="Content Placeholder 2">
+            <a:extLst>
+              <a:ext uri="{FF2B5EF4-FFF2-40B4-BE49-F238E27FC236}">
+                <a16:creationId xmlns:a16="http://schemas.microsoft.com/office/drawing/2014/main" id="{9700354A-2391-DCDF-C79A-FF1F664814C0}"/>
+              </a:ext>
+            </a:extLst>
+          </p:cNvPr>
+          <p:cNvSpPr>
+            <a:spLocks noGrp="1"/>
+          </p:cNvSpPr>
+          <p:nvPr>
+            <p:ph idx="1"/>
+          </p:nvPr>
+        </p:nvSpPr>
+        <p:spPr/>
+        <p:txBody>
+          <a:bodyPr>
+            <a:normAutofit/>
+          </a:bodyPr>
+          <a:lstStyle/>
+          <a:p>
+            <a:r>
+              <a:rPr lang="en-US" dirty="0"/>
+              <a:t>get, / - get all products</a:t>
+            </a:r>
+          </a:p>
+          <a:p>
+            <a:r>
+              <a:rPr lang="en-US" dirty="0"/>
+              <a:t>get, /:</a:t>
+            </a:r>
+            <a:r>
+              <a:rPr lang="en-US" dirty="0" err="1"/>
+              <a:t>searchByProductName</a:t>
+            </a:r>
+            <a:r>
+              <a:rPr lang="en-US" dirty="0"/>
+              <a:t> – get all products and will search only the contains the name</a:t>
+            </a:r>
+          </a:p>
+          <a:p>
+            <a:r>
+              <a:rPr lang="en-US" dirty="0"/>
+              <a:t>post, / - create new product</a:t>
+            </a:r>
+          </a:p>
+          <a:p>
+            <a:r>
+              <a:rPr lang="en-US" dirty="0"/>
+              <a:t>put, /:</a:t>
+            </a:r>
+            <a:r>
+              <a:rPr lang="en-US" dirty="0" err="1"/>
+              <a:t>prodId</a:t>
+            </a:r>
+            <a:r>
+              <a:rPr lang="en-US" dirty="0"/>
+              <a:t> - update product</a:t>
+            </a:r>
+          </a:p>
+          <a:p>
+            <a:r>
+              <a:rPr lang="en-US" dirty="0"/>
+              <a:t>delete, /:</a:t>
+            </a:r>
+            <a:r>
+              <a:rPr lang="en-US" dirty="0" err="1"/>
+              <a:t>prodId</a:t>
+            </a:r>
+            <a:r>
+              <a:rPr lang="en-US" dirty="0"/>
+              <a:t> – </a:t>
+            </a:r>
+            <a:r>
+              <a:rPr lang="en-US"/>
+              <a:t>delete product</a:t>
+            </a:r>
+            <a:endParaRPr lang="en-US" dirty="0"/>
+          </a:p>
+          <a:p>
+            <a:endParaRPr lang="en-US" dirty="0"/>
+          </a:p>
+        </p:txBody>
+      </p:sp>
+    </p:spTree>
+    <p:extLst>
+      <p:ext uri="{BB962C8B-B14F-4D97-AF65-F5344CB8AC3E}">
+        <p14:creationId xmlns:p14="http://schemas.microsoft.com/office/powerpoint/2010/main" val="2995462679"/>
+      </p:ext>
+    </p:extLst>
+  </p:cSld>
+  <p:clrMapOvr>
+    <a:masterClrMapping/>
+  </p:clrMapOvr>
+</p:sld>
+</file>
+
 <file path=ppt/slides/slide6.xml><?xml version="1.0" encoding="utf-8"?>
 <p:sld xmlns:a="http://schemas.openxmlformats.org/drawingml/2006/main" xmlns:r="http://schemas.openxmlformats.org/officeDocument/2006/relationships" xmlns:p="http://schemas.openxmlformats.org/presentationml/2006/main">
   <p:cSld>

--- a/docs/node js.pptx
+++ b/docs/node js.pptx
@@ -57,6 +57,9 @@
     <p:sldId id="305" r:id="rId51"/>
     <p:sldId id="306" r:id="rId52"/>
     <p:sldId id="307" r:id="rId53"/>
+    <p:sldId id="308" r:id="rId54"/>
+    <p:sldId id="309" r:id="rId55"/>
+    <p:sldId id="310" r:id="rId56"/>
   </p:sldIdLst>
   <p:sldSz cx="12192000" cy="6858000"/>
   <p:notesSz cx="6858000" cy="9144000"/>
@@ -18989,13 +18992,8 @@
             </a:r>
             <a:r>
               <a:rPr lang="en-US" dirty="0"/>
-              <a:t> – </a:t>
-            </a:r>
-            <a:r>
-              <a:rPr lang="en-US"/>
-              <a:t>delete product</a:t>
-            </a:r>
-            <a:endParaRPr lang="en-US" dirty="0"/>
+              <a:t> – delete product</a:t>
+            </a:r>
           </a:p>
           <a:p>
             <a:endParaRPr lang="en-US" dirty="0"/>
@@ -19006,6 +19004,560 @@
     <p:extLst>
       <p:ext uri="{BB962C8B-B14F-4D97-AF65-F5344CB8AC3E}">
         <p14:creationId xmlns:p14="http://schemas.microsoft.com/office/powerpoint/2010/main" val="2995462679"/>
+      </p:ext>
+    </p:extLst>
+  </p:cSld>
+  <p:clrMapOvr>
+    <a:masterClrMapping/>
+  </p:clrMapOvr>
+</p:sld>
+</file>
+
+<file path=ppt/slides/slide53.xml><?xml version="1.0" encoding="utf-8"?>
+<p:sld xmlns:a="http://schemas.openxmlformats.org/drawingml/2006/main" xmlns:r="http://schemas.openxmlformats.org/officeDocument/2006/relationships" xmlns:p="http://schemas.openxmlformats.org/presentationml/2006/main">
+  <p:cSld>
+    <p:spTree>
+      <p:nvGrpSpPr>
+        <p:cNvPr id="1" name=""/>
+        <p:cNvGrpSpPr/>
+        <p:nvPr/>
+      </p:nvGrpSpPr>
+      <p:grpSpPr>
+        <a:xfrm>
+          <a:off x="0" y="0"/>
+          <a:ext cx="0" cy="0"/>
+          <a:chOff x="0" y="0"/>
+          <a:chExt cx="0" cy="0"/>
+        </a:xfrm>
+      </p:grpSpPr>
+      <p:sp>
+        <p:nvSpPr>
+          <p:cNvPr id="2" name="Title 1">
+            <a:extLst>
+              <a:ext uri="{FF2B5EF4-FFF2-40B4-BE49-F238E27FC236}">
+                <a16:creationId xmlns:a16="http://schemas.microsoft.com/office/drawing/2014/main" id="{7536A5A0-6A70-C7CE-1030-952992936583}"/>
+              </a:ext>
+            </a:extLst>
+          </p:cNvPr>
+          <p:cNvSpPr>
+            <a:spLocks noGrp="1"/>
+          </p:cNvSpPr>
+          <p:nvPr>
+            <p:ph type="title"/>
+          </p:nvPr>
+        </p:nvSpPr>
+        <p:spPr/>
+        <p:txBody>
+          <a:bodyPr/>
+          <a:lstStyle/>
+          <a:p>
+            <a:r>
+              <a:rPr lang="en-US" dirty="0" err="1"/>
+              <a:t>multer</a:t>
+            </a:r>
+            <a:r>
+              <a:rPr lang="en-US" dirty="0"/>
+              <a:t> </a:t>
+            </a:r>
+          </a:p>
+        </p:txBody>
+      </p:sp>
+      <p:sp>
+        <p:nvSpPr>
+          <p:cNvPr id="3" name="Content Placeholder 2">
+            <a:extLst>
+              <a:ext uri="{FF2B5EF4-FFF2-40B4-BE49-F238E27FC236}">
+                <a16:creationId xmlns:a16="http://schemas.microsoft.com/office/drawing/2014/main" id="{9700354A-2391-DCDF-C79A-FF1F664814C0}"/>
+              </a:ext>
+            </a:extLst>
+          </p:cNvPr>
+          <p:cNvSpPr>
+            <a:spLocks noGrp="1"/>
+          </p:cNvSpPr>
+          <p:nvPr>
+            <p:ph idx="1"/>
+          </p:nvPr>
+        </p:nvSpPr>
+        <p:spPr/>
+        <p:txBody>
+          <a:bodyPr>
+            <a:normAutofit/>
+          </a:bodyPr>
+          <a:lstStyle/>
+          <a:p>
+            <a:r>
+              <a:rPr lang="en-US" dirty="0" err="1"/>
+              <a:t>multer</a:t>
+            </a:r>
+            <a:r>
+              <a:rPr lang="en-US" dirty="0"/>
+              <a:t> is a package that let us upload files to the server.</a:t>
+            </a:r>
+          </a:p>
+          <a:p>
+            <a:r>
+              <a:rPr lang="en-US" dirty="0"/>
+              <a:t>we must configure </a:t>
+            </a:r>
+            <a:r>
+              <a:rPr lang="en-US" dirty="0" err="1"/>
+              <a:t>multer</a:t>
+            </a:r>
+            <a:endParaRPr lang="en-US" dirty="0"/>
+          </a:p>
+          <a:p>
+            <a:endParaRPr lang="en-US" dirty="0"/>
+          </a:p>
+        </p:txBody>
+      </p:sp>
+    </p:spTree>
+    <p:extLst>
+      <p:ext uri="{BB962C8B-B14F-4D97-AF65-F5344CB8AC3E}">
+        <p14:creationId xmlns:p14="http://schemas.microsoft.com/office/powerpoint/2010/main" val="397791957"/>
+      </p:ext>
+    </p:extLst>
+  </p:cSld>
+  <p:clrMapOvr>
+    <a:masterClrMapping/>
+  </p:clrMapOvr>
+</p:sld>
+</file>
+
+<file path=ppt/slides/slide54.xml><?xml version="1.0" encoding="utf-8"?>
+<p:sld xmlns:a="http://schemas.openxmlformats.org/drawingml/2006/main" xmlns:r="http://schemas.openxmlformats.org/officeDocument/2006/relationships" xmlns:p="http://schemas.openxmlformats.org/presentationml/2006/main">
+  <p:cSld>
+    <p:spTree>
+      <p:nvGrpSpPr>
+        <p:cNvPr id="1" name=""/>
+        <p:cNvGrpSpPr/>
+        <p:nvPr/>
+      </p:nvGrpSpPr>
+      <p:grpSpPr>
+        <a:xfrm>
+          <a:off x="0" y="0"/>
+          <a:ext cx="0" cy="0"/>
+          <a:chOff x="0" y="0"/>
+          <a:chExt cx="0" cy="0"/>
+        </a:xfrm>
+      </p:grpSpPr>
+      <p:sp>
+        <p:nvSpPr>
+          <p:cNvPr id="2" name="Title 1">
+            <a:extLst>
+              <a:ext uri="{FF2B5EF4-FFF2-40B4-BE49-F238E27FC236}">
+                <a16:creationId xmlns:a16="http://schemas.microsoft.com/office/drawing/2014/main" id="{7536A5A0-6A70-C7CE-1030-952992936583}"/>
+              </a:ext>
+            </a:extLst>
+          </p:cNvPr>
+          <p:cNvSpPr>
+            <a:spLocks noGrp="1"/>
+          </p:cNvSpPr>
+          <p:nvPr>
+            <p:ph type="title"/>
+          </p:nvPr>
+        </p:nvSpPr>
+        <p:spPr/>
+        <p:txBody>
+          <a:bodyPr/>
+          <a:lstStyle/>
+          <a:p>
+            <a:r>
+              <a:rPr lang="en-US" dirty="0" err="1"/>
+              <a:t>multer</a:t>
+            </a:r>
+            <a:r>
+              <a:rPr lang="en-US" dirty="0"/>
+              <a:t> </a:t>
+            </a:r>
+          </a:p>
+        </p:txBody>
+      </p:sp>
+      <p:sp>
+        <p:nvSpPr>
+          <p:cNvPr id="3" name="Content Placeholder 2">
+            <a:extLst>
+              <a:ext uri="{FF2B5EF4-FFF2-40B4-BE49-F238E27FC236}">
+                <a16:creationId xmlns:a16="http://schemas.microsoft.com/office/drawing/2014/main" id="{9700354A-2391-DCDF-C79A-FF1F664814C0}"/>
+              </a:ext>
+            </a:extLst>
+          </p:cNvPr>
+          <p:cNvSpPr>
+            <a:spLocks noGrp="1"/>
+          </p:cNvSpPr>
+          <p:nvPr>
+            <p:ph idx="1"/>
+          </p:nvPr>
+        </p:nvSpPr>
+        <p:spPr/>
+        <p:txBody>
+          <a:bodyPr>
+            <a:normAutofit fontScale="55000" lnSpcReduction="20000"/>
+          </a:bodyPr>
+          <a:lstStyle/>
+          <a:p>
+            <a:r>
+              <a:rPr lang="en-US" dirty="0"/>
+              <a:t>const </a:t>
+            </a:r>
+            <a:r>
+              <a:rPr lang="en-US" dirty="0" err="1"/>
+              <a:t>multerConfig</a:t>
+            </a:r>
+            <a:r>
+              <a:rPr lang="en-US" dirty="0"/>
+              <a:t> = </a:t>
+            </a:r>
+            <a:r>
+              <a:rPr lang="en-US" dirty="0" err="1"/>
+              <a:t>multer.diskStorage</a:t>
+            </a:r>
+            <a:r>
+              <a:rPr lang="en-US" dirty="0"/>
+              <a:t>({</a:t>
+            </a:r>
+          </a:p>
+          <a:p>
+            <a:r>
+              <a:rPr lang="en-US" dirty="0"/>
+              <a:t>    destination: (req, file, </a:t>
+            </a:r>
+            <a:r>
+              <a:rPr lang="en-US" dirty="0" err="1"/>
+              <a:t>cb</a:t>
+            </a:r>
+            <a:r>
+              <a:rPr lang="en-US" dirty="0"/>
+              <a:t>) =&gt; {</a:t>
+            </a:r>
+          </a:p>
+          <a:p>
+            <a:r>
+              <a:rPr lang="en-US" dirty="0"/>
+              <a:t>      </a:t>
+            </a:r>
+            <a:r>
+              <a:rPr lang="en-US" dirty="0" err="1"/>
+              <a:t>cb</a:t>
+            </a:r>
+            <a:r>
+              <a:rPr lang="en-US" dirty="0"/>
+              <a:t>(null, </a:t>
+            </a:r>
+            <a:r>
+              <a:rPr lang="en-US" dirty="0" err="1"/>
+              <a:t>uploadTo</a:t>
+            </a:r>
+            <a:r>
+              <a:rPr lang="en-US" dirty="0"/>
+              <a:t>);</a:t>
+            </a:r>
+          </a:p>
+          <a:p>
+            <a:r>
+              <a:rPr lang="en-US" dirty="0"/>
+              <a:t>    },</a:t>
+            </a:r>
+          </a:p>
+          <a:p>
+            <a:r>
+              <a:rPr lang="en-US" dirty="0"/>
+              <a:t>    filename: (req, file, </a:t>
+            </a:r>
+            <a:r>
+              <a:rPr lang="en-US" dirty="0" err="1"/>
+              <a:t>cb</a:t>
+            </a:r>
+            <a:r>
+              <a:rPr lang="en-US" dirty="0"/>
+              <a:t>) =&gt; {</a:t>
+            </a:r>
+          </a:p>
+          <a:p>
+            <a:r>
+              <a:rPr lang="en-US" dirty="0"/>
+              <a:t>      console.log("file from </a:t>
+            </a:r>
+            <a:r>
+              <a:rPr lang="en-US" dirty="0" err="1"/>
+              <a:t>multer</a:t>
+            </a:r>
+            <a:r>
+              <a:rPr lang="en-US" dirty="0"/>
+              <a:t> config", file);</a:t>
+            </a:r>
+          </a:p>
+          <a:p>
+            <a:r>
+              <a:rPr lang="en-US" dirty="0"/>
+              <a:t>      const </a:t>
+            </a:r>
+            <a:r>
+              <a:rPr lang="en-US" dirty="0" err="1"/>
+              <a:t>objFile</a:t>
+            </a:r>
+            <a:r>
+              <a:rPr lang="en-US" dirty="0"/>
+              <a:t> = </a:t>
+            </a:r>
+            <a:r>
+              <a:rPr lang="en-US" dirty="0" err="1"/>
+              <a:t>path.parse</a:t>
+            </a:r>
+            <a:r>
+              <a:rPr lang="en-US" dirty="0"/>
+              <a:t>(</a:t>
+            </a:r>
+            <a:r>
+              <a:rPr lang="en-US" dirty="0" err="1"/>
+              <a:t>file.originalname</a:t>
+            </a:r>
+            <a:r>
+              <a:rPr lang="en-US" dirty="0"/>
+              <a:t>);</a:t>
+            </a:r>
+          </a:p>
+          <a:p>
+            <a:r>
+              <a:rPr lang="en-US" dirty="0"/>
+              <a:t>      const </a:t>
+            </a:r>
+            <a:r>
+              <a:rPr lang="en-US" dirty="0" err="1"/>
+              <a:t>uniqueSuffix</a:t>
+            </a:r>
+            <a:r>
+              <a:rPr lang="en-US" dirty="0"/>
+              <a:t> = </a:t>
+            </a:r>
+            <a:r>
+              <a:rPr lang="en-US" dirty="0" err="1"/>
+              <a:t>Date.now</a:t>
+            </a:r>
+            <a:r>
+              <a:rPr lang="en-US" dirty="0"/>
+              <a:t>() + "-" + </a:t>
+            </a:r>
+            <a:r>
+              <a:rPr lang="en-US" dirty="0" err="1"/>
+              <a:t>Math.round</a:t>
+            </a:r>
+            <a:r>
+              <a:rPr lang="en-US" dirty="0"/>
+              <a:t>(</a:t>
+            </a:r>
+            <a:r>
+              <a:rPr lang="en-US" dirty="0" err="1"/>
+              <a:t>Math.random</a:t>
+            </a:r>
+            <a:r>
+              <a:rPr lang="en-US" dirty="0"/>
+              <a:t>() * 1e9);</a:t>
+            </a:r>
+          </a:p>
+          <a:p>
+            <a:r>
+              <a:rPr lang="en-US" dirty="0"/>
+              <a:t>      </a:t>
+            </a:r>
+            <a:r>
+              <a:rPr lang="en-US" dirty="0" err="1"/>
+              <a:t>cb</a:t>
+            </a:r>
+            <a:r>
+              <a:rPr lang="en-US" dirty="0"/>
+              <a:t>(null, `${objFile.name}_${</a:t>
+            </a:r>
+            <a:r>
+              <a:rPr lang="en-US" dirty="0" err="1"/>
+              <a:t>uniqueSuffix</a:t>
+            </a:r>
+            <a:r>
+              <a:rPr lang="en-US" dirty="0"/>
+              <a:t>}${</a:t>
+            </a:r>
+            <a:r>
+              <a:rPr lang="en-US" dirty="0" err="1"/>
+              <a:t>objFile.ext</a:t>
+            </a:r>
+            <a:r>
+              <a:rPr lang="en-US" dirty="0"/>
+              <a:t>}`);</a:t>
+            </a:r>
+          </a:p>
+          <a:p>
+            <a:r>
+              <a:rPr lang="en-US" dirty="0"/>
+              <a:t>    },</a:t>
+            </a:r>
+          </a:p>
+          <a:p>
+            <a:r>
+              <a:rPr lang="en-US" dirty="0"/>
+              <a:t>  });</a:t>
+            </a:r>
+          </a:p>
+        </p:txBody>
+      </p:sp>
+    </p:spTree>
+    <p:extLst>
+      <p:ext uri="{BB962C8B-B14F-4D97-AF65-F5344CB8AC3E}">
+        <p14:creationId xmlns:p14="http://schemas.microsoft.com/office/powerpoint/2010/main" val="90343430"/>
+      </p:ext>
+    </p:extLst>
+  </p:cSld>
+  <p:clrMapOvr>
+    <a:masterClrMapping/>
+  </p:clrMapOvr>
+</p:sld>
+</file>
+
+<file path=ppt/slides/slide55.xml><?xml version="1.0" encoding="utf-8"?>
+<p:sld xmlns:a="http://schemas.openxmlformats.org/drawingml/2006/main" xmlns:r="http://schemas.openxmlformats.org/officeDocument/2006/relationships" xmlns:p="http://schemas.openxmlformats.org/presentationml/2006/main">
+  <p:cSld>
+    <p:spTree>
+      <p:nvGrpSpPr>
+        <p:cNvPr id="1" name=""/>
+        <p:cNvGrpSpPr/>
+        <p:nvPr/>
+      </p:nvGrpSpPr>
+      <p:grpSpPr>
+        <a:xfrm>
+          <a:off x="0" y="0"/>
+          <a:ext cx="0" cy="0"/>
+          <a:chOff x="0" y="0"/>
+          <a:chExt cx="0" cy="0"/>
+        </a:xfrm>
+      </p:grpSpPr>
+      <p:sp>
+        <p:nvSpPr>
+          <p:cNvPr id="2" name="Title 1">
+            <a:extLst>
+              <a:ext uri="{FF2B5EF4-FFF2-40B4-BE49-F238E27FC236}">
+                <a16:creationId xmlns:a16="http://schemas.microsoft.com/office/drawing/2014/main" id="{7536A5A0-6A70-C7CE-1030-952992936583}"/>
+              </a:ext>
+            </a:extLst>
+          </p:cNvPr>
+          <p:cNvSpPr>
+            <a:spLocks noGrp="1"/>
+          </p:cNvSpPr>
+          <p:nvPr>
+            <p:ph type="title"/>
+          </p:nvPr>
+        </p:nvSpPr>
+        <p:spPr/>
+        <p:txBody>
+          <a:bodyPr/>
+          <a:lstStyle/>
+          <a:p>
+            <a:r>
+              <a:rPr lang="en-US" dirty="0" err="1"/>
+              <a:t>multer</a:t>
+            </a:r>
+            <a:r>
+              <a:rPr lang="en-US" dirty="0"/>
+              <a:t> </a:t>
+            </a:r>
+          </a:p>
+        </p:txBody>
+      </p:sp>
+      <p:sp>
+        <p:nvSpPr>
+          <p:cNvPr id="3" name="Content Placeholder 2">
+            <a:extLst>
+              <a:ext uri="{FF2B5EF4-FFF2-40B4-BE49-F238E27FC236}">
+                <a16:creationId xmlns:a16="http://schemas.microsoft.com/office/drawing/2014/main" id="{9700354A-2391-DCDF-C79A-FF1F664814C0}"/>
+              </a:ext>
+            </a:extLst>
+          </p:cNvPr>
+          <p:cNvSpPr>
+            <a:spLocks noGrp="1"/>
+          </p:cNvSpPr>
+          <p:nvPr>
+            <p:ph idx="1"/>
+          </p:nvPr>
+        </p:nvSpPr>
+        <p:spPr/>
+        <p:txBody>
+          <a:bodyPr>
+            <a:normAutofit/>
+          </a:bodyPr>
+          <a:lstStyle/>
+          <a:p>
+            <a:r>
+              <a:rPr lang="en-US" dirty="0"/>
+              <a:t>after we configure </a:t>
+            </a:r>
+            <a:r>
+              <a:rPr lang="en-US" dirty="0" err="1"/>
+              <a:t>multer</a:t>
+            </a:r>
+            <a:r>
+              <a:rPr lang="en-US" dirty="0"/>
+              <a:t> we must create </a:t>
+            </a:r>
+            <a:r>
+              <a:rPr lang="en-US" dirty="0" err="1"/>
+              <a:t>multer</a:t>
+            </a:r>
+            <a:r>
+              <a:rPr lang="en-US" dirty="0"/>
+              <a:t> middleware to upload the files with</a:t>
+            </a:r>
+          </a:p>
+          <a:p>
+            <a:r>
+              <a:rPr lang="en-US" dirty="0"/>
+              <a:t>return </a:t>
+            </a:r>
+            <a:r>
+              <a:rPr lang="en-US" dirty="0" err="1"/>
+              <a:t>multer</a:t>
+            </a:r>
+            <a:r>
+              <a:rPr lang="en-US" dirty="0"/>
+              <a:t>({</a:t>
+            </a:r>
+          </a:p>
+          <a:p>
+            <a:r>
+              <a:rPr lang="en-US" dirty="0"/>
+              <a:t>    storage: </a:t>
+            </a:r>
+            <a:r>
+              <a:rPr lang="en-US" dirty="0" err="1"/>
+              <a:t>multerConfig</a:t>
+            </a:r>
+            <a:r>
+              <a:rPr lang="en-US" dirty="0"/>
+              <a:t>,</a:t>
+            </a:r>
+          </a:p>
+          <a:p>
+            <a:r>
+              <a:rPr lang="en-US" dirty="0"/>
+              <a:t>    limits: { </a:t>
+            </a:r>
+            <a:r>
+              <a:rPr lang="en-US" dirty="0" err="1"/>
+              <a:t>fileSize</a:t>
+            </a:r>
+            <a:r>
+              <a:rPr lang="en-US" dirty="0"/>
+              <a:t> },</a:t>
+            </a:r>
+          </a:p>
+          <a:p>
+            <a:r>
+              <a:rPr lang="en-US" dirty="0"/>
+              <a:t>  });</a:t>
+            </a:r>
+          </a:p>
+        </p:txBody>
+      </p:sp>
+    </p:spTree>
+    <p:extLst>
+      <p:ext uri="{BB962C8B-B14F-4D97-AF65-F5344CB8AC3E}">
+        <p14:creationId xmlns:p14="http://schemas.microsoft.com/office/powerpoint/2010/main" val="895416612"/>
       </p:ext>
     </p:extLst>
   </p:cSld>

--- a/docs/node js.pptx
+++ b/docs/node js.pptx
@@ -60,6 +60,7 @@
     <p:sldId id="308" r:id="rId54"/>
     <p:sldId id="309" r:id="rId55"/>
     <p:sldId id="310" r:id="rId56"/>
+    <p:sldId id="311" r:id="rId57"/>
   </p:sldIdLst>
   <p:sldSz cx="12192000" cy="6858000"/>
   <p:notesSz cx="6858000" cy="9144000"/>
@@ -227,7 +228,7 @@
           <a:noFill/>
           <a:extLst>
             <a:ext uri="{909E8E84-426E-40dd-AFC4-6F175D3DCCD1}">
-              <a14:hiddenFill xmlns="" xmlns:a14="http://schemas.microsoft.com/office/drawing/2010/main">
+              <a14:hiddenFill xmlns:a14="http://schemas.microsoft.com/office/drawing/2010/main" xmlns="">
                 <a:solidFill>
                   <a:srgbClr val="FFFFFF"/>
                 </a:solidFill>
@@ -287,7 +288,7 @@
             </a:ln>
             <a:extLst>
               <a:ext uri="{91240B29-F687-4f45-9708-019B960494DF}">
-                <a14:hiddenLine xmlns="" xmlns:a14="http://schemas.microsoft.com/office/drawing/2010/main" w="9525">
+                <a14:hiddenLine xmlns:a14="http://schemas.microsoft.com/office/drawing/2010/main" xmlns="" w="9525">
                   <a:solidFill>
                     <a:srgbClr val="000000"/>
                   </a:solidFill>
@@ -377,7 +378,7 @@
             </a:ln>
             <a:extLst>
               <a:ext uri="{91240B29-F687-4f45-9708-019B960494DF}">
-                <a14:hiddenLine xmlns="" xmlns:a14="http://schemas.microsoft.com/office/drawing/2010/main" w="9525">
+                <a14:hiddenLine xmlns:a14="http://schemas.microsoft.com/office/drawing/2010/main" xmlns="" w="9525">
                   <a:solidFill>
                     <a:srgbClr val="000000"/>
                   </a:solidFill>
@@ -467,7 +468,7 @@
             </a:ln>
             <a:extLst>
               <a:ext uri="{91240B29-F687-4f45-9708-019B960494DF}">
-                <a14:hiddenLine xmlns="" xmlns:a14="http://schemas.microsoft.com/office/drawing/2010/main" w="9525">
+                <a14:hiddenLine xmlns:a14="http://schemas.microsoft.com/office/drawing/2010/main" xmlns="" w="9525">
                   <a:solidFill>
                     <a:srgbClr val="000000"/>
                   </a:solidFill>
@@ -501,7 +502,7 @@
             </a:ln>
             <a:extLst>
               <a:ext uri="{91240B29-F687-4f45-9708-019B960494DF}">
-                <a14:hiddenLine xmlns="" xmlns:a14="http://schemas.microsoft.com/office/drawing/2010/main" w="9525">
+                <a14:hiddenLine xmlns:a14="http://schemas.microsoft.com/office/drawing/2010/main" xmlns="" w="9525">
                   <a:solidFill>
                     <a:srgbClr val="000000"/>
                   </a:solidFill>
@@ -591,7 +592,7 @@
             </a:ln>
             <a:extLst>
               <a:ext uri="{91240B29-F687-4f45-9708-019B960494DF}">
-                <a14:hiddenLine xmlns="" xmlns:a14="http://schemas.microsoft.com/office/drawing/2010/main" w="9525">
+                <a14:hiddenLine xmlns:a14="http://schemas.microsoft.com/office/drawing/2010/main" xmlns="" w="9525">
                   <a:solidFill>
                     <a:srgbClr val="000000"/>
                   </a:solidFill>
@@ -653,7 +654,7 @@
             </a:ln>
             <a:extLst>
               <a:ext uri="{91240B29-F687-4f45-9708-019B960494DF}">
-                <a14:hiddenLine xmlns="" xmlns:a14="http://schemas.microsoft.com/office/drawing/2010/main" w="9525">
+                <a14:hiddenLine xmlns:a14="http://schemas.microsoft.com/office/drawing/2010/main" xmlns="" w="9525">
                   <a:solidFill>
                     <a:srgbClr val="000000"/>
                   </a:solidFill>
@@ -715,7 +716,7 @@
             </a:ln>
             <a:extLst>
               <a:ext uri="{91240B29-F687-4f45-9708-019B960494DF}">
-                <a14:hiddenLine xmlns="" xmlns:a14="http://schemas.microsoft.com/office/drawing/2010/main" w="9525">
+                <a14:hiddenLine xmlns:a14="http://schemas.microsoft.com/office/drawing/2010/main" xmlns="" w="9525">
                   <a:solidFill>
                     <a:srgbClr val="000000"/>
                   </a:solidFill>
@@ -805,7 +806,7 @@
             </a:ln>
             <a:extLst>
               <a:ext uri="{91240B29-F687-4f45-9708-019B960494DF}">
-                <a14:hiddenLine xmlns="" xmlns:a14="http://schemas.microsoft.com/office/drawing/2010/main" w="9525">
+                <a14:hiddenLine xmlns:a14="http://schemas.microsoft.com/office/drawing/2010/main" xmlns="" w="9525">
                   <a:solidFill>
                     <a:srgbClr val="000000"/>
                   </a:solidFill>
@@ -867,7 +868,7 @@
             </a:ln>
             <a:extLst>
               <a:ext uri="{91240B29-F687-4f45-9708-019B960494DF}">
-                <a14:hiddenLine xmlns="" xmlns:a14="http://schemas.microsoft.com/office/drawing/2010/main" w="9525">
+                <a14:hiddenLine xmlns:a14="http://schemas.microsoft.com/office/drawing/2010/main" xmlns="" w="9525">
                   <a:solidFill>
                     <a:srgbClr val="000000"/>
                   </a:solidFill>
@@ -929,7 +930,7 @@
             </a:ln>
             <a:extLst>
               <a:ext uri="{91240B29-F687-4f45-9708-019B960494DF}">
-                <a14:hiddenLine xmlns="" xmlns:a14="http://schemas.microsoft.com/office/drawing/2010/main" w="9525">
+                <a14:hiddenLine xmlns:a14="http://schemas.microsoft.com/office/drawing/2010/main" xmlns="" w="9525">
                   <a:solidFill>
                     <a:srgbClr val="000000"/>
                   </a:solidFill>
@@ -1019,7 +1020,7 @@
             </a:ln>
             <a:extLst>
               <a:ext uri="{91240B29-F687-4f45-9708-019B960494DF}">
-                <a14:hiddenLine xmlns="" xmlns:a14="http://schemas.microsoft.com/office/drawing/2010/main" w="9525">
+                <a14:hiddenLine xmlns:a14="http://schemas.microsoft.com/office/drawing/2010/main" xmlns="" w="9525">
                   <a:solidFill>
                     <a:srgbClr val="000000"/>
                   </a:solidFill>
@@ -1109,7 +1110,7 @@
             </a:ln>
             <a:extLst>
               <a:ext uri="{91240B29-F687-4f45-9708-019B960494DF}">
-                <a14:hiddenLine xmlns="" xmlns:a14="http://schemas.microsoft.com/office/drawing/2010/main" w="9525">
+                <a14:hiddenLine xmlns:a14="http://schemas.microsoft.com/office/drawing/2010/main" xmlns="" w="9525">
                   <a:solidFill>
                     <a:srgbClr val="000000"/>
                   </a:solidFill>
@@ -1171,7 +1172,7 @@
             </a:ln>
             <a:extLst>
               <a:ext uri="{91240B29-F687-4f45-9708-019B960494DF}">
-                <a14:hiddenLine xmlns="" xmlns:a14="http://schemas.microsoft.com/office/drawing/2010/main" w="9525">
+                <a14:hiddenLine xmlns:a14="http://schemas.microsoft.com/office/drawing/2010/main" xmlns="" w="9525">
                   <a:solidFill>
                     <a:srgbClr val="000000"/>
                   </a:solidFill>
@@ -1281,7 +1282,7 @@
             </a:ln>
             <a:extLst>
               <a:ext uri="{91240B29-F687-4f45-9708-019B960494DF}">
-                <a14:hiddenLine xmlns="" xmlns:a14="http://schemas.microsoft.com/office/drawing/2010/main" w="9525">
+                <a14:hiddenLine xmlns:a14="http://schemas.microsoft.com/office/drawing/2010/main" xmlns="" w="9525">
                   <a:solidFill>
                     <a:srgbClr val="000000"/>
                   </a:solidFill>
@@ -1343,7 +1344,7 @@
             </a:ln>
             <a:extLst>
               <a:ext uri="{91240B29-F687-4f45-9708-019B960494DF}">
-                <a14:hiddenLine xmlns="" xmlns:a14="http://schemas.microsoft.com/office/drawing/2010/main" w="9525">
+                <a14:hiddenLine xmlns:a14="http://schemas.microsoft.com/office/drawing/2010/main" xmlns="" w="9525">
                   <a:solidFill>
                     <a:srgbClr val="000000"/>
                   </a:solidFill>
@@ -1433,7 +1434,7 @@
             </a:ln>
             <a:extLst>
               <a:ext uri="{91240B29-F687-4f45-9708-019B960494DF}">
-                <a14:hiddenLine xmlns="" xmlns:a14="http://schemas.microsoft.com/office/drawing/2010/main" w="9525">
+                <a14:hiddenLine xmlns:a14="http://schemas.microsoft.com/office/drawing/2010/main" xmlns="" w="9525">
                   <a:solidFill>
                     <a:srgbClr val="000000"/>
                   </a:solidFill>
@@ -1523,7 +1524,7 @@
             </a:ln>
             <a:extLst>
               <a:ext uri="{91240B29-F687-4f45-9708-019B960494DF}">
-                <a14:hiddenLine xmlns="" xmlns:a14="http://schemas.microsoft.com/office/drawing/2010/main" w="9525">
+                <a14:hiddenLine xmlns:a14="http://schemas.microsoft.com/office/drawing/2010/main" xmlns="" w="9525">
                   <a:solidFill>
                     <a:srgbClr val="000000"/>
                   </a:solidFill>
@@ -1585,7 +1586,7 @@
             </a:ln>
             <a:extLst>
               <a:ext uri="{91240B29-F687-4f45-9708-019B960494DF}">
-                <a14:hiddenLine xmlns="" xmlns:a14="http://schemas.microsoft.com/office/drawing/2010/main" w="9525">
+                <a14:hiddenLine xmlns:a14="http://schemas.microsoft.com/office/drawing/2010/main" xmlns="" w="9525">
                   <a:solidFill>
                     <a:srgbClr val="000000"/>
                   </a:solidFill>
@@ -1675,7 +1676,7 @@
             </a:ln>
             <a:extLst>
               <a:ext uri="{91240B29-F687-4f45-9708-019B960494DF}">
-                <a14:hiddenLine xmlns="" xmlns:a14="http://schemas.microsoft.com/office/drawing/2010/main" w="9525">
+                <a14:hiddenLine xmlns:a14="http://schemas.microsoft.com/office/drawing/2010/main" xmlns="" w="9525">
                   <a:solidFill>
                     <a:srgbClr val="000000"/>
                   </a:solidFill>
@@ -1765,7 +1766,7 @@
             </a:ln>
             <a:extLst>
               <a:ext uri="{91240B29-F687-4f45-9708-019B960494DF}">
-                <a14:hiddenLine xmlns="" xmlns:a14="http://schemas.microsoft.com/office/drawing/2010/main" w="9525">
+                <a14:hiddenLine xmlns:a14="http://schemas.microsoft.com/office/drawing/2010/main" xmlns="" w="9525">
                   <a:solidFill>
                     <a:srgbClr val="000000"/>
                   </a:solidFill>
@@ -1821,7 +1822,7 @@
             </a:ln>
             <a:extLst>
               <a:ext uri="{91240B29-F687-4f45-9708-019B960494DF}">
-                <a14:hiddenLine xmlns="" xmlns:a14="http://schemas.microsoft.com/office/drawing/2010/main" w="9525">
+                <a14:hiddenLine xmlns:a14="http://schemas.microsoft.com/office/drawing/2010/main" xmlns="" w="9525">
                   <a:solidFill>
                     <a:srgbClr val="000000"/>
                   </a:solidFill>
@@ -1911,7 +1912,7 @@
             </a:ln>
             <a:extLst>
               <a:ext uri="{91240B29-F687-4f45-9708-019B960494DF}">
-                <a14:hiddenLine xmlns="" xmlns:a14="http://schemas.microsoft.com/office/drawing/2010/main" w="9525">
+                <a14:hiddenLine xmlns:a14="http://schemas.microsoft.com/office/drawing/2010/main" xmlns="" w="9525">
                   <a:solidFill>
                     <a:srgbClr val="000000"/>
                   </a:solidFill>
@@ -1967,7 +1968,7 @@
             </a:ln>
             <a:extLst>
               <a:ext uri="{91240B29-F687-4f45-9708-019B960494DF}">
-                <a14:hiddenLine xmlns="" xmlns:a14="http://schemas.microsoft.com/office/drawing/2010/main" w="9525">
+                <a14:hiddenLine xmlns:a14="http://schemas.microsoft.com/office/drawing/2010/main" xmlns="" w="9525">
                   <a:solidFill>
                     <a:srgbClr val="000000"/>
                   </a:solidFill>
@@ -2057,7 +2058,7 @@
             </a:ln>
             <a:extLst>
               <a:ext uri="{91240B29-F687-4f45-9708-019B960494DF}">
-                <a14:hiddenLine xmlns="" xmlns:a14="http://schemas.microsoft.com/office/drawing/2010/main" w="9525">
+                <a14:hiddenLine xmlns:a14="http://schemas.microsoft.com/office/drawing/2010/main" xmlns="" w="9525">
                   <a:solidFill>
                     <a:srgbClr val="000000"/>
                   </a:solidFill>
@@ -2125,7 +2126,7 @@
             </a:ln>
             <a:extLst>
               <a:ext uri="{91240B29-F687-4f45-9708-019B960494DF}">
-                <a14:hiddenLine xmlns="" xmlns:a14="http://schemas.microsoft.com/office/drawing/2010/main" w="9525">
+                <a14:hiddenLine xmlns:a14="http://schemas.microsoft.com/office/drawing/2010/main" xmlns="" w="9525">
                   <a:solidFill>
                     <a:srgbClr val="000000"/>
                   </a:solidFill>
@@ -2215,7 +2216,7 @@
             </a:ln>
             <a:extLst>
               <a:ext uri="{91240B29-F687-4f45-9708-019B960494DF}">
-                <a14:hiddenLine xmlns="" xmlns:a14="http://schemas.microsoft.com/office/drawing/2010/main" w="9525">
+                <a14:hiddenLine xmlns:a14="http://schemas.microsoft.com/office/drawing/2010/main" xmlns="" w="9525">
                   <a:solidFill>
                     <a:srgbClr val="000000"/>
                   </a:solidFill>
@@ -2283,7 +2284,7 @@
             </a:ln>
             <a:extLst>
               <a:ext uri="{91240B29-F687-4f45-9708-019B960494DF}">
-                <a14:hiddenLine xmlns="" xmlns:a14="http://schemas.microsoft.com/office/drawing/2010/main" w="9525">
+                <a14:hiddenLine xmlns:a14="http://schemas.microsoft.com/office/drawing/2010/main" xmlns="" w="9525">
                   <a:solidFill>
                     <a:srgbClr val="000000"/>
                   </a:solidFill>
@@ -2373,7 +2374,7 @@
             </a:ln>
             <a:extLst>
               <a:ext uri="{91240B29-F687-4f45-9708-019B960494DF}">
-                <a14:hiddenLine xmlns="" xmlns:a14="http://schemas.microsoft.com/office/drawing/2010/main" w="9525">
+                <a14:hiddenLine xmlns:a14="http://schemas.microsoft.com/office/drawing/2010/main" xmlns="" w="9525">
                   <a:solidFill>
                     <a:srgbClr val="000000"/>
                   </a:solidFill>
@@ -2407,7 +2408,7 @@
             </a:ln>
             <a:extLst>
               <a:ext uri="{91240B29-F687-4f45-9708-019B960494DF}">
-                <a14:hiddenLine xmlns="" xmlns:a14="http://schemas.microsoft.com/office/drawing/2010/main" w="9525">
+                <a14:hiddenLine xmlns:a14="http://schemas.microsoft.com/office/drawing/2010/main" xmlns="" w="9525">
                   <a:solidFill>
                     <a:srgbClr val="000000"/>
                   </a:solidFill>
@@ -2497,7 +2498,7 @@
             </a:ln>
             <a:extLst>
               <a:ext uri="{91240B29-F687-4f45-9708-019B960494DF}">
-                <a14:hiddenLine xmlns="" xmlns:a14="http://schemas.microsoft.com/office/drawing/2010/main" w="9525">
+                <a14:hiddenLine xmlns:a14="http://schemas.microsoft.com/office/drawing/2010/main" xmlns="" w="9525">
                   <a:solidFill>
                     <a:srgbClr val="000000"/>
                   </a:solidFill>
@@ -2559,7 +2560,7 @@
             </a:ln>
             <a:extLst>
               <a:ext uri="{91240B29-F687-4f45-9708-019B960494DF}">
-                <a14:hiddenLine xmlns="" xmlns:a14="http://schemas.microsoft.com/office/drawing/2010/main" w="9525">
+                <a14:hiddenLine xmlns:a14="http://schemas.microsoft.com/office/drawing/2010/main" xmlns="" w="9525">
                   <a:solidFill>
                     <a:srgbClr val="000000"/>
                   </a:solidFill>
@@ -2621,7 +2622,7 @@
             </a:ln>
             <a:extLst>
               <a:ext uri="{91240B29-F687-4f45-9708-019B960494DF}">
-                <a14:hiddenLine xmlns="" xmlns:a14="http://schemas.microsoft.com/office/drawing/2010/main" w="9525">
+                <a14:hiddenLine xmlns:a14="http://schemas.microsoft.com/office/drawing/2010/main" xmlns="" w="9525">
                   <a:solidFill>
                     <a:srgbClr val="000000"/>
                   </a:solidFill>
@@ -2711,7 +2712,7 @@
             </a:ln>
             <a:extLst>
               <a:ext uri="{91240B29-F687-4f45-9708-019B960494DF}">
-                <a14:hiddenLine xmlns="" xmlns:a14="http://schemas.microsoft.com/office/drawing/2010/main" w="9525">
+                <a14:hiddenLine xmlns:a14="http://schemas.microsoft.com/office/drawing/2010/main" xmlns="" w="9525">
                   <a:solidFill>
                     <a:srgbClr val="000000"/>
                   </a:solidFill>
@@ -2779,7 +2780,7 @@
             </a:ln>
             <a:extLst>
               <a:ext uri="{91240B29-F687-4f45-9708-019B960494DF}">
-                <a14:hiddenLine xmlns="" xmlns:a14="http://schemas.microsoft.com/office/drawing/2010/main" w="9525">
+                <a14:hiddenLine xmlns:a14="http://schemas.microsoft.com/office/drawing/2010/main" xmlns="" w="9525">
                   <a:solidFill>
                     <a:srgbClr val="000000"/>
                   </a:solidFill>
@@ -2841,7 +2842,7 @@
             </a:ln>
             <a:extLst>
               <a:ext uri="{91240B29-F687-4f45-9708-019B960494DF}">
-                <a14:hiddenLine xmlns="" xmlns:a14="http://schemas.microsoft.com/office/drawing/2010/main" w="9525">
+                <a14:hiddenLine xmlns:a14="http://schemas.microsoft.com/office/drawing/2010/main" xmlns="" w="9525">
                   <a:solidFill>
                     <a:srgbClr val="000000"/>
                   </a:solidFill>
@@ -2931,7 +2932,7 @@
             </a:ln>
             <a:extLst>
               <a:ext uri="{91240B29-F687-4f45-9708-019B960494DF}">
-                <a14:hiddenLine xmlns="" xmlns:a14="http://schemas.microsoft.com/office/drawing/2010/main" w="9525">
+                <a14:hiddenLine xmlns:a14="http://schemas.microsoft.com/office/drawing/2010/main" xmlns="" w="9525">
                   <a:solidFill>
                     <a:srgbClr val="000000"/>
                   </a:solidFill>
@@ -2993,7 +2994,7 @@
             </a:ln>
             <a:extLst>
               <a:ext uri="{91240B29-F687-4f45-9708-019B960494DF}">
-                <a14:hiddenLine xmlns="" xmlns:a14="http://schemas.microsoft.com/office/drawing/2010/main" w="9525">
+                <a14:hiddenLine xmlns:a14="http://schemas.microsoft.com/office/drawing/2010/main" xmlns="" w="9525">
                   <a:solidFill>
                     <a:srgbClr val="000000"/>
                   </a:solidFill>
@@ -3083,7 +3084,7 @@
             </a:ln>
             <a:extLst>
               <a:ext uri="{91240B29-F687-4f45-9708-019B960494DF}">
-                <a14:hiddenLine xmlns="" xmlns:a14="http://schemas.microsoft.com/office/drawing/2010/main" w="9525">
+                <a14:hiddenLine xmlns:a14="http://schemas.microsoft.com/office/drawing/2010/main" xmlns="" w="9525">
                   <a:solidFill>
                     <a:srgbClr val="000000"/>
                   </a:solidFill>
@@ -3145,7 +3146,7 @@
             </a:ln>
             <a:extLst>
               <a:ext uri="{91240B29-F687-4f45-9708-019B960494DF}">
-                <a14:hiddenLine xmlns="" xmlns:a14="http://schemas.microsoft.com/office/drawing/2010/main" w="9525">
+                <a14:hiddenLine xmlns:a14="http://schemas.microsoft.com/office/drawing/2010/main" xmlns="" w="9525">
                   <a:solidFill>
                     <a:srgbClr val="000000"/>
                   </a:solidFill>
@@ -3235,7 +3236,7 @@
             </a:ln>
             <a:extLst>
               <a:ext uri="{91240B29-F687-4f45-9708-019B960494DF}">
-                <a14:hiddenLine xmlns="" xmlns:a14="http://schemas.microsoft.com/office/drawing/2010/main" w="9525">
+                <a14:hiddenLine xmlns:a14="http://schemas.microsoft.com/office/drawing/2010/main" xmlns="" w="9525">
                   <a:solidFill>
                     <a:srgbClr val="000000"/>
                   </a:solidFill>
@@ -3269,7 +3270,7 @@
             </a:ln>
             <a:extLst>
               <a:ext uri="{91240B29-F687-4f45-9708-019B960494DF}">
-                <a14:hiddenLine xmlns="" xmlns:a14="http://schemas.microsoft.com/office/drawing/2010/main" w="9525">
+                <a14:hiddenLine xmlns:a14="http://schemas.microsoft.com/office/drawing/2010/main" xmlns="" w="9525">
                   <a:solidFill>
                     <a:srgbClr val="000000"/>
                   </a:solidFill>
@@ -3334,7 +3335,7 @@
             </a:ln>
             <a:extLst>
               <a:ext uri="{91240B29-F687-4f45-9708-019B960494DF}">
-                <a14:hiddenLine xmlns="" xmlns:a14="http://schemas.microsoft.com/office/drawing/2010/main" w="9525">
+                <a14:hiddenLine xmlns:a14="http://schemas.microsoft.com/office/drawing/2010/main" xmlns="" w="9525">
                   <a:solidFill>
                     <a:srgbClr val="000000"/>
                   </a:solidFill>
@@ -3424,7 +3425,7 @@
             </a:ln>
             <a:extLst>
               <a:ext uri="{91240B29-F687-4f45-9708-019B960494DF}">
-                <a14:hiddenLine xmlns="" xmlns:a14="http://schemas.microsoft.com/office/drawing/2010/main" w="9525">
+                <a14:hiddenLine xmlns:a14="http://schemas.microsoft.com/office/drawing/2010/main" xmlns="" w="9525">
                   <a:solidFill>
                     <a:srgbClr val="000000"/>
                   </a:solidFill>
@@ -3486,7 +3487,7 @@
             </a:ln>
             <a:extLst>
               <a:ext uri="{91240B29-F687-4f45-9708-019B960494DF}">
-                <a14:hiddenLine xmlns="" xmlns:a14="http://schemas.microsoft.com/office/drawing/2010/main" w="9525">
+                <a14:hiddenLine xmlns:a14="http://schemas.microsoft.com/office/drawing/2010/main" xmlns="" w="9525">
                   <a:solidFill>
                     <a:srgbClr val="000000"/>
                   </a:solidFill>
@@ -3576,7 +3577,7 @@
             </a:ln>
             <a:extLst>
               <a:ext uri="{91240B29-F687-4f45-9708-019B960494DF}">
-                <a14:hiddenLine xmlns="" xmlns:a14="http://schemas.microsoft.com/office/drawing/2010/main" w="9525">
+                <a14:hiddenLine xmlns:a14="http://schemas.microsoft.com/office/drawing/2010/main" xmlns="" w="9525">
                   <a:solidFill>
                     <a:srgbClr val="000000"/>
                   </a:solidFill>
@@ -3666,7 +3667,7 @@
             </a:ln>
             <a:extLst>
               <a:ext uri="{91240B29-F687-4f45-9708-019B960494DF}">
-                <a14:hiddenLine xmlns="" xmlns:a14="http://schemas.microsoft.com/office/drawing/2010/main" w="9525">
+                <a14:hiddenLine xmlns:a14="http://schemas.microsoft.com/office/drawing/2010/main" xmlns="" w="9525">
                   <a:solidFill>
                     <a:srgbClr val="000000"/>
                   </a:solidFill>
@@ -3731,7 +3732,7 @@
             </a:ln>
             <a:extLst>
               <a:ext uri="{91240B29-F687-4f45-9708-019B960494DF}">
-                <a14:hiddenLine xmlns="" xmlns:a14="http://schemas.microsoft.com/office/drawing/2010/main" w="9525">
+                <a14:hiddenLine xmlns:a14="http://schemas.microsoft.com/office/drawing/2010/main" xmlns="" w="9525">
                   <a:solidFill>
                     <a:srgbClr val="000000"/>
                   </a:solidFill>
@@ -3793,7 +3794,7 @@
             </a:ln>
             <a:extLst>
               <a:ext uri="{91240B29-F687-4f45-9708-019B960494DF}">
-                <a14:hiddenLine xmlns="" xmlns:a14="http://schemas.microsoft.com/office/drawing/2010/main" w="9525">
+                <a14:hiddenLine xmlns:a14="http://schemas.microsoft.com/office/drawing/2010/main" xmlns="" w="9525">
                   <a:solidFill>
                     <a:srgbClr val="000000"/>
                   </a:solidFill>
@@ -3883,7 +3884,7 @@
             </a:ln>
             <a:extLst>
               <a:ext uri="{91240B29-F687-4f45-9708-019B960494DF}">
-                <a14:hiddenLine xmlns="" xmlns:a14="http://schemas.microsoft.com/office/drawing/2010/main" w="9525">
+                <a14:hiddenLine xmlns:a14="http://schemas.microsoft.com/office/drawing/2010/main" xmlns="" w="9525">
                   <a:solidFill>
                     <a:srgbClr val="000000"/>
                   </a:solidFill>
@@ -3973,7 +3974,7 @@
             </a:ln>
             <a:extLst>
               <a:ext uri="{91240B29-F687-4f45-9708-019B960494DF}">
-                <a14:hiddenLine xmlns="" xmlns:a14="http://schemas.microsoft.com/office/drawing/2010/main" w="9525">
+                <a14:hiddenLine xmlns:a14="http://schemas.microsoft.com/office/drawing/2010/main" xmlns="" w="9525">
                   <a:solidFill>
                     <a:srgbClr val="000000"/>
                   </a:solidFill>
@@ -4035,7 +4036,7 @@
             </a:ln>
             <a:extLst>
               <a:ext uri="{91240B29-F687-4f45-9708-019B960494DF}">
-                <a14:hiddenLine xmlns="" xmlns:a14="http://schemas.microsoft.com/office/drawing/2010/main" w="9525">
+                <a14:hiddenLine xmlns:a14="http://schemas.microsoft.com/office/drawing/2010/main" xmlns="" w="9525">
                   <a:solidFill>
                     <a:srgbClr val="000000"/>
                   </a:solidFill>
@@ -4155,7 +4156,7 @@
             </a:ln>
             <a:extLst>
               <a:ext uri="{91240B29-F687-4f45-9708-019B960494DF}">
-                <a14:hiddenLine xmlns="" xmlns:a14="http://schemas.microsoft.com/office/drawing/2010/main" w="9525">
+                <a14:hiddenLine xmlns:a14="http://schemas.microsoft.com/office/drawing/2010/main" xmlns="" w="9525">
                   <a:solidFill>
                     <a:srgbClr val="000000"/>
                   </a:solidFill>
@@ -4223,7 +4224,7 @@
             </a:ln>
             <a:extLst>
               <a:ext uri="{91240B29-F687-4f45-9708-019B960494DF}">
-                <a14:hiddenLine xmlns="" xmlns:a14="http://schemas.microsoft.com/office/drawing/2010/main" w="9525">
+                <a14:hiddenLine xmlns:a14="http://schemas.microsoft.com/office/drawing/2010/main" xmlns="" w="9525">
                   <a:solidFill>
                     <a:srgbClr val="000000"/>
                   </a:solidFill>
@@ -4313,7 +4314,7 @@
             </a:ln>
             <a:extLst>
               <a:ext uri="{91240B29-F687-4f45-9708-019B960494DF}">
-                <a14:hiddenLine xmlns="" xmlns:a14="http://schemas.microsoft.com/office/drawing/2010/main" w="9525">
+                <a14:hiddenLine xmlns:a14="http://schemas.microsoft.com/office/drawing/2010/main" xmlns="" w="9525">
                   <a:solidFill>
                     <a:srgbClr val="000000"/>
                   </a:solidFill>
@@ -4453,7 +4454,7 @@
           <a:p>
             <a:fld id="{951AF1EB-82F2-4C84-AADB-635468081963}" type="datetimeFigureOut">
               <a:rPr lang="en-US" smtClean="0"/>
-              <a:t>15/08/2022</a:t>
+              <a:t>17/08/2022</a:t>
             </a:fld>
             <a:endParaRPr lang="en-US"/>
           </a:p>
@@ -4720,7 +4721,7 @@
           <a:p>
             <a:fld id="{951AF1EB-82F2-4C84-AADB-635468081963}" type="datetimeFigureOut">
               <a:rPr lang="en-US" smtClean="0"/>
-              <a:t>15/08/2022</a:t>
+              <a:t>17/08/2022</a:t>
             </a:fld>
             <a:endParaRPr lang="en-US"/>
           </a:p>
@@ -4916,7 +4917,7 @@
           <a:p>
             <a:fld id="{951AF1EB-82F2-4C84-AADB-635468081963}" type="datetimeFigureOut">
               <a:rPr lang="en-US" smtClean="0"/>
-              <a:t>15/08/2022</a:t>
+              <a:t>17/08/2022</a:t>
             </a:fld>
             <a:endParaRPr lang="en-US"/>
           </a:p>
@@ -5179,7 +5180,7 @@
           <a:p>
             <a:fld id="{951AF1EB-82F2-4C84-AADB-635468081963}" type="datetimeFigureOut">
               <a:rPr lang="en-US" smtClean="0"/>
-              <a:t>15/08/2022</a:t>
+              <a:t>17/08/2022</a:t>
             </a:fld>
             <a:endParaRPr lang="en-US"/>
           </a:p>
@@ -5613,7 +5614,7 @@
           <a:p>
             <a:fld id="{951AF1EB-82F2-4C84-AADB-635468081963}" type="datetimeFigureOut">
               <a:rPr lang="en-US" smtClean="0"/>
-              <a:t>15/08/2022</a:t>
+              <a:t>17/08/2022</a:t>
             </a:fld>
             <a:endParaRPr lang="en-US"/>
           </a:p>
@@ -6159,7 +6160,7 @@
           <a:p>
             <a:fld id="{951AF1EB-82F2-4C84-AADB-635468081963}" type="datetimeFigureOut">
               <a:rPr lang="en-US" smtClean="0"/>
-              <a:t>15/08/2022</a:t>
+              <a:t>17/08/2022</a:t>
             </a:fld>
             <a:endParaRPr lang="en-US"/>
           </a:p>
@@ -6879,7 +6880,7 @@
           <a:p>
             <a:fld id="{951AF1EB-82F2-4C84-AADB-635468081963}" type="datetimeFigureOut">
               <a:rPr lang="en-US" smtClean="0"/>
-              <a:t>15/08/2022</a:t>
+              <a:t>17/08/2022</a:t>
             </a:fld>
             <a:endParaRPr lang="en-US"/>
           </a:p>
@@ -7049,7 +7050,7 @@
           <a:p>
             <a:fld id="{951AF1EB-82F2-4C84-AADB-635468081963}" type="datetimeFigureOut">
               <a:rPr lang="en-US" smtClean="0"/>
-              <a:t>15/08/2022</a:t>
+              <a:t>17/08/2022</a:t>
             </a:fld>
             <a:endParaRPr lang="en-US"/>
           </a:p>
@@ -7229,7 +7230,7 @@
           <a:p>
             <a:fld id="{951AF1EB-82F2-4C84-AADB-635468081963}" type="datetimeFigureOut">
               <a:rPr lang="en-US" smtClean="0"/>
-              <a:t>15/08/2022</a:t>
+              <a:t>17/08/2022</a:t>
             </a:fld>
             <a:endParaRPr lang="en-US"/>
           </a:p>
@@ -7399,7 +7400,7 @@
           <a:p>
             <a:fld id="{951AF1EB-82F2-4C84-AADB-635468081963}" type="datetimeFigureOut">
               <a:rPr lang="en-US" smtClean="0"/>
-              <a:t>15/08/2022</a:t>
+              <a:t>17/08/2022</a:t>
             </a:fld>
             <a:endParaRPr lang="en-US"/>
           </a:p>
@@ -7649,7 +7650,7 @@
           <a:p>
             <a:fld id="{951AF1EB-82F2-4C84-AADB-635468081963}" type="datetimeFigureOut">
               <a:rPr lang="en-US" smtClean="0"/>
-              <a:t>15/08/2022</a:t>
+              <a:t>17/08/2022</a:t>
             </a:fld>
             <a:endParaRPr lang="en-US"/>
           </a:p>
@@ -7881,7 +7882,7 @@
           <a:p>
             <a:fld id="{951AF1EB-82F2-4C84-AADB-635468081963}" type="datetimeFigureOut">
               <a:rPr lang="en-US" smtClean="0"/>
-              <a:t>15/08/2022</a:t>
+              <a:t>17/08/2022</a:t>
             </a:fld>
             <a:endParaRPr lang="en-US"/>
           </a:p>
@@ -8262,7 +8263,7 @@
           <a:p>
             <a:fld id="{951AF1EB-82F2-4C84-AADB-635468081963}" type="datetimeFigureOut">
               <a:rPr lang="en-US" smtClean="0"/>
-              <a:t>15/08/2022</a:t>
+              <a:t>17/08/2022</a:t>
             </a:fld>
             <a:endParaRPr lang="en-US"/>
           </a:p>
@@ -8380,7 +8381,7 @@
           <a:p>
             <a:fld id="{951AF1EB-82F2-4C84-AADB-635468081963}" type="datetimeFigureOut">
               <a:rPr lang="en-US" smtClean="0"/>
-              <a:t>15/08/2022</a:t>
+              <a:t>17/08/2022</a:t>
             </a:fld>
             <a:endParaRPr lang="en-US"/>
           </a:p>
@@ -8475,7 +8476,7 @@
           <a:p>
             <a:fld id="{951AF1EB-82F2-4C84-AADB-635468081963}" type="datetimeFigureOut">
               <a:rPr lang="en-US" smtClean="0"/>
-              <a:t>15/08/2022</a:t>
+              <a:t>17/08/2022</a:t>
             </a:fld>
             <a:endParaRPr lang="en-US"/>
           </a:p>
@@ -8724,7 +8725,7 @@
           <a:p>
             <a:fld id="{951AF1EB-82F2-4C84-AADB-635468081963}" type="datetimeFigureOut">
               <a:rPr lang="en-US" smtClean="0"/>
-              <a:t>15/08/2022</a:t>
+              <a:t>17/08/2022</a:t>
             </a:fld>
             <a:endParaRPr lang="en-US"/>
           </a:p>
@@ -9004,7 +9005,7 @@
           <a:p>
             <a:fld id="{951AF1EB-82F2-4C84-AADB-635468081963}" type="datetimeFigureOut">
               <a:rPr lang="en-US" smtClean="0"/>
-              <a:t>15/08/2022</a:t>
+              <a:t>17/08/2022</a:t>
             </a:fld>
             <a:endParaRPr lang="en-US"/>
           </a:p>
@@ -9120,7 +9121,7 @@
           <a:noFill/>
           <a:extLst>
             <a:ext uri="{909E8E84-426E-40dd-AFC4-6F175D3DCCD1}">
-              <a14:hiddenFill xmlns="" xmlns:a14="http://schemas.microsoft.com/office/drawing/2010/main">
+              <a14:hiddenFill xmlns:a14="http://schemas.microsoft.com/office/drawing/2010/main" xmlns="">
                 <a:solidFill>
                   <a:srgbClr val="FFFFFF"/>
                 </a:solidFill>
@@ -9194,7 +9195,7 @@
               </a:ln>
               <a:extLst>
                 <a:ext uri="{91240B29-F687-4f45-9708-019B960494DF}">
-                  <a14:hiddenLine xmlns="" xmlns:a14="http://schemas.microsoft.com/office/drawing/2010/main" w="9525">
+                  <a14:hiddenLine xmlns:a14="http://schemas.microsoft.com/office/drawing/2010/main" xmlns="" w="9525">
                     <a:solidFill>
                       <a:srgbClr val="000000"/>
                     </a:solidFill>
@@ -9284,7 +9285,7 @@
               </a:ln>
               <a:extLst>
                 <a:ext uri="{91240B29-F687-4f45-9708-019B960494DF}">
-                  <a14:hiddenLine xmlns="" xmlns:a14="http://schemas.microsoft.com/office/drawing/2010/main" w="9525">
+                  <a14:hiddenLine xmlns:a14="http://schemas.microsoft.com/office/drawing/2010/main" xmlns="" w="9525">
                     <a:solidFill>
                       <a:srgbClr val="000000"/>
                     </a:solidFill>
@@ -9374,7 +9375,7 @@
               </a:ln>
               <a:extLst>
                 <a:ext uri="{91240B29-F687-4f45-9708-019B960494DF}">
-                  <a14:hiddenLine xmlns="" xmlns:a14="http://schemas.microsoft.com/office/drawing/2010/main" w="9525">
+                  <a14:hiddenLine xmlns:a14="http://schemas.microsoft.com/office/drawing/2010/main" xmlns="" w="9525">
                     <a:solidFill>
                       <a:srgbClr val="000000"/>
                     </a:solidFill>
@@ -9436,7 +9437,7 @@
               </a:ln>
               <a:extLst>
                 <a:ext uri="{91240B29-F687-4f45-9708-019B960494DF}">
-                  <a14:hiddenLine xmlns="" xmlns:a14="http://schemas.microsoft.com/office/drawing/2010/main" w="9525">
+                  <a14:hiddenLine xmlns:a14="http://schemas.microsoft.com/office/drawing/2010/main" xmlns="" w="9525">
                     <a:solidFill>
                       <a:srgbClr val="000000"/>
                     </a:solidFill>
@@ -9526,7 +9527,7 @@
               </a:ln>
               <a:extLst>
                 <a:ext uri="{91240B29-F687-4f45-9708-019B960494DF}">
-                  <a14:hiddenLine xmlns="" xmlns:a14="http://schemas.microsoft.com/office/drawing/2010/main" w="9525">
+                  <a14:hiddenLine xmlns:a14="http://schemas.microsoft.com/office/drawing/2010/main" xmlns="" w="9525">
                     <a:solidFill>
                       <a:srgbClr val="000000"/>
                     </a:solidFill>
@@ -9588,7 +9589,7 @@
               </a:ln>
               <a:extLst>
                 <a:ext uri="{91240B29-F687-4f45-9708-019B960494DF}">
-                  <a14:hiddenLine xmlns="" xmlns:a14="http://schemas.microsoft.com/office/drawing/2010/main" w="9525">
+                  <a14:hiddenLine xmlns:a14="http://schemas.microsoft.com/office/drawing/2010/main" xmlns="" w="9525">
                     <a:solidFill>
                       <a:srgbClr val="000000"/>
                     </a:solidFill>
@@ -9650,7 +9651,7 @@
               </a:ln>
               <a:extLst>
                 <a:ext uri="{91240B29-F687-4f45-9708-019B960494DF}">
-                  <a14:hiddenLine xmlns="" xmlns:a14="http://schemas.microsoft.com/office/drawing/2010/main" w="9525">
+                  <a14:hiddenLine xmlns:a14="http://schemas.microsoft.com/office/drawing/2010/main" xmlns="" w="9525">
                     <a:solidFill>
                       <a:srgbClr val="000000"/>
                     </a:solidFill>
@@ -9740,7 +9741,7 @@
               </a:ln>
               <a:extLst>
                 <a:ext uri="{91240B29-F687-4f45-9708-019B960494DF}">
-                  <a14:hiddenLine xmlns="" xmlns:a14="http://schemas.microsoft.com/office/drawing/2010/main" w="9525">
+                  <a14:hiddenLine xmlns:a14="http://schemas.microsoft.com/office/drawing/2010/main" xmlns="" w="9525">
                     <a:solidFill>
                       <a:srgbClr val="000000"/>
                     </a:solidFill>
@@ -9830,7 +9831,7 @@
               </a:ln>
               <a:extLst>
                 <a:ext uri="{91240B29-F687-4f45-9708-019B960494DF}">
-                  <a14:hiddenLine xmlns="" xmlns:a14="http://schemas.microsoft.com/office/drawing/2010/main" w="9525">
+                  <a14:hiddenLine xmlns:a14="http://schemas.microsoft.com/office/drawing/2010/main" xmlns="" w="9525">
                     <a:solidFill>
                       <a:srgbClr val="000000"/>
                     </a:solidFill>
@@ -9892,7 +9893,7 @@
               </a:ln>
               <a:extLst>
                 <a:ext uri="{91240B29-F687-4f45-9708-019B960494DF}">
-                  <a14:hiddenLine xmlns="" xmlns:a14="http://schemas.microsoft.com/office/drawing/2010/main" w="9525">
+                  <a14:hiddenLine xmlns:a14="http://schemas.microsoft.com/office/drawing/2010/main" xmlns="" w="9525">
                     <a:solidFill>
                       <a:srgbClr val="000000"/>
                     </a:solidFill>
@@ -10002,7 +10003,7 @@
               </a:ln>
               <a:extLst>
                 <a:ext uri="{91240B29-F687-4f45-9708-019B960494DF}">
-                  <a14:hiddenLine xmlns="" xmlns:a14="http://schemas.microsoft.com/office/drawing/2010/main" w="9525">
+                  <a14:hiddenLine xmlns:a14="http://schemas.microsoft.com/office/drawing/2010/main" xmlns="" w="9525">
                     <a:solidFill>
                       <a:srgbClr val="000000"/>
                     </a:solidFill>
@@ -10086,7 +10087,7 @@
               </a:ln>
               <a:extLst>
                 <a:ext uri="{91240B29-F687-4f45-9708-019B960494DF}">
-                  <a14:hiddenLine xmlns="" xmlns:a14="http://schemas.microsoft.com/office/drawing/2010/main" w="9525">
+                  <a14:hiddenLine xmlns:a14="http://schemas.microsoft.com/office/drawing/2010/main" xmlns="" w="9525">
                     <a:solidFill>
                       <a:srgbClr val="000000"/>
                     </a:solidFill>
@@ -10148,7 +10149,7 @@
               </a:ln>
               <a:extLst>
                 <a:ext uri="{91240B29-F687-4f45-9708-019B960494DF}">
-                  <a14:hiddenLine xmlns="" xmlns:a14="http://schemas.microsoft.com/office/drawing/2010/main" w="9525">
+                  <a14:hiddenLine xmlns:a14="http://schemas.microsoft.com/office/drawing/2010/main" xmlns="" w="9525">
                     <a:solidFill>
                       <a:srgbClr val="000000"/>
                     </a:solidFill>
@@ -10210,7 +10211,7 @@
               </a:ln>
               <a:extLst>
                 <a:ext uri="{91240B29-F687-4f45-9708-019B960494DF}">
-                  <a14:hiddenLine xmlns="" xmlns:a14="http://schemas.microsoft.com/office/drawing/2010/main" w="9525">
+                  <a14:hiddenLine xmlns:a14="http://schemas.microsoft.com/office/drawing/2010/main" xmlns="" w="9525">
                     <a:solidFill>
                       <a:srgbClr val="000000"/>
                     </a:solidFill>
@@ -10300,7 +10301,7 @@
               </a:ln>
               <a:extLst>
                 <a:ext uri="{91240B29-F687-4f45-9708-019B960494DF}">
-                  <a14:hiddenLine xmlns="" xmlns:a14="http://schemas.microsoft.com/office/drawing/2010/main" w="9525">
+                  <a14:hiddenLine xmlns:a14="http://schemas.microsoft.com/office/drawing/2010/main" xmlns="" w="9525">
                     <a:solidFill>
                       <a:srgbClr val="000000"/>
                     </a:solidFill>
@@ -10334,7 +10335,7 @@
               </a:ln>
               <a:extLst>
                 <a:ext uri="{91240B29-F687-4f45-9708-019B960494DF}">
-                  <a14:hiddenLine xmlns="" xmlns:a14="http://schemas.microsoft.com/office/drawing/2010/main" w="9525">
+                  <a14:hiddenLine xmlns:a14="http://schemas.microsoft.com/office/drawing/2010/main" xmlns="" w="9525">
                     <a:solidFill>
                       <a:srgbClr val="000000"/>
                     </a:solidFill>
@@ -10399,7 +10400,7 @@
               </a:ln>
               <a:extLst>
                 <a:ext uri="{91240B29-F687-4f45-9708-019B960494DF}">
-                  <a14:hiddenLine xmlns="" xmlns:a14="http://schemas.microsoft.com/office/drawing/2010/main" w="9525">
+                  <a14:hiddenLine xmlns:a14="http://schemas.microsoft.com/office/drawing/2010/main" xmlns="" w="9525">
                     <a:solidFill>
                       <a:srgbClr val="000000"/>
                     </a:solidFill>
@@ -10489,7 +10490,7 @@
               </a:ln>
               <a:extLst>
                 <a:ext uri="{91240B29-F687-4f45-9708-019B960494DF}">
-                  <a14:hiddenLine xmlns="" xmlns:a14="http://schemas.microsoft.com/office/drawing/2010/main" w="9525">
+                  <a14:hiddenLine xmlns:a14="http://schemas.microsoft.com/office/drawing/2010/main" xmlns="" w="9525">
                     <a:solidFill>
                       <a:srgbClr val="000000"/>
                     </a:solidFill>
@@ -10551,7 +10552,7 @@
               </a:ln>
               <a:extLst>
                 <a:ext uri="{91240B29-F687-4f45-9708-019B960494DF}">
-                  <a14:hiddenLine xmlns="" xmlns:a14="http://schemas.microsoft.com/office/drawing/2010/main" w="9525">
+                  <a14:hiddenLine xmlns:a14="http://schemas.microsoft.com/office/drawing/2010/main" xmlns="" w="9525">
                     <a:solidFill>
                       <a:srgbClr val="000000"/>
                     </a:solidFill>
@@ -10641,7 +10642,7 @@
               </a:ln>
               <a:extLst>
                 <a:ext uri="{91240B29-F687-4f45-9708-019B960494DF}">
-                  <a14:hiddenLine xmlns="" xmlns:a14="http://schemas.microsoft.com/office/drawing/2010/main" w="9525">
+                  <a14:hiddenLine xmlns:a14="http://schemas.microsoft.com/office/drawing/2010/main" xmlns="" w="9525">
                     <a:solidFill>
                       <a:srgbClr val="000000"/>
                     </a:solidFill>
@@ -10706,7 +10707,7 @@
               </a:ln>
               <a:extLst>
                 <a:ext uri="{91240B29-F687-4f45-9708-019B960494DF}">
-                  <a14:hiddenLine xmlns="" xmlns:a14="http://schemas.microsoft.com/office/drawing/2010/main" w="9525">
+                  <a14:hiddenLine xmlns:a14="http://schemas.microsoft.com/office/drawing/2010/main" xmlns="" w="9525">
                     <a:solidFill>
                       <a:srgbClr val="000000"/>
                     </a:solidFill>
@@ -10768,7 +10769,7 @@
               </a:ln>
               <a:extLst>
                 <a:ext uri="{91240B29-F687-4f45-9708-019B960494DF}">
-                  <a14:hiddenLine xmlns="" xmlns:a14="http://schemas.microsoft.com/office/drawing/2010/main" w="9525">
+                  <a14:hiddenLine xmlns:a14="http://schemas.microsoft.com/office/drawing/2010/main" xmlns="" w="9525">
                     <a:solidFill>
                       <a:srgbClr val="000000"/>
                     </a:solidFill>
@@ -10858,7 +10859,7 @@
               </a:ln>
               <a:extLst>
                 <a:ext uri="{91240B29-F687-4f45-9708-019B960494DF}">
-                  <a14:hiddenLine xmlns="" xmlns:a14="http://schemas.microsoft.com/office/drawing/2010/main" w="9525">
+                  <a14:hiddenLine xmlns:a14="http://schemas.microsoft.com/office/drawing/2010/main" xmlns="" w="9525">
                     <a:solidFill>
                       <a:srgbClr val="000000"/>
                     </a:solidFill>
@@ -10948,7 +10949,7 @@
               </a:ln>
               <a:extLst>
                 <a:ext uri="{91240B29-F687-4f45-9708-019B960494DF}">
-                  <a14:hiddenLine xmlns="" xmlns:a14="http://schemas.microsoft.com/office/drawing/2010/main" w="9525">
+                  <a14:hiddenLine xmlns:a14="http://schemas.microsoft.com/office/drawing/2010/main" xmlns="" w="9525">
                     <a:solidFill>
                       <a:srgbClr val="000000"/>
                     </a:solidFill>
@@ -11013,7 +11014,7 @@
               </a:ln>
               <a:extLst>
                 <a:ext uri="{91240B29-F687-4f45-9708-019B960494DF}">
-                  <a14:hiddenLine xmlns="" xmlns:a14="http://schemas.microsoft.com/office/drawing/2010/main" w="9525">
+                  <a14:hiddenLine xmlns:a14="http://schemas.microsoft.com/office/drawing/2010/main" xmlns="" w="9525">
                     <a:solidFill>
                       <a:srgbClr val="000000"/>
                     </a:solidFill>
@@ -11133,7 +11134,7 @@
               </a:ln>
               <a:extLst>
                 <a:ext uri="{91240B29-F687-4f45-9708-019B960494DF}">
-                  <a14:hiddenLine xmlns="" xmlns:a14="http://schemas.microsoft.com/office/drawing/2010/main" w="9525">
+                  <a14:hiddenLine xmlns:a14="http://schemas.microsoft.com/office/drawing/2010/main" xmlns="" w="9525">
                     <a:solidFill>
                       <a:srgbClr val="000000"/>
                     </a:solidFill>
@@ -11231,7 +11232,7 @@
               </a:ln>
               <a:extLst>
                 <a:ext uri="{91240B29-F687-4f45-9708-019B960494DF}">
-                  <a14:hiddenLine xmlns="" xmlns:a14="http://schemas.microsoft.com/office/drawing/2010/main" w="9525">
+                  <a14:hiddenLine xmlns:a14="http://schemas.microsoft.com/office/drawing/2010/main" xmlns="" w="9525">
                     <a:solidFill>
                       <a:srgbClr val="000000"/>
                     </a:solidFill>
@@ -11346,7 +11347,7 @@
               </a:ln>
               <a:extLst>
                 <a:ext uri="{91240B29-F687-4f45-9708-019B960494DF}">
-                  <a14:hiddenLine xmlns="" xmlns:a14="http://schemas.microsoft.com/office/drawing/2010/main" w="9525">
+                  <a14:hiddenLine xmlns:a14="http://schemas.microsoft.com/office/drawing/2010/main" xmlns="" w="9525">
                     <a:solidFill>
                       <a:srgbClr val="000000"/>
                     </a:solidFill>
@@ -11436,7 +11437,7 @@
               </a:ln>
               <a:extLst>
                 <a:ext uri="{91240B29-F687-4f45-9708-019B960494DF}">
-                  <a14:hiddenLine xmlns="" xmlns:a14="http://schemas.microsoft.com/office/drawing/2010/main" w="9525">
+                  <a14:hiddenLine xmlns:a14="http://schemas.microsoft.com/office/drawing/2010/main" xmlns="" w="9525">
                     <a:solidFill>
                       <a:srgbClr val="000000"/>
                     </a:solidFill>
@@ -11501,7 +11502,7 @@
               </a:ln>
               <a:extLst>
                 <a:ext uri="{91240B29-F687-4f45-9708-019B960494DF}">
-                  <a14:hiddenLine xmlns="" xmlns:a14="http://schemas.microsoft.com/office/drawing/2010/main" w="9525">
+                  <a14:hiddenLine xmlns:a14="http://schemas.microsoft.com/office/drawing/2010/main" xmlns="" w="9525">
                     <a:solidFill>
                       <a:srgbClr val="000000"/>
                     </a:solidFill>
@@ -11591,7 +11592,7 @@
               </a:ln>
               <a:extLst>
                 <a:ext uri="{91240B29-F687-4f45-9708-019B960494DF}">
-                  <a14:hiddenLine xmlns="" xmlns:a14="http://schemas.microsoft.com/office/drawing/2010/main" w="9525">
+                  <a14:hiddenLine xmlns:a14="http://schemas.microsoft.com/office/drawing/2010/main" xmlns="" w="9525">
                     <a:solidFill>
                       <a:srgbClr val="000000"/>
                     </a:solidFill>
@@ -11659,7 +11660,7 @@
               </a:ln>
               <a:extLst>
                 <a:ext uri="{91240B29-F687-4f45-9708-019B960494DF}">
-                  <a14:hiddenLine xmlns="" xmlns:a14="http://schemas.microsoft.com/office/drawing/2010/main" w="9525">
+                  <a14:hiddenLine xmlns:a14="http://schemas.microsoft.com/office/drawing/2010/main" xmlns="" w="9525">
                     <a:solidFill>
                       <a:srgbClr val="000000"/>
                     </a:solidFill>
@@ -11749,7 +11750,7 @@
               </a:ln>
               <a:extLst>
                 <a:ext uri="{91240B29-F687-4f45-9708-019B960494DF}">
-                  <a14:hiddenLine xmlns="" xmlns:a14="http://schemas.microsoft.com/office/drawing/2010/main" w="9525">
+                  <a14:hiddenLine xmlns:a14="http://schemas.microsoft.com/office/drawing/2010/main" xmlns="" w="9525">
                     <a:solidFill>
                       <a:srgbClr val="000000"/>
                     </a:solidFill>
@@ -11817,7 +11818,7 @@
               </a:ln>
               <a:extLst>
                 <a:ext uri="{91240B29-F687-4f45-9708-019B960494DF}">
-                  <a14:hiddenLine xmlns="" xmlns:a14="http://schemas.microsoft.com/office/drawing/2010/main" w="9525">
+                  <a14:hiddenLine xmlns:a14="http://schemas.microsoft.com/office/drawing/2010/main" xmlns="" w="9525">
                     <a:solidFill>
                       <a:srgbClr val="000000"/>
                     </a:solidFill>
@@ -11907,7 +11908,7 @@
               </a:ln>
               <a:extLst>
                 <a:ext uri="{91240B29-F687-4f45-9708-019B960494DF}">
-                  <a14:hiddenLine xmlns="" xmlns:a14="http://schemas.microsoft.com/office/drawing/2010/main" w="9525">
+                  <a14:hiddenLine xmlns:a14="http://schemas.microsoft.com/office/drawing/2010/main" xmlns="" w="9525">
                     <a:solidFill>
                       <a:srgbClr val="000000"/>
                     </a:solidFill>
@@ -11941,7 +11942,7 @@
               </a:ln>
               <a:extLst>
                 <a:ext uri="{91240B29-F687-4f45-9708-019B960494DF}">
-                  <a14:hiddenLine xmlns="" xmlns:a14="http://schemas.microsoft.com/office/drawing/2010/main" w="9525">
+                  <a14:hiddenLine xmlns:a14="http://schemas.microsoft.com/office/drawing/2010/main" xmlns="" w="9525">
                     <a:solidFill>
                       <a:srgbClr val="000000"/>
                     </a:solidFill>
@@ -12081,7 +12082,7 @@
           <a:p>
             <a:fld id="{951AF1EB-82F2-4C84-AADB-635468081963}" type="datetimeFigureOut">
               <a:rPr lang="en-US" smtClean="0"/>
-              <a:t>15/08/2022</a:t>
+              <a:t>17/08/2022</a:t>
             </a:fld>
             <a:endParaRPr lang="en-US"/>
           </a:p>
@@ -19567,6 +19568,130 @@
 </p:sld>
 </file>
 
+<file path=ppt/slides/slide56.xml><?xml version="1.0" encoding="utf-8"?>
+<p:sld xmlns:a="http://schemas.openxmlformats.org/drawingml/2006/main" xmlns:r="http://schemas.openxmlformats.org/officeDocument/2006/relationships" xmlns:p="http://schemas.openxmlformats.org/presentationml/2006/main">
+  <p:cSld>
+    <p:spTree>
+      <p:nvGrpSpPr>
+        <p:cNvPr id="1" name=""/>
+        <p:cNvGrpSpPr/>
+        <p:nvPr/>
+      </p:nvGrpSpPr>
+      <p:grpSpPr>
+        <a:xfrm>
+          <a:off x="0" y="0"/>
+          <a:ext cx="0" cy="0"/>
+          <a:chOff x="0" y="0"/>
+          <a:chExt cx="0" cy="0"/>
+        </a:xfrm>
+      </p:grpSpPr>
+      <p:sp>
+        <p:nvSpPr>
+          <p:cNvPr id="2" name="Title 1">
+            <a:extLst>
+              <a:ext uri="{FF2B5EF4-FFF2-40B4-BE49-F238E27FC236}">
+                <a16:creationId xmlns:a16="http://schemas.microsoft.com/office/drawing/2014/main" id="{7536A5A0-6A70-C7CE-1030-952992936583}"/>
+              </a:ext>
+            </a:extLst>
+          </p:cNvPr>
+          <p:cNvSpPr>
+            <a:spLocks noGrp="1"/>
+          </p:cNvSpPr>
+          <p:nvPr>
+            <p:ph type="title"/>
+          </p:nvPr>
+        </p:nvSpPr>
+        <p:spPr/>
+        <p:txBody>
+          <a:bodyPr/>
+          <a:lstStyle/>
+          <a:p>
+            <a:r>
+              <a:rPr lang="en-US" dirty="0"/>
+              <a:t>TK</a:t>
+            </a:r>
+          </a:p>
+        </p:txBody>
+      </p:sp>
+      <p:sp>
+        <p:nvSpPr>
+          <p:cNvPr id="3" name="Content Placeholder 2">
+            <a:extLst>
+              <a:ext uri="{FF2B5EF4-FFF2-40B4-BE49-F238E27FC236}">
+                <a16:creationId xmlns:a16="http://schemas.microsoft.com/office/drawing/2014/main" id="{9700354A-2391-DCDF-C79A-FF1F664814C0}"/>
+              </a:ext>
+            </a:extLst>
+          </p:cNvPr>
+          <p:cNvSpPr>
+            <a:spLocks noGrp="1"/>
+          </p:cNvSpPr>
+          <p:nvPr>
+            <p:ph idx="1"/>
+          </p:nvPr>
+        </p:nvSpPr>
+        <p:spPr/>
+        <p:txBody>
+          <a:bodyPr>
+            <a:normAutofit/>
+          </a:bodyPr>
+          <a:lstStyle/>
+          <a:p>
+            <a:r>
+              <a:rPr lang="en-US" dirty="0"/>
+              <a:t>create </a:t>
+            </a:r>
+            <a:r>
+              <a:rPr lang="en-US" dirty="0" err="1"/>
+              <a:t>api</a:t>
+            </a:r>
+            <a:r>
+              <a:rPr lang="en-US" dirty="0"/>
+              <a:t> to create animal</a:t>
+            </a:r>
+          </a:p>
+          <a:p>
+            <a:r>
+              <a:rPr lang="en-US" dirty="0"/>
+              <a:t>animal should have</a:t>
+            </a:r>
+          </a:p>
+          <a:p>
+            <a:pPr lvl="1"/>
+            <a:r>
+              <a:rPr lang="en-US" dirty="0"/>
+              <a:t>name</a:t>
+            </a:r>
+          </a:p>
+          <a:p>
+            <a:pPr lvl="1"/>
+            <a:r>
+              <a:rPr lang="en-US" dirty="0"/>
+              <a:t>picture</a:t>
+            </a:r>
+          </a:p>
+          <a:p>
+            <a:pPr lvl="1"/>
+            <a:r>
+              <a:rPr lang="en-US"/>
+              <a:t>size</a:t>
+            </a:r>
+            <a:endParaRPr lang="en-US" dirty="0"/>
+          </a:p>
+        </p:txBody>
+      </p:sp>
+    </p:spTree>
+    <p:extLst>
+      <p:ext uri="{BB962C8B-B14F-4D97-AF65-F5344CB8AC3E}">
+        <p14:creationId xmlns:p14="http://schemas.microsoft.com/office/powerpoint/2010/main" val="2584973805"/>
+      </p:ext>
+    </p:extLst>
+  </p:cSld>
+  <p:clrMapOvr>
+    <a:masterClrMapping/>
+  </p:clrMapOvr>
+</p:sld>
+</file>
+
 <file path=ppt/slides/slide6.xml><?xml version="1.0" encoding="utf-8"?>
 <p:sld xmlns:a="http://schemas.openxmlformats.org/drawingml/2006/main" xmlns:r="http://schemas.openxmlformats.org/officeDocument/2006/relationships" xmlns:p="http://schemas.openxmlformats.org/presentationml/2006/main">
   <p:cSld>

--- a/docs/node js.pptx
+++ b/docs/node js.pptx
@@ -61,6 +61,7 @@
     <p:sldId id="309" r:id="rId55"/>
     <p:sldId id="310" r:id="rId56"/>
     <p:sldId id="311" r:id="rId57"/>
+    <p:sldId id="312" r:id="rId58"/>
   </p:sldIdLst>
   <p:sldSz cx="12192000" cy="6858000"/>
   <p:notesSz cx="6858000" cy="9144000"/>
@@ -19672,10 +19673,9 @@
           <a:p>
             <a:pPr lvl="1"/>
             <a:r>
-              <a:rPr lang="en-US"/>
+              <a:rPr lang="en-US" dirty="0"/>
               <a:t>size</a:t>
             </a:r>
-            <a:endParaRPr lang="en-US" dirty="0"/>
           </a:p>
         </p:txBody>
       </p:sp>
@@ -19683,6 +19683,217 @@
     <p:extLst>
       <p:ext uri="{BB962C8B-B14F-4D97-AF65-F5344CB8AC3E}">
         <p14:creationId xmlns:p14="http://schemas.microsoft.com/office/powerpoint/2010/main" val="2584973805"/>
+      </p:ext>
+    </p:extLst>
+  </p:cSld>
+  <p:clrMapOvr>
+    <a:masterClrMapping/>
+  </p:clrMapOvr>
+</p:sld>
+</file>
+
+<file path=ppt/slides/slide57.xml><?xml version="1.0" encoding="utf-8"?>
+<p:sld xmlns:a="http://schemas.openxmlformats.org/drawingml/2006/main" xmlns:r="http://schemas.openxmlformats.org/officeDocument/2006/relationships" xmlns:p="http://schemas.openxmlformats.org/presentationml/2006/main">
+  <p:cSld>
+    <p:spTree>
+      <p:nvGrpSpPr>
+        <p:cNvPr id="1" name=""/>
+        <p:cNvGrpSpPr/>
+        <p:nvPr/>
+      </p:nvGrpSpPr>
+      <p:grpSpPr>
+        <a:xfrm>
+          <a:off x="0" y="0"/>
+          <a:ext cx="0" cy="0"/>
+          <a:chOff x="0" y="0"/>
+          <a:chExt cx="0" cy="0"/>
+        </a:xfrm>
+      </p:grpSpPr>
+      <p:sp>
+        <p:nvSpPr>
+          <p:cNvPr id="2" name="Title 1">
+            <a:extLst>
+              <a:ext uri="{FF2B5EF4-FFF2-40B4-BE49-F238E27FC236}">
+                <a16:creationId xmlns:a16="http://schemas.microsoft.com/office/drawing/2014/main" id="{7536A5A0-6A70-C7CE-1030-952992936583}"/>
+              </a:ext>
+            </a:extLst>
+          </p:cNvPr>
+          <p:cNvSpPr>
+            <a:spLocks noGrp="1"/>
+          </p:cNvSpPr>
+          <p:nvPr>
+            <p:ph type="title"/>
+          </p:nvPr>
+        </p:nvSpPr>
+        <p:spPr/>
+        <p:txBody>
+          <a:bodyPr/>
+          <a:lstStyle/>
+          <a:p>
+            <a:r>
+              <a:rPr lang="en-US" dirty="0"/>
+              <a:t>Form data</a:t>
+            </a:r>
+          </a:p>
+        </p:txBody>
+      </p:sp>
+      <p:sp>
+        <p:nvSpPr>
+          <p:cNvPr id="3" name="Content Placeholder 2">
+            <a:extLst>
+              <a:ext uri="{FF2B5EF4-FFF2-40B4-BE49-F238E27FC236}">
+                <a16:creationId xmlns:a16="http://schemas.microsoft.com/office/drawing/2014/main" id="{9700354A-2391-DCDF-C79A-FF1F664814C0}"/>
+              </a:ext>
+            </a:extLst>
+          </p:cNvPr>
+          <p:cNvSpPr>
+            <a:spLocks noGrp="1"/>
+          </p:cNvSpPr>
+          <p:nvPr>
+            <p:ph idx="1"/>
+          </p:nvPr>
+        </p:nvSpPr>
+        <p:spPr/>
+        <p:txBody>
+          <a:bodyPr>
+            <a:normAutofit fontScale="85000" lnSpcReduction="20000"/>
+          </a:bodyPr>
+          <a:lstStyle/>
+          <a:p>
+            <a:r>
+              <a:rPr lang="en-US" dirty="0" err="1"/>
+              <a:t>FormData</a:t>
+            </a:r>
+            <a:r>
+              <a:rPr lang="en-US" dirty="0"/>
+              <a:t> is special class that allows us to send ajax request with files</a:t>
+            </a:r>
+          </a:p>
+          <a:p>
+            <a:r>
+              <a:rPr lang="en-US" dirty="0"/>
+              <a:t>when we use </a:t>
+            </a:r>
+            <a:r>
+              <a:rPr lang="en-US" dirty="0" err="1"/>
+              <a:t>formdata</a:t>
+            </a:r>
+            <a:r>
+              <a:rPr lang="en-US" dirty="0"/>
+              <a:t> class we must create object of </a:t>
+            </a:r>
+            <a:r>
+              <a:rPr lang="en-US" dirty="0" err="1"/>
+              <a:t>formdata</a:t>
+            </a:r>
+            <a:endParaRPr lang="en-US" dirty="0"/>
+          </a:p>
+          <a:p>
+            <a:r>
+              <a:rPr lang="en-US" dirty="0"/>
+              <a:t>and add the files and the inputs txt that we want to send like so</a:t>
+            </a:r>
+          </a:p>
+          <a:p>
+            <a:r>
+              <a:rPr lang="en-US" dirty="0"/>
+              <a:t>const </a:t>
+            </a:r>
+            <a:r>
+              <a:rPr lang="en-US" dirty="0" err="1"/>
+              <a:t>formData</a:t>
+            </a:r>
+            <a:r>
+              <a:rPr lang="en-US" dirty="0"/>
+              <a:t> = new </a:t>
+            </a:r>
+            <a:r>
+              <a:rPr lang="en-US" dirty="0" err="1"/>
+              <a:t>FormData</a:t>
+            </a:r>
+            <a:r>
+              <a:rPr lang="en-US" dirty="0"/>
+              <a:t>();</a:t>
+            </a:r>
+          </a:p>
+          <a:p>
+            <a:r>
+              <a:rPr lang="en-US" dirty="0"/>
+              <a:t>    </a:t>
+            </a:r>
+            <a:r>
+              <a:rPr lang="en-US" dirty="0" err="1"/>
+              <a:t>formData.append</a:t>
+            </a:r>
+            <a:r>
+              <a:rPr lang="en-US" dirty="0"/>
+              <a:t>("</a:t>
+            </a:r>
+            <a:r>
+              <a:rPr lang="en-US" dirty="0" err="1"/>
+              <a:t>prudImg</a:t>
+            </a:r>
+            <a:r>
+              <a:rPr lang="en-US" dirty="0"/>
+              <a:t>", </a:t>
+            </a:r>
+            <a:r>
+              <a:rPr lang="en-US" dirty="0" err="1"/>
+              <a:t>img</a:t>
+            </a:r>
+            <a:r>
+              <a:rPr lang="en-US" dirty="0"/>
+              <a:t>);</a:t>
+            </a:r>
+          </a:p>
+          <a:p>
+            <a:r>
+              <a:rPr lang="en-US" dirty="0"/>
+              <a:t>    </a:t>
+            </a:r>
+            <a:r>
+              <a:rPr lang="en-US" dirty="0" err="1"/>
+              <a:t>formData.append</a:t>
+            </a:r>
+            <a:r>
+              <a:rPr lang="en-US" dirty="0"/>
+              <a:t>("name", name);</a:t>
+            </a:r>
+          </a:p>
+          <a:p>
+            <a:r>
+              <a:rPr lang="en-US" dirty="0"/>
+              <a:t>    </a:t>
+            </a:r>
+            <a:r>
+              <a:rPr lang="en-US" dirty="0" err="1"/>
+              <a:t>formData.append</a:t>
+            </a:r>
+            <a:r>
+              <a:rPr lang="en-US" dirty="0"/>
+              <a:t>("price", price);</a:t>
+            </a:r>
+          </a:p>
+          <a:p>
+            <a:r>
+              <a:rPr lang="en-US" dirty="0"/>
+              <a:t>    </a:t>
+            </a:r>
+            <a:r>
+              <a:rPr lang="en-US" dirty="0" err="1"/>
+              <a:t>formData.append</a:t>
+            </a:r>
+            <a:r>
+              <a:rPr lang="en-US" dirty="0"/>
+              <a:t>("description", description);</a:t>
+            </a:r>
+          </a:p>
+        </p:txBody>
+      </p:sp>
+    </p:spTree>
+    <p:extLst>
+      <p:ext uri="{BB962C8B-B14F-4D97-AF65-F5344CB8AC3E}">
+        <p14:creationId xmlns:p14="http://schemas.microsoft.com/office/powerpoint/2010/main" val="251454646"/>
       </p:ext>
     </p:extLst>
   </p:cSld>

--- a/docs/node js.pptx
+++ b/docs/node js.pptx
@@ -62,6 +62,8 @@
     <p:sldId id="310" r:id="rId56"/>
     <p:sldId id="311" r:id="rId57"/>
     <p:sldId id="312" r:id="rId58"/>
+    <p:sldId id="313" r:id="rId59"/>
+    <p:sldId id="314" r:id="rId60"/>
   </p:sldIdLst>
   <p:sldSz cx="12192000" cy="6858000"/>
   <p:notesSz cx="6858000" cy="9144000"/>
@@ -229,7 +231,7 @@
           <a:noFill/>
           <a:extLst>
             <a:ext uri="{909E8E84-426E-40dd-AFC4-6F175D3DCCD1}">
-              <a14:hiddenFill xmlns:a14="http://schemas.microsoft.com/office/drawing/2010/main" xmlns="">
+              <a14:hiddenFill xmlns="" xmlns:a14="http://schemas.microsoft.com/office/drawing/2010/main">
                 <a:solidFill>
                   <a:srgbClr val="FFFFFF"/>
                 </a:solidFill>
@@ -289,7 +291,7 @@
             </a:ln>
             <a:extLst>
               <a:ext uri="{91240B29-F687-4f45-9708-019B960494DF}">
-                <a14:hiddenLine xmlns:a14="http://schemas.microsoft.com/office/drawing/2010/main" xmlns="" w="9525">
+                <a14:hiddenLine xmlns="" xmlns:a14="http://schemas.microsoft.com/office/drawing/2010/main" w="9525">
                   <a:solidFill>
                     <a:srgbClr val="000000"/>
                   </a:solidFill>
@@ -379,7 +381,7 @@
             </a:ln>
             <a:extLst>
               <a:ext uri="{91240B29-F687-4f45-9708-019B960494DF}">
-                <a14:hiddenLine xmlns:a14="http://schemas.microsoft.com/office/drawing/2010/main" xmlns="" w="9525">
+                <a14:hiddenLine xmlns="" xmlns:a14="http://schemas.microsoft.com/office/drawing/2010/main" w="9525">
                   <a:solidFill>
                     <a:srgbClr val="000000"/>
                   </a:solidFill>
@@ -469,7 +471,7 @@
             </a:ln>
             <a:extLst>
               <a:ext uri="{91240B29-F687-4f45-9708-019B960494DF}">
-                <a14:hiddenLine xmlns:a14="http://schemas.microsoft.com/office/drawing/2010/main" xmlns="" w="9525">
+                <a14:hiddenLine xmlns="" xmlns:a14="http://schemas.microsoft.com/office/drawing/2010/main" w="9525">
                   <a:solidFill>
                     <a:srgbClr val="000000"/>
                   </a:solidFill>
@@ -503,7 +505,7 @@
             </a:ln>
             <a:extLst>
               <a:ext uri="{91240B29-F687-4f45-9708-019B960494DF}">
-                <a14:hiddenLine xmlns:a14="http://schemas.microsoft.com/office/drawing/2010/main" xmlns="" w="9525">
+                <a14:hiddenLine xmlns="" xmlns:a14="http://schemas.microsoft.com/office/drawing/2010/main" w="9525">
                   <a:solidFill>
                     <a:srgbClr val="000000"/>
                   </a:solidFill>
@@ -593,7 +595,7 @@
             </a:ln>
             <a:extLst>
               <a:ext uri="{91240B29-F687-4f45-9708-019B960494DF}">
-                <a14:hiddenLine xmlns:a14="http://schemas.microsoft.com/office/drawing/2010/main" xmlns="" w="9525">
+                <a14:hiddenLine xmlns="" xmlns:a14="http://schemas.microsoft.com/office/drawing/2010/main" w="9525">
                   <a:solidFill>
                     <a:srgbClr val="000000"/>
                   </a:solidFill>
@@ -655,7 +657,7 @@
             </a:ln>
             <a:extLst>
               <a:ext uri="{91240B29-F687-4f45-9708-019B960494DF}">
-                <a14:hiddenLine xmlns:a14="http://schemas.microsoft.com/office/drawing/2010/main" xmlns="" w="9525">
+                <a14:hiddenLine xmlns="" xmlns:a14="http://schemas.microsoft.com/office/drawing/2010/main" w="9525">
                   <a:solidFill>
                     <a:srgbClr val="000000"/>
                   </a:solidFill>
@@ -717,7 +719,7 @@
             </a:ln>
             <a:extLst>
               <a:ext uri="{91240B29-F687-4f45-9708-019B960494DF}">
-                <a14:hiddenLine xmlns:a14="http://schemas.microsoft.com/office/drawing/2010/main" xmlns="" w="9525">
+                <a14:hiddenLine xmlns="" xmlns:a14="http://schemas.microsoft.com/office/drawing/2010/main" w="9525">
                   <a:solidFill>
                     <a:srgbClr val="000000"/>
                   </a:solidFill>
@@ -807,7 +809,7 @@
             </a:ln>
             <a:extLst>
               <a:ext uri="{91240B29-F687-4f45-9708-019B960494DF}">
-                <a14:hiddenLine xmlns:a14="http://schemas.microsoft.com/office/drawing/2010/main" xmlns="" w="9525">
+                <a14:hiddenLine xmlns="" xmlns:a14="http://schemas.microsoft.com/office/drawing/2010/main" w="9525">
                   <a:solidFill>
                     <a:srgbClr val="000000"/>
                   </a:solidFill>
@@ -869,7 +871,7 @@
             </a:ln>
             <a:extLst>
               <a:ext uri="{91240B29-F687-4f45-9708-019B960494DF}">
-                <a14:hiddenLine xmlns:a14="http://schemas.microsoft.com/office/drawing/2010/main" xmlns="" w="9525">
+                <a14:hiddenLine xmlns="" xmlns:a14="http://schemas.microsoft.com/office/drawing/2010/main" w="9525">
                   <a:solidFill>
                     <a:srgbClr val="000000"/>
                   </a:solidFill>
@@ -931,7 +933,7 @@
             </a:ln>
             <a:extLst>
               <a:ext uri="{91240B29-F687-4f45-9708-019B960494DF}">
-                <a14:hiddenLine xmlns:a14="http://schemas.microsoft.com/office/drawing/2010/main" xmlns="" w="9525">
+                <a14:hiddenLine xmlns="" xmlns:a14="http://schemas.microsoft.com/office/drawing/2010/main" w="9525">
                   <a:solidFill>
                     <a:srgbClr val="000000"/>
                   </a:solidFill>
@@ -1021,7 +1023,7 @@
             </a:ln>
             <a:extLst>
               <a:ext uri="{91240B29-F687-4f45-9708-019B960494DF}">
-                <a14:hiddenLine xmlns:a14="http://schemas.microsoft.com/office/drawing/2010/main" xmlns="" w="9525">
+                <a14:hiddenLine xmlns="" xmlns:a14="http://schemas.microsoft.com/office/drawing/2010/main" w="9525">
                   <a:solidFill>
                     <a:srgbClr val="000000"/>
                   </a:solidFill>
@@ -1111,7 +1113,7 @@
             </a:ln>
             <a:extLst>
               <a:ext uri="{91240B29-F687-4f45-9708-019B960494DF}">
-                <a14:hiddenLine xmlns:a14="http://schemas.microsoft.com/office/drawing/2010/main" xmlns="" w="9525">
+                <a14:hiddenLine xmlns="" xmlns:a14="http://schemas.microsoft.com/office/drawing/2010/main" w="9525">
                   <a:solidFill>
                     <a:srgbClr val="000000"/>
                   </a:solidFill>
@@ -1173,7 +1175,7 @@
             </a:ln>
             <a:extLst>
               <a:ext uri="{91240B29-F687-4f45-9708-019B960494DF}">
-                <a14:hiddenLine xmlns:a14="http://schemas.microsoft.com/office/drawing/2010/main" xmlns="" w="9525">
+                <a14:hiddenLine xmlns="" xmlns:a14="http://schemas.microsoft.com/office/drawing/2010/main" w="9525">
                   <a:solidFill>
                     <a:srgbClr val="000000"/>
                   </a:solidFill>
@@ -1283,7 +1285,7 @@
             </a:ln>
             <a:extLst>
               <a:ext uri="{91240B29-F687-4f45-9708-019B960494DF}">
-                <a14:hiddenLine xmlns:a14="http://schemas.microsoft.com/office/drawing/2010/main" xmlns="" w="9525">
+                <a14:hiddenLine xmlns="" xmlns:a14="http://schemas.microsoft.com/office/drawing/2010/main" w="9525">
                   <a:solidFill>
                     <a:srgbClr val="000000"/>
                   </a:solidFill>
@@ -1345,7 +1347,7 @@
             </a:ln>
             <a:extLst>
               <a:ext uri="{91240B29-F687-4f45-9708-019B960494DF}">
-                <a14:hiddenLine xmlns:a14="http://schemas.microsoft.com/office/drawing/2010/main" xmlns="" w="9525">
+                <a14:hiddenLine xmlns="" xmlns:a14="http://schemas.microsoft.com/office/drawing/2010/main" w="9525">
                   <a:solidFill>
                     <a:srgbClr val="000000"/>
                   </a:solidFill>
@@ -1435,7 +1437,7 @@
             </a:ln>
             <a:extLst>
               <a:ext uri="{91240B29-F687-4f45-9708-019B960494DF}">
-                <a14:hiddenLine xmlns:a14="http://schemas.microsoft.com/office/drawing/2010/main" xmlns="" w="9525">
+                <a14:hiddenLine xmlns="" xmlns:a14="http://schemas.microsoft.com/office/drawing/2010/main" w="9525">
                   <a:solidFill>
                     <a:srgbClr val="000000"/>
                   </a:solidFill>
@@ -1525,7 +1527,7 @@
             </a:ln>
             <a:extLst>
               <a:ext uri="{91240B29-F687-4f45-9708-019B960494DF}">
-                <a14:hiddenLine xmlns:a14="http://schemas.microsoft.com/office/drawing/2010/main" xmlns="" w="9525">
+                <a14:hiddenLine xmlns="" xmlns:a14="http://schemas.microsoft.com/office/drawing/2010/main" w="9525">
                   <a:solidFill>
                     <a:srgbClr val="000000"/>
                   </a:solidFill>
@@ -1587,7 +1589,7 @@
             </a:ln>
             <a:extLst>
               <a:ext uri="{91240B29-F687-4f45-9708-019B960494DF}">
-                <a14:hiddenLine xmlns:a14="http://schemas.microsoft.com/office/drawing/2010/main" xmlns="" w="9525">
+                <a14:hiddenLine xmlns="" xmlns:a14="http://schemas.microsoft.com/office/drawing/2010/main" w="9525">
                   <a:solidFill>
                     <a:srgbClr val="000000"/>
                   </a:solidFill>
@@ -1677,7 +1679,7 @@
             </a:ln>
             <a:extLst>
               <a:ext uri="{91240B29-F687-4f45-9708-019B960494DF}">
-                <a14:hiddenLine xmlns:a14="http://schemas.microsoft.com/office/drawing/2010/main" xmlns="" w="9525">
+                <a14:hiddenLine xmlns="" xmlns:a14="http://schemas.microsoft.com/office/drawing/2010/main" w="9525">
                   <a:solidFill>
                     <a:srgbClr val="000000"/>
                   </a:solidFill>
@@ -1767,7 +1769,7 @@
             </a:ln>
             <a:extLst>
               <a:ext uri="{91240B29-F687-4f45-9708-019B960494DF}">
-                <a14:hiddenLine xmlns:a14="http://schemas.microsoft.com/office/drawing/2010/main" xmlns="" w="9525">
+                <a14:hiddenLine xmlns="" xmlns:a14="http://schemas.microsoft.com/office/drawing/2010/main" w="9525">
                   <a:solidFill>
                     <a:srgbClr val="000000"/>
                   </a:solidFill>
@@ -1823,7 +1825,7 @@
             </a:ln>
             <a:extLst>
               <a:ext uri="{91240B29-F687-4f45-9708-019B960494DF}">
-                <a14:hiddenLine xmlns:a14="http://schemas.microsoft.com/office/drawing/2010/main" xmlns="" w="9525">
+                <a14:hiddenLine xmlns="" xmlns:a14="http://schemas.microsoft.com/office/drawing/2010/main" w="9525">
                   <a:solidFill>
                     <a:srgbClr val="000000"/>
                   </a:solidFill>
@@ -1913,7 +1915,7 @@
             </a:ln>
             <a:extLst>
               <a:ext uri="{91240B29-F687-4f45-9708-019B960494DF}">
-                <a14:hiddenLine xmlns:a14="http://schemas.microsoft.com/office/drawing/2010/main" xmlns="" w="9525">
+                <a14:hiddenLine xmlns="" xmlns:a14="http://schemas.microsoft.com/office/drawing/2010/main" w="9525">
                   <a:solidFill>
                     <a:srgbClr val="000000"/>
                   </a:solidFill>
@@ -1969,7 +1971,7 @@
             </a:ln>
             <a:extLst>
               <a:ext uri="{91240B29-F687-4f45-9708-019B960494DF}">
-                <a14:hiddenLine xmlns:a14="http://schemas.microsoft.com/office/drawing/2010/main" xmlns="" w="9525">
+                <a14:hiddenLine xmlns="" xmlns:a14="http://schemas.microsoft.com/office/drawing/2010/main" w="9525">
                   <a:solidFill>
                     <a:srgbClr val="000000"/>
                   </a:solidFill>
@@ -2059,7 +2061,7 @@
             </a:ln>
             <a:extLst>
               <a:ext uri="{91240B29-F687-4f45-9708-019B960494DF}">
-                <a14:hiddenLine xmlns:a14="http://schemas.microsoft.com/office/drawing/2010/main" xmlns="" w="9525">
+                <a14:hiddenLine xmlns="" xmlns:a14="http://schemas.microsoft.com/office/drawing/2010/main" w="9525">
                   <a:solidFill>
                     <a:srgbClr val="000000"/>
                   </a:solidFill>
@@ -2127,7 +2129,7 @@
             </a:ln>
             <a:extLst>
               <a:ext uri="{91240B29-F687-4f45-9708-019B960494DF}">
-                <a14:hiddenLine xmlns:a14="http://schemas.microsoft.com/office/drawing/2010/main" xmlns="" w="9525">
+                <a14:hiddenLine xmlns="" xmlns:a14="http://schemas.microsoft.com/office/drawing/2010/main" w="9525">
                   <a:solidFill>
                     <a:srgbClr val="000000"/>
                   </a:solidFill>
@@ -2217,7 +2219,7 @@
             </a:ln>
             <a:extLst>
               <a:ext uri="{91240B29-F687-4f45-9708-019B960494DF}">
-                <a14:hiddenLine xmlns:a14="http://schemas.microsoft.com/office/drawing/2010/main" xmlns="" w="9525">
+                <a14:hiddenLine xmlns="" xmlns:a14="http://schemas.microsoft.com/office/drawing/2010/main" w="9525">
                   <a:solidFill>
                     <a:srgbClr val="000000"/>
                   </a:solidFill>
@@ -2285,7 +2287,7 @@
             </a:ln>
             <a:extLst>
               <a:ext uri="{91240B29-F687-4f45-9708-019B960494DF}">
-                <a14:hiddenLine xmlns:a14="http://schemas.microsoft.com/office/drawing/2010/main" xmlns="" w="9525">
+                <a14:hiddenLine xmlns="" xmlns:a14="http://schemas.microsoft.com/office/drawing/2010/main" w="9525">
                   <a:solidFill>
                     <a:srgbClr val="000000"/>
                   </a:solidFill>
@@ -2375,7 +2377,7 @@
             </a:ln>
             <a:extLst>
               <a:ext uri="{91240B29-F687-4f45-9708-019B960494DF}">
-                <a14:hiddenLine xmlns:a14="http://schemas.microsoft.com/office/drawing/2010/main" xmlns="" w="9525">
+                <a14:hiddenLine xmlns="" xmlns:a14="http://schemas.microsoft.com/office/drawing/2010/main" w="9525">
                   <a:solidFill>
                     <a:srgbClr val="000000"/>
                   </a:solidFill>
@@ -2409,7 +2411,7 @@
             </a:ln>
             <a:extLst>
               <a:ext uri="{91240B29-F687-4f45-9708-019B960494DF}">
-                <a14:hiddenLine xmlns:a14="http://schemas.microsoft.com/office/drawing/2010/main" xmlns="" w="9525">
+                <a14:hiddenLine xmlns="" xmlns:a14="http://schemas.microsoft.com/office/drawing/2010/main" w="9525">
                   <a:solidFill>
                     <a:srgbClr val="000000"/>
                   </a:solidFill>
@@ -2499,7 +2501,7 @@
             </a:ln>
             <a:extLst>
               <a:ext uri="{91240B29-F687-4f45-9708-019B960494DF}">
-                <a14:hiddenLine xmlns:a14="http://schemas.microsoft.com/office/drawing/2010/main" xmlns="" w="9525">
+                <a14:hiddenLine xmlns="" xmlns:a14="http://schemas.microsoft.com/office/drawing/2010/main" w="9525">
                   <a:solidFill>
                     <a:srgbClr val="000000"/>
                   </a:solidFill>
@@ -2561,7 +2563,7 @@
             </a:ln>
             <a:extLst>
               <a:ext uri="{91240B29-F687-4f45-9708-019B960494DF}">
-                <a14:hiddenLine xmlns:a14="http://schemas.microsoft.com/office/drawing/2010/main" xmlns="" w="9525">
+                <a14:hiddenLine xmlns="" xmlns:a14="http://schemas.microsoft.com/office/drawing/2010/main" w="9525">
                   <a:solidFill>
                     <a:srgbClr val="000000"/>
                   </a:solidFill>
@@ -2623,7 +2625,7 @@
             </a:ln>
             <a:extLst>
               <a:ext uri="{91240B29-F687-4f45-9708-019B960494DF}">
-                <a14:hiddenLine xmlns:a14="http://schemas.microsoft.com/office/drawing/2010/main" xmlns="" w="9525">
+                <a14:hiddenLine xmlns="" xmlns:a14="http://schemas.microsoft.com/office/drawing/2010/main" w="9525">
                   <a:solidFill>
                     <a:srgbClr val="000000"/>
                   </a:solidFill>
@@ -2713,7 +2715,7 @@
             </a:ln>
             <a:extLst>
               <a:ext uri="{91240B29-F687-4f45-9708-019B960494DF}">
-                <a14:hiddenLine xmlns:a14="http://schemas.microsoft.com/office/drawing/2010/main" xmlns="" w="9525">
+                <a14:hiddenLine xmlns="" xmlns:a14="http://schemas.microsoft.com/office/drawing/2010/main" w="9525">
                   <a:solidFill>
                     <a:srgbClr val="000000"/>
                   </a:solidFill>
@@ -2781,7 +2783,7 @@
             </a:ln>
             <a:extLst>
               <a:ext uri="{91240B29-F687-4f45-9708-019B960494DF}">
-                <a14:hiddenLine xmlns:a14="http://schemas.microsoft.com/office/drawing/2010/main" xmlns="" w="9525">
+                <a14:hiddenLine xmlns="" xmlns:a14="http://schemas.microsoft.com/office/drawing/2010/main" w="9525">
                   <a:solidFill>
                     <a:srgbClr val="000000"/>
                   </a:solidFill>
@@ -2843,7 +2845,7 @@
             </a:ln>
             <a:extLst>
               <a:ext uri="{91240B29-F687-4f45-9708-019B960494DF}">
-                <a14:hiddenLine xmlns:a14="http://schemas.microsoft.com/office/drawing/2010/main" xmlns="" w="9525">
+                <a14:hiddenLine xmlns="" xmlns:a14="http://schemas.microsoft.com/office/drawing/2010/main" w="9525">
                   <a:solidFill>
                     <a:srgbClr val="000000"/>
                   </a:solidFill>
@@ -2933,7 +2935,7 @@
             </a:ln>
             <a:extLst>
               <a:ext uri="{91240B29-F687-4f45-9708-019B960494DF}">
-                <a14:hiddenLine xmlns:a14="http://schemas.microsoft.com/office/drawing/2010/main" xmlns="" w="9525">
+                <a14:hiddenLine xmlns="" xmlns:a14="http://schemas.microsoft.com/office/drawing/2010/main" w="9525">
                   <a:solidFill>
                     <a:srgbClr val="000000"/>
                   </a:solidFill>
@@ -2995,7 +2997,7 @@
             </a:ln>
             <a:extLst>
               <a:ext uri="{91240B29-F687-4f45-9708-019B960494DF}">
-                <a14:hiddenLine xmlns:a14="http://schemas.microsoft.com/office/drawing/2010/main" xmlns="" w="9525">
+                <a14:hiddenLine xmlns="" xmlns:a14="http://schemas.microsoft.com/office/drawing/2010/main" w="9525">
                   <a:solidFill>
                     <a:srgbClr val="000000"/>
                   </a:solidFill>
@@ -3085,7 +3087,7 @@
             </a:ln>
             <a:extLst>
               <a:ext uri="{91240B29-F687-4f45-9708-019B960494DF}">
-                <a14:hiddenLine xmlns:a14="http://schemas.microsoft.com/office/drawing/2010/main" xmlns="" w="9525">
+                <a14:hiddenLine xmlns="" xmlns:a14="http://schemas.microsoft.com/office/drawing/2010/main" w="9525">
                   <a:solidFill>
                     <a:srgbClr val="000000"/>
                   </a:solidFill>
@@ -3147,7 +3149,7 @@
             </a:ln>
             <a:extLst>
               <a:ext uri="{91240B29-F687-4f45-9708-019B960494DF}">
-                <a14:hiddenLine xmlns:a14="http://schemas.microsoft.com/office/drawing/2010/main" xmlns="" w="9525">
+                <a14:hiddenLine xmlns="" xmlns:a14="http://schemas.microsoft.com/office/drawing/2010/main" w="9525">
                   <a:solidFill>
                     <a:srgbClr val="000000"/>
                   </a:solidFill>
@@ -3237,7 +3239,7 @@
             </a:ln>
             <a:extLst>
               <a:ext uri="{91240B29-F687-4f45-9708-019B960494DF}">
-                <a14:hiddenLine xmlns:a14="http://schemas.microsoft.com/office/drawing/2010/main" xmlns="" w="9525">
+                <a14:hiddenLine xmlns="" xmlns:a14="http://schemas.microsoft.com/office/drawing/2010/main" w="9525">
                   <a:solidFill>
                     <a:srgbClr val="000000"/>
                   </a:solidFill>
@@ -3271,7 +3273,7 @@
             </a:ln>
             <a:extLst>
               <a:ext uri="{91240B29-F687-4f45-9708-019B960494DF}">
-                <a14:hiddenLine xmlns:a14="http://schemas.microsoft.com/office/drawing/2010/main" xmlns="" w="9525">
+                <a14:hiddenLine xmlns="" xmlns:a14="http://schemas.microsoft.com/office/drawing/2010/main" w="9525">
                   <a:solidFill>
                     <a:srgbClr val="000000"/>
                   </a:solidFill>
@@ -3336,7 +3338,7 @@
             </a:ln>
             <a:extLst>
               <a:ext uri="{91240B29-F687-4f45-9708-019B960494DF}">
-                <a14:hiddenLine xmlns:a14="http://schemas.microsoft.com/office/drawing/2010/main" xmlns="" w="9525">
+                <a14:hiddenLine xmlns="" xmlns:a14="http://schemas.microsoft.com/office/drawing/2010/main" w="9525">
                   <a:solidFill>
                     <a:srgbClr val="000000"/>
                   </a:solidFill>
@@ -3426,7 +3428,7 @@
             </a:ln>
             <a:extLst>
               <a:ext uri="{91240B29-F687-4f45-9708-019B960494DF}">
-                <a14:hiddenLine xmlns:a14="http://schemas.microsoft.com/office/drawing/2010/main" xmlns="" w="9525">
+                <a14:hiddenLine xmlns="" xmlns:a14="http://schemas.microsoft.com/office/drawing/2010/main" w="9525">
                   <a:solidFill>
                     <a:srgbClr val="000000"/>
                   </a:solidFill>
@@ -3488,7 +3490,7 @@
             </a:ln>
             <a:extLst>
               <a:ext uri="{91240B29-F687-4f45-9708-019B960494DF}">
-                <a14:hiddenLine xmlns:a14="http://schemas.microsoft.com/office/drawing/2010/main" xmlns="" w="9525">
+                <a14:hiddenLine xmlns="" xmlns:a14="http://schemas.microsoft.com/office/drawing/2010/main" w="9525">
                   <a:solidFill>
                     <a:srgbClr val="000000"/>
                   </a:solidFill>
@@ -3578,7 +3580,7 @@
             </a:ln>
             <a:extLst>
               <a:ext uri="{91240B29-F687-4f45-9708-019B960494DF}">
-                <a14:hiddenLine xmlns:a14="http://schemas.microsoft.com/office/drawing/2010/main" xmlns="" w="9525">
+                <a14:hiddenLine xmlns="" xmlns:a14="http://schemas.microsoft.com/office/drawing/2010/main" w="9525">
                   <a:solidFill>
                     <a:srgbClr val="000000"/>
                   </a:solidFill>
@@ -3668,7 +3670,7 @@
             </a:ln>
             <a:extLst>
               <a:ext uri="{91240B29-F687-4f45-9708-019B960494DF}">
-                <a14:hiddenLine xmlns:a14="http://schemas.microsoft.com/office/drawing/2010/main" xmlns="" w="9525">
+                <a14:hiddenLine xmlns="" xmlns:a14="http://schemas.microsoft.com/office/drawing/2010/main" w="9525">
                   <a:solidFill>
                     <a:srgbClr val="000000"/>
                   </a:solidFill>
@@ -3733,7 +3735,7 @@
             </a:ln>
             <a:extLst>
               <a:ext uri="{91240B29-F687-4f45-9708-019B960494DF}">
-                <a14:hiddenLine xmlns:a14="http://schemas.microsoft.com/office/drawing/2010/main" xmlns="" w="9525">
+                <a14:hiddenLine xmlns="" xmlns:a14="http://schemas.microsoft.com/office/drawing/2010/main" w="9525">
                   <a:solidFill>
                     <a:srgbClr val="000000"/>
                   </a:solidFill>
@@ -3795,7 +3797,7 @@
             </a:ln>
             <a:extLst>
               <a:ext uri="{91240B29-F687-4f45-9708-019B960494DF}">
-                <a14:hiddenLine xmlns:a14="http://schemas.microsoft.com/office/drawing/2010/main" xmlns="" w="9525">
+                <a14:hiddenLine xmlns="" xmlns:a14="http://schemas.microsoft.com/office/drawing/2010/main" w="9525">
                   <a:solidFill>
                     <a:srgbClr val="000000"/>
                   </a:solidFill>
@@ -3885,7 +3887,7 @@
             </a:ln>
             <a:extLst>
               <a:ext uri="{91240B29-F687-4f45-9708-019B960494DF}">
-                <a14:hiddenLine xmlns:a14="http://schemas.microsoft.com/office/drawing/2010/main" xmlns="" w="9525">
+                <a14:hiddenLine xmlns="" xmlns:a14="http://schemas.microsoft.com/office/drawing/2010/main" w="9525">
                   <a:solidFill>
                     <a:srgbClr val="000000"/>
                   </a:solidFill>
@@ -3975,7 +3977,7 @@
             </a:ln>
             <a:extLst>
               <a:ext uri="{91240B29-F687-4f45-9708-019B960494DF}">
-                <a14:hiddenLine xmlns:a14="http://schemas.microsoft.com/office/drawing/2010/main" xmlns="" w="9525">
+                <a14:hiddenLine xmlns="" xmlns:a14="http://schemas.microsoft.com/office/drawing/2010/main" w="9525">
                   <a:solidFill>
                     <a:srgbClr val="000000"/>
                   </a:solidFill>
@@ -4037,7 +4039,7 @@
             </a:ln>
             <a:extLst>
               <a:ext uri="{91240B29-F687-4f45-9708-019B960494DF}">
-                <a14:hiddenLine xmlns:a14="http://schemas.microsoft.com/office/drawing/2010/main" xmlns="" w="9525">
+                <a14:hiddenLine xmlns="" xmlns:a14="http://schemas.microsoft.com/office/drawing/2010/main" w="9525">
                   <a:solidFill>
                     <a:srgbClr val="000000"/>
                   </a:solidFill>
@@ -4157,7 +4159,7 @@
             </a:ln>
             <a:extLst>
               <a:ext uri="{91240B29-F687-4f45-9708-019B960494DF}">
-                <a14:hiddenLine xmlns:a14="http://schemas.microsoft.com/office/drawing/2010/main" xmlns="" w="9525">
+                <a14:hiddenLine xmlns="" xmlns:a14="http://schemas.microsoft.com/office/drawing/2010/main" w="9525">
                   <a:solidFill>
                     <a:srgbClr val="000000"/>
                   </a:solidFill>
@@ -4225,7 +4227,7 @@
             </a:ln>
             <a:extLst>
               <a:ext uri="{91240B29-F687-4f45-9708-019B960494DF}">
-                <a14:hiddenLine xmlns:a14="http://schemas.microsoft.com/office/drawing/2010/main" xmlns="" w="9525">
+                <a14:hiddenLine xmlns="" xmlns:a14="http://schemas.microsoft.com/office/drawing/2010/main" w="9525">
                   <a:solidFill>
                     <a:srgbClr val="000000"/>
                   </a:solidFill>
@@ -4315,7 +4317,7 @@
             </a:ln>
             <a:extLst>
               <a:ext uri="{91240B29-F687-4f45-9708-019B960494DF}">
-                <a14:hiddenLine xmlns:a14="http://schemas.microsoft.com/office/drawing/2010/main" xmlns="" w="9525">
+                <a14:hiddenLine xmlns="" xmlns:a14="http://schemas.microsoft.com/office/drawing/2010/main" w="9525">
                   <a:solidFill>
                     <a:srgbClr val="000000"/>
                   </a:solidFill>
@@ -4455,7 +4457,7 @@
           <a:p>
             <a:fld id="{951AF1EB-82F2-4C84-AADB-635468081963}" type="datetimeFigureOut">
               <a:rPr lang="en-US" smtClean="0"/>
-              <a:t>17/08/2022</a:t>
+              <a:t>22/08/2022</a:t>
             </a:fld>
             <a:endParaRPr lang="en-US"/>
           </a:p>
@@ -4722,7 +4724,7 @@
           <a:p>
             <a:fld id="{951AF1EB-82F2-4C84-AADB-635468081963}" type="datetimeFigureOut">
               <a:rPr lang="en-US" smtClean="0"/>
-              <a:t>17/08/2022</a:t>
+              <a:t>22/08/2022</a:t>
             </a:fld>
             <a:endParaRPr lang="en-US"/>
           </a:p>
@@ -4918,7 +4920,7 @@
           <a:p>
             <a:fld id="{951AF1EB-82F2-4C84-AADB-635468081963}" type="datetimeFigureOut">
               <a:rPr lang="en-US" smtClean="0"/>
-              <a:t>17/08/2022</a:t>
+              <a:t>22/08/2022</a:t>
             </a:fld>
             <a:endParaRPr lang="en-US"/>
           </a:p>
@@ -5181,7 +5183,7 @@
           <a:p>
             <a:fld id="{951AF1EB-82F2-4C84-AADB-635468081963}" type="datetimeFigureOut">
               <a:rPr lang="en-US" smtClean="0"/>
-              <a:t>17/08/2022</a:t>
+              <a:t>22/08/2022</a:t>
             </a:fld>
             <a:endParaRPr lang="en-US"/>
           </a:p>
@@ -5615,7 +5617,7 @@
           <a:p>
             <a:fld id="{951AF1EB-82F2-4C84-AADB-635468081963}" type="datetimeFigureOut">
               <a:rPr lang="en-US" smtClean="0"/>
-              <a:t>17/08/2022</a:t>
+              <a:t>22/08/2022</a:t>
             </a:fld>
             <a:endParaRPr lang="en-US"/>
           </a:p>
@@ -6161,7 +6163,7 @@
           <a:p>
             <a:fld id="{951AF1EB-82F2-4C84-AADB-635468081963}" type="datetimeFigureOut">
               <a:rPr lang="en-US" smtClean="0"/>
-              <a:t>17/08/2022</a:t>
+              <a:t>22/08/2022</a:t>
             </a:fld>
             <a:endParaRPr lang="en-US"/>
           </a:p>
@@ -6881,7 +6883,7 @@
           <a:p>
             <a:fld id="{951AF1EB-82F2-4C84-AADB-635468081963}" type="datetimeFigureOut">
               <a:rPr lang="en-US" smtClean="0"/>
-              <a:t>17/08/2022</a:t>
+              <a:t>22/08/2022</a:t>
             </a:fld>
             <a:endParaRPr lang="en-US"/>
           </a:p>
@@ -7051,7 +7053,7 @@
           <a:p>
             <a:fld id="{951AF1EB-82F2-4C84-AADB-635468081963}" type="datetimeFigureOut">
               <a:rPr lang="en-US" smtClean="0"/>
-              <a:t>17/08/2022</a:t>
+              <a:t>22/08/2022</a:t>
             </a:fld>
             <a:endParaRPr lang="en-US"/>
           </a:p>
@@ -7231,7 +7233,7 @@
           <a:p>
             <a:fld id="{951AF1EB-82F2-4C84-AADB-635468081963}" type="datetimeFigureOut">
               <a:rPr lang="en-US" smtClean="0"/>
-              <a:t>17/08/2022</a:t>
+              <a:t>22/08/2022</a:t>
             </a:fld>
             <a:endParaRPr lang="en-US"/>
           </a:p>
@@ -7401,7 +7403,7 @@
           <a:p>
             <a:fld id="{951AF1EB-82F2-4C84-AADB-635468081963}" type="datetimeFigureOut">
               <a:rPr lang="en-US" smtClean="0"/>
-              <a:t>17/08/2022</a:t>
+              <a:t>22/08/2022</a:t>
             </a:fld>
             <a:endParaRPr lang="en-US"/>
           </a:p>
@@ -7651,7 +7653,7 @@
           <a:p>
             <a:fld id="{951AF1EB-82F2-4C84-AADB-635468081963}" type="datetimeFigureOut">
               <a:rPr lang="en-US" smtClean="0"/>
-              <a:t>17/08/2022</a:t>
+              <a:t>22/08/2022</a:t>
             </a:fld>
             <a:endParaRPr lang="en-US"/>
           </a:p>
@@ -7883,7 +7885,7 @@
           <a:p>
             <a:fld id="{951AF1EB-82F2-4C84-AADB-635468081963}" type="datetimeFigureOut">
               <a:rPr lang="en-US" smtClean="0"/>
-              <a:t>17/08/2022</a:t>
+              <a:t>22/08/2022</a:t>
             </a:fld>
             <a:endParaRPr lang="en-US"/>
           </a:p>
@@ -8264,7 +8266,7 @@
           <a:p>
             <a:fld id="{951AF1EB-82F2-4C84-AADB-635468081963}" type="datetimeFigureOut">
               <a:rPr lang="en-US" smtClean="0"/>
-              <a:t>17/08/2022</a:t>
+              <a:t>22/08/2022</a:t>
             </a:fld>
             <a:endParaRPr lang="en-US"/>
           </a:p>
@@ -8382,7 +8384,7 @@
           <a:p>
             <a:fld id="{951AF1EB-82F2-4C84-AADB-635468081963}" type="datetimeFigureOut">
               <a:rPr lang="en-US" smtClean="0"/>
-              <a:t>17/08/2022</a:t>
+              <a:t>22/08/2022</a:t>
             </a:fld>
             <a:endParaRPr lang="en-US"/>
           </a:p>
@@ -8477,7 +8479,7 @@
           <a:p>
             <a:fld id="{951AF1EB-82F2-4C84-AADB-635468081963}" type="datetimeFigureOut">
               <a:rPr lang="en-US" smtClean="0"/>
-              <a:t>17/08/2022</a:t>
+              <a:t>22/08/2022</a:t>
             </a:fld>
             <a:endParaRPr lang="en-US"/>
           </a:p>
@@ -8726,7 +8728,7 @@
           <a:p>
             <a:fld id="{951AF1EB-82F2-4C84-AADB-635468081963}" type="datetimeFigureOut">
               <a:rPr lang="en-US" smtClean="0"/>
-              <a:t>17/08/2022</a:t>
+              <a:t>22/08/2022</a:t>
             </a:fld>
             <a:endParaRPr lang="en-US"/>
           </a:p>
@@ -9006,7 +9008,7 @@
           <a:p>
             <a:fld id="{951AF1EB-82F2-4C84-AADB-635468081963}" type="datetimeFigureOut">
               <a:rPr lang="en-US" smtClean="0"/>
-              <a:t>17/08/2022</a:t>
+              <a:t>22/08/2022</a:t>
             </a:fld>
             <a:endParaRPr lang="en-US"/>
           </a:p>
@@ -9122,7 +9124,7 @@
           <a:noFill/>
           <a:extLst>
             <a:ext uri="{909E8E84-426E-40dd-AFC4-6F175D3DCCD1}">
-              <a14:hiddenFill xmlns:a14="http://schemas.microsoft.com/office/drawing/2010/main" xmlns="">
+              <a14:hiddenFill xmlns="" xmlns:a14="http://schemas.microsoft.com/office/drawing/2010/main">
                 <a:solidFill>
                   <a:srgbClr val="FFFFFF"/>
                 </a:solidFill>
@@ -9196,7 +9198,7 @@
               </a:ln>
               <a:extLst>
                 <a:ext uri="{91240B29-F687-4f45-9708-019B960494DF}">
-                  <a14:hiddenLine xmlns:a14="http://schemas.microsoft.com/office/drawing/2010/main" xmlns="" w="9525">
+                  <a14:hiddenLine xmlns="" xmlns:a14="http://schemas.microsoft.com/office/drawing/2010/main" w="9525">
                     <a:solidFill>
                       <a:srgbClr val="000000"/>
                     </a:solidFill>
@@ -9286,7 +9288,7 @@
               </a:ln>
               <a:extLst>
                 <a:ext uri="{91240B29-F687-4f45-9708-019B960494DF}">
-                  <a14:hiddenLine xmlns:a14="http://schemas.microsoft.com/office/drawing/2010/main" xmlns="" w="9525">
+                  <a14:hiddenLine xmlns="" xmlns:a14="http://schemas.microsoft.com/office/drawing/2010/main" w="9525">
                     <a:solidFill>
                       <a:srgbClr val="000000"/>
                     </a:solidFill>
@@ -9376,7 +9378,7 @@
               </a:ln>
               <a:extLst>
                 <a:ext uri="{91240B29-F687-4f45-9708-019B960494DF}">
-                  <a14:hiddenLine xmlns:a14="http://schemas.microsoft.com/office/drawing/2010/main" xmlns="" w="9525">
+                  <a14:hiddenLine xmlns="" xmlns:a14="http://schemas.microsoft.com/office/drawing/2010/main" w="9525">
                     <a:solidFill>
                       <a:srgbClr val="000000"/>
                     </a:solidFill>
@@ -9438,7 +9440,7 @@
               </a:ln>
               <a:extLst>
                 <a:ext uri="{91240B29-F687-4f45-9708-019B960494DF}">
-                  <a14:hiddenLine xmlns:a14="http://schemas.microsoft.com/office/drawing/2010/main" xmlns="" w="9525">
+                  <a14:hiddenLine xmlns="" xmlns:a14="http://schemas.microsoft.com/office/drawing/2010/main" w="9525">
                     <a:solidFill>
                       <a:srgbClr val="000000"/>
                     </a:solidFill>
@@ -9528,7 +9530,7 @@
               </a:ln>
               <a:extLst>
                 <a:ext uri="{91240B29-F687-4f45-9708-019B960494DF}">
-                  <a14:hiddenLine xmlns:a14="http://schemas.microsoft.com/office/drawing/2010/main" xmlns="" w="9525">
+                  <a14:hiddenLine xmlns="" xmlns:a14="http://schemas.microsoft.com/office/drawing/2010/main" w="9525">
                     <a:solidFill>
                       <a:srgbClr val="000000"/>
                     </a:solidFill>
@@ -9590,7 +9592,7 @@
               </a:ln>
               <a:extLst>
                 <a:ext uri="{91240B29-F687-4f45-9708-019B960494DF}">
-                  <a14:hiddenLine xmlns:a14="http://schemas.microsoft.com/office/drawing/2010/main" xmlns="" w="9525">
+                  <a14:hiddenLine xmlns="" xmlns:a14="http://schemas.microsoft.com/office/drawing/2010/main" w="9525">
                     <a:solidFill>
                       <a:srgbClr val="000000"/>
                     </a:solidFill>
@@ -9652,7 +9654,7 @@
               </a:ln>
               <a:extLst>
                 <a:ext uri="{91240B29-F687-4f45-9708-019B960494DF}">
-                  <a14:hiddenLine xmlns:a14="http://schemas.microsoft.com/office/drawing/2010/main" xmlns="" w="9525">
+                  <a14:hiddenLine xmlns="" xmlns:a14="http://schemas.microsoft.com/office/drawing/2010/main" w="9525">
                     <a:solidFill>
                       <a:srgbClr val="000000"/>
                     </a:solidFill>
@@ -9742,7 +9744,7 @@
               </a:ln>
               <a:extLst>
                 <a:ext uri="{91240B29-F687-4f45-9708-019B960494DF}">
-                  <a14:hiddenLine xmlns:a14="http://schemas.microsoft.com/office/drawing/2010/main" xmlns="" w="9525">
+                  <a14:hiddenLine xmlns="" xmlns:a14="http://schemas.microsoft.com/office/drawing/2010/main" w="9525">
                     <a:solidFill>
                       <a:srgbClr val="000000"/>
                     </a:solidFill>
@@ -9832,7 +9834,7 @@
               </a:ln>
               <a:extLst>
                 <a:ext uri="{91240B29-F687-4f45-9708-019B960494DF}">
-                  <a14:hiddenLine xmlns:a14="http://schemas.microsoft.com/office/drawing/2010/main" xmlns="" w="9525">
+                  <a14:hiddenLine xmlns="" xmlns:a14="http://schemas.microsoft.com/office/drawing/2010/main" w="9525">
                     <a:solidFill>
                       <a:srgbClr val="000000"/>
                     </a:solidFill>
@@ -9894,7 +9896,7 @@
               </a:ln>
               <a:extLst>
                 <a:ext uri="{91240B29-F687-4f45-9708-019B960494DF}">
-                  <a14:hiddenLine xmlns:a14="http://schemas.microsoft.com/office/drawing/2010/main" xmlns="" w="9525">
+                  <a14:hiddenLine xmlns="" xmlns:a14="http://schemas.microsoft.com/office/drawing/2010/main" w="9525">
                     <a:solidFill>
                       <a:srgbClr val="000000"/>
                     </a:solidFill>
@@ -10004,7 +10006,7 @@
               </a:ln>
               <a:extLst>
                 <a:ext uri="{91240B29-F687-4f45-9708-019B960494DF}">
-                  <a14:hiddenLine xmlns:a14="http://schemas.microsoft.com/office/drawing/2010/main" xmlns="" w="9525">
+                  <a14:hiddenLine xmlns="" xmlns:a14="http://schemas.microsoft.com/office/drawing/2010/main" w="9525">
                     <a:solidFill>
                       <a:srgbClr val="000000"/>
                     </a:solidFill>
@@ -10088,7 +10090,7 @@
               </a:ln>
               <a:extLst>
                 <a:ext uri="{91240B29-F687-4f45-9708-019B960494DF}">
-                  <a14:hiddenLine xmlns:a14="http://schemas.microsoft.com/office/drawing/2010/main" xmlns="" w="9525">
+                  <a14:hiddenLine xmlns="" xmlns:a14="http://schemas.microsoft.com/office/drawing/2010/main" w="9525">
                     <a:solidFill>
                       <a:srgbClr val="000000"/>
                     </a:solidFill>
@@ -10150,7 +10152,7 @@
               </a:ln>
               <a:extLst>
                 <a:ext uri="{91240B29-F687-4f45-9708-019B960494DF}">
-                  <a14:hiddenLine xmlns:a14="http://schemas.microsoft.com/office/drawing/2010/main" xmlns="" w="9525">
+                  <a14:hiddenLine xmlns="" xmlns:a14="http://schemas.microsoft.com/office/drawing/2010/main" w="9525">
                     <a:solidFill>
                       <a:srgbClr val="000000"/>
                     </a:solidFill>
@@ -10212,7 +10214,7 @@
               </a:ln>
               <a:extLst>
                 <a:ext uri="{91240B29-F687-4f45-9708-019B960494DF}">
-                  <a14:hiddenLine xmlns:a14="http://schemas.microsoft.com/office/drawing/2010/main" xmlns="" w="9525">
+                  <a14:hiddenLine xmlns="" xmlns:a14="http://schemas.microsoft.com/office/drawing/2010/main" w="9525">
                     <a:solidFill>
                       <a:srgbClr val="000000"/>
                     </a:solidFill>
@@ -10302,7 +10304,7 @@
               </a:ln>
               <a:extLst>
                 <a:ext uri="{91240B29-F687-4f45-9708-019B960494DF}">
-                  <a14:hiddenLine xmlns:a14="http://schemas.microsoft.com/office/drawing/2010/main" xmlns="" w="9525">
+                  <a14:hiddenLine xmlns="" xmlns:a14="http://schemas.microsoft.com/office/drawing/2010/main" w="9525">
                     <a:solidFill>
                       <a:srgbClr val="000000"/>
                     </a:solidFill>
@@ -10336,7 +10338,7 @@
               </a:ln>
               <a:extLst>
                 <a:ext uri="{91240B29-F687-4f45-9708-019B960494DF}">
-                  <a14:hiddenLine xmlns:a14="http://schemas.microsoft.com/office/drawing/2010/main" xmlns="" w="9525">
+                  <a14:hiddenLine xmlns="" xmlns:a14="http://schemas.microsoft.com/office/drawing/2010/main" w="9525">
                     <a:solidFill>
                       <a:srgbClr val="000000"/>
                     </a:solidFill>
@@ -10401,7 +10403,7 @@
               </a:ln>
               <a:extLst>
                 <a:ext uri="{91240B29-F687-4f45-9708-019B960494DF}">
-                  <a14:hiddenLine xmlns:a14="http://schemas.microsoft.com/office/drawing/2010/main" xmlns="" w="9525">
+                  <a14:hiddenLine xmlns="" xmlns:a14="http://schemas.microsoft.com/office/drawing/2010/main" w="9525">
                     <a:solidFill>
                       <a:srgbClr val="000000"/>
                     </a:solidFill>
@@ -10491,7 +10493,7 @@
               </a:ln>
               <a:extLst>
                 <a:ext uri="{91240B29-F687-4f45-9708-019B960494DF}">
-                  <a14:hiddenLine xmlns:a14="http://schemas.microsoft.com/office/drawing/2010/main" xmlns="" w="9525">
+                  <a14:hiddenLine xmlns="" xmlns:a14="http://schemas.microsoft.com/office/drawing/2010/main" w="9525">
                     <a:solidFill>
                       <a:srgbClr val="000000"/>
                     </a:solidFill>
@@ -10553,7 +10555,7 @@
               </a:ln>
               <a:extLst>
                 <a:ext uri="{91240B29-F687-4f45-9708-019B960494DF}">
-                  <a14:hiddenLine xmlns:a14="http://schemas.microsoft.com/office/drawing/2010/main" xmlns="" w="9525">
+                  <a14:hiddenLine xmlns="" xmlns:a14="http://schemas.microsoft.com/office/drawing/2010/main" w="9525">
                     <a:solidFill>
                       <a:srgbClr val="000000"/>
                     </a:solidFill>
@@ -10643,7 +10645,7 @@
               </a:ln>
               <a:extLst>
                 <a:ext uri="{91240B29-F687-4f45-9708-019B960494DF}">
-                  <a14:hiddenLine xmlns:a14="http://schemas.microsoft.com/office/drawing/2010/main" xmlns="" w="9525">
+                  <a14:hiddenLine xmlns="" xmlns:a14="http://schemas.microsoft.com/office/drawing/2010/main" w="9525">
                     <a:solidFill>
                       <a:srgbClr val="000000"/>
                     </a:solidFill>
@@ -10708,7 +10710,7 @@
               </a:ln>
               <a:extLst>
                 <a:ext uri="{91240B29-F687-4f45-9708-019B960494DF}">
-                  <a14:hiddenLine xmlns:a14="http://schemas.microsoft.com/office/drawing/2010/main" xmlns="" w="9525">
+                  <a14:hiddenLine xmlns="" xmlns:a14="http://schemas.microsoft.com/office/drawing/2010/main" w="9525">
                     <a:solidFill>
                       <a:srgbClr val="000000"/>
                     </a:solidFill>
@@ -10770,7 +10772,7 @@
               </a:ln>
               <a:extLst>
                 <a:ext uri="{91240B29-F687-4f45-9708-019B960494DF}">
-                  <a14:hiddenLine xmlns:a14="http://schemas.microsoft.com/office/drawing/2010/main" xmlns="" w="9525">
+                  <a14:hiddenLine xmlns="" xmlns:a14="http://schemas.microsoft.com/office/drawing/2010/main" w="9525">
                     <a:solidFill>
                       <a:srgbClr val="000000"/>
                     </a:solidFill>
@@ -10860,7 +10862,7 @@
               </a:ln>
               <a:extLst>
                 <a:ext uri="{91240B29-F687-4f45-9708-019B960494DF}">
-                  <a14:hiddenLine xmlns:a14="http://schemas.microsoft.com/office/drawing/2010/main" xmlns="" w="9525">
+                  <a14:hiddenLine xmlns="" xmlns:a14="http://schemas.microsoft.com/office/drawing/2010/main" w="9525">
                     <a:solidFill>
                       <a:srgbClr val="000000"/>
                     </a:solidFill>
@@ -10950,7 +10952,7 @@
               </a:ln>
               <a:extLst>
                 <a:ext uri="{91240B29-F687-4f45-9708-019B960494DF}">
-                  <a14:hiddenLine xmlns:a14="http://schemas.microsoft.com/office/drawing/2010/main" xmlns="" w="9525">
+                  <a14:hiddenLine xmlns="" xmlns:a14="http://schemas.microsoft.com/office/drawing/2010/main" w="9525">
                     <a:solidFill>
                       <a:srgbClr val="000000"/>
                     </a:solidFill>
@@ -11015,7 +11017,7 @@
               </a:ln>
               <a:extLst>
                 <a:ext uri="{91240B29-F687-4f45-9708-019B960494DF}">
-                  <a14:hiddenLine xmlns:a14="http://schemas.microsoft.com/office/drawing/2010/main" xmlns="" w="9525">
+                  <a14:hiddenLine xmlns="" xmlns:a14="http://schemas.microsoft.com/office/drawing/2010/main" w="9525">
                     <a:solidFill>
                       <a:srgbClr val="000000"/>
                     </a:solidFill>
@@ -11135,7 +11137,7 @@
               </a:ln>
               <a:extLst>
                 <a:ext uri="{91240B29-F687-4f45-9708-019B960494DF}">
-                  <a14:hiddenLine xmlns:a14="http://schemas.microsoft.com/office/drawing/2010/main" xmlns="" w="9525">
+                  <a14:hiddenLine xmlns="" xmlns:a14="http://schemas.microsoft.com/office/drawing/2010/main" w="9525">
                     <a:solidFill>
                       <a:srgbClr val="000000"/>
                     </a:solidFill>
@@ -11233,7 +11235,7 @@
               </a:ln>
               <a:extLst>
                 <a:ext uri="{91240B29-F687-4f45-9708-019B960494DF}">
-                  <a14:hiddenLine xmlns:a14="http://schemas.microsoft.com/office/drawing/2010/main" xmlns="" w="9525">
+                  <a14:hiddenLine xmlns="" xmlns:a14="http://schemas.microsoft.com/office/drawing/2010/main" w="9525">
                     <a:solidFill>
                       <a:srgbClr val="000000"/>
                     </a:solidFill>
@@ -11348,7 +11350,7 @@
               </a:ln>
               <a:extLst>
                 <a:ext uri="{91240B29-F687-4f45-9708-019B960494DF}">
-                  <a14:hiddenLine xmlns:a14="http://schemas.microsoft.com/office/drawing/2010/main" xmlns="" w="9525">
+                  <a14:hiddenLine xmlns="" xmlns:a14="http://schemas.microsoft.com/office/drawing/2010/main" w="9525">
                     <a:solidFill>
                       <a:srgbClr val="000000"/>
                     </a:solidFill>
@@ -11438,7 +11440,7 @@
               </a:ln>
               <a:extLst>
                 <a:ext uri="{91240B29-F687-4f45-9708-019B960494DF}">
-                  <a14:hiddenLine xmlns:a14="http://schemas.microsoft.com/office/drawing/2010/main" xmlns="" w="9525">
+                  <a14:hiddenLine xmlns="" xmlns:a14="http://schemas.microsoft.com/office/drawing/2010/main" w="9525">
                     <a:solidFill>
                       <a:srgbClr val="000000"/>
                     </a:solidFill>
@@ -11503,7 +11505,7 @@
               </a:ln>
               <a:extLst>
                 <a:ext uri="{91240B29-F687-4f45-9708-019B960494DF}">
-                  <a14:hiddenLine xmlns:a14="http://schemas.microsoft.com/office/drawing/2010/main" xmlns="" w="9525">
+                  <a14:hiddenLine xmlns="" xmlns:a14="http://schemas.microsoft.com/office/drawing/2010/main" w="9525">
                     <a:solidFill>
                       <a:srgbClr val="000000"/>
                     </a:solidFill>
@@ -11593,7 +11595,7 @@
               </a:ln>
               <a:extLst>
                 <a:ext uri="{91240B29-F687-4f45-9708-019B960494DF}">
-                  <a14:hiddenLine xmlns:a14="http://schemas.microsoft.com/office/drawing/2010/main" xmlns="" w="9525">
+                  <a14:hiddenLine xmlns="" xmlns:a14="http://schemas.microsoft.com/office/drawing/2010/main" w="9525">
                     <a:solidFill>
                       <a:srgbClr val="000000"/>
                     </a:solidFill>
@@ -11661,7 +11663,7 @@
               </a:ln>
               <a:extLst>
                 <a:ext uri="{91240B29-F687-4f45-9708-019B960494DF}">
-                  <a14:hiddenLine xmlns:a14="http://schemas.microsoft.com/office/drawing/2010/main" xmlns="" w="9525">
+                  <a14:hiddenLine xmlns="" xmlns:a14="http://schemas.microsoft.com/office/drawing/2010/main" w="9525">
                     <a:solidFill>
                       <a:srgbClr val="000000"/>
                     </a:solidFill>
@@ -11751,7 +11753,7 @@
               </a:ln>
               <a:extLst>
                 <a:ext uri="{91240B29-F687-4f45-9708-019B960494DF}">
-                  <a14:hiddenLine xmlns:a14="http://schemas.microsoft.com/office/drawing/2010/main" xmlns="" w="9525">
+                  <a14:hiddenLine xmlns="" xmlns:a14="http://schemas.microsoft.com/office/drawing/2010/main" w="9525">
                     <a:solidFill>
                       <a:srgbClr val="000000"/>
                     </a:solidFill>
@@ -11819,7 +11821,7 @@
               </a:ln>
               <a:extLst>
                 <a:ext uri="{91240B29-F687-4f45-9708-019B960494DF}">
-                  <a14:hiddenLine xmlns:a14="http://schemas.microsoft.com/office/drawing/2010/main" xmlns="" w="9525">
+                  <a14:hiddenLine xmlns="" xmlns:a14="http://schemas.microsoft.com/office/drawing/2010/main" w="9525">
                     <a:solidFill>
                       <a:srgbClr val="000000"/>
                     </a:solidFill>
@@ -11909,7 +11911,7 @@
               </a:ln>
               <a:extLst>
                 <a:ext uri="{91240B29-F687-4f45-9708-019B960494DF}">
-                  <a14:hiddenLine xmlns:a14="http://schemas.microsoft.com/office/drawing/2010/main" xmlns="" w="9525">
+                  <a14:hiddenLine xmlns="" xmlns:a14="http://schemas.microsoft.com/office/drawing/2010/main" w="9525">
                     <a:solidFill>
                       <a:srgbClr val="000000"/>
                     </a:solidFill>
@@ -11943,7 +11945,7 @@
               </a:ln>
               <a:extLst>
                 <a:ext uri="{91240B29-F687-4f45-9708-019B960494DF}">
-                  <a14:hiddenLine xmlns:a14="http://schemas.microsoft.com/office/drawing/2010/main" xmlns="" w="9525">
+                  <a14:hiddenLine xmlns="" xmlns:a14="http://schemas.microsoft.com/office/drawing/2010/main" w="9525">
                     <a:solidFill>
                       <a:srgbClr val="000000"/>
                     </a:solidFill>
@@ -12083,7 +12085,7 @@
           <a:p>
             <a:fld id="{951AF1EB-82F2-4C84-AADB-635468081963}" type="datetimeFigureOut">
               <a:rPr lang="en-US" smtClean="0"/>
-              <a:t>17/08/2022</a:t>
+              <a:t>22/08/2022</a:t>
             </a:fld>
             <a:endParaRPr lang="en-US"/>
           </a:p>
@@ -19903,6 +19905,244 @@
 </p:sld>
 </file>
 
+<file path=ppt/slides/slide58.xml><?xml version="1.0" encoding="utf-8"?>
+<p:sld xmlns:a="http://schemas.openxmlformats.org/drawingml/2006/main" xmlns:r="http://schemas.openxmlformats.org/officeDocument/2006/relationships" xmlns:p="http://schemas.openxmlformats.org/presentationml/2006/main">
+  <p:cSld>
+    <p:spTree>
+      <p:nvGrpSpPr>
+        <p:cNvPr id="1" name=""/>
+        <p:cNvGrpSpPr/>
+        <p:nvPr/>
+      </p:nvGrpSpPr>
+      <p:grpSpPr>
+        <a:xfrm>
+          <a:off x="0" y="0"/>
+          <a:ext cx="0" cy="0"/>
+          <a:chOff x="0" y="0"/>
+          <a:chExt cx="0" cy="0"/>
+        </a:xfrm>
+      </p:grpSpPr>
+      <p:sp>
+        <p:nvSpPr>
+          <p:cNvPr id="2" name="Title 1">
+            <a:extLst>
+              <a:ext uri="{FF2B5EF4-FFF2-40B4-BE49-F238E27FC236}">
+                <a16:creationId xmlns:a16="http://schemas.microsoft.com/office/drawing/2014/main" id="{7536A5A0-6A70-C7CE-1030-952992936583}"/>
+              </a:ext>
+            </a:extLst>
+          </p:cNvPr>
+          <p:cNvSpPr>
+            <a:spLocks noGrp="1"/>
+          </p:cNvSpPr>
+          <p:nvPr>
+            <p:ph type="title"/>
+          </p:nvPr>
+        </p:nvSpPr>
+        <p:spPr/>
+        <p:txBody>
+          <a:bodyPr/>
+          <a:lstStyle/>
+          <a:p>
+            <a:r>
+              <a:rPr lang="en-US" dirty="0"/>
+              <a:t>TK</a:t>
+            </a:r>
+          </a:p>
+        </p:txBody>
+      </p:sp>
+      <p:sp>
+        <p:nvSpPr>
+          <p:cNvPr id="3" name="Content Placeholder 2">
+            <a:extLst>
+              <a:ext uri="{FF2B5EF4-FFF2-40B4-BE49-F238E27FC236}">
+                <a16:creationId xmlns:a16="http://schemas.microsoft.com/office/drawing/2014/main" id="{9700354A-2391-DCDF-C79A-FF1F664814C0}"/>
+              </a:ext>
+            </a:extLst>
+          </p:cNvPr>
+          <p:cNvSpPr>
+            <a:spLocks noGrp="1"/>
+          </p:cNvSpPr>
+          <p:nvPr>
+            <p:ph idx="1"/>
+          </p:nvPr>
+        </p:nvSpPr>
+        <p:spPr/>
+        <p:txBody>
+          <a:bodyPr>
+            <a:normAutofit/>
+          </a:bodyPr>
+          <a:lstStyle/>
+          <a:p>
+            <a:r>
+              <a:rPr lang="en-US" dirty="0"/>
+              <a:t>create register and login page</a:t>
+            </a:r>
+          </a:p>
+          <a:p>
+            <a:r>
+              <a:rPr lang="en-US" dirty="0"/>
+              <a:t>in the register page add checkbox for seller or not</a:t>
+            </a:r>
+          </a:p>
+          <a:p>
+            <a:r>
+              <a:rPr lang="en-US" dirty="0"/>
+              <a:t>when user registered, send verification email,</a:t>
+            </a:r>
+          </a:p>
+          <a:p>
+            <a:r>
+              <a:rPr lang="en-US" dirty="0"/>
+              <a:t>only when user activated the account he can access to his account</a:t>
+            </a:r>
+          </a:p>
+        </p:txBody>
+      </p:sp>
+    </p:spTree>
+    <p:extLst>
+      <p:ext uri="{BB962C8B-B14F-4D97-AF65-F5344CB8AC3E}">
+        <p14:creationId xmlns:p14="http://schemas.microsoft.com/office/powerpoint/2010/main" val="1291360804"/>
+      </p:ext>
+    </p:extLst>
+  </p:cSld>
+  <p:clrMapOvr>
+    <a:masterClrMapping/>
+  </p:clrMapOvr>
+</p:sld>
+</file>
+
+<file path=ppt/slides/slide59.xml><?xml version="1.0" encoding="utf-8"?>
+<p:sld xmlns:a="http://schemas.openxmlformats.org/drawingml/2006/main" xmlns:r="http://schemas.openxmlformats.org/officeDocument/2006/relationships" xmlns:p="http://schemas.openxmlformats.org/presentationml/2006/main">
+  <p:cSld>
+    <p:spTree>
+      <p:nvGrpSpPr>
+        <p:cNvPr id="1" name=""/>
+        <p:cNvGrpSpPr/>
+        <p:nvPr/>
+      </p:nvGrpSpPr>
+      <p:grpSpPr>
+        <a:xfrm>
+          <a:off x="0" y="0"/>
+          <a:ext cx="0" cy="0"/>
+          <a:chOff x="0" y="0"/>
+          <a:chExt cx="0" cy="0"/>
+        </a:xfrm>
+      </p:grpSpPr>
+      <p:sp>
+        <p:nvSpPr>
+          <p:cNvPr id="2" name="Title 1">
+            <a:extLst>
+              <a:ext uri="{FF2B5EF4-FFF2-40B4-BE49-F238E27FC236}">
+                <a16:creationId xmlns:a16="http://schemas.microsoft.com/office/drawing/2014/main" id="{7536A5A0-6A70-C7CE-1030-952992936583}"/>
+              </a:ext>
+            </a:extLst>
+          </p:cNvPr>
+          <p:cNvSpPr>
+            <a:spLocks noGrp="1"/>
+          </p:cNvSpPr>
+          <p:nvPr>
+            <p:ph type="title"/>
+          </p:nvPr>
+        </p:nvSpPr>
+        <p:spPr/>
+        <p:txBody>
+          <a:bodyPr/>
+          <a:lstStyle/>
+          <a:p>
+            <a:r>
+              <a:rPr lang="en-US" dirty="0" err="1"/>
+              <a:t>winston</a:t>
+            </a:r>
+            <a:endParaRPr lang="en-US" dirty="0"/>
+          </a:p>
+        </p:txBody>
+      </p:sp>
+      <p:sp>
+        <p:nvSpPr>
+          <p:cNvPr id="3" name="Content Placeholder 2">
+            <a:extLst>
+              <a:ext uri="{FF2B5EF4-FFF2-40B4-BE49-F238E27FC236}">
+                <a16:creationId xmlns:a16="http://schemas.microsoft.com/office/drawing/2014/main" id="{9700354A-2391-DCDF-C79A-FF1F664814C0}"/>
+              </a:ext>
+            </a:extLst>
+          </p:cNvPr>
+          <p:cNvSpPr>
+            <a:spLocks noGrp="1"/>
+          </p:cNvSpPr>
+          <p:nvPr>
+            <p:ph idx="1"/>
+          </p:nvPr>
+        </p:nvSpPr>
+        <p:spPr/>
+        <p:txBody>
+          <a:bodyPr>
+            <a:normAutofit/>
+          </a:bodyPr>
+          <a:lstStyle/>
+          <a:p>
+            <a:r>
+              <a:rPr lang="en-US" dirty="0"/>
+              <a:t>this package is logger and it help us to debug the server when the code running on different environment.</a:t>
+            </a:r>
+          </a:p>
+          <a:p>
+            <a:r>
+              <a:rPr lang="en-US" dirty="0"/>
+              <a:t>this package will create log file and will store the logs.</a:t>
+            </a:r>
+          </a:p>
+          <a:p>
+            <a:r>
+              <a:rPr lang="en-US" dirty="0"/>
+              <a:t>this package can set log level.</a:t>
+            </a:r>
+          </a:p>
+          <a:p>
+            <a:r>
+              <a:rPr lang="en-US" dirty="0"/>
+              <a:t> </a:t>
+            </a:r>
+            <a:r>
+              <a:rPr lang="en-US" dirty="0" err="1"/>
+              <a:t>npm</a:t>
+            </a:r>
+            <a:r>
+              <a:rPr lang="en-US" dirty="0"/>
+              <a:t> </a:t>
+            </a:r>
+            <a:r>
+              <a:rPr lang="en-US" dirty="0" err="1"/>
+              <a:t>i</a:t>
+            </a:r>
+            <a:r>
+              <a:rPr lang="en-US" dirty="0"/>
+              <a:t> </a:t>
+            </a:r>
+            <a:r>
+              <a:rPr lang="en-US" dirty="0" err="1"/>
+              <a:t>winston</a:t>
+            </a:r>
+            <a:r>
+              <a:rPr lang="en-US"/>
+              <a:t>.</a:t>
+            </a:r>
+            <a:endParaRPr lang="en-US" dirty="0"/>
+          </a:p>
+        </p:txBody>
+      </p:sp>
+    </p:spTree>
+    <p:extLst>
+      <p:ext uri="{BB962C8B-B14F-4D97-AF65-F5344CB8AC3E}">
+        <p14:creationId xmlns:p14="http://schemas.microsoft.com/office/powerpoint/2010/main" val="1005316356"/>
+      </p:ext>
+    </p:extLst>
+  </p:cSld>
+  <p:clrMapOvr>
+    <a:masterClrMapping/>
+  </p:clrMapOvr>
+</p:sld>
+</file>
+
 <file path=ppt/slides/slide6.xml><?xml version="1.0" encoding="utf-8"?>
 <p:sld xmlns:a="http://schemas.openxmlformats.org/drawingml/2006/main" xmlns:r="http://schemas.openxmlformats.org/officeDocument/2006/relationships" xmlns:p="http://schemas.openxmlformats.org/presentationml/2006/main">
   <p:cSld>
